--- a/slides/On-Campus/09_02_Exceptions.pptx
+++ b/slides/On-Campus/09_02_Exceptions.pptx
@@ -5,16 +5,23 @@
     <p:sldMasterId id="2147483648" r:id="rId1"/>
   </p:sldMasterIdLst>
   <p:notesMasterIdLst>
-    <p:notesMasterId r:id="rId6"/>
+    <p:notesMasterId r:id="rId13"/>
   </p:notesMasterIdLst>
   <p:handoutMasterIdLst>
-    <p:handoutMasterId r:id="rId7"/>
+    <p:handoutMasterId r:id="rId14"/>
   </p:handoutMasterIdLst>
   <p:sldIdLst>
     <p:sldId id="256" r:id="rId2"/>
-    <p:sldId id="257" r:id="rId3"/>
+    <p:sldId id="267" r:id="rId3"/>
     <p:sldId id="258" r:id="rId4"/>
-    <p:sldId id="259" r:id="rId5"/>
+    <p:sldId id="262" r:id="rId5"/>
+    <p:sldId id="261" r:id="rId6"/>
+    <p:sldId id="259" r:id="rId7"/>
+    <p:sldId id="260" r:id="rId8"/>
+    <p:sldId id="263" r:id="rId9"/>
+    <p:sldId id="264" r:id="rId10"/>
+    <p:sldId id="265" r:id="rId11"/>
+    <p:sldId id="266" r:id="rId12"/>
   </p:sldIdLst>
   <p:sldSz cx="13817600" cy="7772400"/>
   <p:notesSz cx="6858000" cy="9144000"/>
@@ -135,6 +142,552 @@
 </p:presentation>
 </file>
 
+<file path=ppt/changesInfos/changesInfo1.xml><?xml version="1.0" encoding="utf-8"?>
+<pc:chgInfo xmlns:a="http://schemas.openxmlformats.org/drawingml/2006/main" xmlns:r="http://schemas.openxmlformats.org/officeDocument/2006/relationships" xmlns:ac="http://schemas.microsoft.com/office/drawing/2013/main/command" xmlns:pc="http://schemas.microsoft.com/office/powerpoint/2013/main/command">
+  <pc:docChgLst>
+    <pc:chgData name="Marcia Moraes" userId="c9c67e8a-58e2-4733-9a1c-5d44fec4775b" providerId="ADAL" clId="{FADBB162-9D64-40A8-8959-BE3407ABC9DB}"/>
+    <pc:docChg chg="undo custSel addSld delSld modSld">
+      <pc:chgData name="Marcia Moraes" userId="c9c67e8a-58e2-4733-9a1c-5d44fec4775b" providerId="ADAL" clId="{FADBB162-9D64-40A8-8959-BE3407ABC9DB}" dt="2021-10-20T03:35:09.092" v="1360" actId="20577"/>
+      <pc:docMkLst>
+        <pc:docMk/>
+      </pc:docMkLst>
+      <pc:sldChg chg="del">
+        <pc:chgData name="Marcia Moraes" userId="c9c67e8a-58e2-4733-9a1c-5d44fec4775b" providerId="ADAL" clId="{FADBB162-9D64-40A8-8959-BE3407ABC9DB}" dt="2021-10-20T02:11:06.698" v="50" actId="2696"/>
+        <pc:sldMkLst>
+          <pc:docMk/>
+          <pc:sldMk cId="3600929051" sldId="257"/>
+        </pc:sldMkLst>
+      </pc:sldChg>
+      <pc:sldChg chg="addSp delSp modSp">
+        <pc:chgData name="Marcia Moraes" userId="c9c67e8a-58e2-4733-9a1c-5d44fec4775b" providerId="ADAL" clId="{FADBB162-9D64-40A8-8959-BE3407ABC9DB}" dt="2021-10-20T02:19:44.774" v="121" actId="1076"/>
+        <pc:sldMkLst>
+          <pc:docMk/>
+          <pc:sldMk cId="821888918" sldId="258"/>
+        </pc:sldMkLst>
+        <pc:spChg chg="mod">
+          <ac:chgData name="Marcia Moraes" userId="c9c67e8a-58e2-4733-9a1c-5d44fec4775b" providerId="ADAL" clId="{FADBB162-9D64-40A8-8959-BE3407ABC9DB}" dt="2021-10-20T02:12:18.180" v="82" actId="20577"/>
+          <ac:spMkLst>
+            <pc:docMk/>
+            <pc:sldMk cId="821888918" sldId="258"/>
+            <ac:spMk id="2" creationId="{311082DD-17AB-054F-B421-93D81C8D0F35}"/>
+          </ac:spMkLst>
+        </pc:spChg>
+        <pc:spChg chg="del">
+          <ac:chgData name="Marcia Moraes" userId="c9c67e8a-58e2-4733-9a1c-5d44fec4775b" providerId="ADAL" clId="{FADBB162-9D64-40A8-8959-BE3407ABC9DB}" dt="2021-10-20T02:09:51.338" v="39" actId="478"/>
+          <ac:spMkLst>
+            <pc:docMk/>
+            <pc:sldMk cId="821888918" sldId="258"/>
+            <ac:spMk id="3" creationId="{8764ED85-2186-444D-9466-3F49AD21A26F}"/>
+          </ac:spMkLst>
+        </pc:spChg>
+        <pc:spChg chg="add mod">
+          <ac:chgData name="Marcia Moraes" userId="c9c67e8a-58e2-4733-9a1c-5d44fec4775b" providerId="ADAL" clId="{FADBB162-9D64-40A8-8959-BE3407ABC9DB}" dt="2021-10-20T02:16:02.393" v="98"/>
+          <ac:spMkLst>
+            <pc:docMk/>
+            <pc:sldMk cId="821888918" sldId="258"/>
+            <ac:spMk id="6" creationId="{6D41F63A-1552-47F7-A16E-CEC79BE06E99}"/>
+          </ac:spMkLst>
+        </pc:spChg>
+        <pc:spChg chg="add del">
+          <ac:chgData name="Marcia Moraes" userId="c9c67e8a-58e2-4733-9a1c-5d44fec4775b" providerId="ADAL" clId="{FADBB162-9D64-40A8-8959-BE3407ABC9DB}" dt="2021-10-20T02:15:46.634" v="95"/>
+          <ac:spMkLst>
+            <pc:docMk/>
+            <pc:sldMk cId="821888918" sldId="258"/>
+            <ac:spMk id="7" creationId="{35349E30-F4C2-4484-8F7B-29A371E92B74}"/>
+          </ac:spMkLst>
+        </pc:spChg>
+        <pc:spChg chg="add del">
+          <ac:chgData name="Marcia Moraes" userId="c9c67e8a-58e2-4733-9a1c-5d44fec4775b" providerId="ADAL" clId="{FADBB162-9D64-40A8-8959-BE3407ABC9DB}" dt="2021-10-20T02:15:49.832" v="97"/>
+          <ac:spMkLst>
+            <pc:docMk/>
+            <pc:sldMk cId="821888918" sldId="258"/>
+            <ac:spMk id="8" creationId="{442E90D3-A5EA-421E-9254-7305AEFC3353}"/>
+          </ac:spMkLst>
+        </pc:spChg>
+        <pc:spChg chg="add mod">
+          <ac:chgData name="Marcia Moraes" userId="c9c67e8a-58e2-4733-9a1c-5d44fec4775b" providerId="ADAL" clId="{FADBB162-9D64-40A8-8959-BE3407ABC9DB}" dt="2021-10-20T02:19:44.774" v="121" actId="1076"/>
+          <ac:spMkLst>
+            <pc:docMk/>
+            <pc:sldMk cId="821888918" sldId="258"/>
+            <ac:spMk id="9" creationId="{7EF53C4F-21AC-4482-A037-01C80CC7A182}"/>
+          </ac:spMkLst>
+        </pc:spChg>
+        <pc:picChg chg="del">
+          <ac:chgData name="Marcia Moraes" userId="c9c67e8a-58e2-4733-9a1c-5d44fec4775b" providerId="ADAL" clId="{FADBB162-9D64-40A8-8959-BE3407ABC9DB}" dt="2021-10-20T02:09:54.041" v="40" actId="478"/>
+          <ac:picMkLst>
+            <pc:docMk/>
+            <pc:sldMk cId="821888918" sldId="258"/>
+            <ac:picMk id="4" creationId="{59BF01C2-F804-FC48-8726-56EFF0ABD8C0}"/>
+          </ac:picMkLst>
+        </pc:picChg>
+        <pc:picChg chg="add mod">
+          <ac:chgData name="Marcia Moraes" userId="c9c67e8a-58e2-4733-9a1c-5d44fec4775b" providerId="ADAL" clId="{FADBB162-9D64-40A8-8959-BE3407ABC9DB}" dt="2021-10-20T02:19:37.998" v="120" actId="1076"/>
+          <ac:picMkLst>
+            <pc:docMk/>
+            <pc:sldMk cId="821888918" sldId="258"/>
+            <ac:picMk id="1026" creationId="{63678111-5FFD-471E-BD25-9DCB66051513}"/>
+          </ac:picMkLst>
+        </pc:picChg>
+      </pc:sldChg>
+      <pc:sldChg chg="modSp">
+        <pc:chgData name="Marcia Moraes" userId="c9c67e8a-58e2-4733-9a1c-5d44fec4775b" providerId="ADAL" clId="{FADBB162-9D64-40A8-8959-BE3407ABC9DB}" dt="2021-10-20T02:18:03.998" v="117" actId="20577"/>
+        <pc:sldMkLst>
+          <pc:docMk/>
+          <pc:sldMk cId="410878570" sldId="259"/>
+        </pc:sldMkLst>
+        <pc:spChg chg="mod">
+          <ac:chgData name="Marcia Moraes" userId="c9c67e8a-58e2-4733-9a1c-5d44fec4775b" providerId="ADAL" clId="{FADBB162-9D64-40A8-8959-BE3407ABC9DB}" dt="2021-10-20T02:18:03.998" v="117" actId="20577"/>
+          <ac:spMkLst>
+            <pc:docMk/>
+            <pc:sldMk cId="410878570" sldId="259"/>
+            <ac:spMk id="3" creationId="{1A9C7C67-1E08-9D4C-83E9-D3D4D8C31D6D}"/>
+          </ac:spMkLst>
+        </pc:spChg>
+      </pc:sldChg>
+      <pc:sldChg chg="addSp delSp modSp add delAnim">
+        <pc:chgData name="Marcia Moraes" userId="c9c67e8a-58e2-4733-9a1c-5d44fec4775b" providerId="ADAL" clId="{FADBB162-9D64-40A8-8959-BE3407ABC9DB}" dt="2021-10-20T02:42:12.909" v="314" actId="1076"/>
+        <pc:sldMkLst>
+          <pc:docMk/>
+          <pc:sldMk cId="1451061376" sldId="260"/>
+        </pc:sldMkLst>
+        <pc:spChg chg="del">
+          <ac:chgData name="Marcia Moraes" userId="c9c67e8a-58e2-4733-9a1c-5d44fec4775b" providerId="ADAL" clId="{FADBB162-9D64-40A8-8959-BE3407ABC9DB}" dt="2021-10-20T02:38:45.840" v="282" actId="478"/>
+          <ac:spMkLst>
+            <pc:docMk/>
+            <pc:sldMk cId="1451061376" sldId="260"/>
+            <ac:spMk id="2" creationId="{776903C6-1E21-FF4E-BF23-334B721CE6A3}"/>
+          </ac:spMkLst>
+        </pc:spChg>
+        <pc:spChg chg="del mod">
+          <ac:chgData name="Marcia Moraes" userId="c9c67e8a-58e2-4733-9a1c-5d44fec4775b" providerId="ADAL" clId="{FADBB162-9D64-40A8-8959-BE3407ABC9DB}" dt="2021-10-20T02:35:31.679" v="277" actId="478"/>
+          <ac:spMkLst>
+            <pc:docMk/>
+            <pc:sldMk cId="1451061376" sldId="260"/>
+            <ac:spMk id="3" creationId="{1A9C7C67-1E08-9D4C-83E9-D3D4D8C31D6D}"/>
+          </ac:spMkLst>
+        </pc:spChg>
+        <pc:spChg chg="add del mod">
+          <ac:chgData name="Marcia Moraes" userId="c9c67e8a-58e2-4733-9a1c-5d44fec4775b" providerId="ADAL" clId="{FADBB162-9D64-40A8-8959-BE3407ABC9DB}" dt="2021-10-20T02:38:53.468" v="285" actId="478"/>
+          <ac:spMkLst>
+            <pc:docMk/>
+            <pc:sldMk cId="1451061376" sldId="260"/>
+            <ac:spMk id="5" creationId="{E4934DB7-33A1-4B8E-B2FE-E42480B5F69F}"/>
+          </ac:spMkLst>
+        </pc:spChg>
+        <pc:spChg chg="del">
+          <ac:chgData name="Marcia Moraes" userId="c9c67e8a-58e2-4733-9a1c-5d44fec4775b" providerId="ADAL" clId="{FADBB162-9D64-40A8-8959-BE3407ABC9DB}" dt="2021-10-20T02:35:34.521" v="278" actId="478"/>
+          <ac:spMkLst>
+            <pc:docMk/>
+            <pc:sldMk cId="1451061376" sldId="260"/>
+            <ac:spMk id="6" creationId="{CA0F6F5B-8375-D04D-8526-26C34F04171C}"/>
+          </ac:spMkLst>
+        </pc:spChg>
+        <pc:spChg chg="add del mod">
+          <ac:chgData name="Marcia Moraes" userId="c9c67e8a-58e2-4733-9a1c-5d44fec4775b" providerId="ADAL" clId="{FADBB162-9D64-40A8-8959-BE3407ABC9DB}" dt="2021-10-20T02:38:51.898" v="284" actId="478"/>
+          <ac:spMkLst>
+            <pc:docMk/>
+            <pc:sldMk cId="1451061376" sldId="260"/>
+            <ac:spMk id="7" creationId="{15FE168F-24F7-41CE-9569-29BCF88E532C}"/>
+          </ac:spMkLst>
+        </pc:spChg>
+        <pc:spChg chg="add del mod">
+          <ac:chgData name="Marcia Moraes" userId="c9c67e8a-58e2-4733-9a1c-5d44fec4775b" providerId="ADAL" clId="{FADBB162-9D64-40A8-8959-BE3407ABC9DB}" dt="2021-10-20T02:38:49.188" v="283" actId="478"/>
+          <ac:spMkLst>
+            <pc:docMk/>
+            <pc:sldMk cId="1451061376" sldId="260"/>
+            <ac:spMk id="9" creationId="{C1701EAF-243C-4927-816B-CE3117FDB4BB}"/>
+          </ac:spMkLst>
+        </pc:spChg>
+        <pc:spChg chg="add mod">
+          <ac:chgData name="Marcia Moraes" userId="c9c67e8a-58e2-4733-9a1c-5d44fec4775b" providerId="ADAL" clId="{FADBB162-9D64-40A8-8959-BE3407ABC9DB}" dt="2021-10-20T02:42:09.780" v="313" actId="1076"/>
+          <ac:spMkLst>
+            <pc:docMk/>
+            <pc:sldMk cId="1451061376" sldId="260"/>
+            <ac:spMk id="10" creationId="{FADA7691-52F5-43FD-866F-B4E5A75A6300}"/>
+          </ac:spMkLst>
+        </pc:spChg>
+        <pc:spChg chg="add mod">
+          <ac:chgData name="Marcia Moraes" userId="c9c67e8a-58e2-4733-9a1c-5d44fec4775b" providerId="ADAL" clId="{FADBB162-9D64-40A8-8959-BE3407ABC9DB}" dt="2021-10-20T02:42:12.909" v="314" actId="1076"/>
+          <ac:spMkLst>
+            <pc:docMk/>
+            <pc:sldMk cId="1451061376" sldId="260"/>
+            <ac:spMk id="11" creationId="{C2D676CC-4307-40DF-81C0-F1476BB4A053}"/>
+          </ac:spMkLst>
+        </pc:spChg>
+      </pc:sldChg>
+      <pc:sldChg chg="modSp add">
+        <pc:chgData name="Marcia Moraes" userId="c9c67e8a-58e2-4733-9a1c-5d44fec4775b" providerId="ADAL" clId="{FADBB162-9D64-40A8-8959-BE3407ABC9DB}" dt="2021-10-20T02:17:34.527" v="108" actId="20577"/>
+        <pc:sldMkLst>
+          <pc:docMk/>
+          <pc:sldMk cId="361762476" sldId="261"/>
+        </pc:sldMkLst>
+        <pc:spChg chg="mod">
+          <ac:chgData name="Marcia Moraes" userId="c9c67e8a-58e2-4733-9a1c-5d44fec4775b" providerId="ADAL" clId="{FADBB162-9D64-40A8-8959-BE3407ABC9DB}" dt="2021-10-20T02:17:34.527" v="108" actId="20577"/>
+          <ac:spMkLst>
+            <pc:docMk/>
+            <pc:sldMk cId="361762476" sldId="261"/>
+            <ac:spMk id="2" creationId="{311082DD-17AB-054F-B421-93D81C8D0F35}"/>
+          </ac:spMkLst>
+        </pc:spChg>
+      </pc:sldChg>
+      <pc:sldChg chg="addSp delSp modSp add">
+        <pc:chgData name="Marcia Moraes" userId="c9c67e8a-58e2-4733-9a1c-5d44fec4775b" providerId="ADAL" clId="{FADBB162-9D64-40A8-8959-BE3407ABC9DB}" dt="2021-10-20T02:29:15.975" v="276" actId="6549"/>
+        <pc:sldMkLst>
+          <pc:docMk/>
+          <pc:sldMk cId="217507841" sldId="262"/>
+        </pc:sldMkLst>
+        <pc:spChg chg="add del">
+          <ac:chgData name="Marcia Moraes" userId="c9c67e8a-58e2-4733-9a1c-5d44fec4775b" providerId="ADAL" clId="{FADBB162-9D64-40A8-8959-BE3407ABC9DB}" dt="2021-10-20T02:24:39.331" v="124"/>
+          <ac:spMkLst>
+            <pc:docMk/>
+            <pc:sldMk cId="217507841" sldId="262"/>
+            <ac:spMk id="3" creationId="{C0B176FD-3513-4B2D-AA2B-3CA363DA1BEE}"/>
+          </ac:spMkLst>
+        </pc:spChg>
+        <pc:spChg chg="add del">
+          <ac:chgData name="Marcia Moraes" userId="c9c67e8a-58e2-4733-9a1c-5d44fec4775b" providerId="ADAL" clId="{FADBB162-9D64-40A8-8959-BE3407ABC9DB}" dt="2021-10-20T02:25:44.109" v="129"/>
+          <ac:spMkLst>
+            <pc:docMk/>
+            <pc:sldMk cId="217507841" sldId="262"/>
+            <ac:spMk id="4" creationId="{D3B659CA-7C2B-4648-BA06-5A7D3644EECE}"/>
+          </ac:spMkLst>
+        </pc:spChg>
+        <pc:spChg chg="mod">
+          <ac:chgData name="Marcia Moraes" userId="c9c67e8a-58e2-4733-9a1c-5d44fec4775b" providerId="ADAL" clId="{FADBB162-9D64-40A8-8959-BE3407ABC9DB}" dt="2021-10-20T02:29:15.975" v="276" actId="6549"/>
+          <ac:spMkLst>
+            <pc:docMk/>
+            <pc:sldMk cId="217507841" sldId="262"/>
+            <ac:spMk id="6" creationId="{6D41F63A-1552-47F7-A16E-CEC79BE06E99}"/>
+          </ac:spMkLst>
+        </pc:spChg>
+      </pc:sldChg>
+      <pc:sldChg chg="add del">
+        <pc:chgData name="Marcia Moraes" userId="c9c67e8a-58e2-4733-9a1c-5d44fec4775b" providerId="ADAL" clId="{FADBB162-9D64-40A8-8959-BE3407ABC9DB}" dt="2021-10-20T02:09:58.111" v="42"/>
+        <pc:sldMkLst>
+          <pc:docMk/>
+          <pc:sldMk cId="3504604594" sldId="262"/>
+        </pc:sldMkLst>
+      </pc:sldChg>
+      <pc:sldChg chg="addSp delSp modSp add delAnim">
+        <pc:chgData name="Marcia Moraes" userId="c9c67e8a-58e2-4733-9a1c-5d44fec4775b" providerId="ADAL" clId="{FADBB162-9D64-40A8-8959-BE3407ABC9DB}" dt="2021-10-20T02:55:16.714" v="510" actId="20577"/>
+        <pc:sldMkLst>
+          <pc:docMk/>
+          <pc:sldMk cId="1953586090" sldId="263"/>
+        </pc:sldMkLst>
+        <pc:spChg chg="mod">
+          <ac:chgData name="Marcia Moraes" userId="c9c67e8a-58e2-4733-9a1c-5d44fec4775b" providerId="ADAL" clId="{FADBB162-9D64-40A8-8959-BE3407ABC9DB}" dt="2021-10-20T02:51:58.009" v="390" actId="20577"/>
+          <ac:spMkLst>
+            <pc:docMk/>
+            <pc:sldMk cId="1953586090" sldId="263"/>
+            <ac:spMk id="2" creationId="{776903C6-1E21-FF4E-BF23-334B721CE6A3}"/>
+          </ac:spMkLst>
+        </pc:spChg>
+        <pc:spChg chg="del mod">
+          <ac:chgData name="Marcia Moraes" userId="c9c67e8a-58e2-4733-9a1c-5d44fec4775b" providerId="ADAL" clId="{FADBB162-9D64-40A8-8959-BE3407ABC9DB}" dt="2021-10-20T02:53:01.891" v="395" actId="478"/>
+          <ac:spMkLst>
+            <pc:docMk/>
+            <pc:sldMk cId="1953586090" sldId="263"/>
+            <ac:spMk id="3" creationId="{1A9C7C67-1E08-9D4C-83E9-D3D4D8C31D6D}"/>
+          </ac:spMkLst>
+        </pc:spChg>
+        <pc:spChg chg="del">
+          <ac:chgData name="Marcia Moraes" userId="c9c67e8a-58e2-4733-9a1c-5d44fec4775b" providerId="ADAL" clId="{FADBB162-9D64-40A8-8959-BE3407ABC9DB}" dt="2021-10-20T02:52:04.035" v="391" actId="478"/>
+          <ac:spMkLst>
+            <pc:docMk/>
+            <pc:sldMk cId="1953586090" sldId="263"/>
+            <ac:spMk id="6" creationId="{CA0F6F5B-8375-D04D-8526-26C34F04171C}"/>
+          </ac:spMkLst>
+        </pc:spChg>
+        <pc:spChg chg="add del mod">
+          <ac:chgData name="Marcia Moraes" userId="c9c67e8a-58e2-4733-9a1c-5d44fec4775b" providerId="ADAL" clId="{FADBB162-9D64-40A8-8959-BE3407ABC9DB}" dt="2021-10-20T02:53:04.248" v="396" actId="478"/>
+          <ac:spMkLst>
+            <pc:docMk/>
+            <pc:sldMk cId="1953586090" sldId="263"/>
+            <ac:spMk id="7" creationId="{3A3EDA99-30C1-4226-8569-C37AFA800FFA}"/>
+          </ac:spMkLst>
+        </pc:spChg>
+        <pc:spChg chg="add mod">
+          <ac:chgData name="Marcia Moraes" userId="c9c67e8a-58e2-4733-9a1c-5d44fec4775b" providerId="ADAL" clId="{FADBB162-9D64-40A8-8959-BE3407ABC9DB}" dt="2021-10-20T02:53:24.757" v="398" actId="14100"/>
+          <ac:spMkLst>
+            <pc:docMk/>
+            <pc:sldMk cId="1953586090" sldId="263"/>
+            <ac:spMk id="8" creationId="{56940FC7-E476-44A6-A096-A4FF8894B943}"/>
+          </ac:spMkLst>
+        </pc:spChg>
+        <pc:spChg chg="add mod">
+          <ac:chgData name="Marcia Moraes" userId="c9c67e8a-58e2-4733-9a1c-5d44fec4775b" providerId="ADAL" clId="{FADBB162-9D64-40A8-8959-BE3407ABC9DB}" dt="2021-10-20T02:53:47.810" v="440" actId="1076"/>
+          <ac:spMkLst>
+            <pc:docMk/>
+            <pc:sldMk cId="1953586090" sldId="263"/>
+            <ac:spMk id="9" creationId="{D6BBB74D-437F-455D-A310-C3ABA3FCDACF}"/>
+          </ac:spMkLst>
+        </pc:spChg>
+        <pc:spChg chg="add mod">
+          <ac:chgData name="Marcia Moraes" userId="c9c67e8a-58e2-4733-9a1c-5d44fec4775b" providerId="ADAL" clId="{FADBB162-9D64-40A8-8959-BE3407ABC9DB}" dt="2021-10-20T02:54:01.078" v="442" actId="1076"/>
+          <ac:spMkLst>
+            <pc:docMk/>
+            <pc:sldMk cId="1953586090" sldId="263"/>
+            <ac:spMk id="10" creationId="{00359D79-1FA9-4B4C-8B8C-30DE3571D978}"/>
+          </ac:spMkLst>
+        </pc:spChg>
+        <pc:spChg chg="add del">
+          <ac:chgData name="Marcia Moraes" userId="c9c67e8a-58e2-4733-9a1c-5d44fec4775b" providerId="ADAL" clId="{FADBB162-9D64-40A8-8959-BE3407ABC9DB}" dt="2021-10-20T02:54:06.563" v="444"/>
+          <ac:spMkLst>
+            <pc:docMk/>
+            <pc:sldMk cId="1953586090" sldId="263"/>
+            <ac:spMk id="11" creationId="{AAB22171-1735-490B-A828-CE0AE4792C2F}"/>
+          </ac:spMkLst>
+        </pc:spChg>
+        <pc:spChg chg="add mod">
+          <ac:chgData name="Marcia Moraes" userId="c9c67e8a-58e2-4733-9a1c-5d44fec4775b" providerId="ADAL" clId="{FADBB162-9D64-40A8-8959-BE3407ABC9DB}" dt="2021-10-20T02:55:16.714" v="510" actId="20577"/>
+          <ac:spMkLst>
+            <pc:docMk/>
+            <pc:sldMk cId="1953586090" sldId="263"/>
+            <ac:spMk id="12" creationId="{D80517DE-03E8-4C47-B3D4-B841D7B7DE99}"/>
+          </ac:spMkLst>
+        </pc:spChg>
+        <pc:picChg chg="add mod">
+          <ac:chgData name="Marcia Moraes" userId="c9c67e8a-58e2-4733-9a1c-5d44fec4775b" providerId="ADAL" clId="{FADBB162-9D64-40A8-8959-BE3407ABC9DB}" dt="2021-10-20T02:52:55.968" v="394" actId="1076"/>
+          <ac:picMkLst>
+            <pc:docMk/>
+            <pc:sldMk cId="1953586090" sldId="263"/>
+            <ac:picMk id="4" creationId="{A2CD9BA1-8B4E-4AC0-9A7F-11883C19FE74}"/>
+          </ac:picMkLst>
+        </pc:picChg>
+      </pc:sldChg>
+      <pc:sldChg chg="addSp delSp modSp add">
+        <pc:chgData name="Marcia Moraes" userId="c9c67e8a-58e2-4733-9a1c-5d44fec4775b" providerId="ADAL" clId="{FADBB162-9D64-40A8-8959-BE3407ABC9DB}" dt="2021-10-20T03:15:58.821" v="687" actId="20577"/>
+        <pc:sldMkLst>
+          <pc:docMk/>
+          <pc:sldMk cId="2498223820" sldId="264"/>
+        </pc:sldMkLst>
+        <pc:spChg chg="mod">
+          <ac:chgData name="Marcia Moraes" userId="c9c67e8a-58e2-4733-9a1c-5d44fec4775b" providerId="ADAL" clId="{FADBB162-9D64-40A8-8959-BE3407ABC9DB}" dt="2021-10-20T03:12:48.870" v="533" actId="20577"/>
+          <ac:spMkLst>
+            <pc:docMk/>
+            <pc:sldMk cId="2498223820" sldId="264"/>
+            <ac:spMk id="2" creationId="{776903C6-1E21-FF4E-BF23-334B721CE6A3}"/>
+          </ac:spMkLst>
+        </pc:spChg>
+        <pc:spChg chg="mod">
+          <ac:chgData name="Marcia Moraes" userId="c9c67e8a-58e2-4733-9a1c-5d44fec4775b" providerId="ADAL" clId="{FADBB162-9D64-40A8-8959-BE3407ABC9DB}" dt="2021-10-20T03:13:10.655" v="539" actId="14100"/>
+          <ac:spMkLst>
+            <pc:docMk/>
+            <pc:sldMk cId="2498223820" sldId="264"/>
+            <ac:spMk id="8" creationId="{56940FC7-E476-44A6-A096-A4FF8894B943}"/>
+          </ac:spMkLst>
+        </pc:spChg>
+        <pc:spChg chg="mod">
+          <ac:chgData name="Marcia Moraes" userId="c9c67e8a-58e2-4733-9a1c-5d44fec4775b" providerId="ADAL" clId="{FADBB162-9D64-40A8-8959-BE3407ABC9DB}" dt="2021-10-20T03:13:22.009" v="564" actId="20577"/>
+          <ac:spMkLst>
+            <pc:docMk/>
+            <pc:sldMk cId="2498223820" sldId="264"/>
+            <ac:spMk id="9" creationId="{D6BBB74D-437F-455D-A310-C3ABA3FCDACF}"/>
+          </ac:spMkLst>
+        </pc:spChg>
+        <pc:spChg chg="del mod">
+          <ac:chgData name="Marcia Moraes" userId="c9c67e8a-58e2-4733-9a1c-5d44fec4775b" providerId="ADAL" clId="{FADBB162-9D64-40A8-8959-BE3407ABC9DB}" dt="2021-10-20T03:13:47.510" v="587" actId="478"/>
+          <ac:spMkLst>
+            <pc:docMk/>
+            <pc:sldMk cId="2498223820" sldId="264"/>
+            <ac:spMk id="10" creationId="{00359D79-1FA9-4B4C-8B8C-30DE3571D978}"/>
+          </ac:spMkLst>
+        </pc:spChg>
+        <pc:spChg chg="add mod">
+          <ac:chgData name="Marcia Moraes" userId="c9c67e8a-58e2-4733-9a1c-5d44fec4775b" providerId="ADAL" clId="{FADBB162-9D64-40A8-8959-BE3407ABC9DB}" dt="2021-10-20T03:13:56.832" v="590" actId="14100"/>
+          <ac:spMkLst>
+            <pc:docMk/>
+            <pc:sldMk cId="2498223820" sldId="264"/>
+            <ac:spMk id="11" creationId="{DF6766D9-3B85-427C-AD8B-22D42489F777}"/>
+          </ac:spMkLst>
+        </pc:spChg>
+        <pc:spChg chg="mod">
+          <ac:chgData name="Marcia Moraes" userId="c9c67e8a-58e2-4733-9a1c-5d44fec4775b" providerId="ADAL" clId="{FADBB162-9D64-40A8-8959-BE3407ABC9DB}" dt="2021-10-20T03:13:40.011" v="586" actId="20577"/>
+          <ac:spMkLst>
+            <pc:docMk/>
+            <pc:sldMk cId="2498223820" sldId="264"/>
+            <ac:spMk id="12" creationId="{D80517DE-03E8-4C47-B3D4-B841D7B7DE99}"/>
+          </ac:spMkLst>
+        </pc:spChg>
+        <pc:spChg chg="add mod">
+          <ac:chgData name="Marcia Moraes" userId="c9c67e8a-58e2-4733-9a1c-5d44fec4775b" providerId="ADAL" clId="{FADBB162-9D64-40A8-8959-BE3407ABC9DB}" dt="2021-10-20T03:14:06.070" v="592" actId="1076"/>
+          <ac:spMkLst>
+            <pc:docMk/>
+            <pc:sldMk cId="2498223820" sldId="264"/>
+            <ac:spMk id="13" creationId="{736DB970-17A9-4B47-AEAF-4FD1566FFA9B}"/>
+          </ac:spMkLst>
+        </pc:spChg>
+        <pc:spChg chg="add mod">
+          <ac:chgData name="Marcia Moraes" userId="c9c67e8a-58e2-4733-9a1c-5d44fec4775b" providerId="ADAL" clId="{FADBB162-9D64-40A8-8959-BE3407ABC9DB}" dt="2021-10-20T03:15:58.821" v="687" actId="20577"/>
+          <ac:spMkLst>
+            <pc:docMk/>
+            <pc:sldMk cId="2498223820" sldId="264"/>
+            <ac:spMk id="14" creationId="{00D2C33F-0FB8-4A0B-84A9-FF66CBCA60C6}"/>
+          </ac:spMkLst>
+        </pc:spChg>
+        <pc:picChg chg="add mod">
+          <ac:chgData name="Marcia Moraes" userId="c9c67e8a-58e2-4733-9a1c-5d44fec4775b" providerId="ADAL" clId="{FADBB162-9D64-40A8-8959-BE3407ABC9DB}" dt="2021-10-20T03:13:01.820" v="537" actId="1076"/>
+          <ac:picMkLst>
+            <pc:docMk/>
+            <pc:sldMk cId="2498223820" sldId="264"/>
+            <ac:picMk id="3" creationId="{74E49D49-462C-4B4D-9E0F-889652579AC1}"/>
+          </ac:picMkLst>
+        </pc:picChg>
+        <pc:picChg chg="del">
+          <ac:chgData name="Marcia Moraes" userId="c9c67e8a-58e2-4733-9a1c-5d44fec4775b" providerId="ADAL" clId="{FADBB162-9D64-40A8-8959-BE3407ABC9DB}" dt="2021-10-20T03:12:35.419" v="512" actId="478"/>
+          <ac:picMkLst>
+            <pc:docMk/>
+            <pc:sldMk cId="2498223820" sldId="264"/>
+            <ac:picMk id="4" creationId="{A2CD9BA1-8B4E-4AC0-9A7F-11883C19FE74}"/>
+          </ac:picMkLst>
+        </pc:picChg>
+      </pc:sldChg>
+      <pc:sldChg chg="addSp delSp modSp add">
+        <pc:chgData name="Marcia Moraes" userId="c9c67e8a-58e2-4733-9a1c-5d44fec4775b" providerId="ADAL" clId="{FADBB162-9D64-40A8-8959-BE3407ABC9DB}" dt="2021-10-20T03:19:20.582" v="755" actId="6549"/>
+        <pc:sldMkLst>
+          <pc:docMk/>
+          <pc:sldMk cId="1047281983" sldId="265"/>
+        </pc:sldMkLst>
+        <pc:spChg chg="mod">
+          <ac:chgData name="Marcia Moraes" userId="c9c67e8a-58e2-4733-9a1c-5d44fec4775b" providerId="ADAL" clId="{FADBB162-9D64-40A8-8959-BE3407ABC9DB}" dt="2021-10-20T03:18:50.838" v="754" actId="14100"/>
+          <ac:spMkLst>
+            <pc:docMk/>
+            <pc:sldMk cId="1047281983" sldId="265"/>
+            <ac:spMk id="2" creationId="{776903C6-1E21-FF4E-BF23-334B721CE6A3}"/>
+          </ac:spMkLst>
+        </pc:spChg>
+        <pc:spChg chg="add mod">
+          <ac:chgData name="Marcia Moraes" userId="c9c67e8a-58e2-4733-9a1c-5d44fec4775b" providerId="ADAL" clId="{FADBB162-9D64-40A8-8959-BE3407ABC9DB}" dt="2021-10-20T03:19:20.582" v="755" actId="6549"/>
+          <ac:spMkLst>
+            <pc:docMk/>
+            <pc:sldMk cId="1047281983" sldId="265"/>
+            <ac:spMk id="4" creationId="{FF2C872D-7CF3-441D-8E24-06FD808C11D4}"/>
+          </ac:spMkLst>
+        </pc:spChg>
+        <pc:spChg chg="del">
+          <ac:chgData name="Marcia Moraes" userId="c9c67e8a-58e2-4733-9a1c-5d44fec4775b" providerId="ADAL" clId="{FADBB162-9D64-40A8-8959-BE3407ABC9DB}" dt="2021-10-20T03:17:12.104" v="690" actId="478"/>
+          <ac:spMkLst>
+            <pc:docMk/>
+            <pc:sldMk cId="1047281983" sldId="265"/>
+            <ac:spMk id="8" creationId="{56940FC7-E476-44A6-A096-A4FF8894B943}"/>
+          </ac:spMkLst>
+        </pc:spChg>
+        <pc:spChg chg="del">
+          <ac:chgData name="Marcia Moraes" userId="c9c67e8a-58e2-4733-9a1c-5d44fec4775b" providerId="ADAL" clId="{FADBB162-9D64-40A8-8959-BE3407ABC9DB}" dt="2021-10-20T03:17:15.803" v="691" actId="478"/>
+          <ac:spMkLst>
+            <pc:docMk/>
+            <pc:sldMk cId="1047281983" sldId="265"/>
+            <ac:spMk id="9" creationId="{D6BBB74D-437F-455D-A310-C3ABA3FCDACF}"/>
+          </ac:spMkLst>
+        </pc:spChg>
+        <pc:spChg chg="del">
+          <ac:chgData name="Marcia Moraes" userId="c9c67e8a-58e2-4733-9a1c-5d44fec4775b" providerId="ADAL" clId="{FADBB162-9D64-40A8-8959-BE3407ABC9DB}" dt="2021-10-20T03:17:18.560" v="693" actId="478"/>
+          <ac:spMkLst>
+            <pc:docMk/>
+            <pc:sldMk cId="1047281983" sldId="265"/>
+            <ac:spMk id="11" creationId="{DF6766D9-3B85-427C-AD8B-22D42489F777}"/>
+          </ac:spMkLst>
+        </pc:spChg>
+        <pc:spChg chg="del">
+          <ac:chgData name="Marcia Moraes" userId="c9c67e8a-58e2-4733-9a1c-5d44fec4775b" providerId="ADAL" clId="{FADBB162-9D64-40A8-8959-BE3407ABC9DB}" dt="2021-10-20T03:17:17.827" v="692" actId="478"/>
+          <ac:spMkLst>
+            <pc:docMk/>
+            <pc:sldMk cId="1047281983" sldId="265"/>
+            <ac:spMk id="12" creationId="{D80517DE-03E8-4C47-B3D4-B841D7B7DE99}"/>
+          </ac:spMkLst>
+        </pc:spChg>
+        <pc:spChg chg="del">
+          <ac:chgData name="Marcia Moraes" userId="c9c67e8a-58e2-4733-9a1c-5d44fec4775b" providerId="ADAL" clId="{FADBB162-9D64-40A8-8959-BE3407ABC9DB}" dt="2021-10-20T03:17:19.681" v="694" actId="478"/>
+          <ac:spMkLst>
+            <pc:docMk/>
+            <pc:sldMk cId="1047281983" sldId="265"/>
+            <ac:spMk id="13" creationId="{736DB970-17A9-4B47-AEAF-4FD1566FFA9B}"/>
+          </ac:spMkLst>
+        </pc:spChg>
+        <pc:spChg chg="del">
+          <ac:chgData name="Marcia Moraes" userId="c9c67e8a-58e2-4733-9a1c-5d44fec4775b" providerId="ADAL" clId="{FADBB162-9D64-40A8-8959-BE3407ABC9DB}" dt="2021-10-20T03:17:21.001" v="695" actId="478"/>
+          <ac:spMkLst>
+            <pc:docMk/>
+            <pc:sldMk cId="1047281983" sldId="265"/>
+            <ac:spMk id="14" creationId="{00D2C33F-0FB8-4A0B-84A9-FF66CBCA60C6}"/>
+          </ac:spMkLst>
+        </pc:spChg>
+        <pc:picChg chg="del">
+          <ac:chgData name="Marcia Moraes" userId="c9c67e8a-58e2-4733-9a1c-5d44fec4775b" providerId="ADAL" clId="{FADBB162-9D64-40A8-8959-BE3407ABC9DB}" dt="2021-10-20T03:17:10.830" v="689" actId="478"/>
+          <ac:picMkLst>
+            <pc:docMk/>
+            <pc:sldMk cId="1047281983" sldId="265"/>
+            <ac:picMk id="3" creationId="{74E49D49-462C-4B4D-9E0F-889652579AC1}"/>
+          </ac:picMkLst>
+        </pc:picChg>
+      </pc:sldChg>
+      <pc:sldChg chg="addSp delSp modSp add">
+        <pc:chgData name="Marcia Moraes" userId="c9c67e8a-58e2-4733-9a1c-5d44fec4775b" providerId="ADAL" clId="{FADBB162-9D64-40A8-8959-BE3407ABC9DB}" dt="2021-10-20T03:24:54.432" v="1241" actId="20577"/>
+        <pc:sldMkLst>
+          <pc:docMk/>
+          <pc:sldMk cId="1566618107" sldId="266"/>
+        </pc:sldMkLst>
+        <pc:spChg chg="mod">
+          <ac:chgData name="Marcia Moraes" userId="c9c67e8a-58e2-4733-9a1c-5d44fec4775b" providerId="ADAL" clId="{FADBB162-9D64-40A8-8959-BE3407ABC9DB}" dt="2021-10-20T03:21:40.792" v="772" actId="20577"/>
+          <ac:spMkLst>
+            <pc:docMk/>
+            <pc:sldMk cId="1566618107" sldId="266"/>
+            <ac:spMk id="2" creationId="{776903C6-1E21-FF4E-BF23-334B721CE6A3}"/>
+          </ac:spMkLst>
+        </pc:spChg>
+        <pc:spChg chg="del">
+          <ac:chgData name="Marcia Moraes" userId="c9c67e8a-58e2-4733-9a1c-5d44fec4775b" providerId="ADAL" clId="{FADBB162-9D64-40A8-8959-BE3407ABC9DB}" dt="2021-10-20T03:21:20.568" v="757" actId="478"/>
+          <ac:spMkLst>
+            <pc:docMk/>
+            <pc:sldMk cId="1566618107" sldId="266"/>
+            <ac:spMk id="4" creationId="{FF2C872D-7CF3-441D-8E24-06FD808C11D4}"/>
+          </ac:spMkLst>
+        </pc:spChg>
+        <pc:spChg chg="add mod">
+          <ac:chgData name="Marcia Moraes" userId="c9c67e8a-58e2-4733-9a1c-5d44fec4775b" providerId="ADAL" clId="{FADBB162-9D64-40A8-8959-BE3407ABC9DB}" dt="2021-10-20T03:24:54.432" v="1241" actId="20577"/>
+          <ac:spMkLst>
+            <pc:docMk/>
+            <pc:sldMk cId="1566618107" sldId="266"/>
+            <ac:spMk id="5" creationId="{5D319C36-2A77-4B6D-8745-F563C3FB0E48}"/>
+          </ac:spMkLst>
+        </pc:spChg>
+      </pc:sldChg>
+      <pc:sldChg chg="modSp add">
+        <pc:chgData name="Marcia Moraes" userId="c9c67e8a-58e2-4733-9a1c-5d44fec4775b" providerId="ADAL" clId="{FADBB162-9D64-40A8-8959-BE3407ABC9DB}" dt="2021-10-20T03:35:09.092" v="1360" actId="20577"/>
+        <pc:sldMkLst>
+          <pc:docMk/>
+          <pc:sldMk cId="926474781" sldId="267"/>
+        </pc:sldMkLst>
+        <pc:spChg chg="mod">
+          <ac:chgData name="Marcia Moraes" userId="c9c67e8a-58e2-4733-9a1c-5d44fec4775b" providerId="ADAL" clId="{FADBB162-9D64-40A8-8959-BE3407ABC9DB}" dt="2021-10-20T03:34:44.796" v="1297" actId="20577"/>
+          <ac:spMkLst>
+            <pc:docMk/>
+            <pc:sldMk cId="926474781" sldId="267"/>
+            <ac:spMk id="5" creationId="{1BBD0DB5-379A-304F-9307-E7B1A89B08F7}"/>
+          </ac:spMkLst>
+        </pc:spChg>
+        <pc:spChg chg="mod">
+          <ac:chgData name="Marcia Moraes" userId="c9c67e8a-58e2-4733-9a1c-5d44fec4775b" providerId="ADAL" clId="{FADBB162-9D64-40A8-8959-BE3407ABC9DB}" dt="2021-10-20T03:35:09.092" v="1360" actId="20577"/>
+          <ac:spMkLst>
+            <pc:docMk/>
+            <pc:sldMk cId="926474781" sldId="267"/>
+            <ac:spMk id="6" creationId="{32A3B87A-BBC0-704B-AC99-3984206450D5}"/>
+          </ac:spMkLst>
+        </pc:spChg>
+        <pc:spChg chg="mod">
+          <ac:chgData name="Marcia Moraes" userId="c9c67e8a-58e2-4733-9a1c-5d44fec4775b" providerId="ADAL" clId="{FADBB162-9D64-40A8-8959-BE3407ABC9DB}" dt="2021-10-20T03:33:34.175" v="1285" actId="20577"/>
+          <ac:spMkLst>
+            <pc:docMk/>
+            <pc:sldMk cId="926474781" sldId="267"/>
+            <ac:spMk id="7" creationId="{BF16D510-BC74-4FA5-AFD2-193B039115A5}"/>
+          </ac:spMkLst>
+        </pc:spChg>
+      </pc:sldChg>
+    </pc:docChg>
+  </pc:docChgLst>
+</pc:chgInfo>
+</file>
+
 <file path=ppt/handoutMasters/handoutMaster1.xml><?xml version="1.0" encoding="utf-8"?>
 <p:handoutMaster xmlns:a="http://schemas.openxmlformats.org/drawingml/2006/main" xmlns:r="http://schemas.openxmlformats.org/officeDocument/2006/relationships" xmlns:p="http://schemas.openxmlformats.org/presentationml/2006/main">
   <p:cSld>
@@ -217,7 +770,7 @@
           <a:p>
             <a:fld id="{4D7E51A5-B478-1E40-8CBB-0DAA8831E99D}" type="datetimeFigureOut">
               <a:rPr lang="en-US" smtClean="0"/>
-              <a:t>4/14/20</a:t>
+              <a:t>10/19/2021</a:t>
             </a:fld>
             <a:endParaRPr lang="en-US"/>
           </a:p>
@@ -382,7 +935,7 @@
           <a:p>
             <a:fld id="{D0ED587F-861E-6740-9643-E3DDAE89B8D6}" type="datetimeFigureOut">
               <a:rPr lang="en-US" smtClean="0"/>
-              <a:t>4/14/20</a:t>
+              <a:t>10/19/2021</a:t>
             </a:fld>
             <a:endParaRPr lang="en-US"/>
           </a:p>
@@ -4009,6 +4562,602 @@
 </p:sldLayout>
 </file>
 
+<file path=ppt/slideLayouts/slideLayout25.xml><?xml version="1.0" encoding="utf-8"?>
+<p:sldLayout xmlns:a="http://schemas.openxmlformats.org/drawingml/2006/main" xmlns:r="http://schemas.openxmlformats.org/officeDocument/2006/relationships" xmlns:p="http://schemas.openxmlformats.org/presentationml/2006/main" matchingName="Title and Content">
+  <p:cSld name="1_Title and Content">
+    <p:spTree>
+      <p:nvGrpSpPr>
+        <p:cNvPr id="1" name="Shape 53"/>
+        <p:cNvGrpSpPr/>
+        <p:nvPr/>
+      </p:nvGrpSpPr>
+      <p:grpSpPr>
+        <a:xfrm>
+          <a:off x="0" y="0"/>
+          <a:ext cx="0" cy="0"/>
+          <a:chOff x="0" y="0"/>
+          <a:chExt cx="0" cy="0"/>
+        </a:xfrm>
+      </p:grpSpPr>
+      <p:grpSp>
+        <p:nvGrpSpPr>
+          <p:cNvPr id="54" name="Google Shape;54;p14"/>
+          <p:cNvGrpSpPr/>
+          <p:nvPr/>
+        </p:nvGrpSpPr>
+        <p:grpSpPr>
+          <a:xfrm>
+            <a:off x="0" y="7372875"/>
+            <a:ext cx="13849756" cy="400074"/>
+            <a:chOff x="0" y="7372350"/>
+            <a:chExt cx="13817700" cy="400053"/>
+          </a:xfrm>
+        </p:grpSpPr>
+        <p:sp>
+          <p:nvSpPr>
+            <p:cNvPr id="55" name="Google Shape;55;p14"/>
+            <p:cNvSpPr/>
+            <p:nvPr/>
+          </p:nvSpPr>
+          <p:spPr>
+            <a:xfrm>
+              <a:off x="0" y="7372350"/>
+              <a:ext cx="13817700" cy="399900"/>
+            </a:xfrm>
+            <a:prstGeom prst="rect">
+              <a:avLst/>
+            </a:prstGeom>
+            <a:solidFill>
+              <a:schemeClr val="dk2"/>
+            </a:solidFill>
+            <a:ln>
+              <a:noFill/>
+            </a:ln>
+          </p:spPr>
+          <p:txBody>
+            <a:bodyPr spcFirstLastPara="1" wrap="square" lIns="60500" tIns="30250" rIns="60500" bIns="30250" anchor="ctr" anchorCtr="0">
+              <a:noAutofit/>
+            </a:bodyPr>
+            <a:lstStyle/>
+            <a:p>
+              <a:pPr marL="0" marR="0" lvl="0" indent="0" algn="ctr" rtl="0">
+                <a:spcBef>
+                  <a:spcPts val="0"/>
+                </a:spcBef>
+                <a:spcAft>
+                  <a:spcPts val="0"/>
+                </a:spcAft>
+                <a:buNone/>
+              </a:pPr>
+              <a:endParaRPr sz="1964" b="0" i="0" u="none" strike="noStrike" cap="none">
+                <a:solidFill>
+                  <a:schemeClr val="lt1"/>
+                </a:solidFill>
+                <a:latin typeface="Arial"/>
+                <a:ea typeface="Arial"/>
+                <a:cs typeface="Arial"/>
+                <a:sym typeface="Arial"/>
+              </a:endParaRPr>
+            </a:p>
+          </p:txBody>
+        </p:sp>
+        <p:pic>
+          <p:nvPicPr>
+            <p:cNvPr id="56" name="Google Shape;56;p14"/>
+            <p:cNvPicPr preferRelativeResize="0"/>
+            <p:nvPr/>
+          </p:nvPicPr>
+          <p:blipFill rotWithShape="1">
+            <a:blip r:embed="rId2">
+              <a:alphaModFix/>
+            </a:blip>
+            <a:srcRect/>
+            <a:stretch/>
+          </p:blipFill>
+          <p:spPr>
+            <a:xfrm>
+              <a:off x="152257" y="7372351"/>
+              <a:ext cx="1788558" cy="400050"/>
+            </a:xfrm>
+            <a:prstGeom prst="rect">
+              <a:avLst/>
+            </a:prstGeom>
+            <a:noFill/>
+            <a:ln>
+              <a:noFill/>
+            </a:ln>
+          </p:spPr>
+        </p:pic>
+        <p:sp>
+          <p:nvSpPr>
+            <p:cNvPr id="57" name="Google Shape;57;p14"/>
+            <p:cNvSpPr/>
+            <p:nvPr/>
+          </p:nvSpPr>
+          <p:spPr>
+            <a:xfrm>
+              <a:off x="0" y="7372351"/>
+              <a:ext cx="13817700" cy="399900"/>
+            </a:xfrm>
+            <a:prstGeom prst="rect">
+              <a:avLst/>
+            </a:prstGeom>
+            <a:solidFill>
+              <a:schemeClr val="dk2"/>
+            </a:solidFill>
+            <a:ln>
+              <a:noFill/>
+            </a:ln>
+          </p:spPr>
+          <p:txBody>
+            <a:bodyPr spcFirstLastPara="1" wrap="square" lIns="60500" tIns="30250" rIns="60500" bIns="30250" anchor="ctr" anchorCtr="0">
+              <a:noAutofit/>
+            </a:bodyPr>
+            <a:lstStyle/>
+            <a:p>
+              <a:pPr marL="0" marR="0" lvl="0" indent="0" algn="ctr" rtl="0">
+                <a:spcBef>
+                  <a:spcPts val="0"/>
+                </a:spcBef>
+                <a:spcAft>
+                  <a:spcPts val="0"/>
+                </a:spcAft>
+                <a:buNone/>
+              </a:pPr>
+              <a:endParaRPr sz="1964" b="0" i="0" u="none" strike="noStrike" cap="none">
+                <a:solidFill>
+                  <a:schemeClr val="lt1"/>
+                </a:solidFill>
+                <a:latin typeface="Arial"/>
+                <a:ea typeface="Arial"/>
+                <a:cs typeface="Arial"/>
+                <a:sym typeface="Arial"/>
+              </a:endParaRPr>
+            </a:p>
+          </p:txBody>
+        </p:sp>
+        <p:pic>
+          <p:nvPicPr>
+            <p:cNvPr id="58" name="Google Shape;58;p14"/>
+            <p:cNvPicPr preferRelativeResize="0"/>
+            <p:nvPr/>
+          </p:nvPicPr>
+          <p:blipFill rotWithShape="1">
+            <a:blip r:embed="rId2">
+              <a:alphaModFix/>
+            </a:blip>
+            <a:srcRect/>
+            <a:stretch/>
+          </p:blipFill>
+          <p:spPr>
+            <a:xfrm>
+              <a:off x="152257" y="7372352"/>
+              <a:ext cx="1788558" cy="400050"/>
+            </a:xfrm>
+            <a:prstGeom prst="rect">
+              <a:avLst/>
+            </a:prstGeom>
+            <a:noFill/>
+            <a:ln>
+              <a:noFill/>
+            </a:ln>
+          </p:spPr>
+        </p:pic>
+      </p:grpSp>
+      <p:sp>
+        <p:nvSpPr>
+          <p:cNvPr id="59" name="Google Shape;59;p14"/>
+          <p:cNvSpPr txBox="1">
+            <a:spLocks noGrp="1"/>
+          </p:cNvSpPr>
+          <p:nvPr>
+            <p:ph type="title"/>
+          </p:nvPr>
+        </p:nvSpPr>
+        <p:spPr>
+          <a:xfrm>
+            <a:off x="628075" y="905258"/>
+            <a:ext cx="12561413" cy="1015467"/>
+          </a:xfrm>
+          <a:prstGeom prst="rect">
+            <a:avLst/>
+          </a:prstGeom>
+          <a:noFill/>
+          <a:ln>
+            <a:noFill/>
+          </a:ln>
+        </p:spPr>
+        <p:txBody>
+          <a:bodyPr spcFirstLastPara="1" wrap="square" lIns="60500" tIns="60500" rIns="60500" bIns="60500" anchor="b" anchorCtr="0">
+            <a:noAutofit/>
+          </a:bodyPr>
+          <a:lstStyle>
+            <a:lvl1pPr marR="0" lvl="0" algn="l" rtl="0">
+              <a:spcBef>
+                <a:spcPts val="0"/>
+              </a:spcBef>
+              <a:spcAft>
+                <a:spcPts val="0"/>
+              </a:spcAft>
+              <a:buClr>
+                <a:schemeClr val="dk2"/>
+              </a:buClr>
+              <a:buSzPts val="3600"/>
+              <a:buFont typeface="Arial"/>
+              <a:buNone/>
+              <a:defRPr sz="5440" b="0" i="0" u="none" strike="noStrike" cap="none">
+                <a:solidFill>
+                  <a:schemeClr val="dk2"/>
+                </a:solidFill>
+                <a:latin typeface="Arial"/>
+                <a:ea typeface="Arial"/>
+                <a:cs typeface="Arial"/>
+                <a:sym typeface="Arial"/>
+              </a:defRPr>
+            </a:lvl1pPr>
+            <a:lvl2pPr lvl="1" rtl="0">
+              <a:spcBef>
+                <a:spcPts val="0"/>
+              </a:spcBef>
+              <a:spcAft>
+                <a:spcPts val="0"/>
+              </a:spcAft>
+              <a:buSzPts val="900"/>
+              <a:buNone/>
+              <a:defRPr sz="1813"/>
+            </a:lvl2pPr>
+            <a:lvl3pPr lvl="2" rtl="0">
+              <a:spcBef>
+                <a:spcPts val="0"/>
+              </a:spcBef>
+              <a:spcAft>
+                <a:spcPts val="0"/>
+              </a:spcAft>
+              <a:buSzPts val="900"/>
+              <a:buNone/>
+              <a:defRPr sz="1813"/>
+            </a:lvl3pPr>
+            <a:lvl4pPr lvl="3" rtl="0">
+              <a:spcBef>
+                <a:spcPts val="0"/>
+              </a:spcBef>
+              <a:spcAft>
+                <a:spcPts val="0"/>
+              </a:spcAft>
+              <a:buSzPts val="900"/>
+              <a:buNone/>
+              <a:defRPr sz="1813"/>
+            </a:lvl4pPr>
+            <a:lvl5pPr lvl="4" rtl="0">
+              <a:spcBef>
+                <a:spcPts val="0"/>
+              </a:spcBef>
+              <a:spcAft>
+                <a:spcPts val="0"/>
+              </a:spcAft>
+              <a:buSzPts val="900"/>
+              <a:buNone/>
+              <a:defRPr sz="1813"/>
+            </a:lvl5pPr>
+            <a:lvl6pPr lvl="5" rtl="0">
+              <a:spcBef>
+                <a:spcPts val="0"/>
+              </a:spcBef>
+              <a:spcAft>
+                <a:spcPts val="0"/>
+              </a:spcAft>
+              <a:buSzPts val="900"/>
+              <a:buNone/>
+              <a:defRPr sz="1813"/>
+            </a:lvl6pPr>
+            <a:lvl7pPr lvl="6" rtl="0">
+              <a:spcBef>
+                <a:spcPts val="0"/>
+              </a:spcBef>
+              <a:spcAft>
+                <a:spcPts val="0"/>
+              </a:spcAft>
+              <a:buSzPts val="900"/>
+              <a:buNone/>
+              <a:defRPr sz="1813"/>
+            </a:lvl7pPr>
+            <a:lvl8pPr lvl="7" rtl="0">
+              <a:spcBef>
+                <a:spcPts val="0"/>
+              </a:spcBef>
+              <a:spcAft>
+                <a:spcPts val="0"/>
+              </a:spcAft>
+              <a:buSzPts val="900"/>
+              <a:buNone/>
+              <a:defRPr sz="1813"/>
+            </a:lvl8pPr>
+            <a:lvl9pPr lvl="8" rtl="0">
+              <a:spcBef>
+                <a:spcPts val="0"/>
+              </a:spcBef>
+              <a:spcAft>
+                <a:spcPts val="0"/>
+              </a:spcAft>
+              <a:buSzPts val="900"/>
+              <a:buNone/>
+              <a:defRPr sz="1813"/>
+            </a:lvl9pPr>
+          </a:lstStyle>
+          <a:p>
+            <a:endParaRPr/>
+          </a:p>
+        </p:txBody>
+      </p:sp>
+      <p:sp>
+        <p:nvSpPr>
+          <p:cNvPr id="60" name="Google Shape;60;p14"/>
+          <p:cNvSpPr txBox="1">
+            <a:spLocks noGrp="1"/>
+          </p:cNvSpPr>
+          <p:nvPr>
+            <p:ph type="body" idx="1"/>
+          </p:nvPr>
+        </p:nvSpPr>
+        <p:spPr>
+          <a:xfrm>
+            <a:off x="628075" y="2487883"/>
+            <a:ext cx="12561413" cy="2015520"/>
+          </a:xfrm>
+          <a:prstGeom prst="rect">
+            <a:avLst/>
+          </a:prstGeom>
+          <a:noFill/>
+          <a:ln>
+            <a:noFill/>
+          </a:ln>
+        </p:spPr>
+        <p:txBody>
+          <a:bodyPr spcFirstLastPara="1" wrap="square" lIns="60500" tIns="60500" rIns="60500" bIns="60500" anchor="t" anchorCtr="0">
+            <a:noAutofit/>
+          </a:bodyPr>
+          <a:lstStyle>
+            <a:lvl1pPr marL="690875" marR="0" lvl="0" indent="-460583" algn="l" rtl="0">
+              <a:lnSpc>
+                <a:spcPct val="120000"/>
+              </a:lnSpc>
+              <a:spcBef>
+                <a:spcPts val="604"/>
+              </a:spcBef>
+              <a:spcAft>
+                <a:spcPts val="0"/>
+              </a:spcAft>
+              <a:buClr>
+                <a:schemeClr val="dk1"/>
+              </a:buClr>
+              <a:buSzPts val="1200"/>
+              <a:buFont typeface="Arial"/>
+              <a:buChar char="•"/>
+              <a:defRPr sz="1813" b="0" i="0" u="none" strike="noStrike" cap="none">
+                <a:solidFill>
+                  <a:schemeClr val="dk1"/>
+                </a:solidFill>
+                <a:latin typeface="Proxima Nova"/>
+                <a:ea typeface="Proxima Nova"/>
+                <a:cs typeface="Proxima Nova"/>
+                <a:sym typeface="Proxima Nova"/>
+              </a:defRPr>
+            </a:lvl1pPr>
+            <a:lvl2pPr marL="1381750" marR="0" lvl="1" indent="-450988" algn="l" rtl="0">
+              <a:lnSpc>
+                <a:spcPct val="120000"/>
+              </a:lnSpc>
+              <a:spcBef>
+                <a:spcPts val="604"/>
+              </a:spcBef>
+              <a:spcAft>
+                <a:spcPts val="0"/>
+              </a:spcAft>
+              <a:buClr>
+                <a:schemeClr val="dk1"/>
+              </a:buClr>
+              <a:buSzPts val="1100"/>
+              <a:buFont typeface="Arial"/>
+              <a:buChar char="–"/>
+              <a:defRPr sz="1662" b="0" i="0" u="none" strike="noStrike" cap="none">
+                <a:solidFill>
+                  <a:schemeClr val="dk1"/>
+                </a:solidFill>
+                <a:latin typeface="Proxima Nova"/>
+                <a:ea typeface="Proxima Nova"/>
+                <a:cs typeface="Proxima Nova"/>
+                <a:sym typeface="Proxima Nova"/>
+              </a:defRPr>
+            </a:lvl2pPr>
+            <a:lvl3pPr marL="2072625" marR="0" lvl="2" indent="-450988" algn="l" rtl="0">
+              <a:lnSpc>
+                <a:spcPct val="120000"/>
+              </a:lnSpc>
+              <a:spcBef>
+                <a:spcPts val="604"/>
+              </a:spcBef>
+              <a:spcAft>
+                <a:spcPts val="0"/>
+              </a:spcAft>
+              <a:buClr>
+                <a:schemeClr val="dk1"/>
+              </a:buClr>
+              <a:buSzPts val="1100"/>
+              <a:buFont typeface="Arial"/>
+              <a:buChar char="•"/>
+              <a:defRPr sz="1662" b="0" i="0" u="none" strike="noStrike" cap="none">
+                <a:solidFill>
+                  <a:schemeClr val="dk1"/>
+                </a:solidFill>
+                <a:latin typeface="Proxima Nova"/>
+                <a:ea typeface="Proxima Nova"/>
+                <a:cs typeface="Proxima Nova"/>
+                <a:sym typeface="Proxima Nova"/>
+              </a:defRPr>
+            </a:lvl3pPr>
+            <a:lvl4pPr marL="2763500" marR="0" lvl="3" indent="-450988" algn="l" rtl="0">
+              <a:lnSpc>
+                <a:spcPct val="120000"/>
+              </a:lnSpc>
+              <a:spcBef>
+                <a:spcPts val="604"/>
+              </a:spcBef>
+              <a:spcAft>
+                <a:spcPts val="0"/>
+              </a:spcAft>
+              <a:buClr>
+                <a:schemeClr val="dk1"/>
+              </a:buClr>
+              <a:buSzPts val="1100"/>
+              <a:buFont typeface="Arial"/>
+              <a:buChar char="–"/>
+              <a:defRPr sz="1662" b="0" i="0" u="none" strike="noStrike" cap="none">
+                <a:solidFill>
+                  <a:schemeClr val="dk1"/>
+                </a:solidFill>
+                <a:latin typeface="Proxima Nova"/>
+                <a:ea typeface="Proxima Nova"/>
+                <a:cs typeface="Proxima Nova"/>
+                <a:sym typeface="Proxima Nova"/>
+              </a:defRPr>
+            </a:lvl4pPr>
+            <a:lvl5pPr marL="3454375" marR="0" lvl="4" indent="-450988" algn="l" rtl="0">
+              <a:spcBef>
+                <a:spcPts val="604"/>
+              </a:spcBef>
+              <a:spcAft>
+                <a:spcPts val="0"/>
+              </a:spcAft>
+              <a:buClr>
+                <a:schemeClr val="dk1"/>
+              </a:buClr>
+              <a:buSzPts val="1100"/>
+              <a:buFont typeface="Arial"/>
+              <a:buChar char="»"/>
+              <a:defRPr sz="1662" b="0" i="0" u="none" strike="noStrike" cap="none">
+                <a:solidFill>
+                  <a:schemeClr val="dk1"/>
+                </a:solidFill>
+                <a:latin typeface="Source Sans Pro"/>
+                <a:ea typeface="Source Sans Pro"/>
+                <a:cs typeface="Source Sans Pro"/>
+                <a:sym typeface="Source Sans Pro"/>
+              </a:defRPr>
+            </a:lvl5pPr>
+            <a:lvl6pPr marL="4145250" marR="0" lvl="5" indent="-537347" algn="l" rtl="0">
+              <a:spcBef>
+                <a:spcPts val="604"/>
+              </a:spcBef>
+              <a:spcAft>
+                <a:spcPts val="0"/>
+              </a:spcAft>
+              <a:buClr>
+                <a:schemeClr val="dk1"/>
+              </a:buClr>
+              <a:buSzPts val="2000"/>
+              <a:buFont typeface="Arial"/>
+              <a:buChar char="•"/>
+              <a:defRPr sz="3022" b="0" i="0" u="none" strike="noStrike" cap="none">
+                <a:solidFill>
+                  <a:schemeClr val="dk1"/>
+                </a:solidFill>
+                <a:latin typeface="Arial"/>
+                <a:ea typeface="Arial"/>
+                <a:cs typeface="Arial"/>
+                <a:sym typeface="Arial"/>
+              </a:defRPr>
+            </a:lvl6pPr>
+            <a:lvl7pPr marL="4836124" marR="0" lvl="6" indent="-537347" algn="l" rtl="0">
+              <a:spcBef>
+                <a:spcPts val="604"/>
+              </a:spcBef>
+              <a:spcAft>
+                <a:spcPts val="0"/>
+              </a:spcAft>
+              <a:buClr>
+                <a:schemeClr val="dk1"/>
+              </a:buClr>
+              <a:buSzPts val="2000"/>
+              <a:buFont typeface="Arial"/>
+              <a:buChar char="•"/>
+              <a:defRPr sz="3022" b="0" i="0" u="none" strike="noStrike" cap="none">
+                <a:solidFill>
+                  <a:schemeClr val="dk1"/>
+                </a:solidFill>
+                <a:latin typeface="Arial"/>
+                <a:ea typeface="Arial"/>
+                <a:cs typeface="Arial"/>
+                <a:sym typeface="Arial"/>
+              </a:defRPr>
+            </a:lvl7pPr>
+            <a:lvl8pPr marL="5526999" marR="0" lvl="7" indent="-537347" algn="l" rtl="0">
+              <a:spcBef>
+                <a:spcPts val="604"/>
+              </a:spcBef>
+              <a:spcAft>
+                <a:spcPts val="0"/>
+              </a:spcAft>
+              <a:buClr>
+                <a:schemeClr val="dk1"/>
+              </a:buClr>
+              <a:buSzPts val="2000"/>
+              <a:buFont typeface="Arial"/>
+              <a:buChar char="•"/>
+              <a:defRPr sz="3022" b="0" i="0" u="none" strike="noStrike" cap="none">
+                <a:solidFill>
+                  <a:schemeClr val="dk1"/>
+                </a:solidFill>
+                <a:latin typeface="Arial"/>
+                <a:ea typeface="Arial"/>
+                <a:cs typeface="Arial"/>
+                <a:sym typeface="Arial"/>
+              </a:defRPr>
+            </a:lvl8pPr>
+            <a:lvl9pPr marL="6217874" marR="0" lvl="8" indent="-537347" algn="l" rtl="0">
+              <a:spcBef>
+                <a:spcPts val="604"/>
+              </a:spcBef>
+              <a:spcAft>
+                <a:spcPts val="0"/>
+              </a:spcAft>
+              <a:buClr>
+                <a:schemeClr val="dk1"/>
+              </a:buClr>
+              <a:buSzPts val="2000"/>
+              <a:buFont typeface="Arial"/>
+              <a:buChar char="•"/>
+              <a:defRPr sz="3022" b="0" i="0" u="none" strike="noStrike" cap="none">
+                <a:solidFill>
+                  <a:schemeClr val="dk1"/>
+                </a:solidFill>
+                <a:latin typeface="Arial"/>
+                <a:ea typeface="Arial"/>
+                <a:cs typeface="Arial"/>
+                <a:sym typeface="Arial"/>
+              </a:defRPr>
+            </a:lvl9pPr>
+          </a:lstStyle>
+          <a:p>
+            <a:endParaRPr/>
+          </a:p>
+        </p:txBody>
+      </p:sp>
+    </p:spTree>
+    <p:extLst>
+      <p:ext uri="{BB962C8B-B14F-4D97-AF65-F5344CB8AC3E}">
+        <p14:creationId xmlns:p14="http://schemas.microsoft.com/office/powerpoint/2010/main" val="4125693982"/>
+      </p:ext>
+    </p:extLst>
+  </p:cSld>
+  <p:clrMapOvr>
+    <a:masterClrMapping/>
+  </p:clrMapOvr>
+  <p:transition>
+    <p:fade/>
+  </p:transition>
+</p:sldLayout>
+</file>
+
 <file path=ppt/slideLayouts/slideLayout3.xml><?xml version="1.0" encoding="utf-8"?>
 <p:sldLayout xmlns:a="http://schemas.openxmlformats.org/drawingml/2006/main" xmlns:r="http://schemas.openxmlformats.org/officeDocument/2006/relationships" xmlns:p="http://schemas.openxmlformats.org/presentationml/2006/main" preserve="1" userDrawn="1">
   <p:cSld name="Title Green Ram CSU">
@@ -6314,6 +7463,7 @@
     <p:sldLayoutId id="2147483677" r:id="rId22"/>
     <p:sldLayoutId id="2147483692" r:id="rId23"/>
     <p:sldLayoutId id="2147483672" r:id="rId24"/>
+    <p:sldLayoutId id="2147483693" r:id="rId25"/>
   </p:sldLayoutIdLst>
   <mc:AlternateContent xmlns:mc="http://schemas.openxmlformats.org/markup-compatibility/2006" xmlns:p14="http://schemas.microsoft.com/office/powerpoint/2010/main">
     <mc:Choice Requires="p14">
@@ -6706,6 +7856,2206 @@
 </p:sld>
 </file>
 
+<file path=ppt/slides/slide10.xml><?xml version="1.0" encoding="utf-8"?>
+<p:sld xmlns:a="http://schemas.openxmlformats.org/drawingml/2006/main" xmlns:r="http://schemas.openxmlformats.org/officeDocument/2006/relationships" xmlns:p="http://schemas.openxmlformats.org/presentationml/2006/main">
+  <p:cSld>
+    <p:spTree>
+      <p:nvGrpSpPr>
+        <p:cNvPr id="1" name=""/>
+        <p:cNvGrpSpPr/>
+        <p:nvPr/>
+      </p:nvGrpSpPr>
+      <p:grpSpPr>
+        <a:xfrm>
+          <a:off x="0" y="0"/>
+          <a:ext cx="0" cy="0"/>
+          <a:chOff x="0" y="0"/>
+          <a:chExt cx="0" cy="0"/>
+        </a:xfrm>
+      </p:grpSpPr>
+      <p:sp>
+        <p:nvSpPr>
+          <p:cNvPr id="2" name="Title 1">
+            <a:extLst>
+              <a:ext uri="{FF2B5EF4-FFF2-40B4-BE49-F238E27FC236}">
+                <a16:creationId xmlns:a16="http://schemas.microsoft.com/office/drawing/2014/main" id="{776903C6-1E21-FF4E-BF23-334B721CE6A3}"/>
+              </a:ext>
+            </a:extLst>
+          </p:cNvPr>
+          <p:cNvSpPr>
+            <a:spLocks noGrp="1"/>
+          </p:cNvSpPr>
+          <p:nvPr>
+            <p:ph type="title"/>
+          </p:nvPr>
+        </p:nvSpPr>
+        <p:spPr>
+          <a:xfrm>
+            <a:off x="628075" y="-2044931"/>
+            <a:ext cx="4241637" cy="5931131"/>
+          </a:xfrm>
+        </p:spPr>
+        <p:txBody>
+          <a:bodyPr/>
+          <a:lstStyle/>
+          <a:p>
+            <a:r>
+              <a:rPr lang="en-US" dirty="0"/>
+              <a:t>Example of Multiple Handlers and Finally</a:t>
+            </a:r>
+          </a:p>
+        </p:txBody>
+      </p:sp>
+      <p:sp>
+        <p:nvSpPr>
+          <p:cNvPr id="4" name="Rectangle 1">
+            <a:extLst>
+              <a:ext uri="{FF2B5EF4-FFF2-40B4-BE49-F238E27FC236}">
+                <a16:creationId xmlns:a16="http://schemas.microsoft.com/office/drawing/2014/main" id="{FF2C872D-7CF3-441D-8E24-06FD808C11D4}"/>
+              </a:ext>
+            </a:extLst>
+          </p:cNvPr>
+          <p:cNvSpPr>
+            <a:spLocks noChangeArrowheads="1"/>
+          </p:cNvSpPr>
+          <p:nvPr/>
+        </p:nvSpPr>
+        <p:spPr bwMode="auto">
+          <a:xfrm>
+            <a:off x="5343451" y="292947"/>
+            <a:ext cx="8474149" cy="7294305"/>
+          </a:xfrm>
+          <a:prstGeom prst="rect">
+            <a:avLst/>
+          </a:prstGeom>
+          <a:solidFill>
+            <a:srgbClr val="2B2B2B"/>
+          </a:solidFill>
+          <a:ln>
+            <a:noFill/>
+          </a:ln>
+          <a:effectLst/>
+          <a:extLst>
+            <a:ext uri="{91240B29-F687-4F45-9708-019B960494DF}">
+              <a14:hiddenLine xmlns:a14="http://schemas.microsoft.com/office/drawing/2010/main" w="9525">
+                <a:solidFill>
+                  <a:schemeClr val="tx1"/>
+                </a:solidFill>
+                <a:miter lim="800000"/>
+                <a:headEnd/>
+                <a:tailEnd/>
+              </a14:hiddenLine>
+            </a:ext>
+            <a:ext uri="{AF507438-7753-43E0-B8FC-AC1667EBCBE1}">
+              <a14:hiddenEffects xmlns:a14="http://schemas.microsoft.com/office/drawing/2010/main">
+                <a:effectLst>
+                  <a:outerShdw dist="35921" dir="2700000" algn="ctr" rotWithShape="0">
+                    <a:schemeClr val="bg2"/>
+                  </a:outerShdw>
+                </a:effectLst>
+              </a14:hiddenEffects>
+            </a:ext>
+          </a:extLst>
+        </p:spPr>
+        <p:txBody>
+          <a:bodyPr vert="horz" wrap="square" lIns="91440" tIns="45720" rIns="91440" bIns="45720" numCol="1" anchor="ctr" anchorCtr="0" compatLnSpc="1">
+            <a:prstTxWarp prst="textNoShape">
+              <a:avLst/>
+            </a:prstTxWarp>
+            <a:spAutoFit/>
+          </a:bodyPr>
+          <a:lstStyle/>
+          <a:p>
+            <a:pPr marL="0" marR="0" lvl="0" indent="0" algn="l" defTabSz="914400" rtl="0" eaLnBrk="0" fontAlgn="base" latinLnBrk="0" hangingPunct="0">
+              <a:lnSpc>
+                <a:spcPct val="100000"/>
+              </a:lnSpc>
+              <a:spcBef>
+                <a:spcPct val="0"/>
+              </a:spcBef>
+              <a:spcAft>
+                <a:spcPct val="0"/>
+              </a:spcAft>
+              <a:buClrTx/>
+              <a:buSzTx/>
+              <a:buFontTx/>
+              <a:buNone/>
+              <a:tabLst/>
+            </a:pPr>
+            <a:r>
+              <a:rPr kumimoji="0" lang="en-US" altLang="en-US" sz="1800" b="0" i="0" u="none" strike="noStrike" cap="none" normalizeH="0" baseline="0" dirty="0">
+                <a:ln>
+                  <a:noFill/>
+                </a:ln>
+                <a:solidFill>
+                  <a:srgbClr val="CC7832"/>
+                </a:solidFill>
+                <a:effectLst/>
+                <a:latin typeface="JetBrains Mono"/>
+              </a:rPr>
+              <a:t>import </a:t>
+            </a:r>
+            <a:r>
+              <a:rPr kumimoji="0" lang="en-US" altLang="en-US" sz="1800" b="0" i="0" u="none" strike="noStrike" cap="none" normalizeH="0" baseline="0" dirty="0" err="1">
+                <a:ln>
+                  <a:noFill/>
+                </a:ln>
+                <a:solidFill>
+                  <a:srgbClr val="A9B7C6"/>
+                </a:solidFill>
+                <a:effectLst/>
+                <a:latin typeface="JetBrains Mono"/>
+              </a:rPr>
+              <a:t>java.io.File</a:t>
+            </a:r>
+            <a:r>
+              <a:rPr kumimoji="0" lang="en-US" altLang="en-US" sz="1800" b="0" i="0" u="none" strike="noStrike" cap="none" normalizeH="0" baseline="0" dirty="0">
+                <a:ln>
+                  <a:noFill/>
+                </a:ln>
+                <a:solidFill>
+                  <a:srgbClr val="CC7832"/>
+                </a:solidFill>
+                <a:effectLst/>
+                <a:latin typeface="JetBrains Mono"/>
+              </a:rPr>
+              <a:t>; import </a:t>
+            </a:r>
+            <a:r>
+              <a:rPr kumimoji="0" lang="en-US" altLang="en-US" sz="1800" b="0" i="0" u="none" strike="noStrike" cap="none" normalizeH="0" baseline="0" dirty="0" err="1">
+                <a:ln>
+                  <a:noFill/>
+                </a:ln>
+                <a:solidFill>
+                  <a:srgbClr val="A9B7C6"/>
+                </a:solidFill>
+                <a:effectLst/>
+                <a:latin typeface="JetBrains Mono"/>
+              </a:rPr>
+              <a:t>java.io.FileNotFoundException</a:t>
+            </a:r>
+            <a:r>
+              <a:rPr kumimoji="0" lang="en-US" altLang="en-US" sz="1800" b="0" i="0" u="none" strike="noStrike" cap="none" normalizeH="0" baseline="0" dirty="0">
+                <a:ln>
+                  <a:noFill/>
+                </a:ln>
+                <a:solidFill>
+                  <a:srgbClr val="CC7832"/>
+                </a:solidFill>
+                <a:effectLst/>
+                <a:latin typeface="JetBrains Mono"/>
+              </a:rPr>
+              <a:t>;</a:t>
+            </a:r>
+            <a:br>
+              <a:rPr kumimoji="0" lang="en-US" altLang="en-US" sz="1800" b="0" i="0" u="none" strike="noStrike" cap="none" normalizeH="0" baseline="0" dirty="0">
+                <a:ln>
+                  <a:noFill/>
+                </a:ln>
+                <a:solidFill>
+                  <a:srgbClr val="CC7832"/>
+                </a:solidFill>
+                <a:effectLst/>
+                <a:latin typeface="JetBrains Mono"/>
+              </a:rPr>
+            </a:br>
+            <a:r>
+              <a:rPr kumimoji="0" lang="en-US" altLang="en-US" sz="1800" b="0" i="0" u="none" strike="noStrike" cap="none" normalizeH="0" baseline="0" dirty="0">
+                <a:ln>
+                  <a:noFill/>
+                </a:ln>
+                <a:solidFill>
+                  <a:srgbClr val="CC7832"/>
+                </a:solidFill>
+                <a:effectLst/>
+                <a:latin typeface="JetBrains Mono"/>
+              </a:rPr>
+              <a:t>import </a:t>
+            </a:r>
+            <a:r>
+              <a:rPr kumimoji="0" lang="en-US" altLang="en-US" sz="1800" b="0" i="0" u="none" strike="noStrike" cap="none" normalizeH="0" baseline="0" dirty="0" err="1">
+                <a:ln>
+                  <a:noFill/>
+                </a:ln>
+                <a:solidFill>
+                  <a:srgbClr val="A9B7C6"/>
+                </a:solidFill>
+                <a:effectLst/>
+                <a:latin typeface="JetBrains Mono"/>
+              </a:rPr>
+              <a:t>java.io.IOException</a:t>
+            </a:r>
+            <a:r>
+              <a:rPr kumimoji="0" lang="en-US" altLang="en-US" sz="1800" b="0" i="0" u="none" strike="noStrike" cap="none" normalizeH="0" baseline="0" dirty="0">
+                <a:ln>
+                  <a:noFill/>
+                </a:ln>
+                <a:solidFill>
+                  <a:srgbClr val="CC7832"/>
+                </a:solidFill>
+                <a:effectLst/>
+                <a:latin typeface="JetBrains Mono"/>
+              </a:rPr>
+              <a:t>; import </a:t>
+            </a:r>
+            <a:r>
+              <a:rPr kumimoji="0" lang="en-US" altLang="en-US" sz="1800" b="0" i="0" u="none" strike="noStrike" cap="none" normalizeH="0" baseline="0" dirty="0" err="1">
+                <a:ln>
+                  <a:noFill/>
+                </a:ln>
+                <a:solidFill>
+                  <a:srgbClr val="A9B7C6"/>
+                </a:solidFill>
+                <a:effectLst/>
+                <a:latin typeface="JetBrains Mono"/>
+              </a:rPr>
+              <a:t>java.util.Scanner</a:t>
+            </a:r>
+            <a:r>
+              <a:rPr kumimoji="0" lang="en-US" altLang="en-US" sz="1800" b="0" i="0" u="none" strike="noStrike" cap="none" normalizeH="0" baseline="0" dirty="0">
+                <a:ln>
+                  <a:noFill/>
+                </a:ln>
+                <a:solidFill>
+                  <a:srgbClr val="CC7832"/>
+                </a:solidFill>
+                <a:effectLst/>
+                <a:latin typeface="JetBrains Mono"/>
+              </a:rPr>
+              <a:t>;</a:t>
+            </a:r>
+            <a:br>
+              <a:rPr kumimoji="0" lang="en-US" altLang="en-US" sz="1800" b="0" i="0" u="none" strike="noStrike" cap="none" normalizeH="0" baseline="0" dirty="0">
+                <a:ln>
+                  <a:noFill/>
+                </a:ln>
+                <a:solidFill>
+                  <a:srgbClr val="CC7832"/>
+                </a:solidFill>
+                <a:effectLst/>
+                <a:latin typeface="JetBrains Mono"/>
+              </a:rPr>
+            </a:br>
+            <a:br>
+              <a:rPr kumimoji="0" lang="en-US" altLang="en-US" sz="1800" b="0" i="0" u="none" strike="noStrike" cap="none" normalizeH="0" baseline="0" dirty="0">
+                <a:ln>
+                  <a:noFill/>
+                </a:ln>
+                <a:solidFill>
+                  <a:srgbClr val="CC7832"/>
+                </a:solidFill>
+                <a:effectLst/>
+                <a:latin typeface="JetBrains Mono"/>
+              </a:rPr>
+            </a:br>
+            <a:r>
+              <a:rPr kumimoji="0" lang="en-US" altLang="en-US" sz="1800" b="0" i="0" u="none" strike="noStrike" cap="none" normalizeH="0" baseline="0" dirty="0">
+                <a:ln>
+                  <a:noFill/>
+                </a:ln>
+                <a:solidFill>
+                  <a:srgbClr val="CC7832"/>
+                </a:solidFill>
+                <a:effectLst/>
+                <a:latin typeface="JetBrains Mono"/>
+              </a:rPr>
+              <a:t>public class </a:t>
+            </a:r>
+            <a:r>
+              <a:rPr kumimoji="0" lang="en-US" altLang="en-US" sz="1800" b="0" i="0" u="none" strike="noStrike" cap="none" normalizeH="0" baseline="0" dirty="0" err="1">
+                <a:ln>
+                  <a:noFill/>
+                </a:ln>
+                <a:solidFill>
+                  <a:srgbClr val="A9B7C6"/>
+                </a:solidFill>
+                <a:effectLst/>
+                <a:latin typeface="JetBrains Mono"/>
+              </a:rPr>
+              <a:t>FilesException</a:t>
+            </a:r>
+            <a:r>
+              <a:rPr kumimoji="0" lang="en-US" altLang="en-US" sz="1800" b="0" i="0" u="none" strike="noStrike" cap="none" normalizeH="0" baseline="0" dirty="0">
+                <a:ln>
+                  <a:noFill/>
+                </a:ln>
+                <a:solidFill>
+                  <a:srgbClr val="A9B7C6"/>
+                </a:solidFill>
+                <a:effectLst/>
+                <a:latin typeface="JetBrains Mono"/>
+              </a:rPr>
+              <a:t> {</a:t>
+            </a:r>
+            <a:br>
+              <a:rPr kumimoji="0" lang="en-US" altLang="en-US" sz="1800" b="0" i="0" u="none" strike="noStrike" cap="none" normalizeH="0" baseline="0" dirty="0">
+                <a:ln>
+                  <a:noFill/>
+                </a:ln>
+                <a:solidFill>
+                  <a:srgbClr val="A9B7C6"/>
+                </a:solidFill>
+                <a:effectLst/>
+                <a:latin typeface="JetBrains Mono"/>
+              </a:rPr>
+            </a:br>
+            <a:r>
+              <a:rPr kumimoji="0" lang="en-US" altLang="en-US" sz="1800" b="0" i="0" u="none" strike="noStrike" cap="none" normalizeH="0" baseline="0" dirty="0">
+                <a:ln>
+                  <a:noFill/>
+                </a:ln>
+                <a:solidFill>
+                  <a:srgbClr val="A9B7C6"/>
+                </a:solidFill>
+                <a:effectLst/>
+                <a:latin typeface="JetBrains Mono"/>
+              </a:rPr>
+              <a:t>    </a:t>
+            </a:r>
+            <a:r>
+              <a:rPr kumimoji="0" lang="en-US" altLang="en-US" sz="1800" b="0" i="0" u="none" strike="noStrike" cap="none" normalizeH="0" baseline="0" dirty="0">
+                <a:ln>
+                  <a:noFill/>
+                </a:ln>
+                <a:solidFill>
+                  <a:srgbClr val="CC7832"/>
+                </a:solidFill>
+                <a:effectLst/>
+                <a:latin typeface="JetBrains Mono"/>
+              </a:rPr>
+              <a:t>private </a:t>
+            </a:r>
+            <a:r>
+              <a:rPr kumimoji="0" lang="en-US" altLang="en-US" sz="1800" b="0" i="0" u="none" strike="noStrike" cap="none" normalizeH="0" baseline="0" dirty="0">
+                <a:ln>
+                  <a:noFill/>
+                </a:ln>
+                <a:solidFill>
+                  <a:srgbClr val="A9B7C6"/>
+                </a:solidFill>
+                <a:effectLst/>
+                <a:latin typeface="JetBrains Mono"/>
+              </a:rPr>
+              <a:t>String </a:t>
+            </a:r>
+            <a:r>
+              <a:rPr kumimoji="0" lang="en-US" altLang="en-US" sz="1800" b="0" i="0" u="none" strike="noStrike" cap="none" normalizeH="0" baseline="0" dirty="0" err="1">
+                <a:ln>
+                  <a:noFill/>
+                </a:ln>
+                <a:solidFill>
+                  <a:srgbClr val="9876AA"/>
+                </a:solidFill>
+                <a:effectLst/>
+                <a:latin typeface="JetBrains Mono"/>
+              </a:rPr>
+              <a:t>fileName</a:t>
+            </a:r>
+            <a:r>
+              <a:rPr kumimoji="0" lang="en-US" altLang="en-US" sz="1800" b="0" i="0" u="none" strike="noStrike" cap="none" normalizeH="0" baseline="0" dirty="0">
+                <a:ln>
+                  <a:noFill/>
+                </a:ln>
+                <a:solidFill>
+                  <a:srgbClr val="CC7832"/>
+                </a:solidFill>
+                <a:effectLst/>
+                <a:latin typeface="JetBrains Mono"/>
+              </a:rPr>
+              <a:t>;</a:t>
+            </a:r>
+            <a:br>
+              <a:rPr kumimoji="0" lang="en-US" altLang="en-US" sz="1800" b="0" i="0" u="none" strike="noStrike" cap="none" normalizeH="0" baseline="0" dirty="0">
+                <a:ln>
+                  <a:noFill/>
+                </a:ln>
+                <a:solidFill>
+                  <a:srgbClr val="CC7832"/>
+                </a:solidFill>
+                <a:effectLst/>
+                <a:latin typeface="JetBrains Mono"/>
+              </a:rPr>
+            </a:br>
+            <a:r>
+              <a:rPr kumimoji="0" lang="en-US" altLang="en-US" sz="1800" b="0" i="0" u="none" strike="noStrike" cap="none" normalizeH="0" baseline="0" dirty="0">
+                <a:ln>
+                  <a:noFill/>
+                </a:ln>
+                <a:solidFill>
+                  <a:srgbClr val="CC7832"/>
+                </a:solidFill>
+                <a:effectLst/>
+                <a:latin typeface="JetBrains Mono"/>
+              </a:rPr>
+              <a:t>    public </a:t>
+            </a:r>
+            <a:r>
+              <a:rPr kumimoji="0" lang="en-US" altLang="en-US" sz="1800" b="0" i="0" u="none" strike="noStrike" cap="none" normalizeH="0" baseline="0" dirty="0" err="1">
+                <a:ln>
+                  <a:noFill/>
+                </a:ln>
+                <a:solidFill>
+                  <a:srgbClr val="FFC66D"/>
+                </a:solidFill>
+                <a:effectLst/>
+                <a:latin typeface="JetBrains Mono"/>
+              </a:rPr>
+              <a:t>FilesException</a:t>
+            </a:r>
+            <a:r>
+              <a:rPr kumimoji="0" lang="en-US" altLang="en-US" sz="1800" b="0" i="0" u="none" strike="noStrike" cap="none" normalizeH="0" baseline="0" dirty="0">
+                <a:ln>
+                  <a:noFill/>
+                </a:ln>
+                <a:solidFill>
+                  <a:srgbClr val="A9B7C6"/>
+                </a:solidFill>
+                <a:effectLst/>
+                <a:latin typeface="JetBrains Mono"/>
+              </a:rPr>
+              <a:t>(String </a:t>
+            </a:r>
+            <a:r>
+              <a:rPr kumimoji="0" lang="en-US" altLang="en-US" sz="1800" b="0" i="0" u="none" strike="noStrike" cap="none" normalizeH="0" baseline="0" dirty="0" err="1">
+                <a:ln>
+                  <a:noFill/>
+                </a:ln>
+                <a:solidFill>
+                  <a:srgbClr val="A9B7C6"/>
+                </a:solidFill>
+                <a:effectLst/>
+                <a:latin typeface="JetBrains Mono"/>
+              </a:rPr>
+              <a:t>fileName</a:t>
+            </a:r>
+            <a:r>
+              <a:rPr kumimoji="0" lang="en-US" altLang="en-US" sz="1800" b="0" i="0" u="none" strike="noStrike" cap="none" normalizeH="0" baseline="0" dirty="0">
+                <a:ln>
+                  <a:noFill/>
+                </a:ln>
+                <a:solidFill>
+                  <a:srgbClr val="A9B7C6"/>
+                </a:solidFill>
+                <a:effectLst/>
+                <a:latin typeface="JetBrains Mono"/>
+              </a:rPr>
+              <a:t>){</a:t>
+            </a:r>
+            <a:br>
+              <a:rPr kumimoji="0" lang="en-US" altLang="en-US" sz="1800" b="0" i="0" u="none" strike="noStrike" cap="none" normalizeH="0" baseline="0" dirty="0">
+                <a:ln>
+                  <a:noFill/>
+                </a:ln>
+                <a:solidFill>
+                  <a:srgbClr val="A9B7C6"/>
+                </a:solidFill>
+                <a:effectLst/>
+                <a:latin typeface="JetBrains Mono"/>
+              </a:rPr>
+            </a:br>
+            <a:r>
+              <a:rPr kumimoji="0" lang="en-US" altLang="en-US" sz="1800" b="0" i="0" u="none" strike="noStrike" cap="none" normalizeH="0" baseline="0" dirty="0">
+                <a:ln>
+                  <a:noFill/>
+                </a:ln>
+                <a:solidFill>
+                  <a:srgbClr val="A9B7C6"/>
+                </a:solidFill>
+                <a:effectLst/>
+                <a:latin typeface="JetBrains Mono"/>
+              </a:rPr>
+              <a:t>        </a:t>
+            </a:r>
+            <a:r>
+              <a:rPr kumimoji="0" lang="en-US" altLang="en-US" sz="1800" b="0" i="0" u="none" strike="noStrike" cap="none" normalizeH="0" baseline="0" dirty="0" err="1">
+                <a:ln>
+                  <a:noFill/>
+                </a:ln>
+                <a:solidFill>
+                  <a:srgbClr val="CC7832"/>
+                </a:solidFill>
+                <a:effectLst/>
+                <a:latin typeface="JetBrains Mono"/>
+              </a:rPr>
+              <a:t>this</a:t>
+            </a:r>
+            <a:r>
+              <a:rPr kumimoji="0" lang="en-US" altLang="en-US" sz="1800" b="0" i="0" u="none" strike="noStrike" cap="none" normalizeH="0" baseline="0" dirty="0" err="1">
+                <a:ln>
+                  <a:noFill/>
+                </a:ln>
+                <a:solidFill>
+                  <a:srgbClr val="A9B7C6"/>
+                </a:solidFill>
+                <a:effectLst/>
+                <a:latin typeface="JetBrains Mono"/>
+              </a:rPr>
+              <a:t>.</a:t>
+            </a:r>
+            <a:r>
+              <a:rPr kumimoji="0" lang="en-US" altLang="en-US" sz="1800" b="0" i="0" u="none" strike="noStrike" cap="none" normalizeH="0" baseline="0" dirty="0" err="1">
+                <a:ln>
+                  <a:noFill/>
+                </a:ln>
+                <a:solidFill>
+                  <a:srgbClr val="9876AA"/>
+                </a:solidFill>
+                <a:effectLst/>
+                <a:latin typeface="JetBrains Mono"/>
+              </a:rPr>
+              <a:t>fileName</a:t>
+            </a:r>
+            <a:r>
+              <a:rPr kumimoji="0" lang="en-US" altLang="en-US" sz="1800" b="0" i="0" u="none" strike="noStrike" cap="none" normalizeH="0" baseline="0" dirty="0">
+                <a:ln>
+                  <a:noFill/>
+                </a:ln>
+                <a:solidFill>
+                  <a:srgbClr val="9876AA"/>
+                </a:solidFill>
+                <a:effectLst/>
+                <a:latin typeface="JetBrains Mono"/>
+              </a:rPr>
+              <a:t> </a:t>
+            </a:r>
+            <a:r>
+              <a:rPr kumimoji="0" lang="en-US" altLang="en-US" sz="1800" b="0" i="0" u="none" strike="noStrike" cap="none" normalizeH="0" baseline="0" dirty="0">
+                <a:ln>
+                  <a:noFill/>
+                </a:ln>
+                <a:solidFill>
+                  <a:srgbClr val="A9B7C6"/>
+                </a:solidFill>
+                <a:effectLst/>
+                <a:latin typeface="JetBrains Mono"/>
+              </a:rPr>
+              <a:t>= </a:t>
+            </a:r>
+            <a:r>
+              <a:rPr kumimoji="0" lang="en-US" altLang="en-US" sz="1800" b="0" i="0" u="none" strike="noStrike" cap="none" normalizeH="0" baseline="0" dirty="0" err="1">
+                <a:ln>
+                  <a:noFill/>
+                </a:ln>
+                <a:solidFill>
+                  <a:srgbClr val="A9B7C6"/>
+                </a:solidFill>
+                <a:effectLst/>
+                <a:latin typeface="JetBrains Mono"/>
+              </a:rPr>
+              <a:t>fileName</a:t>
+            </a:r>
+            <a:r>
+              <a:rPr kumimoji="0" lang="en-US" altLang="en-US" sz="1800" b="0" i="0" u="none" strike="noStrike" cap="none" normalizeH="0" baseline="0" dirty="0">
+                <a:ln>
+                  <a:noFill/>
+                </a:ln>
+                <a:solidFill>
+                  <a:srgbClr val="CC7832"/>
+                </a:solidFill>
+                <a:effectLst/>
+                <a:latin typeface="JetBrains Mono"/>
+              </a:rPr>
+              <a:t>;</a:t>
+            </a:r>
+            <a:br>
+              <a:rPr kumimoji="0" lang="en-US" altLang="en-US" sz="1800" b="0" i="0" u="none" strike="noStrike" cap="none" normalizeH="0" baseline="0" dirty="0">
+                <a:ln>
+                  <a:noFill/>
+                </a:ln>
+                <a:solidFill>
+                  <a:srgbClr val="CC7832"/>
+                </a:solidFill>
+                <a:effectLst/>
+                <a:latin typeface="JetBrains Mono"/>
+              </a:rPr>
+            </a:br>
+            <a:r>
+              <a:rPr kumimoji="0" lang="en-US" altLang="en-US" sz="1800" b="0" i="0" u="none" strike="noStrike" cap="none" normalizeH="0" baseline="0" dirty="0">
+                <a:ln>
+                  <a:noFill/>
+                </a:ln>
+                <a:solidFill>
+                  <a:srgbClr val="CC7832"/>
+                </a:solidFill>
+                <a:effectLst/>
+                <a:latin typeface="JetBrains Mono"/>
+              </a:rPr>
+              <a:t>    </a:t>
+            </a:r>
+            <a:r>
+              <a:rPr kumimoji="0" lang="en-US" altLang="en-US" sz="1800" b="0" i="0" u="none" strike="noStrike" cap="none" normalizeH="0" baseline="0" dirty="0">
+                <a:ln>
+                  <a:noFill/>
+                </a:ln>
+                <a:solidFill>
+                  <a:srgbClr val="A9B7C6"/>
+                </a:solidFill>
+                <a:effectLst/>
+                <a:latin typeface="JetBrains Mono"/>
+              </a:rPr>
+              <a:t>}</a:t>
+            </a:r>
+            <a:br>
+              <a:rPr kumimoji="0" lang="en-US" altLang="en-US" sz="1800" b="0" i="0" u="none" strike="noStrike" cap="none" normalizeH="0" baseline="0" dirty="0">
+                <a:ln>
+                  <a:noFill/>
+                </a:ln>
+                <a:solidFill>
+                  <a:srgbClr val="A9B7C6"/>
+                </a:solidFill>
+                <a:effectLst/>
+                <a:latin typeface="JetBrains Mono"/>
+              </a:rPr>
+            </a:br>
+            <a:r>
+              <a:rPr kumimoji="0" lang="en-US" altLang="en-US" sz="1800" b="0" i="0" u="none" strike="noStrike" cap="none" normalizeH="0" baseline="0" dirty="0">
+                <a:ln>
+                  <a:noFill/>
+                </a:ln>
+                <a:solidFill>
+                  <a:srgbClr val="A9B7C6"/>
+                </a:solidFill>
+                <a:effectLst/>
+                <a:latin typeface="JetBrains Mono"/>
+              </a:rPr>
+              <a:t>    </a:t>
+            </a:r>
+            <a:r>
+              <a:rPr kumimoji="0" lang="en-US" altLang="en-US" sz="1800" b="0" i="0" u="none" strike="noStrike" cap="none" normalizeH="0" baseline="0" dirty="0">
+                <a:ln>
+                  <a:noFill/>
+                </a:ln>
+                <a:solidFill>
+                  <a:srgbClr val="CC7832"/>
+                </a:solidFill>
+                <a:effectLst/>
+                <a:latin typeface="JetBrains Mono"/>
+              </a:rPr>
+              <a:t>public </a:t>
+            </a:r>
+            <a:r>
+              <a:rPr kumimoji="0" lang="en-US" altLang="en-US" sz="1800" b="0" i="0" u="none" strike="noStrike" cap="none" normalizeH="0" baseline="0" dirty="0">
+                <a:ln>
+                  <a:noFill/>
+                </a:ln>
+                <a:solidFill>
+                  <a:srgbClr val="A9B7C6"/>
+                </a:solidFill>
+                <a:effectLst/>
+                <a:latin typeface="JetBrains Mono"/>
+              </a:rPr>
+              <a:t>String </a:t>
+            </a:r>
+            <a:r>
+              <a:rPr kumimoji="0" lang="en-US" altLang="en-US" sz="1800" b="0" i="0" u="none" strike="noStrike" cap="none" normalizeH="0" baseline="0" dirty="0" err="1">
+                <a:ln>
+                  <a:noFill/>
+                </a:ln>
+                <a:solidFill>
+                  <a:srgbClr val="FFC66D"/>
+                </a:solidFill>
+                <a:effectLst/>
+                <a:latin typeface="JetBrains Mono"/>
+              </a:rPr>
+              <a:t>readFile</a:t>
+            </a:r>
+            <a:r>
+              <a:rPr kumimoji="0" lang="en-US" altLang="en-US" sz="1800" b="0" i="0" u="none" strike="noStrike" cap="none" normalizeH="0" baseline="0" dirty="0">
+                <a:ln>
+                  <a:noFill/>
+                </a:ln>
+                <a:solidFill>
+                  <a:srgbClr val="A9B7C6"/>
+                </a:solidFill>
+                <a:effectLst/>
+                <a:latin typeface="JetBrains Mono"/>
+              </a:rPr>
+              <a:t>(){</a:t>
+            </a:r>
+            <a:br>
+              <a:rPr kumimoji="0" lang="en-US" altLang="en-US" sz="1800" b="0" i="0" u="none" strike="noStrike" cap="none" normalizeH="0" baseline="0" dirty="0">
+                <a:ln>
+                  <a:noFill/>
+                </a:ln>
+                <a:solidFill>
+                  <a:srgbClr val="A9B7C6"/>
+                </a:solidFill>
+                <a:effectLst/>
+                <a:latin typeface="JetBrains Mono"/>
+              </a:rPr>
+            </a:br>
+            <a:r>
+              <a:rPr kumimoji="0" lang="en-US" altLang="en-US" sz="1800" b="0" i="0" u="none" strike="noStrike" cap="none" normalizeH="0" baseline="0" dirty="0">
+                <a:ln>
+                  <a:noFill/>
+                </a:ln>
+                <a:solidFill>
+                  <a:srgbClr val="A9B7C6"/>
+                </a:solidFill>
+                <a:effectLst/>
+                <a:latin typeface="JetBrains Mono"/>
+              </a:rPr>
+              <a:t>        String </a:t>
+            </a:r>
+            <a:r>
+              <a:rPr kumimoji="0" lang="en-US" altLang="en-US" sz="1800" b="0" i="0" u="none" strike="noStrike" cap="none" normalizeH="0" baseline="0" dirty="0" err="1">
+                <a:ln>
+                  <a:noFill/>
+                </a:ln>
+                <a:solidFill>
+                  <a:srgbClr val="A9B7C6"/>
+                </a:solidFill>
+                <a:effectLst/>
+                <a:latin typeface="JetBrains Mono"/>
+              </a:rPr>
+              <a:t>strFromFile</a:t>
+            </a:r>
+            <a:r>
+              <a:rPr kumimoji="0" lang="en-US" altLang="en-US" sz="1800" b="0" i="0" u="none" strike="noStrike" cap="none" normalizeH="0" baseline="0" dirty="0">
+                <a:ln>
+                  <a:noFill/>
+                </a:ln>
+                <a:solidFill>
+                  <a:srgbClr val="A9B7C6"/>
+                </a:solidFill>
+                <a:effectLst/>
+                <a:latin typeface="JetBrains Mono"/>
+              </a:rPr>
+              <a:t> = </a:t>
+            </a:r>
+            <a:r>
+              <a:rPr kumimoji="0" lang="en-US" altLang="en-US" sz="1800" b="0" i="0" u="none" strike="noStrike" cap="none" normalizeH="0" baseline="0" dirty="0">
+                <a:ln>
+                  <a:noFill/>
+                </a:ln>
+                <a:solidFill>
+                  <a:srgbClr val="6A8759"/>
+                </a:solidFill>
+                <a:effectLst/>
+                <a:latin typeface="JetBrains Mono"/>
+              </a:rPr>
+              <a:t>""</a:t>
+            </a:r>
+            <a:r>
+              <a:rPr kumimoji="0" lang="en-US" altLang="en-US" sz="1800" b="0" i="0" u="none" strike="noStrike" cap="none" normalizeH="0" baseline="0" dirty="0">
+                <a:ln>
+                  <a:noFill/>
+                </a:ln>
+                <a:solidFill>
+                  <a:srgbClr val="CC7832"/>
+                </a:solidFill>
+                <a:effectLst/>
+                <a:latin typeface="JetBrains Mono"/>
+              </a:rPr>
+              <a:t>;</a:t>
+            </a:r>
+            <a:br>
+              <a:rPr kumimoji="0" lang="en-US" altLang="en-US" sz="1800" b="0" i="0" u="none" strike="noStrike" cap="none" normalizeH="0" baseline="0" dirty="0">
+                <a:ln>
+                  <a:noFill/>
+                </a:ln>
+                <a:solidFill>
+                  <a:srgbClr val="CC7832"/>
+                </a:solidFill>
+                <a:effectLst/>
+                <a:latin typeface="JetBrains Mono"/>
+              </a:rPr>
+            </a:br>
+            <a:r>
+              <a:rPr kumimoji="0" lang="en-US" altLang="en-US" sz="1800" b="0" i="0" u="none" strike="noStrike" cap="none" normalizeH="0" baseline="0" dirty="0">
+                <a:ln>
+                  <a:noFill/>
+                </a:ln>
+                <a:solidFill>
+                  <a:srgbClr val="CC7832"/>
+                </a:solidFill>
+                <a:effectLst/>
+                <a:latin typeface="JetBrains Mono"/>
+              </a:rPr>
+              <a:t>        </a:t>
+            </a:r>
+            <a:r>
+              <a:rPr kumimoji="0" lang="en-US" altLang="en-US" sz="1800" b="0" i="0" u="none" strike="noStrike" cap="none" normalizeH="0" baseline="0" dirty="0">
+                <a:ln>
+                  <a:noFill/>
+                </a:ln>
+                <a:solidFill>
+                  <a:srgbClr val="A9B7C6"/>
+                </a:solidFill>
+                <a:effectLst/>
+                <a:latin typeface="JetBrains Mono"/>
+              </a:rPr>
+              <a:t>Scanner </a:t>
+            </a:r>
+            <a:r>
+              <a:rPr kumimoji="0" lang="en-US" altLang="en-US" sz="1800" b="0" i="0" u="none" strike="noStrike" cap="none" normalizeH="0" baseline="0" dirty="0" err="1">
+                <a:ln>
+                  <a:noFill/>
+                </a:ln>
+                <a:solidFill>
+                  <a:srgbClr val="A9B7C6"/>
+                </a:solidFill>
+                <a:effectLst/>
+                <a:latin typeface="JetBrains Mono"/>
+              </a:rPr>
+              <a:t>scnrFile</a:t>
+            </a:r>
+            <a:r>
+              <a:rPr kumimoji="0" lang="en-US" altLang="en-US" sz="1800" b="0" i="0" u="none" strike="noStrike" cap="none" normalizeH="0" baseline="0" dirty="0">
+                <a:ln>
+                  <a:noFill/>
+                </a:ln>
+                <a:solidFill>
+                  <a:srgbClr val="A9B7C6"/>
+                </a:solidFill>
+                <a:effectLst/>
+                <a:latin typeface="JetBrains Mono"/>
+              </a:rPr>
+              <a:t> = </a:t>
+            </a:r>
+            <a:r>
+              <a:rPr kumimoji="0" lang="en-US" altLang="en-US" sz="1800" b="0" i="0" u="none" strike="noStrike" cap="none" normalizeH="0" baseline="0" dirty="0">
+                <a:ln>
+                  <a:noFill/>
+                </a:ln>
+                <a:solidFill>
+                  <a:srgbClr val="CC7832"/>
+                </a:solidFill>
+                <a:effectLst/>
+                <a:latin typeface="JetBrains Mono"/>
+              </a:rPr>
+              <a:t>null;</a:t>
+            </a:r>
+            <a:br>
+              <a:rPr kumimoji="0" lang="en-US" altLang="en-US" sz="1800" b="0" i="0" u="none" strike="noStrike" cap="none" normalizeH="0" baseline="0" dirty="0">
+                <a:ln>
+                  <a:noFill/>
+                </a:ln>
+                <a:solidFill>
+                  <a:srgbClr val="CC7832"/>
+                </a:solidFill>
+                <a:effectLst/>
+                <a:latin typeface="JetBrains Mono"/>
+              </a:rPr>
+            </a:br>
+            <a:r>
+              <a:rPr kumimoji="0" lang="en-US" altLang="en-US" sz="1800" b="0" i="0" u="none" strike="noStrike" cap="none" normalizeH="0" baseline="0" dirty="0">
+                <a:ln>
+                  <a:noFill/>
+                </a:ln>
+                <a:solidFill>
+                  <a:srgbClr val="CC7832"/>
+                </a:solidFill>
+                <a:effectLst/>
+                <a:latin typeface="JetBrains Mono"/>
+              </a:rPr>
+              <a:t>        try</a:t>
+            </a:r>
+            <a:r>
+              <a:rPr kumimoji="0" lang="en-US" altLang="en-US" sz="1800" b="0" i="0" u="none" strike="noStrike" cap="none" normalizeH="0" baseline="0" dirty="0">
+                <a:ln>
+                  <a:noFill/>
+                </a:ln>
+                <a:solidFill>
+                  <a:srgbClr val="A9B7C6"/>
+                </a:solidFill>
+                <a:effectLst/>
+                <a:latin typeface="JetBrains Mono"/>
+              </a:rPr>
+              <a:t>{</a:t>
+            </a:r>
+            <a:br>
+              <a:rPr kumimoji="0" lang="en-US" altLang="en-US" sz="1800" b="0" i="0" u="none" strike="noStrike" cap="none" normalizeH="0" baseline="0" dirty="0">
+                <a:ln>
+                  <a:noFill/>
+                </a:ln>
+                <a:solidFill>
+                  <a:srgbClr val="A9B7C6"/>
+                </a:solidFill>
+                <a:effectLst/>
+                <a:latin typeface="JetBrains Mono"/>
+              </a:rPr>
+            </a:br>
+            <a:r>
+              <a:rPr kumimoji="0" lang="en-US" altLang="en-US" sz="1800" b="0" i="0" u="none" strike="noStrike" cap="none" normalizeH="0" baseline="0" dirty="0">
+                <a:ln>
+                  <a:noFill/>
+                </a:ln>
+                <a:solidFill>
+                  <a:srgbClr val="A9B7C6"/>
+                </a:solidFill>
+                <a:effectLst/>
+                <a:latin typeface="JetBrains Mono"/>
+              </a:rPr>
+              <a:t>            </a:t>
+            </a:r>
+            <a:r>
+              <a:rPr kumimoji="0" lang="en-US" altLang="en-US" sz="1800" b="0" i="0" u="none" strike="noStrike" cap="none" normalizeH="0" baseline="0" dirty="0" err="1">
+                <a:ln>
+                  <a:noFill/>
+                </a:ln>
+                <a:solidFill>
+                  <a:srgbClr val="A9B7C6"/>
+                </a:solidFill>
+                <a:effectLst/>
+                <a:latin typeface="JetBrains Mono"/>
+              </a:rPr>
+              <a:t>scnrFile</a:t>
+            </a:r>
+            <a:r>
+              <a:rPr kumimoji="0" lang="en-US" altLang="en-US" sz="1800" b="0" i="0" u="none" strike="noStrike" cap="none" normalizeH="0" baseline="0" dirty="0">
+                <a:ln>
+                  <a:noFill/>
+                </a:ln>
+                <a:solidFill>
+                  <a:srgbClr val="A9B7C6"/>
+                </a:solidFill>
+                <a:effectLst/>
+                <a:latin typeface="JetBrains Mono"/>
+              </a:rPr>
+              <a:t> = </a:t>
+            </a:r>
+            <a:r>
+              <a:rPr kumimoji="0" lang="en-US" altLang="en-US" sz="1800" b="0" i="0" u="none" strike="noStrike" cap="none" normalizeH="0" baseline="0" dirty="0">
+                <a:ln>
+                  <a:noFill/>
+                </a:ln>
+                <a:solidFill>
+                  <a:srgbClr val="CC7832"/>
+                </a:solidFill>
+                <a:effectLst/>
+                <a:latin typeface="JetBrains Mono"/>
+              </a:rPr>
+              <a:t>new </a:t>
+            </a:r>
+            <a:r>
+              <a:rPr kumimoji="0" lang="en-US" altLang="en-US" sz="1800" b="0" i="0" u="none" strike="noStrike" cap="none" normalizeH="0" baseline="0" dirty="0">
+                <a:ln>
+                  <a:noFill/>
+                </a:ln>
+                <a:solidFill>
+                  <a:srgbClr val="A9B7C6"/>
+                </a:solidFill>
+                <a:effectLst/>
+                <a:latin typeface="JetBrains Mono"/>
+              </a:rPr>
+              <a:t>Scanner(</a:t>
+            </a:r>
+            <a:r>
+              <a:rPr kumimoji="0" lang="en-US" altLang="en-US" sz="1800" b="0" i="0" u="none" strike="noStrike" cap="none" normalizeH="0" baseline="0" dirty="0">
+                <a:ln>
+                  <a:noFill/>
+                </a:ln>
+                <a:solidFill>
+                  <a:srgbClr val="CC7832"/>
+                </a:solidFill>
+                <a:effectLst/>
+                <a:latin typeface="JetBrains Mono"/>
+              </a:rPr>
+              <a:t>new </a:t>
+            </a:r>
+            <a:r>
+              <a:rPr kumimoji="0" lang="en-US" altLang="en-US" sz="1800" b="0" i="0" u="none" strike="noStrike" cap="none" normalizeH="0" baseline="0" dirty="0">
+                <a:ln>
+                  <a:noFill/>
+                </a:ln>
+                <a:solidFill>
+                  <a:srgbClr val="A9B7C6"/>
+                </a:solidFill>
+                <a:effectLst/>
+                <a:latin typeface="JetBrains Mono"/>
+              </a:rPr>
+              <a:t>File(</a:t>
+            </a:r>
+            <a:r>
+              <a:rPr kumimoji="0" lang="en-US" altLang="en-US" sz="1800" b="0" i="0" u="none" strike="noStrike" cap="none" normalizeH="0" baseline="0" dirty="0" err="1">
+                <a:ln>
+                  <a:noFill/>
+                </a:ln>
+                <a:solidFill>
+                  <a:srgbClr val="9876AA"/>
+                </a:solidFill>
+                <a:effectLst/>
+                <a:latin typeface="JetBrains Mono"/>
+              </a:rPr>
+              <a:t>fileName</a:t>
+            </a:r>
+            <a:r>
+              <a:rPr kumimoji="0" lang="en-US" altLang="en-US" sz="1800" b="0" i="0" u="none" strike="noStrike" cap="none" normalizeH="0" baseline="0" dirty="0">
+                <a:ln>
+                  <a:noFill/>
+                </a:ln>
+                <a:solidFill>
+                  <a:srgbClr val="A9B7C6"/>
+                </a:solidFill>
+                <a:effectLst/>
+                <a:latin typeface="JetBrains Mono"/>
+              </a:rPr>
+              <a:t>))</a:t>
+            </a:r>
+            <a:r>
+              <a:rPr kumimoji="0" lang="en-US" altLang="en-US" sz="1800" b="0" i="0" u="none" strike="noStrike" cap="none" normalizeH="0" baseline="0" dirty="0">
+                <a:ln>
+                  <a:noFill/>
+                </a:ln>
+                <a:solidFill>
+                  <a:srgbClr val="CC7832"/>
+                </a:solidFill>
+                <a:effectLst/>
+                <a:latin typeface="JetBrains Mono"/>
+              </a:rPr>
+              <a:t>;</a:t>
+            </a:r>
+            <a:br>
+              <a:rPr kumimoji="0" lang="en-US" altLang="en-US" sz="1800" b="0" i="0" u="none" strike="noStrike" cap="none" normalizeH="0" baseline="0" dirty="0">
+                <a:ln>
+                  <a:noFill/>
+                </a:ln>
+                <a:solidFill>
+                  <a:srgbClr val="CC7832"/>
+                </a:solidFill>
+                <a:effectLst/>
+                <a:latin typeface="JetBrains Mono"/>
+              </a:rPr>
+            </a:br>
+            <a:r>
+              <a:rPr kumimoji="0" lang="en-US" altLang="en-US" sz="1800" b="0" i="0" u="none" strike="noStrike" cap="none" normalizeH="0" baseline="0" dirty="0">
+                <a:ln>
+                  <a:noFill/>
+                </a:ln>
+                <a:solidFill>
+                  <a:srgbClr val="CC7832"/>
+                </a:solidFill>
+                <a:effectLst/>
+                <a:latin typeface="JetBrains Mono"/>
+              </a:rPr>
+              <a:t>            while</a:t>
+            </a:r>
+            <a:r>
+              <a:rPr kumimoji="0" lang="en-US" altLang="en-US" sz="1800" b="0" i="0" u="none" strike="noStrike" cap="none" normalizeH="0" baseline="0" dirty="0">
+                <a:ln>
+                  <a:noFill/>
+                </a:ln>
+                <a:solidFill>
+                  <a:srgbClr val="A9B7C6"/>
+                </a:solidFill>
+                <a:effectLst/>
+                <a:latin typeface="JetBrains Mono"/>
+              </a:rPr>
+              <a:t>(</a:t>
+            </a:r>
+            <a:r>
+              <a:rPr kumimoji="0" lang="en-US" altLang="en-US" sz="1800" b="0" i="0" u="none" strike="noStrike" cap="none" normalizeH="0" baseline="0" dirty="0" err="1">
+                <a:ln>
+                  <a:noFill/>
+                </a:ln>
+                <a:solidFill>
+                  <a:srgbClr val="A9B7C6"/>
+                </a:solidFill>
+                <a:effectLst/>
+                <a:latin typeface="JetBrains Mono"/>
+              </a:rPr>
+              <a:t>scnrFile.hasNext</a:t>
+            </a:r>
+            <a:r>
+              <a:rPr kumimoji="0" lang="en-US" altLang="en-US" sz="1800" b="0" i="0" u="none" strike="noStrike" cap="none" normalizeH="0" baseline="0" dirty="0">
+                <a:ln>
+                  <a:noFill/>
+                </a:ln>
+                <a:solidFill>
+                  <a:srgbClr val="A9B7C6"/>
+                </a:solidFill>
+                <a:effectLst/>
+                <a:latin typeface="JetBrains Mono"/>
+              </a:rPr>
+              <a:t>()){</a:t>
+            </a:r>
+            <a:br>
+              <a:rPr kumimoji="0" lang="en-US" altLang="en-US" sz="1800" b="0" i="0" u="none" strike="noStrike" cap="none" normalizeH="0" baseline="0" dirty="0">
+                <a:ln>
+                  <a:noFill/>
+                </a:ln>
+                <a:solidFill>
+                  <a:srgbClr val="A9B7C6"/>
+                </a:solidFill>
+                <a:effectLst/>
+                <a:latin typeface="JetBrains Mono"/>
+              </a:rPr>
+            </a:br>
+            <a:r>
+              <a:rPr kumimoji="0" lang="en-US" altLang="en-US" sz="1800" b="0" i="0" u="none" strike="noStrike" cap="none" normalizeH="0" baseline="0" dirty="0">
+                <a:ln>
+                  <a:noFill/>
+                </a:ln>
+                <a:solidFill>
+                  <a:srgbClr val="A9B7C6"/>
+                </a:solidFill>
+                <a:effectLst/>
+                <a:latin typeface="JetBrains Mono"/>
+              </a:rPr>
+              <a:t>                </a:t>
+            </a:r>
+            <a:r>
+              <a:rPr kumimoji="0" lang="en-US" altLang="en-US" sz="1800" b="0" i="0" u="none" strike="noStrike" cap="none" normalizeH="0" baseline="0" dirty="0" err="1">
+                <a:ln>
+                  <a:noFill/>
+                </a:ln>
+                <a:solidFill>
+                  <a:srgbClr val="A9B7C6"/>
+                </a:solidFill>
+                <a:effectLst/>
+                <a:latin typeface="JetBrains Mono"/>
+              </a:rPr>
+              <a:t>strFromFile</a:t>
+            </a:r>
+            <a:r>
+              <a:rPr kumimoji="0" lang="en-US" altLang="en-US" sz="1800" b="0" i="0" u="none" strike="noStrike" cap="none" normalizeH="0" baseline="0" dirty="0">
+                <a:ln>
+                  <a:noFill/>
+                </a:ln>
+                <a:solidFill>
+                  <a:srgbClr val="A9B7C6"/>
+                </a:solidFill>
+                <a:effectLst/>
+                <a:latin typeface="JetBrains Mono"/>
+              </a:rPr>
+              <a:t> += </a:t>
+            </a:r>
+            <a:r>
+              <a:rPr kumimoji="0" lang="en-US" altLang="en-US" sz="1800" b="0" i="0" u="none" strike="noStrike" cap="none" normalizeH="0" baseline="0" dirty="0" err="1">
+                <a:ln>
+                  <a:noFill/>
+                </a:ln>
+                <a:solidFill>
+                  <a:srgbClr val="A9B7C6"/>
+                </a:solidFill>
+                <a:effectLst/>
+                <a:latin typeface="JetBrains Mono"/>
+              </a:rPr>
+              <a:t>scnrFile.nextLine</a:t>
+            </a:r>
+            <a:r>
+              <a:rPr kumimoji="0" lang="en-US" altLang="en-US" sz="1800" b="0" i="0" u="none" strike="noStrike" cap="none" normalizeH="0" baseline="0" dirty="0">
+                <a:ln>
+                  <a:noFill/>
+                </a:ln>
+                <a:solidFill>
+                  <a:srgbClr val="A9B7C6"/>
+                </a:solidFill>
+                <a:effectLst/>
+                <a:latin typeface="JetBrains Mono"/>
+              </a:rPr>
+              <a:t>() + </a:t>
+            </a:r>
+            <a:r>
+              <a:rPr kumimoji="0" lang="en-US" altLang="en-US" sz="1800" b="0" i="0" u="none" strike="noStrike" cap="none" normalizeH="0" baseline="0" dirty="0">
+                <a:ln>
+                  <a:noFill/>
+                </a:ln>
+                <a:solidFill>
+                  <a:srgbClr val="6A8759"/>
+                </a:solidFill>
+                <a:effectLst/>
+                <a:latin typeface="JetBrains Mono"/>
+              </a:rPr>
+              <a:t>"</a:t>
+            </a:r>
+            <a:r>
+              <a:rPr kumimoji="0" lang="en-US" altLang="en-US" sz="1800" b="0" i="0" u="none" strike="noStrike" cap="none" normalizeH="0" baseline="0" dirty="0">
+                <a:ln>
+                  <a:noFill/>
+                </a:ln>
+                <a:solidFill>
+                  <a:srgbClr val="CC7832"/>
+                </a:solidFill>
+                <a:effectLst/>
+                <a:latin typeface="JetBrains Mono"/>
+              </a:rPr>
+              <a:t>\n</a:t>
+            </a:r>
+            <a:r>
+              <a:rPr kumimoji="0" lang="en-US" altLang="en-US" sz="1800" b="0" i="0" u="none" strike="noStrike" cap="none" normalizeH="0" baseline="0" dirty="0">
+                <a:ln>
+                  <a:noFill/>
+                </a:ln>
+                <a:solidFill>
+                  <a:srgbClr val="6A8759"/>
+                </a:solidFill>
+                <a:effectLst/>
+                <a:latin typeface="JetBrains Mono"/>
+              </a:rPr>
+              <a:t>"</a:t>
+            </a:r>
+            <a:r>
+              <a:rPr kumimoji="0" lang="en-US" altLang="en-US" sz="1800" b="0" i="0" u="none" strike="noStrike" cap="none" normalizeH="0" baseline="0" dirty="0">
+                <a:ln>
+                  <a:noFill/>
+                </a:ln>
+                <a:solidFill>
+                  <a:srgbClr val="CC7832"/>
+                </a:solidFill>
+                <a:effectLst/>
+                <a:latin typeface="JetBrains Mono"/>
+              </a:rPr>
+              <a:t>;</a:t>
+            </a:r>
+            <a:br>
+              <a:rPr kumimoji="0" lang="en-US" altLang="en-US" sz="1800" b="0" i="0" u="none" strike="noStrike" cap="none" normalizeH="0" baseline="0" dirty="0">
+                <a:ln>
+                  <a:noFill/>
+                </a:ln>
+                <a:solidFill>
+                  <a:srgbClr val="CC7832"/>
+                </a:solidFill>
+                <a:effectLst/>
+                <a:latin typeface="JetBrains Mono"/>
+              </a:rPr>
+            </a:br>
+            <a:r>
+              <a:rPr kumimoji="0" lang="en-US" altLang="en-US" sz="1800" b="0" i="0" u="none" strike="noStrike" cap="none" normalizeH="0" baseline="0" dirty="0">
+                <a:ln>
+                  <a:noFill/>
+                </a:ln>
+                <a:solidFill>
+                  <a:srgbClr val="CC7832"/>
+                </a:solidFill>
+                <a:effectLst/>
+                <a:latin typeface="JetBrains Mono"/>
+              </a:rPr>
+              <a:t>            </a:t>
+            </a:r>
+            <a:r>
+              <a:rPr kumimoji="0" lang="en-US" altLang="en-US" sz="1800" b="0" i="0" u="none" strike="noStrike" cap="none" normalizeH="0" baseline="0" dirty="0">
+                <a:ln>
+                  <a:noFill/>
+                </a:ln>
+                <a:solidFill>
+                  <a:srgbClr val="A9B7C6"/>
+                </a:solidFill>
+                <a:effectLst/>
+                <a:latin typeface="JetBrains Mono"/>
+              </a:rPr>
+              <a:t>}</a:t>
+            </a:r>
+            <a:br>
+              <a:rPr kumimoji="0" lang="en-US" altLang="en-US" sz="1800" b="0" i="0" u="none" strike="noStrike" cap="none" normalizeH="0" baseline="0" dirty="0">
+                <a:ln>
+                  <a:noFill/>
+                </a:ln>
+                <a:solidFill>
+                  <a:srgbClr val="A9B7C6"/>
+                </a:solidFill>
+                <a:effectLst/>
+                <a:latin typeface="JetBrains Mono"/>
+              </a:rPr>
+            </a:br>
+            <a:r>
+              <a:rPr kumimoji="0" lang="en-US" altLang="en-US" sz="1800" b="0" i="0" u="none" strike="noStrike" cap="none" normalizeH="0" baseline="0" dirty="0">
+                <a:ln>
+                  <a:noFill/>
+                </a:ln>
+                <a:solidFill>
+                  <a:srgbClr val="A9B7C6"/>
+                </a:solidFill>
+                <a:effectLst/>
+                <a:latin typeface="JetBrains Mono"/>
+              </a:rPr>
+              <a:t>        }</a:t>
+            </a:r>
+            <a:r>
+              <a:rPr kumimoji="0" lang="en-US" altLang="en-US" sz="1800" b="0" i="0" u="none" strike="noStrike" cap="none" normalizeH="0" baseline="0" dirty="0">
+                <a:ln>
+                  <a:noFill/>
+                </a:ln>
+                <a:solidFill>
+                  <a:srgbClr val="CC7832"/>
+                </a:solidFill>
+                <a:effectLst/>
+                <a:latin typeface="JetBrains Mono"/>
+              </a:rPr>
+              <a:t>catch</a:t>
+            </a:r>
+            <a:r>
+              <a:rPr kumimoji="0" lang="en-US" altLang="en-US" sz="1800" b="0" i="0" u="none" strike="noStrike" cap="none" normalizeH="0" baseline="0" dirty="0">
+                <a:ln>
+                  <a:noFill/>
+                </a:ln>
+                <a:solidFill>
+                  <a:srgbClr val="A9B7C6"/>
+                </a:solidFill>
+                <a:effectLst/>
+                <a:latin typeface="JetBrains Mono"/>
+              </a:rPr>
+              <a:t>(</a:t>
+            </a:r>
+            <a:r>
+              <a:rPr kumimoji="0" lang="en-US" altLang="en-US" sz="1800" b="0" i="0" u="none" strike="noStrike" cap="none" normalizeH="0" baseline="0" dirty="0" err="1">
+                <a:ln>
+                  <a:noFill/>
+                </a:ln>
+                <a:solidFill>
+                  <a:srgbClr val="A9B7C6"/>
+                </a:solidFill>
+                <a:effectLst/>
+                <a:latin typeface="JetBrains Mono"/>
+              </a:rPr>
+              <a:t>FileNotFoundException</a:t>
+            </a:r>
+            <a:r>
+              <a:rPr kumimoji="0" lang="en-US" altLang="en-US" sz="1800" b="0" i="0" u="none" strike="noStrike" cap="none" normalizeH="0" baseline="0" dirty="0">
+                <a:ln>
+                  <a:noFill/>
+                </a:ln>
+                <a:solidFill>
+                  <a:srgbClr val="A9B7C6"/>
+                </a:solidFill>
+                <a:effectLst/>
+                <a:latin typeface="JetBrains Mono"/>
+              </a:rPr>
+              <a:t> </a:t>
+            </a:r>
+            <a:r>
+              <a:rPr kumimoji="0" lang="en-US" altLang="en-US" sz="1800" b="0" i="0" u="none" strike="noStrike" cap="none" normalizeH="0" baseline="0" dirty="0" err="1">
+                <a:ln>
+                  <a:noFill/>
+                </a:ln>
+                <a:solidFill>
+                  <a:srgbClr val="A9B7C6"/>
+                </a:solidFill>
+                <a:effectLst/>
+                <a:latin typeface="JetBrains Mono"/>
+              </a:rPr>
+              <a:t>fileExp</a:t>
+            </a:r>
+            <a:r>
+              <a:rPr kumimoji="0" lang="en-US" altLang="en-US" sz="1800" b="0" i="0" u="none" strike="noStrike" cap="none" normalizeH="0" baseline="0" dirty="0">
+                <a:ln>
+                  <a:noFill/>
+                </a:ln>
+                <a:solidFill>
+                  <a:srgbClr val="A9B7C6"/>
+                </a:solidFill>
+                <a:effectLst/>
+                <a:latin typeface="JetBrains Mono"/>
+              </a:rPr>
+              <a:t>){</a:t>
+            </a:r>
+            <a:br>
+              <a:rPr kumimoji="0" lang="en-US" altLang="en-US" sz="1800" b="0" i="0" u="none" strike="noStrike" cap="none" normalizeH="0" baseline="0" dirty="0">
+                <a:ln>
+                  <a:noFill/>
+                </a:ln>
+                <a:solidFill>
+                  <a:srgbClr val="A9B7C6"/>
+                </a:solidFill>
+                <a:effectLst/>
+                <a:latin typeface="JetBrains Mono"/>
+              </a:rPr>
+            </a:br>
+            <a:r>
+              <a:rPr kumimoji="0" lang="en-US" altLang="en-US" sz="1800" b="0" i="0" u="none" strike="noStrike" cap="none" normalizeH="0" baseline="0" dirty="0">
+                <a:ln>
+                  <a:noFill/>
+                </a:ln>
+                <a:solidFill>
+                  <a:srgbClr val="A9B7C6"/>
+                </a:solidFill>
+                <a:effectLst/>
+                <a:latin typeface="JetBrains Mono"/>
+              </a:rPr>
+              <a:t>            </a:t>
+            </a:r>
+            <a:r>
+              <a:rPr kumimoji="0" lang="en-US" altLang="en-US" sz="1800" b="0" i="0" u="none" strike="noStrike" cap="none" normalizeH="0" baseline="0" dirty="0" err="1">
+                <a:ln>
+                  <a:noFill/>
+                </a:ln>
+                <a:solidFill>
+                  <a:srgbClr val="A9B7C6"/>
+                </a:solidFill>
+                <a:effectLst/>
+                <a:latin typeface="JetBrains Mono"/>
+              </a:rPr>
+              <a:t>System.</a:t>
+            </a:r>
+            <a:r>
+              <a:rPr kumimoji="0" lang="en-US" altLang="en-US" sz="1800" b="0" i="1" u="none" strike="noStrike" cap="none" normalizeH="0" baseline="0" dirty="0" err="1">
+                <a:ln>
+                  <a:noFill/>
+                </a:ln>
+                <a:solidFill>
+                  <a:srgbClr val="9876AA"/>
+                </a:solidFill>
+                <a:effectLst/>
+                <a:latin typeface="JetBrains Mono"/>
+              </a:rPr>
+              <a:t>out</a:t>
+            </a:r>
+            <a:r>
+              <a:rPr kumimoji="0" lang="en-US" altLang="en-US" sz="1800" b="0" i="0" u="none" strike="noStrike" cap="none" normalizeH="0" baseline="0" dirty="0" err="1">
+                <a:ln>
+                  <a:noFill/>
+                </a:ln>
+                <a:solidFill>
+                  <a:srgbClr val="A9B7C6"/>
+                </a:solidFill>
+                <a:effectLst/>
+                <a:latin typeface="JetBrains Mono"/>
+              </a:rPr>
+              <a:t>.println</a:t>
+            </a:r>
+            <a:r>
+              <a:rPr kumimoji="0" lang="en-US" altLang="en-US" sz="1800" b="0" i="0" u="none" strike="noStrike" cap="none" normalizeH="0" baseline="0" dirty="0">
+                <a:ln>
+                  <a:noFill/>
+                </a:ln>
+                <a:solidFill>
+                  <a:srgbClr val="A9B7C6"/>
+                </a:solidFill>
+                <a:effectLst/>
+                <a:latin typeface="JetBrains Mono"/>
+              </a:rPr>
+              <a:t>(</a:t>
+            </a:r>
+            <a:r>
+              <a:rPr kumimoji="0" lang="en-US" altLang="en-US" sz="1800" b="0" i="0" u="none" strike="noStrike" cap="none" normalizeH="0" baseline="0" dirty="0">
+                <a:ln>
+                  <a:noFill/>
+                </a:ln>
+                <a:solidFill>
+                  <a:srgbClr val="6A8759"/>
+                </a:solidFill>
+                <a:effectLst/>
+                <a:latin typeface="JetBrains Mono"/>
+              </a:rPr>
+              <a:t>"File not found!"</a:t>
+            </a:r>
+            <a:r>
+              <a:rPr kumimoji="0" lang="en-US" altLang="en-US" sz="1800" b="0" i="0" u="none" strike="noStrike" cap="none" normalizeH="0" baseline="0" dirty="0">
+                <a:ln>
+                  <a:noFill/>
+                </a:ln>
+                <a:solidFill>
+                  <a:srgbClr val="A9B7C6"/>
+                </a:solidFill>
+                <a:effectLst/>
+                <a:latin typeface="JetBrains Mono"/>
+              </a:rPr>
+              <a:t>)</a:t>
+            </a:r>
+            <a:r>
+              <a:rPr kumimoji="0" lang="en-US" altLang="en-US" sz="1800" b="0" i="0" u="none" strike="noStrike" cap="none" normalizeH="0" baseline="0" dirty="0">
+                <a:ln>
+                  <a:noFill/>
+                </a:ln>
+                <a:solidFill>
+                  <a:srgbClr val="CC7832"/>
+                </a:solidFill>
+                <a:effectLst/>
+                <a:latin typeface="JetBrains Mono"/>
+              </a:rPr>
+              <a:t>;</a:t>
+            </a:r>
+            <a:br>
+              <a:rPr kumimoji="0" lang="en-US" altLang="en-US" sz="1800" b="0" i="0" u="none" strike="noStrike" cap="none" normalizeH="0" baseline="0" dirty="0">
+                <a:ln>
+                  <a:noFill/>
+                </a:ln>
+                <a:solidFill>
+                  <a:srgbClr val="CC7832"/>
+                </a:solidFill>
+                <a:effectLst/>
+                <a:latin typeface="JetBrains Mono"/>
+              </a:rPr>
+            </a:br>
+            <a:r>
+              <a:rPr kumimoji="0" lang="en-US" altLang="en-US" sz="1800" b="0" i="0" u="none" strike="noStrike" cap="none" normalizeH="0" baseline="0" dirty="0">
+                <a:ln>
+                  <a:noFill/>
+                </a:ln>
+                <a:solidFill>
+                  <a:srgbClr val="CC7832"/>
+                </a:solidFill>
+                <a:effectLst/>
+                <a:latin typeface="JetBrains Mono"/>
+              </a:rPr>
+              <a:t>        </a:t>
+            </a:r>
+            <a:r>
+              <a:rPr kumimoji="0" lang="en-US" altLang="en-US" sz="1800" b="0" i="0" u="none" strike="noStrike" cap="none" normalizeH="0" baseline="0" dirty="0">
+                <a:ln>
+                  <a:noFill/>
+                </a:ln>
+                <a:solidFill>
+                  <a:srgbClr val="A9B7C6"/>
+                </a:solidFill>
+                <a:effectLst/>
+                <a:latin typeface="JetBrains Mono"/>
+              </a:rPr>
+              <a:t>}</a:t>
+            </a:r>
+            <a:r>
+              <a:rPr kumimoji="0" lang="en-US" altLang="en-US" sz="1800" b="0" i="0" u="none" strike="noStrike" cap="none" normalizeH="0" baseline="0" dirty="0">
+                <a:ln>
+                  <a:noFill/>
+                </a:ln>
+                <a:solidFill>
+                  <a:srgbClr val="CC7832"/>
+                </a:solidFill>
+                <a:effectLst/>
+                <a:latin typeface="JetBrains Mono"/>
+              </a:rPr>
+              <a:t>catch</a:t>
+            </a:r>
+            <a:r>
+              <a:rPr kumimoji="0" lang="en-US" altLang="en-US" sz="1800" b="0" i="0" u="none" strike="noStrike" cap="none" normalizeH="0" baseline="0" dirty="0">
+                <a:ln>
+                  <a:noFill/>
+                </a:ln>
+                <a:solidFill>
+                  <a:srgbClr val="A9B7C6"/>
+                </a:solidFill>
+                <a:effectLst/>
+                <a:latin typeface="JetBrains Mono"/>
+              </a:rPr>
+              <a:t>(</a:t>
+            </a:r>
+            <a:r>
+              <a:rPr kumimoji="0" lang="en-US" altLang="en-US" sz="1800" b="0" i="0" u="none" strike="noStrike" cap="none" normalizeH="0" baseline="0" dirty="0" err="1">
+                <a:ln>
+                  <a:noFill/>
+                </a:ln>
+                <a:solidFill>
+                  <a:srgbClr val="A9B7C6"/>
+                </a:solidFill>
+                <a:effectLst/>
+                <a:latin typeface="JetBrains Mono"/>
+              </a:rPr>
+              <a:t>IOException</a:t>
+            </a:r>
+            <a:r>
+              <a:rPr kumimoji="0" lang="en-US" altLang="en-US" sz="1800" b="0" i="0" u="none" strike="noStrike" cap="none" normalizeH="0" baseline="0" dirty="0">
+                <a:ln>
+                  <a:noFill/>
+                </a:ln>
+                <a:solidFill>
+                  <a:srgbClr val="A9B7C6"/>
+                </a:solidFill>
+                <a:effectLst/>
+                <a:latin typeface="JetBrains Mono"/>
+              </a:rPr>
+              <a:t> </a:t>
+            </a:r>
+            <a:r>
+              <a:rPr kumimoji="0" lang="en-US" altLang="en-US" sz="1800" b="0" i="0" u="none" strike="noStrike" cap="none" normalizeH="0" baseline="0" dirty="0" err="1">
+                <a:ln>
+                  <a:noFill/>
+                </a:ln>
+                <a:solidFill>
+                  <a:srgbClr val="A9B7C6"/>
+                </a:solidFill>
+                <a:effectLst/>
+                <a:latin typeface="JetBrains Mono"/>
+              </a:rPr>
+              <a:t>ioExp</a:t>
+            </a:r>
+            <a:r>
+              <a:rPr kumimoji="0" lang="en-US" altLang="en-US" sz="1800" b="0" i="0" u="none" strike="noStrike" cap="none" normalizeH="0" baseline="0" dirty="0">
+                <a:ln>
+                  <a:noFill/>
+                </a:ln>
+                <a:solidFill>
+                  <a:srgbClr val="A9B7C6"/>
+                </a:solidFill>
+                <a:effectLst/>
+                <a:latin typeface="JetBrains Mono"/>
+              </a:rPr>
+              <a:t>){</a:t>
+            </a:r>
+            <a:br>
+              <a:rPr kumimoji="0" lang="en-US" altLang="en-US" sz="1800" b="0" i="0" u="none" strike="noStrike" cap="none" normalizeH="0" baseline="0" dirty="0">
+                <a:ln>
+                  <a:noFill/>
+                </a:ln>
+                <a:solidFill>
+                  <a:srgbClr val="A9B7C6"/>
+                </a:solidFill>
+                <a:effectLst/>
+                <a:latin typeface="JetBrains Mono"/>
+              </a:rPr>
+            </a:br>
+            <a:r>
+              <a:rPr kumimoji="0" lang="en-US" altLang="en-US" sz="1800" b="0" i="0" u="none" strike="noStrike" cap="none" normalizeH="0" baseline="0" dirty="0">
+                <a:ln>
+                  <a:noFill/>
+                </a:ln>
+                <a:solidFill>
+                  <a:srgbClr val="A9B7C6"/>
+                </a:solidFill>
+                <a:effectLst/>
+                <a:latin typeface="JetBrains Mono"/>
+              </a:rPr>
+              <a:t>            </a:t>
+            </a:r>
+            <a:r>
+              <a:rPr kumimoji="0" lang="en-US" altLang="en-US" sz="1800" b="0" i="0" u="none" strike="noStrike" cap="none" normalizeH="0" baseline="0" dirty="0" err="1">
+                <a:ln>
+                  <a:noFill/>
+                </a:ln>
+                <a:solidFill>
+                  <a:srgbClr val="A9B7C6"/>
+                </a:solidFill>
+                <a:effectLst/>
+                <a:latin typeface="JetBrains Mono"/>
+              </a:rPr>
+              <a:t>System.</a:t>
+            </a:r>
+            <a:r>
+              <a:rPr kumimoji="0" lang="en-US" altLang="en-US" sz="1800" b="0" i="1" u="none" strike="noStrike" cap="none" normalizeH="0" baseline="0" dirty="0" err="1">
+                <a:ln>
+                  <a:noFill/>
+                </a:ln>
+                <a:solidFill>
+                  <a:srgbClr val="9876AA"/>
+                </a:solidFill>
+                <a:effectLst/>
+                <a:latin typeface="JetBrains Mono"/>
+              </a:rPr>
+              <a:t>out</a:t>
+            </a:r>
+            <a:r>
+              <a:rPr kumimoji="0" lang="en-US" altLang="en-US" sz="1800" b="0" i="0" u="none" strike="noStrike" cap="none" normalizeH="0" baseline="0" dirty="0" err="1">
+                <a:ln>
+                  <a:noFill/>
+                </a:ln>
+                <a:solidFill>
+                  <a:srgbClr val="A9B7C6"/>
+                </a:solidFill>
+                <a:effectLst/>
+                <a:latin typeface="JetBrains Mono"/>
+              </a:rPr>
+              <a:t>.println</a:t>
+            </a:r>
+            <a:r>
+              <a:rPr kumimoji="0" lang="en-US" altLang="en-US" sz="1800" b="0" i="0" u="none" strike="noStrike" cap="none" normalizeH="0" baseline="0" dirty="0">
+                <a:ln>
+                  <a:noFill/>
+                </a:ln>
+                <a:solidFill>
+                  <a:srgbClr val="A9B7C6"/>
+                </a:solidFill>
+                <a:effectLst/>
+                <a:latin typeface="JetBrains Mono"/>
+              </a:rPr>
+              <a:t>(</a:t>
+            </a:r>
+            <a:r>
+              <a:rPr kumimoji="0" lang="en-US" altLang="en-US" sz="1800" b="0" i="0" u="none" strike="noStrike" cap="none" normalizeH="0" baseline="0" dirty="0">
+                <a:ln>
+                  <a:noFill/>
+                </a:ln>
+                <a:solidFill>
+                  <a:srgbClr val="6A8759"/>
+                </a:solidFill>
+                <a:effectLst/>
+                <a:latin typeface="JetBrains Mono"/>
+              </a:rPr>
+              <a:t>"Something wrong with file!"</a:t>
+            </a:r>
+            <a:r>
+              <a:rPr kumimoji="0" lang="en-US" altLang="en-US" sz="1800" b="0" i="0" u="none" strike="noStrike" cap="none" normalizeH="0" baseline="0" dirty="0">
+                <a:ln>
+                  <a:noFill/>
+                </a:ln>
+                <a:solidFill>
+                  <a:srgbClr val="A9B7C6"/>
+                </a:solidFill>
+                <a:effectLst/>
+                <a:latin typeface="JetBrains Mono"/>
+              </a:rPr>
+              <a:t>)</a:t>
+            </a:r>
+            <a:r>
+              <a:rPr kumimoji="0" lang="en-US" altLang="en-US" sz="1800" b="0" i="0" u="none" strike="noStrike" cap="none" normalizeH="0" baseline="0" dirty="0">
+                <a:ln>
+                  <a:noFill/>
+                </a:ln>
+                <a:solidFill>
+                  <a:srgbClr val="CC7832"/>
+                </a:solidFill>
+                <a:effectLst/>
+                <a:latin typeface="JetBrains Mono"/>
+              </a:rPr>
+              <a:t>;</a:t>
+            </a:r>
+            <a:br>
+              <a:rPr kumimoji="0" lang="en-US" altLang="en-US" sz="1800" b="0" i="0" u="none" strike="noStrike" cap="none" normalizeH="0" baseline="0" dirty="0">
+                <a:ln>
+                  <a:noFill/>
+                </a:ln>
+                <a:solidFill>
+                  <a:srgbClr val="CC7832"/>
+                </a:solidFill>
+                <a:effectLst/>
+                <a:latin typeface="JetBrains Mono"/>
+              </a:rPr>
+            </a:br>
+            <a:r>
+              <a:rPr kumimoji="0" lang="en-US" altLang="en-US" sz="1800" b="0" i="0" u="none" strike="noStrike" cap="none" normalizeH="0" baseline="0" dirty="0">
+                <a:ln>
+                  <a:noFill/>
+                </a:ln>
+                <a:solidFill>
+                  <a:srgbClr val="CC7832"/>
+                </a:solidFill>
+                <a:effectLst/>
+                <a:latin typeface="JetBrains Mono"/>
+              </a:rPr>
+              <a:t>        </a:t>
+            </a:r>
+            <a:r>
+              <a:rPr kumimoji="0" lang="en-US" altLang="en-US" sz="1800" b="0" i="0" u="none" strike="noStrike" cap="none" normalizeH="0" baseline="0" dirty="0">
+                <a:ln>
+                  <a:noFill/>
+                </a:ln>
+                <a:solidFill>
+                  <a:srgbClr val="A9B7C6"/>
+                </a:solidFill>
+                <a:effectLst/>
+                <a:latin typeface="JetBrains Mono"/>
+              </a:rPr>
+              <a:t>}</a:t>
+            </a:r>
+            <a:r>
+              <a:rPr kumimoji="0" lang="en-US" altLang="en-US" sz="1800" b="0" i="0" u="none" strike="noStrike" cap="none" normalizeH="0" baseline="0" dirty="0">
+                <a:ln>
+                  <a:noFill/>
+                </a:ln>
+                <a:solidFill>
+                  <a:srgbClr val="CC7832"/>
+                </a:solidFill>
+                <a:effectLst/>
+                <a:latin typeface="JetBrains Mono"/>
+              </a:rPr>
+              <a:t>finally </a:t>
+            </a:r>
+            <a:r>
+              <a:rPr kumimoji="0" lang="en-US" altLang="en-US" sz="1800" b="0" i="0" u="none" strike="noStrike" cap="none" normalizeH="0" baseline="0" dirty="0">
+                <a:ln>
+                  <a:noFill/>
+                </a:ln>
+                <a:solidFill>
+                  <a:srgbClr val="A9B7C6"/>
+                </a:solidFill>
+                <a:effectLst/>
+                <a:latin typeface="JetBrains Mono"/>
+              </a:rPr>
+              <a:t>{</a:t>
+            </a:r>
+            <a:br>
+              <a:rPr kumimoji="0" lang="en-US" altLang="en-US" sz="1800" b="0" i="0" u="none" strike="noStrike" cap="none" normalizeH="0" baseline="0" dirty="0">
+                <a:ln>
+                  <a:noFill/>
+                </a:ln>
+                <a:solidFill>
+                  <a:srgbClr val="A9B7C6"/>
+                </a:solidFill>
+                <a:effectLst/>
+                <a:latin typeface="JetBrains Mono"/>
+              </a:rPr>
+            </a:br>
+            <a:r>
+              <a:rPr kumimoji="0" lang="en-US" altLang="en-US" sz="1800" b="0" i="0" u="none" strike="noStrike" cap="none" normalizeH="0" baseline="0" dirty="0">
+                <a:ln>
+                  <a:noFill/>
+                </a:ln>
+                <a:solidFill>
+                  <a:srgbClr val="A9B7C6"/>
+                </a:solidFill>
+                <a:effectLst/>
+                <a:latin typeface="JetBrains Mono"/>
+              </a:rPr>
+              <a:t>            </a:t>
+            </a:r>
+            <a:r>
+              <a:rPr kumimoji="0" lang="en-US" altLang="en-US" sz="1800" b="0" i="0" u="none" strike="noStrike" cap="none" normalizeH="0" baseline="0" dirty="0" err="1">
+                <a:ln>
+                  <a:noFill/>
+                </a:ln>
+                <a:solidFill>
+                  <a:srgbClr val="A9B7C6"/>
+                </a:solidFill>
+                <a:effectLst/>
+                <a:latin typeface="JetBrains Mono"/>
+              </a:rPr>
+              <a:t>scnrFile.close</a:t>
+            </a:r>
+            <a:r>
+              <a:rPr kumimoji="0" lang="en-US" altLang="en-US" sz="1800" b="0" i="0" u="none" strike="noStrike" cap="none" normalizeH="0" baseline="0" dirty="0">
+                <a:ln>
+                  <a:noFill/>
+                </a:ln>
+                <a:solidFill>
+                  <a:srgbClr val="A9B7C6"/>
+                </a:solidFill>
+                <a:effectLst/>
+                <a:latin typeface="JetBrains Mono"/>
+              </a:rPr>
+              <a:t>()</a:t>
+            </a:r>
+            <a:r>
+              <a:rPr kumimoji="0" lang="en-US" altLang="en-US" sz="1800" b="0" i="0" u="none" strike="noStrike" cap="none" normalizeH="0" baseline="0" dirty="0">
+                <a:ln>
+                  <a:noFill/>
+                </a:ln>
+                <a:solidFill>
+                  <a:srgbClr val="CC7832"/>
+                </a:solidFill>
+                <a:effectLst/>
+                <a:latin typeface="JetBrains Mono"/>
+              </a:rPr>
+              <a:t>;</a:t>
+            </a:r>
+            <a:br>
+              <a:rPr kumimoji="0" lang="en-US" altLang="en-US" sz="1800" b="0" i="0" u="none" strike="noStrike" cap="none" normalizeH="0" baseline="0" dirty="0">
+                <a:ln>
+                  <a:noFill/>
+                </a:ln>
+                <a:solidFill>
+                  <a:srgbClr val="CC7832"/>
+                </a:solidFill>
+                <a:effectLst/>
+                <a:latin typeface="JetBrains Mono"/>
+              </a:rPr>
+            </a:br>
+            <a:r>
+              <a:rPr kumimoji="0" lang="en-US" altLang="en-US" sz="1800" b="0" i="0" u="none" strike="noStrike" cap="none" normalizeH="0" baseline="0" dirty="0">
+                <a:ln>
+                  <a:noFill/>
+                </a:ln>
+                <a:solidFill>
+                  <a:srgbClr val="CC7832"/>
+                </a:solidFill>
+                <a:effectLst/>
+                <a:latin typeface="JetBrains Mono"/>
+              </a:rPr>
+              <a:t>        </a:t>
+            </a:r>
+            <a:r>
+              <a:rPr kumimoji="0" lang="en-US" altLang="en-US" sz="1800" b="0" i="0" u="none" strike="noStrike" cap="none" normalizeH="0" baseline="0" dirty="0">
+                <a:ln>
+                  <a:noFill/>
+                </a:ln>
+                <a:solidFill>
+                  <a:srgbClr val="A9B7C6"/>
+                </a:solidFill>
+                <a:effectLst/>
+                <a:latin typeface="JetBrains Mono"/>
+              </a:rPr>
+              <a:t>}</a:t>
+            </a:r>
+            <a:br>
+              <a:rPr kumimoji="0" lang="en-US" altLang="en-US" sz="1800" b="0" i="0" u="none" strike="noStrike" cap="none" normalizeH="0" baseline="0" dirty="0">
+                <a:ln>
+                  <a:noFill/>
+                </a:ln>
+                <a:solidFill>
+                  <a:srgbClr val="A9B7C6"/>
+                </a:solidFill>
+                <a:effectLst/>
+                <a:latin typeface="JetBrains Mono"/>
+              </a:rPr>
+            </a:br>
+            <a:r>
+              <a:rPr kumimoji="0" lang="en-US" altLang="en-US" sz="1800" b="0" i="0" u="none" strike="noStrike" cap="none" normalizeH="0" baseline="0" dirty="0">
+                <a:ln>
+                  <a:noFill/>
+                </a:ln>
+                <a:solidFill>
+                  <a:srgbClr val="A9B7C6"/>
+                </a:solidFill>
+                <a:effectLst/>
+                <a:latin typeface="JetBrains Mono"/>
+              </a:rPr>
+              <a:t>        </a:t>
+            </a:r>
+            <a:r>
+              <a:rPr kumimoji="0" lang="en-US" altLang="en-US" sz="1800" b="0" i="0" u="none" strike="noStrike" cap="none" normalizeH="0" baseline="0" dirty="0">
+                <a:ln>
+                  <a:noFill/>
+                </a:ln>
+                <a:solidFill>
+                  <a:srgbClr val="CC7832"/>
+                </a:solidFill>
+                <a:effectLst/>
+                <a:latin typeface="JetBrains Mono"/>
+              </a:rPr>
+              <a:t>return </a:t>
+            </a:r>
+            <a:r>
+              <a:rPr kumimoji="0" lang="en-US" altLang="en-US" sz="1800" b="0" i="0" u="none" strike="noStrike" cap="none" normalizeH="0" baseline="0" dirty="0" err="1">
+                <a:ln>
+                  <a:noFill/>
+                </a:ln>
+                <a:solidFill>
+                  <a:srgbClr val="A9B7C6"/>
+                </a:solidFill>
+                <a:effectLst/>
+                <a:latin typeface="JetBrains Mono"/>
+              </a:rPr>
+              <a:t>strFromFile</a:t>
+            </a:r>
+            <a:r>
+              <a:rPr kumimoji="0" lang="en-US" altLang="en-US" sz="1800" b="0" i="0" u="none" strike="noStrike" cap="none" normalizeH="0" baseline="0" dirty="0">
+                <a:ln>
+                  <a:noFill/>
+                </a:ln>
+                <a:solidFill>
+                  <a:srgbClr val="CC7832"/>
+                </a:solidFill>
+                <a:effectLst/>
+                <a:latin typeface="JetBrains Mono"/>
+              </a:rPr>
+              <a:t>;</a:t>
+            </a:r>
+            <a:br>
+              <a:rPr kumimoji="0" lang="en-US" altLang="en-US" sz="1800" b="0" i="0" u="none" strike="noStrike" cap="none" normalizeH="0" baseline="0" dirty="0">
+                <a:ln>
+                  <a:noFill/>
+                </a:ln>
+                <a:solidFill>
+                  <a:srgbClr val="CC7832"/>
+                </a:solidFill>
+                <a:effectLst/>
+                <a:latin typeface="JetBrains Mono"/>
+              </a:rPr>
+            </a:br>
+            <a:r>
+              <a:rPr kumimoji="0" lang="en-US" altLang="en-US" sz="1800" b="0" i="0" u="none" strike="noStrike" cap="none" normalizeH="0" baseline="0" dirty="0">
+                <a:ln>
+                  <a:noFill/>
+                </a:ln>
+                <a:solidFill>
+                  <a:srgbClr val="CC7832"/>
+                </a:solidFill>
+                <a:effectLst/>
+                <a:latin typeface="JetBrains Mono"/>
+              </a:rPr>
+              <a:t>    </a:t>
+            </a:r>
+            <a:r>
+              <a:rPr kumimoji="0" lang="en-US" altLang="en-US" sz="1800" b="0" i="0" u="none" strike="noStrike" cap="none" normalizeH="0" baseline="0" dirty="0">
+                <a:ln>
+                  <a:noFill/>
+                </a:ln>
+                <a:solidFill>
+                  <a:srgbClr val="A9B7C6"/>
+                </a:solidFill>
+                <a:effectLst/>
+                <a:latin typeface="JetBrains Mono"/>
+              </a:rPr>
+              <a:t>}</a:t>
+            </a:r>
+            <a:br>
+              <a:rPr kumimoji="0" lang="en-US" altLang="en-US" sz="1800" b="0" i="0" u="none" strike="noStrike" cap="none" normalizeH="0" baseline="0" dirty="0">
+                <a:ln>
+                  <a:noFill/>
+                </a:ln>
+                <a:solidFill>
+                  <a:srgbClr val="A9B7C6"/>
+                </a:solidFill>
+                <a:effectLst/>
+                <a:latin typeface="JetBrains Mono"/>
+              </a:rPr>
+            </a:br>
+            <a:r>
+              <a:rPr kumimoji="0" lang="en-US" altLang="en-US" sz="1800" b="0" i="0" u="none" strike="noStrike" cap="none" normalizeH="0" baseline="0" dirty="0">
+                <a:ln>
+                  <a:noFill/>
+                </a:ln>
+                <a:solidFill>
+                  <a:srgbClr val="A9B7C6"/>
+                </a:solidFill>
+                <a:effectLst/>
+                <a:latin typeface="JetBrains Mono"/>
+              </a:rPr>
+              <a:t>}</a:t>
+            </a:r>
+            <a:endParaRPr kumimoji="0" lang="en-US" altLang="en-US" sz="1800" b="0" i="0" u="none" strike="noStrike" cap="none" normalizeH="0" baseline="0" dirty="0">
+              <a:ln>
+                <a:noFill/>
+              </a:ln>
+              <a:solidFill>
+                <a:schemeClr val="tx1"/>
+              </a:solidFill>
+              <a:effectLst/>
+              <a:latin typeface="Arial" panose="020B0604020202020204" pitchFamily="34" charset="0"/>
+            </a:endParaRPr>
+          </a:p>
+        </p:txBody>
+      </p:sp>
+    </p:spTree>
+    <p:extLst>
+      <p:ext uri="{BB962C8B-B14F-4D97-AF65-F5344CB8AC3E}">
+        <p14:creationId xmlns:p14="http://schemas.microsoft.com/office/powerpoint/2010/main" val="1047281983"/>
+      </p:ext>
+    </p:extLst>
+  </p:cSld>
+  <p:clrMapOvr>
+    <a:masterClrMapping/>
+  </p:clrMapOvr>
+  <mc:AlternateContent xmlns:mc="http://schemas.openxmlformats.org/markup-compatibility/2006" xmlns:p14="http://schemas.microsoft.com/office/powerpoint/2010/main">
+    <mc:Choice Requires="p14">
+      <p:transition p14:dur="300">
+        <p:fade/>
+      </p:transition>
+    </mc:Choice>
+    <mc:Fallback xmlns="">
+      <p:transition>
+        <p:fade/>
+      </p:transition>
+    </mc:Fallback>
+  </mc:AlternateContent>
+</p:sld>
+</file>
+
+<file path=ppt/slides/slide11.xml><?xml version="1.0" encoding="utf-8"?>
+<p:sld xmlns:a="http://schemas.openxmlformats.org/drawingml/2006/main" xmlns:r="http://schemas.openxmlformats.org/officeDocument/2006/relationships" xmlns:p="http://schemas.openxmlformats.org/presentationml/2006/main">
+  <p:cSld>
+    <p:spTree>
+      <p:nvGrpSpPr>
+        <p:cNvPr id="1" name=""/>
+        <p:cNvGrpSpPr/>
+        <p:nvPr/>
+      </p:nvGrpSpPr>
+      <p:grpSpPr>
+        <a:xfrm>
+          <a:off x="0" y="0"/>
+          <a:ext cx="0" cy="0"/>
+          <a:chOff x="0" y="0"/>
+          <a:chExt cx="0" cy="0"/>
+        </a:xfrm>
+      </p:grpSpPr>
+      <p:sp>
+        <p:nvSpPr>
+          <p:cNvPr id="2" name="Title 1">
+            <a:extLst>
+              <a:ext uri="{FF2B5EF4-FFF2-40B4-BE49-F238E27FC236}">
+                <a16:creationId xmlns:a16="http://schemas.microsoft.com/office/drawing/2014/main" id="{776903C6-1E21-FF4E-BF23-334B721CE6A3}"/>
+              </a:ext>
+            </a:extLst>
+          </p:cNvPr>
+          <p:cNvSpPr>
+            <a:spLocks noGrp="1"/>
+          </p:cNvSpPr>
+          <p:nvPr>
+            <p:ph type="title"/>
+          </p:nvPr>
+        </p:nvSpPr>
+        <p:spPr>
+          <a:xfrm>
+            <a:off x="489851" y="531374"/>
+            <a:ext cx="11163432" cy="1015663"/>
+          </a:xfrm>
+        </p:spPr>
+        <p:txBody>
+          <a:bodyPr/>
+          <a:lstStyle/>
+          <a:p>
+            <a:r>
+              <a:rPr lang="en-US" dirty="0"/>
+              <a:t>Group Coding</a:t>
+            </a:r>
+          </a:p>
+        </p:txBody>
+      </p:sp>
+      <p:sp>
+        <p:nvSpPr>
+          <p:cNvPr id="5" name="Text Placeholder 2">
+            <a:extLst>
+              <a:ext uri="{FF2B5EF4-FFF2-40B4-BE49-F238E27FC236}">
+                <a16:creationId xmlns:a16="http://schemas.microsoft.com/office/drawing/2014/main" id="{5D319C36-2A77-4B6D-8745-F563C3FB0E48}"/>
+              </a:ext>
+            </a:extLst>
+          </p:cNvPr>
+          <p:cNvSpPr>
+            <a:spLocks noGrp="1"/>
+          </p:cNvSpPr>
+          <p:nvPr>
+            <p:ph type="body" sz="quarter" idx="10"/>
+          </p:nvPr>
+        </p:nvSpPr>
+        <p:spPr>
+          <a:xfrm>
+            <a:off x="628072" y="1684478"/>
+            <a:ext cx="12620095" cy="2758960"/>
+          </a:xfrm>
+        </p:spPr>
+        <p:txBody>
+          <a:bodyPr/>
+          <a:lstStyle/>
+          <a:p>
+            <a:r>
+              <a:rPr lang="en-US" dirty="0"/>
+              <a:t>Write a new method for the </a:t>
+            </a:r>
+            <a:r>
+              <a:rPr lang="en-US" dirty="0" err="1"/>
+              <a:t>FilesException</a:t>
+            </a:r>
+            <a:r>
+              <a:rPr lang="en-US" dirty="0"/>
+              <a:t> Class that reads inputs (Strings) from the user and write those inputs into a file. The method ends when the user enter “exit”.</a:t>
+            </a:r>
+          </a:p>
+          <a:p>
+            <a:endParaRPr lang="en-US" dirty="0"/>
+          </a:p>
+          <a:p>
+            <a:r>
+              <a:rPr lang="en-US" dirty="0"/>
+              <a:t>First think about what do you need to do to solve this problem (divide-glue-conquer).</a:t>
+            </a:r>
+          </a:p>
+          <a:p>
+            <a:r>
+              <a:rPr lang="en-US" dirty="0"/>
+              <a:t>Write a sequence of steps in English on how to do that. </a:t>
+            </a:r>
+          </a:p>
+          <a:p>
+            <a:r>
+              <a:rPr lang="en-US" dirty="0"/>
+              <a:t>Translate your sequence of steps to a Java method.</a:t>
+            </a:r>
+          </a:p>
+        </p:txBody>
+      </p:sp>
+    </p:spTree>
+    <p:extLst>
+      <p:ext uri="{BB962C8B-B14F-4D97-AF65-F5344CB8AC3E}">
+        <p14:creationId xmlns:p14="http://schemas.microsoft.com/office/powerpoint/2010/main" val="1566618107"/>
+      </p:ext>
+    </p:extLst>
+  </p:cSld>
+  <p:clrMapOvr>
+    <a:masterClrMapping/>
+  </p:clrMapOvr>
+  <mc:AlternateContent xmlns:mc="http://schemas.openxmlformats.org/markup-compatibility/2006" xmlns:p14="http://schemas.microsoft.com/office/powerpoint/2010/main">
+    <mc:Choice Requires="p14">
+      <p:transition p14:dur="300">
+        <p:fade/>
+      </p:transition>
+    </mc:Choice>
+    <mc:Fallback xmlns="">
+      <p:transition>
+        <p:fade/>
+      </p:transition>
+    </mc:Fallback>
+  </mc:AlternateContent>
+</p:sld>
+</file>
+
 <file path=ppt/slides/slide2.xml><?xml version="1.0" encoding="utf-8"?>
 <p:sld xmlns:a="http://schemas.openxmlformats.org/drawingml/2006/main" xmlns:r="http://schemas.openxmlformats.org/officeDocument/2006/relationships" xmlns:p="http://schemas.openxmlformats.org/presentationml/2006/main">
   <p:cSld>
@@ -6728,7 +10078,7 @@
           <p:cNvPr id="4" name="Title 3">
             <a:extLst>
               <a:ext uri="{FF2B5EF4-FFF2-40B4-BE49-F238E27FC236}">
-                <a16:creationId xmlns:a16="http://schemas.microsoft.com/office/drawing/2014/main" id="{1699C118-DF76-1A46-B923-8C82C277F5B4}"/>
+                <a16:creationId xmlns:a16="http://schemas.microsoft.com/office/drawing/2014/main" id="{119AD8F2-D5DB-A84B-A5B3-F7935E3E6D1D}"/>
               </a:ext>
             </a:extLst>
           </p:cNvPr>
@@ -6739,404 +10089,91 @@
             <p:ph type="title"/>
           </p:nvPr>
         </p:nvSpPr>
-        <p:spPr/>
+        <p:spPr>
+          <a:xfrm>
+            <a:off x="628076" y="607804"/>
+            <a:ext cx="5642096" cy="916848"/>
+          </a:xfrm>
+        </p:spPr>
         <p:txBody>
           <a:bodyPr/>
           <a:lstStyle/>
           <a:p>
             <a:r>
               <a:rPr lang="en-US" dirty="0"/>
-              <a:t>Reading Files Review</a:t>
+              <a:t>Announcements</a:t>
             </a:r>
           </a:p>
         </p:txBody>
       </p:sp>
       <p:sp>
         <p:nvSpPr>
-          <p:cNvPr id="6" name="Rectangle 5">
+          <p:cNvPr id="5" name="Text Placeholder 4">
             <a:extLst>
               <a:ext uri="{FF2B5EF4-FFF2-40B4-BE49-F238E27FC236}">
-                <a16:creationId xmlns:a16="http://schemas.microsoft.com/office/drawing/2014/main" id="{A7A30AC2-DC9A-1D4F-8CB2-FBE53BB427E1}"/>
+                <a16:creationId xmlns:a16="http://schemas.microsoft.com/office/drawing/2014/main" id="{1BBD0DB5-379A-304F-9307-E7B1A89B08F7}"/>
               </a:ext>
             </a:extLst>
           </p:cNvPr>
-          <p:cNvSpPr/>
-          <p:nvPr/>
+          <p:cNvSpPr>
+            <a:spLocks noGrp="1"/>
+          </p:cNvSpPr>
+          <p:nvPr>
+            <p:ph type="body" idx="1"/>
+          </p:nvPr>
         </p:nvSpPr>
         <p:spPr>
           <a:xfrm>
-            <a:off x="947386" y="2017286"/>
-            <a:ext cx="10693400" cy="4093428"/>
+            <a:off x="628076" y="1647163"/>
+            <a:ext cx="8846458" cy="2659023"/>
           </a:xfrm>
-          <a:prstGeom prst="rect">
-            <a:avLst/>
-          </a:prstGeom>
-          <a:solidFill>
-            <a:schemeClr val="bg2"/>
-          </a:solidFill>
         </p:spPr>
         <p:txBody>
-          <a:bodyPr wrap="square">
-            <a:spAutoFit/>
-          </a:bodyPr>
+          <a:bodyPr/>
           <a:lstStyle/>
           <a:p>
-            <a:pPr>
-              <a:spcBef>
-                <a:spcPts val="400"/>
-              </a:spcBef>
-              <a:spcAft>
-                <a:spcPts val="400"/>
-              </a:spcAft>
+            <a:pPr marL="930762" lvl="1" indent="0">
+              <a:buNone/>
             </a:pPr>
-            <a:r>
-              <a:rPr lang="en-US" dirty="0">
-                <a:solidFill>
-                  <a:srgbClr val="000000"/>
-                </a:solidFill>
-                <a:latin typeface="Consolas" panose="020B0609020204030204" pitchFamily="49" charset="0"/>
-              </a:rPr>
-              <a:t>public static void main(Strings[] </a:t>
-            </a:r>
-            <a:r>
-              <a:rPr lang="en-US" dirty="0" err="1">
-                <a:solidFill>
-                  <a:srgbClr val="000000"/>
-                </a:solidFill>
-                <a:latin typeface="Consolas" panose="020B0609020204030204" pitchFamily="49" charset="0"/>
-              </a:rPr>
-              <a:t>args</a:t>
-            </a:r>
-            <a:r>
-              <a:rPr lang="en-US" dirty="0">
-                <a:solidFill>
-                  <a:srgbClr val="000000"/>
-                </a:solidFill>
-                <a:latin typeface="Consolas" panose="020B0609020204030204" pitchFamily="49" charset="0"/>
-              </a:rPr>
-              <a:t>) {</a:t>
-            </a:r>
             <a:endParaRPr lang="en-US" dirty="0"/>
           </a:p>
           <a:p>
-            <a:pPr>
-              <a:spcBef>
-                <a:spcPts val="400"/>
-              </a:spcBef>
-              <a:spcAft>
-                <a:spcPts val="400"/>
-              </a:spcAft>
+            <a:r>
+              <a:rPr lang="en-US" dirty="0" err="1"/>
+              <a:t>Terryn</a:t>
+            </a:r>
+            <a:r>
+              <a:rPr lang="en-US" dirty="0"/>
+              <a:t> is excited to add this additional in-person time, so please make sure to use it! </a:t>
+            </a:r>
+          </a:p>
+          <a:p>
+            <a:pPr marL="230292" indent="0">
+              <a:buNone/>
             </a:pPr>
             <a:r>
-              <a:rPr lang="en-US" dirty="0">
-                <a:solidFill>
-                  <a:srgbClr val="000000"/>
-                </a:solidFill>
-                <a:latin typeface="Consolas" panose="020B0609020204030204" pitchFamily="49" charset="0"/>
-              </a:rPr>
-              <a:t>  try {</a:t>
+              <a:rPr lang="en-US" b="1" dirty="0"/>
+              <a:t>	Wednesday</a:t>
             </a:r>
             <a:endParaRPr lang="en-US" dirty="0"/>
           </a:p>
           <a:p>
-            <a:pPr marL="457200">
-              <a:spcBef>
-                <a:spcPts val="400"/>
-              </a:spcBef>
-              <a:spcAft>
-                <a:spcPts val="400"/>
-              </a:spcAft>
+            <a:pPr marL="230292" indent="0">
+              <a:buNone/>
             </a:pPr>
             <a:r>
-              <a:rPr lang="en-US" dirty="0">
-                <a:solidFill>
-                  <a:srgbClr val="000000"/>
-                </a:solidFill>
-                <a:latin typeface="Consolas" panose="020B0609020204030204" pitchFamily="49" charset="0"/>
-              </a:rPr>
-              <a:t>Scanner </a:t>
-            </a:r>
-            <a:r>
-              <a:rPr lang="en-US" dirty="0" err="1">
-                <a:solidFill>
-                  <a:srgbClr val="000000"/>
-                </a:solidFill>
-                <a:latin typeface="Consolas" panose="020B0609020204030204" pitchFamily="49" charset="0"/>
-              </a:rPr>
-              <a:t>fileHandler</a:t>
-            </a:r>
-            <a:r>
-              <a:rPr lang="en-US" dirty="0">
-                <a:solidFill>
-                  <a:srgbClr val="000000"/>
-                </a:solidFill>
-                <a:latin typeface="Consolas" panose="020B0609020204030204" pitchFamily="49" charset="0"/>
-              </a:rPr>
-              <a:t> = new Scanner(new File(“</a:t>
-            </a:r>
-            <a:r>
-              <a:rPr lang="en-US" dirty="0" err="1">
-                <a:solidFill>
-                  <a:srgbClr val="000000"/>
-                </a:solidFill>
-                <a:latin typeface="Consolas" panose="020B0609020204030204" pitchFamily="49" charset="0"/>
-              </a:rPr>
-              <a:t>file.txt</a:t>
-            </a:r>
-            <a:r>
-              <a:rPr lang="en-US" dirty="0">
-                <a:solidFill>
-                  <a:srgbClr val="000000"/>
-                </a:solidFill>
-                <a:latin typeface="Consolas" panose="020B0609020204030204" pitchFamily="49" charset="0"/>
-              </a:rPr>
-              <a:t>”))</a:t>
+              <a:rPr lang="en-US" b="1" dirty="0"/>
+              <a:t>	2:00-3:00 PM</a:t>
             </a:r>
             <a:endParaRPr lang="en-US" dirty="0"/>
           </a:p>
           <a:p>
-            <a:pPr marL="457200">
-              <a:spcBef>
-                <a:spcPts val="400"/>
-              </a:spcBef>
-              <a:spcAft>
-                <a:spcPts val="400"/>
-              </a:spcAft>
+            <a:pPr marL="230292" indent="0">
+              <a:buNone/>
             </a:pPr>
             <a:r>
-              <a:rPr lang="en-US" dirty="0">
-                <a:solidFill>
-                  <a:srgbClr val="000000"/>
-                </a:solidFill>
-                <a:latin typeface="Consolas" panose="020B0609020204030204" pitchFamily="49" charset="0"/>
-              </a:rPr>
-              <a:t>while(</a:t>
-            </a:r>
-            <a:r>
-              <a:rPr lang="en-US" dirty="0" err="1">
-                <a:solidFill>
-                  <a:srgbClr val="000000"/>
-                </a:solidFill>
-                <a:latin typeface="Consolas" panose="020B0609020204030204" pitchFamily="49" charset="0"/>
-              </a:rPr>
-              <a:t>fileHandler.hasNext</a:t>
-            </a:r>
-            <a:r>
-              <a:rPr lang="en-US" dirty="0">
-                <a:solidFill>
-                  <a:srgbClr val="000000"/>
-                </a:solidFill>
-                <a:latin typeface="Consolas" panose="020B0609020204030204" pitchFamily="49" charset="0"/>
-              </a:rPr>
-              <a:t>()) {</a:t>
-            </a:r>
-            <a:endParaRPr lang="en-US" dirty="0"/>
-          </a:p>
-          <a:p>
-            <a:pPr marL="457200">
-              <a:spcBef>
-                <a:spcPts val="400"/>
-              </a:spcBef>
-              <a:spcAft>
-                <a:spcPts val="400"/>
-              </a:spcAft>
-            </a:pPr>
-            <a:r>
-              <a:rPr lang="en-US" dirty="0">
-                <a:solidFill>
-                  <a:srgbClr val="000000"/>
-                </a:solidFill>
-                <a:latin typeface="Consolas" panose="020B0609020204030204" pitchFamily="49" charset="0"/>
-              </a:rPr>
-              <a:t>  </a:t>
-            </a:r>
-            <a:r>
-              <a:rPr lang="en-US" dirty="0" err="1">
-                <a:solidFill>
-                  <a:srgbClr val="000000"/>
-                </a:solidFill>
-                <a:latin typeface="Consolas" panose="020B0609020204030204" pitchFamily="49" charset="0"/>
-              </a:rPr>
-              <a:t>dosomething</a:t>
-            </a:r>
-            <a:r>
-              <a:rPr lang="en-US" dirty="0">
-                <a:solidFill>
-                  <a:srgbClr val="000000"/>
-                </a:solidFill>
-                <a:latin typeface="Consolas" panose="020B0609020204030204" pitchFamily="49" charset="0"/>
-              </a:rPr>
-              <a:t>(</a:t>
-            </a:r>
-            <a:r>
-              <a:rPr lang="en-US" dirty="0" err="1">
-                <a:solidFill>
-                  <a:srgbClr val="000000"/>
-                </a:solidFill>
-                <a:latin typeface="Consolas" panose="020B0609020204030204" pitchFamily="49" charset="0"/>
-              </a:rPr>
-              <a:t>fileHandler.nextLine</a:t>
-            </a:r>
-            <a:r>
-              <a:rPr lang="en-US" dirty="0">
-                <a:solidFill>
-                  <a:srgbClr val="000000"/>
-                </a:solidFill>
-                <a:latin typeface="Consolas" panose="020B0609020204030204" pitchFamily="49" charset="0"/>
-              </a:rPr>
-              <a:t>()); // method that handles strings</a:t>
-            </a:r>
-            <a:endParaRPr lang="en-US" dirty="0"/>
-          </a:p>
-          <a:p>
-            <a:pPr marL="457200">
-              <a:spcBef>
-                <a:spcPts val="400"/>
-              </a:spcBef>
-              <a:spcAft>
-                <a:spcPts val="400"/>
-              </a:spcAft>
-            </a:pPr>
-            <a:r>
-              <a:rPr lang="en-US" dirty="0">
-                <a:solidFill>
-                  <a:srgbClr val="000000"/>
-                </a:solidFill>
-                <a:latin typeface="Consolas" panose="020B0609020204030204" pitchFamily="49" charset="0"/>
-              </a:rPr>
-              <a:t>}</a:t>
-            </a:r>
-            <a:endParaRPr lang="en-US" dirty="0"/>
-          </a:p>
-          <a:p>
-            <a:pPr>
-              <a:spcBef>
-                <a:spcPts val="400"/>
-              </a:spcBef>
-              <a:spcAft>
-                <a:spcPts val="400"/>
-              </a:spcAft>
-            </a:pPr>
-            <a:r>
-              <a:rPr lang="en-US" dirty="0">
-                <a:solidFill>
-                  <a:srgbClr val="000000"/>
-                </a:solidFill>
-                <a:latin typeface="Consolas" panose="020B0609020204030204" pitchFamily="49" charset="0"/>
-              </a:rPr>
-              <a:t>  }catch(</a:t>
-            </a:r>
-            <a:r>
-              <a:rPr lang="en-US" dirty="0" err="1">
-                <a:solidFill>
-                  <a:srgbClr val="000000"/>
-                </a:solidFill>
-                <a:latin typeface="Consolas" panose="020B0609020204030204" pitchFamily="49" charset="0"/>
-              </a:rPr>
-              <a:t>IOException</a:t>
-            </a:r>
-            <a:r>
-              <a:rPr lang="en-US" dirty="0">
-                <a:solidFill>
-                  <a:srgbClr val="000000"/>
-                </a:solidFill>
-                <a:latin typeface="Consolas" panose="020B0609020204030204" pitchFamily="49" charset="0"/>
-              </a:rPr>
-              <a:t> </a:t>
-            </a:r>
-            <a:r>
-              <a:rPr lang="en-US" dirty="0" err="1">
-                <a:solidFill>
-                  <a:srgbClr val="000000"/>
-                </a:solidFill>
-                <a:latin typeface="Consolas" panose="020B0609020204030204" pitchFamily="49" charset="0"/>
-              </a:rPr>
-              <a:t>io</a:t>
-            </a:r>
-            <a:r>
-              <a:rPr lang="en-US" dirty="0">
-                <a:solidFill>
-                  <a:srgbClr val="000000"/>
-                </a:solidFill>
-                <a:latin typeface="Consolas" panose="020B0609020204030204" pitchFamily="49" charset="0"/>
-              </a:rPr>
-              <a:t>) {</a:t>
-            </a:r>
-          </a:p>
-          <a:p>
-            <a:pPr>
-              <a:spcBef>
-                <a:spcPts val="400"/>
-              </a:spcBef>
-              <a:spcAft>
-                <a:spcPts val="400"/>
-              </a:spcAft>
-            </a:pPr>
-            <a:r>
-              <a:rPr lang="en-US" dirty="0">
-                <a:solidFill>
-                  <a:srgbClr val="000000"/>
-                </a:solidFill>
-                <a:latin typeface="Consolas" panose="020B0609020204030204" pitchFamily="49" charset="0"/>
-              </a:rPr>
-              <a:t>	 </a:t>
-            </a:r>
-            <a:r>
-              <a:rPr lang="en-US" dirty="0" err="1">
-                <a:solidFill>
-                  <a:srgbClr val="000000"/>
-                </a:solidFill>
-                <a:latin typeface="Consolas" panose="020B0609020204030204" pitchFamily="49" charset="0"/>
-              </a:rPr>
-              <a:t>System.out.println</a:t>
-            </a:r>
-            <a:r>
-              <a:rPr lang="en-US" dirty="0">
-                <a:solidFill>
-                  <a:srgbClr val="000000"/>
-                </a:solidFill>
-                <a:latin typeface="Consolas" panose="020B0609020204030204" pitchFamily="49" charset="0"/>
-              </a:rPr>
-              <a:t>(“error”);</a:t>
-            </a:r>
-          </a:p>
-          <a:p>
-            <a:pPr>
-              <a:spcBef>
-                <a:spcPts val="400"/>
-              </a:spcBef>
-              <a:spcAft>
-                <a:spcPts val="400"/>
-              </a:spcAft>
-            </a:pPr>
-            <a:r>
-              <a:rPr lang="en-US" dirty="0">
-                <a:solidFill>
-                  <a:srgbClr val="000000"/>
-                </a:solidFill>
-                <a:latin typeface="Consolas" panose="020B0609020204030204" pitchFamily="49" charset="0"/>
-              </a:rPr>
-              <a:t>  }</a:t>
-            </a:r>
-            <a:endParaRPr lang="en-US" dirty="0"/>
-          </a:p>
-          <a:p>
-            <a:pPr>
-              <a:spcBef>
-                <a:spcPts val="400"/>
-              </a:spcBef>
-              <a:spcAft>
-                <a:spcPts val="400"/>
-              </a:spcAft>
-            </a:pPr>
-            <a:r>
-              <a:rPr lang="en-US" dirty="0">
-                <a:solidFill>
-                  <a:srgbClr val="000000"/>
-                </a:solidFill>
-                <a:latin typeface="Consolas" panose="020B0609020204030204" pitchFamily="49" charset="0"/>
-              </a:rPr>
-              <a:t>}   </a:t>
+              <a:rPr lang="en-US" b="1" dirty="0"/>
+              <a:t>	Computer Science Building - 315 (third floor lab)</a:t>
             </a:r>
             <a:endParaRPr lang="en-US" dirty="0"/>
           </a:p>
@@ -7144,58 +10181,102 @@
       </p:sp>
       <p:sp>
         <p:nvSpPr>
-          <p:cNvPr id="8" name="Left Arrow 7">
+          <p:cNvPr id="6" name="TextBox 5">
             <a:extLst>
               <a:ext uri="{FF2B5EF4-FFF2-40B4-BE49-F238E27FC236}">
-                <a16:creationId xmlns:a16="http://schemas.microsoft.com/office/drawing/2014/main" id="{5E941CF6-9812-E84D-AA71-A61FC68D779F}"/>
+                <a16:creationId xmlns:a16="http://schemas.microsoft.com/office/drawing/2014/main" id="{32A3B87A-BBC0-704B-AC99-3984206450D5}"/>
               </a:ext>
             </a:extLst>
           </p:cNvPr>
-          <p:cNvSpPr/>
+          <p:cNvSpPr txBox="1"/>
           <p:nvPr/>
         </p:nvSpPr>
         <p:spPr>
           <a:xfrm>
-            <a:off x="5791200" y="4441372"/>
-            <a:ext cx="3178629" cy="871774"/>
+            <a:off x="9744412" y="2150737"/>
+            <a:ext cx="3892958" cy="3347776"/>
           </a:xfrm>
-          <a:prstGeom prst="leftArrow">
+          <a:prstGeom prst="rect">
+            <a:avLst/>
+          </a:prstGeom>
+          <a:noFill/>
+        </p:spPr>
+        <p:txBody>
+          <a:bodyPr wrap="square" rtlCol="0">
+            <a:spAutoFit/>
+          </a:bodyPr>
+          <a:lstStyle/>
+          <a:p>
+            <a:r>
+              <a:rPr lang="en-US" sz="3022" dirty="0" err="1"/>
+              <a:t>Todo</a:t>
+            </a:r>
+            <a:r>
+              <a:rPr lang="en-US" sz="3022" dirty="0"/>
+              <a:t>:</a:t>
+            </a:r>
+          </a:p>
+          <a:p>
+            <a:r>
+              <a:rPr lang="en-US" sz="3022" dirty="0"/>
+              <a:t>Practical 3 – finish it this week</a:t>
+            </a:r>
+          </a:p>
+          <a:p>
+            <a:endParaRPr lang="en-US" sz="3022" dirty="0"/>
+          </a:p>
+          <a:p>
+            <a:r>
+              <a:rPr lang="en-US" sz="3022" dirty="0"/>
+              <a:t>Practical 4 – start as soon as you </a:t>
+            </a:r>
+            <a:r>
+              <a:rPr lang="en-US" sz="3022"/>
+              <a:t>finish Practical 3!</a:t>
+            </a:r>
+            <a:endParaRPr lang="en-US" sz="3022" dirty="0"/>
+          </a:p>
+        </p:txBody>
+      </p:sp>
+      <p:sp>
+        <p:nvSpPr>
+          <p:cNvPr id="7" name="TextBox 6">
+            <a:extLst>
+              <a:ext uri="{FF2B5EF4-FFF2-40B4-BE49-F238E27FC236}">
+                <a16:creationId xmlns:a16="http://schemas.microsoft.com/office/drawing/2014/main" id="{BF16D510-BC74-4FA5-AFD2-193B039115A5}"/>
+              </a:ext>
+            </a:extLst>
+          </p:cNvPr>
+          <p:cNvSpPr txBox="1"/>
+          <p:nvPr/>
+        </p:nvSpPr>
+        <p:spPr>
+          <a:xfrm>
+            <a:off x="7228114" y="362857"/>
+            <a:ext cx="6125029" cy="707886"/>
+          </a:xfrm>
+          <a:prstGeom prst="rect">
             <a:avLst/>
           </a:prstGeom>
           <a:solidFill>
-            <a:schemeClr val="tx2"/>
+            <a:schemeClr val="accent2"/>
           </a:solidFill>
-          <a:ln>
-            <a:noFill/>
-          </a:ln>
-          <a:effectLst/>
         </p:spPr>
-        <p:style>
-          <a:lnRef idx="1">
-            <a:schemeClr val="accent1"/>
-          </a:lnRef>
-          <a:fillRef idx="3">
-            <a:schemeClr val="accent1"/>
-          </a:fillRef>
-          <a:effectRef idx="2">
-            <a:schemeClr val="accent1"/>
-          </a:effectRef>
-          <a:fontRef idx="minor">
-            <a:schemeClr val="lt1"/>
-          </a:fontRef>
-        </p:style>
         <p:txBody>
-          <a:bodyPr lIns="274320" tIns="182880" rIns="274320" bIns="182880" rtlCol="0" anchor="ctr"/>
+          <a:bodyPr wrap="square" rtlCol="0">
+            <a:spAutoFit/>
+          </a:bodyPr>
           <a:lstStyle/>
           <a:p>
-            <a:pPr algn="ctr"/>
-            <a:r>
-              <a:rPr lang="en-US" dirty="0">
-                <a:latin typeface="Proxima Nova" charset="0"/>
-                <a:ea typeface="Proxima Nova" charset="0"/>
-                <a:cs typeface="Proxima Nova" charset="0"/>
-              </a:rPr>
-              <a:t>What is this??</a:t>
+            <a:r>
+              <a:rPr lang="en-US" b="1" dirty="0"/>
+              <a:t>Opening Question: </a:t>
+            </a:r>
+          </a:p>
+          <a:p>
+            <a:r>
+              <a:rPr lang="en-US" dirty="0"/>
+              <a:t>How are you feeling about working with files?</a:t>
             </a:r>
           </a:p>
         </p:txBody>
@@ -7203,111 +10284,16 @@
     </p:spTree>
     <p:extLst>
       <p:ext uri="{BB962C8B-B14F-4D97-AF65-F5344CB8AC3E}">
-        <p14:creationId xmlns:p14="http://schemas.microsoft.com/office/powerpoint/2010/main" val="3600929051"/>
+        <p14:creationId xmlns:p14="http://schemas.microsoft.com/office/powerpoint/2010/main" val="926474781"/>
       </p:ext>
     </p:extLst>
   </p:cSld>
   <p:clrMapOvr>
     <a:masterClrMapping/>
   </p:clrMapOvr>
-  <mc:AlternateContent xmlns:mc="http://schemas.openxmlformats.org/markup-compatibility/2006" xmlns:p14="http://schemas.microsoft.com/office/powerpoint/2010/main">
-    <mc:Choice Requires="p14">
-      <p:transition p14:dur="300">
-        <p:fade/>
-      </p:transition>
-    </mc:Choice>
-    <mc:Fallback xmlns="">
-      <p:transition>
-        <p:fade/>
-      </p:transition>
-    </mc:Fallback>
-  </mc:AlternateContent>
-  <p:timing>
-    <p:tnLst>
-      <p:par>
-        <p:cTn id="1" dur="indefinite" restart="never" nodeType="tmRoot">
-          <p:childTnLst>
-            <p:seq concurrent="1" nextAc="seek">
-              <p:cTn id="2" dur="indefinite" nodeType="mainSeq">
-                <p:childTnLst>
-                  <p:par>
-                    <p:cTn id="3" fill="hold">
-                      <p:stCondLst>
-                        <p:cond delay="indefinite"/>
-                      </p:stCondLst>
-                      <p:childTnLst>
-                        <p:par>
-                          <p:cTn id="4" fill="hold">
-                            <p:stCondLst>
-                              <p:cond delay="0"/>
-                            </p:stCondLst>
-                            <p:childTnLst>
-                              <p:par>
-                                <p:cTn id="5" presetID="9" presetClass="entr" presetSubtype="0" fill="hold" grpId="0" nodeType="clickEffect">
-                                  <p:stCondLst>
-                                    <p:cond delay="0"/>
-                                  </p:stCondLst>
-                                  <p:childTnLst>
-                                    <p:set>
-                                      <p:cBhvr>
-                                        <p:cTn id="6" dur="1" fill="hold">
-                                          <p:stCondLst>
-                                            <p:cond delay="0"/>
-                                          </p:stCondLst>
-                                        </p:cTn>
-                                        <p:tgtEl>
-                                          <p:spTgt spid="8"/>
-                                        </p:tgtEl>
-                                        <p:attrNameLst>
-                                          <p:attrName>style.visibility</p:attrName>
-                                        </p:attrNameLst>
-                                      </p:cBhvr>
-                                      <p:to>
-                                        <p:strVal val="visible"/>
-                                      </p:to>
-                                    </p:set>
-                                    <p:animEffect transition="in" filter="dissolve">
-                                      <p:cBhvr>
-                                        <p:cTn id="7" dur="500"/>
-                                        <p:tgtEl>
-                                          <p:spTgt spid="8"/>
-                                        </p:tgtEl>
-                                      </p:cBhvr>
-                                    </p:animEffect>
-                                  </p:childTnLst>
-                                </p:cTn>
-                              </p:par>
-                            </p:childTnLst>
-                          </p:cTn>
-                        </p:par>
-                      </p:childTnLst>
-                    </p:cTn>
-                  </p:par>
-                </p:childTnLst>
-              </p:cTn>
-              <p:prevCondLst>
-                <p:cond evt="onPrev" delay="0">
-                  <p:tgtEl>
-                    <p:sldTgt/>
-                  </p:tgtEl>
-                </p:cond>
-              </p:prevCondLst>
-              <p:nextCondLst>
-                <p:cond evt="onNext" delay="0">
-                  <p:tgtEl>
-                    <p:sldTgt/>
-                  </p:tgtEl>
-                </p:cond>
-              </p:nextCondLst>
-            </p:seq>
-          </p:childTnLst>
-        </p:cTn>
-      </p:par>
-    </p:tnLst>
-    <p:bldLst>
-      <p:bldP spid="8" grpId="0" animBg="1"/>
-    </p:bldLst>
-  </p:timing>
+  <p:transition>
+    <p:fade/>
+  </p:transition>
 </p:sld>
 </file>
 
@@ -7344,24 +10330,29 @@
             <p:ph type="title"/>
           </p:nvPr>
         </p:nvSpPr>
-        <p:spPr/>
+        <p:spPr>
+          <a:xfrm>
+            <a:off x="628076" y="-51782"/>
+            <a:ext cx="4847691" cy="1846659"/>
+          </a:xfrm>
+        </p:spPr>
         <p:txBody>
           <a:bodyPr/>
           <a:lstStyle/>
           <a:p>
             <a:r>
               <a:rPr lang="en-US" dirty="0"/>
-              <a:t>Controlling Errors</a:t>
+              <a:t>Java Exception Hierarchy</a:t>
             </a:r>
           </a:p>
         </p:txBody>
       </p:sp>
       <p:sp>
         <p:nvSpPr>
-          <p:cNvPr id="3" name="Text Placeholder 2">
+          <p:cNvPr id="6" name="Text Placeholder 5">
             <a:extLst>
               <a:ext uri="{FF2B5EF4-FFF2-40B4-BE49-F238E27FC236}">
-                <a16:creationId xmlns:a16="http://schemas.microsoft.com/office/drawing/2014/main" id="{8764ED85-2186-444D-9466-3F49AD21A26F}"/>
+                <a16:creationId xmlns:a16="http://schemas.microsoft.com/office/drawing/2014/main" id="{6D41F63A-1552-47F7-A16E-CEC79BE06E99}"/>
               </a:ext>
             </a:extLst>
           </p:cNvPr>
@@ -7374,8 +10365,8 @@
         </p:nvSpPr>
         <p:spPr>
           <a:xfrm>
-            <a:off x="628075" y="1776683"/>
-            <a:ext cx="12561453" cy="4064767"/>
+            <a:off x="628076" y="2286000"/>
+            <a:ext cx="4297937" cy="4763996"/>
           </a:xfrm>
         </p:spPr>
         <p:txBody>
@@ -7384,78 +10375,35 @@
           <a:p>
             <a:r>
               <a:rPr lang="en-US" dirty="0"/>
-              <a:t>We can’t control every possible error situation</a:t>
+              <a:t>Error class is used to indicate a more serious problem in the architecture and should not be handled in the application code.</a:t>
             </a:r>
           </a:p>
           <a:p>
-            <a:r>
-              <a:rPr lang="en-US" dirty="0"/>
-              <a:t>For example:</a:t>
-            </a:r>
+            <a:endParaRPr lang="en-US" dirty="0"/>
           </a:p>
           <a:p>
-            <a:pPr lvl="1"/>
             <a:r>
               <a:rPr lang="en-US" dirty="0"/>
-              <a:t>What happens if the file is not there?</a:t>
+              <a:t>Exception class is used for exception conditions that the application may need to handle.</a:t>
             </a:r>
           </a:p>
           <a:p>
-            <a:pPr lvl="1"/>
-            <a:r>
-              <a:rPr lang="en-US" dirty="0"/>
-              <a:t>What if you don’t have permission to read it?</a:t>
-            </a:r>
+            <a:endParaRPr lang="en-US" dirty="0"/>
           </a:p>
           <a:p>
-            <a:pPr lvl="1"/>
             <a:r>
               <a:rPr lang="en-US" dirty="0"/>
-              <a:t>Not just files</a:t>
-            </a:r>
-          </a:p>
-          <a:p>
-            <a:pPr lvl="2"/>
-            <a:r>
-              <a:rPr lang="en-US" dirty="0"/>
-              <a:t>What about network connections?</a:t>
-            </a:r>
-          </a:p>
-          <a:p>
-            <a:pPr lvl="2"/>
-            <a:r>
-              <a:rPr lang="en-US" dirty="0"/>
-              <a:t>What if printers aren’t there?</a:t>
-            </a:r>
-          </a:p>
-          <a:p>
-            <a:r>
-              <a:rPr lang="en-US" dirty="0"/>
-              <a:t>Introducing</a:t>
-            </a:r>
-          </a:p>
-          <a:p>
-            <a:pPr lvl="1"/>
-            <a:r>
-              <a:rPr lang="en-US" dirty="0"/>
-              <a:t>try – catch </a:t>
-            </a:r>
-          </a:p>
-          <a:p>
-            <a:pPr lvl="1"/>
-            <a:r>
-              <a:rPr lang="en-US" dirty="0"/>
-              <a:t>and exception handling</a:t>
+              <a:t>Exceptions are further subdivided into checked (compile-time) and unchecked (run-time) exceptions.</a:t>
             </a:r>
           </a:p>
         </p:txBody>
       </p:sp>
       <p:pic>
         <p:nvPicPr>
-          <p:cNvPr id="4" name="Picture 2">
+          <p:cNvPr id="1026" name="Picture 2" descr="java-exceptions-hierarchy-example">
             <a:extLst>
               <a:ext uri="{FF2B5EF4-FFF2-40B4-BE49-F238E27FC236}">
-                <a16:creationId xmlns:a16="http://schemas.microsoft.com/office/drawing/2014/main" id="{59BF01C2-F804-FC48-8726-56EFF0ABD8C0}"/>
+                <a16:creationId xmlns:a16="http://schemas.microsoft.com/office/drawing/2014/main" id="{63678111-5FFD-471E-BD25-9DCB66051513}"/>
               </a:ext>
             </a:extLst>
           </p:cNvPr>
@@ -7479,8 +10427,8 @@
         </p:blipFill>
         <p:spPr bwMode="auto">
           <a:xfrm>
-            <a:off x="6908800" y="2030072"/>
-            <a:ext cx="6631049" cy="2229570"/>
+            <a:off x="4926013" y="-51782"/>
+            <a:ext cx="8891588" cy="7772400"/>
           </a:xfrm>
           <a:prstGeom prst="rect">
             <a:avLst/>
@@ -7497,6 +10445,40 @@
           </a:extLst>
         </p:spPr>
       </p:pic>
+      <p:sp>
+        <p:nvSpPr>
+          <p:cNvPr id="9" name="Rectangle 8">
+            <a:extLst>
+              <a:ext uri="{FF2B5EF4-FFF2-40B4-BE49-F238E27FC236}">
+                <a16:creationId xmlns:a16="http://schemas.microsoft.com/office/drawing/2014/main" id="{7EF53C4F-21AC-4482-A037-01C80CC7A182}"/>
+              </a:ext>
+            </a:extLst>
+          </p:cNvPr>
+          <p:cNvSpPr/>
+          <p:nvPr/>
+        </p:nvSpPr>
+        <p:spPr>
+          <a:xfrm>
+            <a:off x="4926013" y="7474397"/>
+            <a:ext cx="6908800" cy="246221"/>
+          </a:xfrm>
+          <a:prstGeom prst="rect">
+            <a:avLst/>
+          </a:prstGeom>
+        </p:spPr>
+        <p:txBody>
+          <a:bodyPr>
+            <a:spAutoFit/>
+          </a:bodyPr>
+          <a:lstStyle/>
+          <a:p>
+            <a:r>
+              <a:rPr lang="en-US" sz="1000" dirty="0"/>
+              <a:t>https://rollbar.com/blog/java-exceptions-hierarchy-explained/</a:t>
+            </a:r>
+          </a:p>
+        </p:txBody>
+      </p:sp>
     </p:spTree>
     <p:extLst>
       <p:ext uri="{BB962C8B-B14F-4D97-AF65-F5344CB8AC3E}">
@@ -7544,6 +10526,435 @@
           <p:cNvPr id="2" name="Title 1">
             <a:extLst>
               <a:ext uri="{FF2B5EF4-FFF2-40B4-BE49-F238E27FC236}">
+                <a16:creationId xmlns:a16="http://schemas.microsoft.com/office/drawing/2014/main" id="{311082DD-17AB-054F-B421-93D81C8D0F35}"/>
+              </a:ext>
+            </a:extLst>
+          </p:cNvPr>
+          <p:cNvSpPr>
+            <a:spLocks noGrp="1"/>
+          </p:cNvSpPr>
+          <p:nvPr>
+            <p:ph type="title"/>
+          </p:nvPr>
+        </p:nvSpPr>
+        <p:spPr>
+          <a:xfrm>
+            <a:off x="628076" y="-51782"/>
+            <a:ext cx="4847691" cy="1846659"/>
+          </a:xfrm>
+        </p:spPr>
+        <p:txBody>
+          <a:bodyPr/>
+          <a:lstStyle/>
+          <a:p>
+            <a:r>
+              <a:rPr lang="en-US" dirty="0"/>
+              <a:t>Java Exception Hierarchy</a:t>
+            </a:r>
+          </a:p>
+        </p:txBody>
+      </p:sp>
+      <p:sp>
+        <p:nvSpPr>
+          <p:cNvPr id="6" name="Text Placeholder 5">
+            <a:extLst>
+              <a:ext uri="{FF2B5EF4-FFF2-40B4-BE49-F238E27FC236}">
+                <a16:creationId xmlns:a16="http://schemas.microsoft.com/office/drawing/2014/main" id="{6D41F63A-1552-47F7-A16E-CEC79BE06E99}"/>
+              </a:ext>
+            </a:extLst>
+          </p:cNvPr>
+          <p:cNvSpPr>
+            <a:spLocks noGrp="1"/>
+          </p:cNvSpPr>
+          <p:nvPr>
+            <p:ph type="body" sz="quarter" idx="10"/>
+          </p:nvPr>
+        </p:nvSpPr>
+        <p:spPr>
+          <a:xfrm>
+            <a:off x="628076" y="2286000"/>
+            <a:ext cx="4297937" cy="4966552"/>
+          </a:xfrm>
+        </p:spPr>
+        <p:txBody>
+          <a:bodyPr/>
+          <a:lstStyle/>
+          <a:p>
+            <a:r>
+              <a:rPr lang="en-US" dirty="0"/>
+              <a:t>Exceptions that can occur at compile-time are called checked exceptions since they need to be explicitly checked and handled in code.</a:t>
+            </a:r>
+          </a:p>
+          <a:p>
+            <a:pPr lvl="1"/>
+            <a:r>
+              <a:rPr lang="en-US" dirty="0"/>
+              <a:t>All classes with the exception of Error and </a:t>
+            </a:r>
+            <a:r>
+              <a:rPr lang="en-US" dirty="0" err="1"/>
+              <a:t>RuntimeException</a:t>
+            </a:r>
+            <a:r>
+              <a:rPr lang="en-US" dirty="0"/>
+              <a:t> are checked</a:t>
+            </a:r>
+          </a:p>
+          <a:p>
+            <a:r>
+              <a:rPr lang="en-US" dirty="0"/>
+              <a:t>Unchecked exceptions can be thrown "at any time" (i.e. run-time). Therefore, methods don't have to explicitly catch or throw unchecked exceptions.</a:t>
+            </a:r>
+          </a:p>
+          <a:p>
+            <a:pPr lvl="1"/>
+            <a:r>
+              <a:rPr lang="en-US" dirty="0" err="1"/>
+              <a:t>RuntimeException</a:t>
+            </a:r>
+            <a:endParaRPr lang="en-US" dirty="0"/>
+          </a:p>
+        </p:txBody>
+      </p:sp>
+      <p:pic>
+        <p:nvPicPr>
+          <p:cNvPr id="1026" name="Picture 2" descr="java-exceptions-hierarchy-example">
+            <a:extLst>
+              <a:ext uri="{FF2B5EF4-FFF2-40B4-BE49-F238E27FC236}">
+                <a16:creationId xmlns:a16="http://schemas.microsoft.com/office/drawing/2014/main" id="{63678111-5FFD-471E-BD25-9DCB66051513}"/>
+              </a:ext>
+            </a:extLst>
+          </p:cNvPr>
+          <p:cNvPicPr>
+            <a:picLocks noChangeAspect="1" noChangeArrowheads="1"/>
+          </p:cNvPicPr>
+          <p:nvPr/>
+        </p:nvPicPr>
+        <p:blipFill>
+          <a:blip r:embed="rId2">
+            <a:extLst>
+              <a:ext uri="{28A0092B-C50C-407E-A947-70E740481C1C}">
+                <a14:useLocalDpi xmlns:a14="http://schemas.microsoft.com/office/drawing/2010/main" val="0"/>
+              </a:ext>
+            </a:extLst>
+          </a:blip>
+          <a:srcRect/>
+          <a:stretch>
+            <a:fillRect/>
+          </a:stretch>
+        </p:blipFill>
+        <p:spPr bwMode="auto">
+          <a:xfrm>
+            <a:off x="4926013" y="-51782"/>
+            <a:ext cx="8891588" cy="7772400"/>
+          </a:xfrm>
+          <a:prstGeom prst="rect">
+            <a:avLst/>
+          </a:prstGeom>
+          <a:noFill/>
+          <a:extLst>
+            <a:ext uri="{909E8E84-426E-40DD-AFC4-6F175D3DCCD1}">
+              <a14:hiddenFill xmlns:a14="http://schemas.microsoft.com/office/drawing/2010/main">
+                <a:solidFill>
+                  <a:srgbClr val="FFFFFF"/>
+                </a:solidFill>
+              </a14:hiddenFill>
+            </a:ext>
+          </a:extLst>
+        </p:spPr>
+      </p:pic>
+      <p:sp>
+        <p:nvSpPr>
+          <p:cNvPr id="9" name="Rectangle 8">
+            <a:extLst>
+              <a:ext uri="{FF2B5EF4-FFF2-40B4-BE49-F238E27FC236}">
+                <a16:creationId xmlns:a16="http://schemas.microsoft.com/office/drawing/2014/main" id="{7EF53C4F-21AC-4482-A037-01C80CC7A182}"/>
+              </a:ext>
+            </a:extLst>
+          </p:cNvPr>
+          <p:cNvSpPr/>
+          <p:nvPr/>
+        </p:nvSpPr>
+        <p:spPr>
+          <a:xfrm>
+            <a:off x="4926013" y="7474397"/>
+            <a:ext cx="6908800" cy="246221"/>
+          </a:xfrm>
+          <a:prstGeom prst="rect">
+            <a:avLst/>
+          </a:prstGeom>
+        </p:spPr>
+        <p:txBody>
+          <a:bodyPr>
+            <a:spAutoFit/>
+          </a:bodyPr>
+          <a:lstStyle/>
+          <a:p>
+            <a:r>
+              <a:rPr lang="en-US" sz="1000" dirty="0"/>
+              <a:t>https://rollbar.com/blog/java-exceptions-hierarchy-explained/</a:t>
+            </a:r>
+          </a:p>
+        </p:txBody>
+      </p:sp>
+    </p:spTree>
+    <p:extLst>
+      <p:ext uri="{BB962C8B-B14F-4D97-AF65-F5344CB8AC3E}">
+        <p14:creationId xmlns:p14="http://schemas.microsoft.com/office/powerpoint/2010/main" val="217507841"/>
+      </p:ext>
+    </p:extLst>
+  </p:cSld>
+  <p:clrMapOvr>
+    <a:masterClrMapping/>
+  </p:clrMapOvr>
+  <mc:AlternateContent xmlns:mc="http://schemas.openxmlformats.org/markup-compatibility/2006" xmlns:p14="http://schemas.microsoft.com/office/powerpoint/2010/main">
+    <mc:Choice Requires="p14">
+      <p:transition p14:dur="300">
+        <p:fade/>
+      </p:transition>
+    </mc:Choice>
+    <mc:Fallback xmlns="">
+      <p:transition>
+        <p:fade/>
+      </p:transition>
+    </mc:Fallback>
+  </mc:AlternateContent>
+</p:sld>
+</file>
+
+<file path=ppt/slides/slide5.xml><?xml version="1.0" encoding="utf-8"?>
+<p:sld xmlns:a="http://schemas.openxmlformats.org/drawingml/2006/main" xmlns:r="http://schemas.openxmlformats.org/officeDocument/2006/relationships" xmlns:p="http://schemas.openxmlformats.org/presentationml/2006/main">
+  <p:cSld>
+    <p:spTree>
+      <p:nvGrpSpPr>
+        <p:cNvPr id="1" name=""/>
+        <p:cNvGrpSpPr/>
+        <p:nvPr/>
+      </p:nvGrpSpPr>
+      <p:grpSpPr>
+        <a:xfrm>
+          <a:off x="0" y="0"/>
+          <a:ext cx="0" cy="0"/>
+          <a:chOff x="0" y="0"/>
+          <a:chExt cx="0" cy="0"/>
+        </a:xfrm>
+      </p:grpSpPr>
+      <p:sp>
+        <p:nvSpPr>
+          <p:cNvPr id="2" name="Title 1">
+            <a:extLst>
+              <a:ext uri="{FF2B5EF4-FFF2-40B4-BE49-F238E27FC236}">
+                <a16:creationId xmlns:a16="http://schemas.microsoft.com/office/drawing/2014/main" id="{311082DD-17AB-054F-B421-93D81C8D0F35}"/>
+              </a:ext>
+            </a:extLst>
+          </p:cNvPr>
+          <p:cNvSpPr>
+            <a:spLocks noGrp="1"/>
+          </p:cNvSpPr>
+          <p:nvPr>
+            <p:ph type="title"/>
+          </p:nvPr>
+        </p:nvSpPr>
+        <p:spPr/>
+        <p:txBody>
+          <a:bodyPr/>
+          <a:lstStyle/>
+          <a:p>
+            <a:r>
+              <a:rPr lang="en-US" dirty="0"/>
+              <a:t>Controlling Exceptions</a:t>
+            </a:r>
+          </a:p>
+        </p:txBody>
+      </p:sp>
+      <p:sp>
+        <p:nvSpPr>
+          <p:cNvPr id="3" name="Text Placeholder 2">
+            <a:extLst>
+              <a:ext uri="{FF2B5EF4-FFF2-40B4-BE49-F238E27FC236}">
+                <a16:creationId xmlns:a16="http://schemas.microsoft.com/office/drawing/2014/main" id="{8764ED85-2186-444D-9466-3F49AD21A26F}"/>
+              </a:ext>
+            </a:extLst>
+          </p:cNvPr>
+          <p:cNvSpPr>
+            <a:spLocks noGrp="1"/>
+          </p:cNvSpPr>
+          <p:nvPr>
+            <p:ph type="body" sz="quarter" idx="10"/>
+          </p:nvPr>
+        </p:nvSpPr>
+        <p:spPr>
+          <a:xfrm>
+            <a:off x="628075" y="1776683"/>
+            <a:ext cx="12561453" cy="4064767"/>
+          </a:xfrm>
+        </p:spPr>
+        <p:txBody>
+          <a:bodyPr/>
+          <a:lstStyle/>
+          <a:p>
+            <a:r>
+              <a:rPr lang="en-US" dirty="0"/>
+              <a:t>We can’t control every possible error situation</a:t>
+            </a:r>
+          </a:p>
+          <a:p>
+            <a:r>
+              <a:rPr lang="en-US" dirty="0"/>
+              <a:t>For example:</a:t>
+            </a:r>
+          </a:p>
+          <a:p>
+            <a:pPr lvl="1"/>
+            <a:r>
+              <a:rPr lang="en-US" dirty="0"/>
+              <a:t>What happens if the file is not there?</a:t>
+            </a:r>
+          </a:p>
+          <a:p>
+            <a:pPr lvl="1"/>
+            <a:r>
+              <a:rPr lang="en-US" dirty="0"/>
+              <a:t>What if you don’t have permission to read it?</a:t>
+            </a:r>
+          </a:p>
+          <a:p>
+            <a:pPr lvl="1"/>
+            <a:r>
+              <a:rPr lang="en-US" dirty="0"/>
+              <a:t>Not just files</a:t>
+            </a:r>
+          </a:p>
+          <a:p>
+            <a:pPr lvl="2"/>
+            <a:r>
+              <a:rPr lang="en-US" dirty="0"/>
+              <a:t>What about network connections?</a:t>
+            </a:r>
+          </a:p>
+          <a:p>
+            <a:pPr lvl="2"/>
+            <a:r>
+              <a:rPr lang="en-US" dirty="0"/>
+              <a:t>What if printers aren’t there?</a:t>
+            </a:r>
+          </a:p>
+          <a:p>
+            <a:r>
+              <a:rPr lang="en-US" dirty="0"/>
+              <a:t>Introducing</a:t>
+            </a:r>
+          </a:p>
+          <a:p>
+            <a:pPr lvl="1"/>
+            <a:r>
+              <a:rPr lang="en-US" dirty="0"/>
+              <a:t>try – catch </a:t>
+            </a:r>
+          </a:p>
+          <a:p>
+            <a:pPr lvl="1"/>
+            <a:r>
+              <a:rPr lang="en-US" dirty="0"/>
+              <a:t>and exception handling</a:t>
+            </a:r>
+          </a:p>
+        </p:txBody>
+      </p:sp>
+      <p:pic>
+        <p:nvPicPr>
+          <p:cNvPr id="4" name="Picture 2">
+            <a:extLst>
+              <a:ext uri="{FF2B5EF4-FFF2-40B4-BE49-F238E27FC236}">
+                <a16:creationId xmlns:a16="http://schemas.microsoft.com/office/drawing/2014/main" id="{59BF01C2-F804-FC48-8726-56EFF0ABD8C0}"/>
+              </a:ext>
+            </a:extLst>
+          </p:cNvPr>
+          <p:cNvPicPr>
+            <a:picLocks noChangeAspect="1" noChangeArrowheads="1"/>
+          </p:cNvPicPr>
+          <p:nvPr/>
+        </p:nvPicPr>
+        <p:blipFill>
+          <a:blip r:embed="rId2">
+            <a:extLst>
+              <a:ext uri="{28A0092B-C50C-407E-A947-70E740481C1C}">
+                <a14:useLocalDpi xmlns:a14="http://schemas.microsoft.com/office/drawing/2010/main" val="0"/>
+              </a:ext>
+            </a:extLst>
+          </a:blip>
+          <a:srcRect/>
+          <a:stretch>
+            <a:fillRect/>
+          </a:stretch>
+        </p:blipFill>
+        <p:spPr bwMode="auto">
+          <a:xfrm>
+            <a:off x="6908800" y="2030072"/>
+            <a:ext cx="6631049" cy="2229570"/>
+          </a:xfrm>
+          <a:prstGeom prst="rect">
+            <a:avLst/>
+          </a:prstGeom>
+          <a:noFill/>
+          <a:extLst>
+            <a:ext uri="{909E8E84-426E-40DD-AFC4-6F175D3DCCD1}">
+              <a14:hiddenFill xmlns:a14="http://schemas.microsoft.com/office/drawing/2010/main">
+                <a:solidFill>
+                  <a:srgbClr val="FFFFFF"/>
+                </a:solidFill>
+              </a14:hiddenFill>
+            </a:ext>
+          </a:extLst>
+        </p:spPr>
+      </p:pic>
+    </p:spTree>
+    <p:extLst>
+      <p:ext uri="{BB962C8B-B14F-4D97-AF65-F5344CB8AC3E}">
+        <p14:creationId xmlns:p14="http://schemas.microsoft.com/office/powerpoint/2010/main" val="361762476"/>
+      </p:ext>
+    </p:extLst>
+  </p:cSld>
+  <p:clrMapOvr>
+    <a:masterClrMapping/>
+  </p:clrMapOvr>
+  <mc:AlternateContent xmlns:mc="http://schemas.openxmlformats.org/markup-compatibility/2006" xmlns:p14="http://schemas.microsoft.com/office/powerpoint/2010/main">
+    <mc:Choice Requires="p14">
+      <p:transition p14:dur="300">
+        <p:fade/>
+      </p:transition>
+    </mc:Choice>
+    <mc:Fallback xmlns="">
+      <p:transition>
+        <p:fade/>
+      </p:transition>
+    </mc:Fallback>
+  </mc:AlternateContent>
+</p:sld>
+</file>
+
+<file path=ppt/slides/slide6.xml><?xml version="1.0" encoding="utf-8"?>
+<p:sld xmlns:a="http://schemas.openxmlformats.org/drawingml/2006/main" xmlns:r="http://schemas.openxmlformats.org/officeDocument/2006/relationships" xmlns:p="http://schemas.openxmlformats.org/presentationml/2006/main">
+  <p:cSld>
+    <p:spTree>
+      <p:nvGrpSpPr>
+        <p:cNvPr id="1" name=""/>
+        <p:cNvGrpSpPr/>
+        <p:nvPr/>
+      </p:nvGrpSpPr>
+      <p:grpSpPr>
+        <a:xfrm>
+          <a:off x="0" y="0"/>
+          <a:ext cx="0" cy="0"/>
+          <a:chOff x="0" y="0"/>
+          <a:chExt cx="0" cy="0"/>
+        </a:xfrm>
+      </p:grpSpPr>
+      <p:sp>
+        <p:nvSpPr>
+          <p:cNvPr id="2" name="Title 1">
+            <a:extLst>
+              <a:ext uri="{FF2B5EF4-FFF2-40B4-BE49-F238E27FC236}">
                 <a16:creationId xmlns:a16="http://schemas.microsoft.com/office/drawing/2014/main" id="{776903C6-1E21-FF4E-BF23-334B721CE6A3}"/>
               </a:ext>
             </a:extLst>
@@ -7623,7 +11034,7 @@
             <a:pPr lvl="1"/>
             <a:r>
               <a:rPr lang="en-US" dirty="0"/>
-              <a:t>an error happened!</a:t>
+              <a:t>an exception happened!</a:t>
             </a:r>
           </a:p>
           <a:p>
@@ -7684,7 +11095,7 @@
             <a:pPr lvl="1"/>
             <a:r>
               <a:rPr lang="en-US" dirty="0"/>
-              <a:t>Checked or Unchecked</a:t>
+              <a:t>Checked (compile time) or Unchecked (run time)</a:t>
             </a:r>
           </a:p>
           <a:p>
@@ -8326,6 +11737,4783 @@
       <p:bldP spid="6" grpId="0" build="p"/>
     </p:bldLst>
   </p:timing>
+</p:sld>
+</file>
+
+<file path=ppt/slides/slide7.xml><?xml version="1.0" encoding="utf-8"?>
+<p:sld xmlns:a="http://schemas.openxmlformats.org/drawingml/2006/main" xmlns:r="http://schemas.openxmlformats.org/officeDocument/2006/relationships" xmlns:p="http://schemas.openxmlformats.org/presentationml/2006/main">
+  <p:cSld>
+    <p:spTree>
+      <p:nvGrpSpPr>
+        <p:cNvPr id="1" name=""/>
+        <p:cNvGrpSpPr/>
+        <p:nvPr/>
+      </p:nvGrpSpPr>
+      <p:grpSpPr>
+        <a:xfrm>
+          <a:off x="0" y="0"/>
+          <a:ext cx="0" cy="0"/>
+          <a:chOff x="0" y="0"/>
+          <a:chExt cx="0" cy="0"/>
+        </a:xfrm>
+      </p:grpSpPr>
+      <p:sp>
+        <p:nvSpPr>
+          <p:cNvPr id="10" name="Rectangle 2">
+            <a:extLst>
+              <a:ext uri="{FF2B5EF4-FFF2-40B4-BE49-F238E27FC236}">
+                <a16:creationId xmlns:a16="http://schemas.microsoft.com/office/drawing/2014/main" id="{FADA7691-52F5-43FD-866F-B4E5A75A6300}"/>
+              </a:ext>
+            </a:extLst>
+          </p:cNvPr>
+          <p:cNvSpPr>
+            <a:spLocks noChangeArrowheads="1"/>
+          </p:cNvSpPr>
+          <p:nvPr/>
+        </p:nvSpPr>
+        <p:spPr bwMode="auto">
+          <a:xfrm>
+            <a:off x="0" y="0"/>
+            <a:ext cx="6592186" cy="7294305"/>
+          </a:xfrm>
+          <a:prstGeom prst="rect">
+            <a:avLst/>
+          </a:prstGeom>
+          <a:solidFill>
+            <a:srgbClr val="2B2B2B"/>
+          </a:solidFill>
+          <a:ln>
+            <a:noFill/>
+          </a:ln>
+          <a:effectLst/>
+          <a:extLst>
+            <a:ext uri="{91240B29-F687-4F45-9708-019B960494DF}">
+              <a14:hiddenLine xmlns:a14="http://schemas.microsoft.com/office/drawing/2010/main" w="9525">
+                <a:solidFill>
+                  <a:schemeClr val="tx1"/>
+                </a:solidFill>
+                <a:miter lim="800000"/>
+                <a:headEnd/>
+                <a:tailEnd/>
+              </a14:hiddenLine>
+            </a:ext>
+            <a:ext uri="{AF507438-7753-43E0-B8FC-AC1667EBCBE1}">
+              <a14:hiddenEffects xmlns:a14="http://schemas.microsoft.com/office/drawing/2010/main">
+                <a:effectLst>
+                  <a:outerShdw dist="35921" dir="2700000" algn="ctr" rotWithShape="0">
+                    <a:schemeClr val="bg2"/>
+                  </a:outerShdw>
+                </a:effectLst>
+              </a14:hiddenEffects>
+            </a:ext>
+          </a:extLst>
+        </p:spPr>
+        <p:txBody>
+          <a:bodyPr vert="horz" wrap="square" lIns="91440" tIns="45720" rIns="91440" bIns="45720" numCol="1" anchor="ctr" anchorCtr="0" compatLnSpc="1">
+            <a:prstTxWarp prst="textNoShape">
+              <a:avLst/>
+            </a:prstTxWarp>
+            <a:spAutoFit/>
+          </a:bodyPr>
+          <a:lstStyle/>
+          <a:p>
+            <a:pPr marL="0" marR="0" lvl="0" indent="0" algn="l" defTabSz="914400" rtl="0" eaLnBrk="0" fontAlgn="base" latinLnBrk="0" hangingPunct="0">
+              <a:lnSpc>
+                <a:spcPct val="100000"/>
+              </a:lnSpc>
+              <a:spcBef>
+                <a:spcPct val="0"/>
+              </a:spcBef>
+              <a:spcAft>
+                <a:spcPct val="0"/>
+              </a:spcAft>
+              <a:buClrTx/>
+              <a:buSzTx/>
+              <a:buFontTx/>
+              <a:buNone/>
+              <a:tabLst/>
+            </a:pPr>
+            <a:r>
+              <a:rPr kumimoji="0" lang="en-US" altLang="en-US" sz="1800" b="0" i="0" u="none" strike="noStrike" cap="none" normalizeH="0" baseline="0" dirty="0">
+                <a:ln>
+                  <a:noFill/>
+                </a:ln>
+                <a:solidFill>
+                  <a:srgbClr val="CC7832"/>
+                </a:solidFill>
+                <a:effectLst/>
+                <a:latin typeface="JetBrains Mono"/>
+              </a:rPr>
+              <a:t>import </a:t>
+            </a:r>
+            <a:r>
+              <a:rPr kumimoji="0" lang="en-US" altLang="en-US" sz="1800" b="0" i="0" u="none" strike="noStrike" cap="none" normalizeH="0" baseline="0" dirty="0" err="1">
+                <a:ln>
+                  <a:noFill/>
+                </a:ln>
+                <a:solidFill>
+                  <a:srgbClr val="A9B7C6"/>
+                </a:solidFill>
+                <a:effectLst/>
+                <a:latin typeface="JetBrains Mono"/>
+              </a:rPr>
+              <a:t>java.util.Scanner</a:t>
+            </a:r>
+            <a:r>
+              <a:rPr kumimoji="0" lang="en-US" altLang="en-US" sz="1800" b="0" i="0" u="none" strike="noStrike" cap="none" normalizeH="0" baseline="0" dirty="0">
+                <a:ln>
+                  <a:noFill/>
+                </a:ln>
+                <a:solidFill>
+                  <a:srgbClr val="CC7832"/>
+                </a:solidFill>
+                <a:effectLst/>
+                <a:latin typeface="JetBrains Mono"/>
+              </a:rPr>
+              <a:t>;</a:t>
+            </a:r>
+            <a:br>
+              <a:rPr kumimoji="0" lang="en-US" altLang="en-US" sz="1800" b="0" i="0" u="none" strike="noStrike" cap="none" normalizeH="0" baseline="0" dirty="0">
+                <a:ln>
+                  <a:noFill/>
+                </a:ln>
+                <a:solidFill>
+                  <a:srgbClr val="CC7832"/>
+                </a:solidFill>
+                <a:effectLst/>
+                <a:latin typeface="JetBrains Mono"/>
+              </a:rPr>
+            </a:br>
+            <a:br>
+              <a:rPr kumimoji="0" lang="en-US" altLang="en-US" sz="1800" b="0" i="0" u="none" strike="noStrike" cap="none" normalizeH="0" baseline="0" dirty="0">
+                <a:ln>
+                  <a:noFill/>
+                </a:ln>
+                <a:solidFill>
+                  <a:srgbClr val="CC7832"/>
+                </a:solidFill>
+                <a:effectLst/>
+                <a:latin typeface="JetBrains Mono"/>
+              </a:rPr>
+            </a:br>
+            <a:r>
+              <a:rPr kumimoji="0" lang="en-US" altLang="en-US" sz="1800" b="0" i="0" u="none" strike="noStrike" cap="none" normalizeH="0" baseline="0" dirty="0">
+                <a:ln>
+                  <a:noFill/>
+                </a:ln>
+                <a:solidFill>
+                  <a:srgbClr val="CC7832"/>
+                </a:solidFill>
+                <a:effectLst/>
+                <a:latin typeface="JetBrains Mono"/>
+              </a:rPr>
+              <a:t>public class </a:t>
+            </a:r>
+            <a:r>
+              <a:rPr kumimoji="0" lang="en-US" altLang="en-US" sz="1800" b="0" i="0" u="none" strike="noStrike" cap="none" normalizeH="0" baseline="0" dirty="0" err="1">
+                <a:ln>
+                  <a:noFill/>
+                </a:ln>
+                <a:solidFill>
+                  <a:srgbClr val="A9B7C6"/>
+                </a:solidFill>
+                <a:effectLst/>
+                <a:latin typeface="JetBrains Mono"/>
+              </a:rPr>
+              <a:t>BMIExceptHandling</a:t>
+            </a:r>
+            <a:r>
+              <a:rPr kumimoji="0" lang="en-US" altLang="en-US" sz="1800" b="0" i="0" u="none" strike="noStrike" cap="none" normalizeH="0" baseline="0" dirty="0">
+                <a:ln>
+                  <a:noFill/>
+                </a:ln>
+                <a:solidFill>
+                  <a:srgbClr val="A9B7C6"/>
+                </a:solidFill>
+                <a:effectLst/>
+                <a:latin typeface="JetBrains Mono"/>
+              </a:rPr>
+              <a:t> {</a:t>
+            </a:r>
+            <a:br>
+              <a:rPr kumimoji="0" lang="en-US" altLang="en-US" sz="1800" b="0" i="0" u="none" strike="noStrike" cap="none" normalizeH="0" baseline="0" dirty="0">
+                <a:ln>
+                  <a:noFill/>
+                </a:ln>
+                <a:solidFill>
+                  <a:srgbClr val="A9B7C6"/>
+                </a:solidFill>
+                <a:effectLst/>
+                <a:latin typeface="JetBrains Mono"/>
+              </a:rPr>
+            </a:br>
+            <a:r>
+              <a:rPr kumimoji="0" lang="en-US" altLang="en-US" sz="1800" b="0" i="0" u="none" strike="noStrike" cap="none" normalizeH="0" baseline="0" dirty="0">
+                <a:ln>
+                  <a:noFill/>
+                </a:ln>
+                <a:solidFill>
+                  <a:srgbClr val="A9B7C6"/>
+                </a:solidFill>
+                <a:effectLst/>
+                <a:latin typeface="JetBrains Mono"/>
+              </a:rPr>
+              <a:t>    </a:t>
+            </a:r>
+            <a:r>
+              <a:rPr kumimoji="0" lang="en-US" altLang="en-US" sz="1800" b="0" i="0" u="none" strike="noStrike" cap="none" normalizeH="0" baseline="0" dirty="0">
+                <a:ln>
+                  <a:noFill/>
+                </a:ln>
+                <a:solidFill>
+                  <a:srgbClr val="CC7832"/>
+                </a:solidFill>
+                <a:effectLst/>
+                <a:latin typeface="JetBrains Mono"/>
+              </a:rPr>
+              <a:t>public static int </a:t>
+            </a:r>
+            <a:r>
+              <a:rPr kumimoji="0" lang="en-US" altLang="en-US" sz="1800" b="0" i="0" u="none" strike="noStrike" cap="none" normalizeH="0" baseline="0" dirty="0" err="1">
+                <a:ln>
+                  <a:noFill/>
+                </a:ln>
+                <a:solidFill>
+                  <a:srgbClr val="FFC66D"/>
+                </a:solidFill>
+                <a:effectLst/>
+                <a:latin typeface="JetBrains Mono"/>
+              </a:rPr>
+              <a:t>getWeight</a:t>
+            </a:r>
+            <a:r>
+              <a:rPr kumimoji="0" lang="en-US" altLang="en-US" sz="1800" b="0" i="0" u="none" strike="noStrike" cap="none" normalizeH="0" baseline="0" dirty="0">
+                <a:ln>
+                  <a:noFill/>
+                </a:ln>
+                <a:solidFill>
+                  <a:srgbClr val="A9B7C6"/>
+                </a:solidFill>
+                <a:effectLst/>
+                <a:latin typeface="JetBrains Mono"/>
+              </a:rPr>
+              <a:t>(Scanner </a:t>
+            </a:r>
+            <a:r>
+              <a:rPr kumimoji="0" lang="en-US" altLang="en-US" sz="1800" b="0" i="0" u="none" strike="noStrike" cap="none" normalizeH="0" baseline="0" dirty="0" err="1">
+                <a:ln>
+                  <a:noFill/>
+                </a:ln>
+                <a:solidFill>
+                  <a:srgbClr val="A9B7C6"/>
+                </a:solidFill>
+                <a:effectLst/>
+                <a:latin typeface="JetBrains Mono"/>
+              </a:rPr>
+              <a:t>scnr</a:t>
+            </a:r>
+            <a:r>
+              <a:rPr kumimoji="0" lang="en-US" altLang="en-US" sz="1800" b="0" i="0" u="none" strike="noStrike" cap="none" normalizeH="0" baseline="0" dirty="0">
+                <a:ln>
+                  <a:noFill/>
+                </a:ln>
+                <a:solidFill>
+                  <a:srgbClr val="A9B7C6"/>
+                </a:solidFill>
+                <a:effectLst/>
+                <a:latin typeface="JetBrains Mono"/>
+              </a:rPr>
+              <a:t>) </a:t>
+            </a:r>
+            <a:r>
+              <a:rPr kumimoji="0" lang="en-US" altLang="en-US" sz="1800" b="0" i="0" u="none" strike="noStrike" cap="none" normalizeH="0" baseline="0" dirty="0">
+                <a:ln>
+                  <a:noFill/>
+                </a:ln>
+                <a:solidFill>
+                  <a:srgbClr val="CC7832"/>
+                </a:solidFill>
+                <a:effectLst/>
+                <a:latin typeface="JetBrains Mono"/>
+              </a:rPr>
+              <a:t>throws </a:t>
+            </a:r>
+            <a:r>
+              <a:rPr kumimoji="0" lang="en-US" altLang="en-US" sz="1800" b="0" i="0" u="none" strike="noStrike" cap="none" normalizeH="0" baseline="0" dirty="0">
+                <a:ln>
+                  <a:noFill/>
+                </a:ln>
+                <a:solidFill>
+                  <a:srgbClr val="A9B7C6"/>
+                </a:solidFill>
+                <a:effectLst/>
+                <a:latin typeface="JetBrains Mono"/>
+              </a:rPr>
+              <a:t>Exception {</a:t>
+            </a:r>
+            <a:br>
+              <a:rPr kumimoji="0" lang="en-US" altLang="en-US" sz="1800" b="0" i="0" u="none" strike="noStrike" cap="none" normalizeH="0" baseline="0" dirty="0">
+                <a:ln>
+                  <a:noFill/>
+                </a:ln>
+                <a:solidFill>
+                  <a:srgbClr val="A9B7C6"/>
+                </a:solidFill>
+                <a:effectLst/>
+                <a:latin typeface="JetBrains Mono"/>
+              </a:rPr>
+            </a:br>
+            <a:r>
+              <a:rPr kumimoji="0" lang="en-US" altLang="en-US" sz="1800" b="0" i="0" u="none" strike="noStrike" cap="none" normalizeH="0" baseline="0" dirty="0">
+                <a:ln>
+                  <a:noFill/>
+                </a:ln>
+                <a:solidFill>
+                  <a:srgbClr val="A9B7C6"/>
+                </a:solidFill>
+                <a:effectLst/>
+                <a:latin typeface="JetBrains Mono"/>
+              </a:rPr>
+              <a:t>        </a:t>
+            </a:r>
+            <a:r>
+              <a:rPr kumimoji="0" lang="en-US" altLang="en-US" sz="1800" b="0" i="0" u="none" strike="noStrike" cap="none" normalizeH="0" baseline="0" dirty="0">
+                <a:ln>
+                  <a:noFill/>
+                </a:ln>
+                <a:solidFill>
+                  <a:srgbClr val="CC7832"/>
+                </a:solidFill>
+                <a:effectLst/>
+                <a:latin typeface="JetBrains Mono"/>
+              </a:rPr>
+              <a:t>int </a:t>
+            </a:r>
+            <a:r>
+              <a:rPr kumimoji="0" lang="en-US" altLang="en-US" sz="1800" b="0" i="0" u="none" strike="noStrike" cap="none" normalizeH="0" baseline="0" dirty="0" err="1">
+                <a:ln>
+                  <a:noFill/>
+                </a:ln>
+                <a:solidFill>
+                  <a:srgbClr val="A9B7C6"/>
+                </a:solidFill>
+                <a:effectLst/>
+                <a:latin typeface="JetBrains Mono"/>
+              </a:rPr>
+              <a:t>weightParam</a:t>
+            </a:r>
+            <a:r>
+              <a:rPr kumimoji="0" lang="en-US" altLang="en-US" sz="1800" b="0" i="0" u="none" strike="noStrike" cap="none" normalizeH="0" baseline="0" dirty="0">
+                <a:ln>
+                  <a:noFill/>
+                </a:ln>
+                <a:solidFill>
+                  <a:srgbClr val="CC7832"/>
+                </a:solidFill>
+                <a:effectLst/>
+                <a:latin typeface="JetBrains Mono"/>
+              </a:rPr>
+              <a:t>;      </a:t>
+            </a:r>
+            <a:r>
+              <a:rPr kumimoji="0" lang="en-US" altLang="en-US" sz="1800" b="0" i="0" u="none" strike="noStrike" cap="none" normalizeH="0" baseline="0" dirty="0">
+                <a:ln>
+                  <a:noFill/>
+                </a:ln>
+                <a:solidFill>
+                  <a:srgbClr val="808080"/>
+                </a:solidFill>
+                <a:effectLst/>
+                <a:latin typeface="JetBrains Mono"/>
+              </a:rPr>
+              <a:t>// User defined weight (</a:t>
+            </a:r>
+            <a:r>
+              <a:rPr kumimoji="0" lang="en-US" altLang="en-US" sz="1800" b="0" i="0" u="none" strike="noStrike" cap="none" normalizeH="0" baseline="0" dirty="0" err="1">
+                <a:ln>
+                  <a:noFill/>
+                </a:ln>
+                <a:solidFill>
+                  <a:srgbClr val="808080"/>
+                </a:solidFill>
+                <a:effectLst/>
+                <a:latin typeface="JetBrains Mono"/>
+              </a:rPr>
+              <a:t>lbs</a:t>
+            </a:r>
+            <a:r>
+              <a:rPr kumimoji="0" lang="en-US" altLang="en-US" sz="1800" b="0" i="0" u="none" strike="noStrike" cap="none" normalizeH="0" baseline="0" dirty="0">
+                <a:ln>
+                  <a:noFill/>
+                </a:ln>
+                <a:solidFill>
+                  <a:srgbClr val="808080"/>
+                </a:solidFill>
+                <a:effectLst/>
+                <a:latin typeface="JetBrains Mono"/>
+              </a:rPr>
+              <a:t>)</a:t>
+            </a:r>
+            <a:br>
+              <a:rPr kumimoji="0" lang="en-US" altLang="en-US" sz="1800" b="0" i="0" u="none" strike="noStrike" cap="none" normalizeH="0" baseline="0" dirty="0">
+                <a:ln>
+                  <a:noFill/>
+                </a:ln>
+                <a:solidFill>
+                  <a:srgbClr val="808080"/>
+                </a:solidFill>
+                <a:effectLst/>
+                <a:latin typeface="JetBrains Mono"/>
+              </a:rPr>
+            </a:br>
+            <a:r>
+              <a:rPr kumimoji="0" lang="en-US" altLang="en-US" sz="1800" b="0" i="0" u="none" strike="noStrike" cap="none" normalizeH="0" baseline="0" dirty="0">
+                <a:ln>
+                  <a:noFill/>
+                </a:ln>
+                <a:solidFill>
+                  <a:srgbClr val="808080"/>
+                </a:solidFill>
+                <a:effectLst/>
+                <a:latin typeface="JetBrains Mono"/>
+              </a:rPr>
+              <a:t>        // Get user data</a:t>
+            </a:r>
+            <a:br>
+              <a:rPr kumimoji="0" lang="en-US" altLang="en-US" sz="1800" b="0" i="0" u="none" strike="noStrike" cap="none" normalizeH="0" baseline="0" dirty="0">
+                <a:ln>
+                  <a:noFill/>
+                </a:ln>
+                <a:solidFill>
+                  <a:srgbClr val="808080"/>
+                </a:solidFill>
+                <a:effectLst/>
+                <a:latin typeface="JetBrains Mono"/>
+              </a:rPr>
+            </a:br>
+            <a:r>
+              <a:rPr kumimoji="0" lang="en-US" altLang="en-US" sz="1800" b="0" i="0" u="none" strike="noStrike" cap="none" normalizeH="0" baseline="0" dirty="0">
+                <a:ln>
+                  <a:noFill/>
+                </a:ln>
+                <a:solidFill>
+                  <a:srgbClr val="808080"/>
+                </a:solidFill>
+                <a:effectLst/>
+                <a:latin typeface="JetBrains Mono"/>
+              </a:rPr>
+              <a:t>        </a:t>
+            </a:r>
+            <a:r>
+              <a:rPr kumimoji="0" lang="en-US" altLang="en-US" sz="1800" b="0" i="0" u="none" strike="noStrike" cap="none" normalizeH="0" baseline="0" dirty="0" err="1">
+                <a:ln>
+                  <a:noFill/>
+                </a:ln>
+                <a:solidFill>
+                  <a:srgbClr val="A9B7C6"/>
+                </a:solidFill>
+                <a:effectLst/>
+                <a:latin typeface="JetBrains Mono"/>
+              </a:rPr>
+              <a:t>System.</a:t>
+            </a:r>
+            <a:r>
+              <a:rPr kumimoji="0" lang="en-US" altLang="en-US" sz="1800" b="0" i="1" u="none" strike="noStrike" cap="none" normalizeH="0" baseline="0" dirty="0" err="1">
+                <a:ln>
+                  <a:noFill/>
+                </a:ln>
+                <a:solidFill>
+                  <a:srgbClr val="9876AA"/>
+                </a:solidFill>
+                <a:effectLst/>
+                <a:latin typeface="JetBrains Mono"/>
+              </a:rPr>
+              <a:t>out</a:t>
+            </a:r>
+            <a:r>
+              <a:rPr kumimoji="0" lang="en-US" altLang="en-US" sz="1800" b="0" i="0" u="none" strike="noStrike" cap="none" normalizeH="0" baseline="0" dirty="0" err="1">
+                <a:ln>
+                  <a:noFill/>
+                </a:ln>
+                <a:solidFill>
+                  <a:srgbClr val="A9B7C6"/>
+                </a:solidFill>
+                <a:effectLst/>
+                <a:latin typeface="JetBrains Mono"/>
+              </a:rPr>
+              <a:t>.print</a:t>
+            </a:r>
+            <a:r>
+              <a:rPr kumimoji="0" lang="en-US" altLang="en-US" sz="1800" b="0" i="0" u="none" strike="noStrike" cap="none" normalizeH="0" baseline="0" dirty="0">
+                <a:ln>
+                  <a:noFill/>
+                </a:ln>
+                <a:solidFill>
+                  <a:srgbClr val="A9B7C6"/>
+                </a:solidFill>
+                <a:effectLst/>
+                <a:latin typeface="JetBrains Mono"/>
+              </a:rPr>
+              <a:t>(</a:t>
+            </a:r>
+            <a:r>
+              <a:rPr kumimoji="0" lang="en-US" altLang="en-US" sz="1800" b="0" i="0" u="none" strike="noStrike" cap="none" normalizeH="0" baseline="0" dirty="0">
+                <a:ln>
+                  <a:noFill/>
+                </a:ln>
+                <a:solidFill>
+                  <a:srgbClr val="6A8759"/>
+                </a:solidFill>
+                <a:effectLst/>
+                <a:latin typeface="JetBrains Mono"/>
+              </a:rPr>
+              <a:t>"Enter weight (in pounds): "</a:t>
+            </a:r>
+            <a:r>
+              <a:rPr kumimoji="0" lang="en-US" altLang="en-US" sz="1800" b="0" i="0" u="none" strike="noStrike" cap="none" normalizeH="0" baseline="0" dirty="0">
+                <a:ln>
+                  <a:noFill/>
+                </a:ln>
+                <a:solidFill>
+                  <a:srgbClr val="A9B7C6"/>
+                </a:solidFill>
+                <a:effectLst/>
+                <a:latin typeface="JetBrains Mono"/>
+              </a:rPr>
+              <a:t>)</a:t>
+            </a:r>
+            <a:r>
+              <a:rPr kumimoji="0" lang="en-US" altLang="en-US" sz="1800" b="0" i="0" u="none" strike="noStrike" cap="none" normalizeH="0" baseline="0" dirty="0">
+                <a:ln>
+                  <a:noFill/>
+                </a:ln>
+                <a:solidFill>
+                  <a:srgbClr val="CC7832"/>
+                </a:solidFill>
+                <a:effectLst/>
+                <a:latin typeface="JetBrains Mono"/>
+              </a:rPr>
+              <a:t>;</a:t>
+            </a:r>
+            <a:br>
+              <a:rPr kumimoji="0" lang="en-US" altLang="en-US" sz="1800" b="0" i="0" u="none" strike="noStrike" cap="none" normalizeH="0" baseline="0" dirty="0">
+                <a:ln>
+                  <a:noFill/>
+                </a:ln>
+                <a:solidFill>
+                  <a:srgbClr val="CC7832"/>
+                </a:solidFill>
+                <a:effectLst/>
+                <a:latin typeface="JetBrains Mono"/>
+              </a:rPr>
+            </a:br>
+            <a:r>
+              <a:rPr kumimoji="0" lang="en-US" altLang="en-US" sz="1800" b="0" i="0" u="none" strike="noStrike" cap="none" normalizeH="0" baseline="0" dirty="0">
+                <a:ln>
+                  <a:noFill/>
+                </a:ln>
+                <a:solidFill>
+                  <a:srgbClr val="CC7832"/>
+                </a:solidFill>
+                <a:effectLst/>
+                <a:latin typeface="JetBrains Mono"/>
+              </a:rPr>
+              <a:t>        </a:t>
+            </a:r>
+            <a:r>
+              <a:rPr kumimoji="0" lang="en-US" altLang="en-US" sz="1800" b="0" i="0" u="none" strike="noStrike" cap="none" normalizeH="0" baseline="0" dirty="0" err="1">
+                <a:ln>
+                  <a:noFill/>
+                </a:ln>
+                <a:solidFill>
+                  <a:srgbClr val="A9B7C6"/>
+                </a:solidFill>
+                <a:effectLst/>
+                <a:latin typeface="JetBrains Mono"/>
+              </a:rPr>
+              <a:t>weightParam</a:t>
+            </a:r>
+            <a:r>
+              <a:rPr kumimoji="0" lang="en-US" altLang="en-US" sz="1800" b="0" i="0" u="none" strike="noStrike" cap="none" normalizeH="0" baseline="0" dirty="0">
+                <a:ln>
+                  <a:noFill/>
+                </a:ln>
+                <a:solidFill>
+                  <a:srgbClr val="A9B7C6"/>
+                </a:solidFill>
+                <a:effectLst/>
+                <a:latin typeface="JetBrains Mono"/>
+              </a:rPr>
+              <a:t> = </a:t>
+            </a:r>
+            <a:r>
+              <a:rPr kumimoji="0" lang="en-US" altLang="en-US" sz="1800" b="0" i="0" u="none" strike="noStrike" cap="none" normalizeH="0" baseline="0" dirty="0" err="1">
+                <a:ln>
+                  <a:noFill/>
+                </a:ln>
+                <a:solidFill>
+                  <a:srgbClr val="A9B7C6"/>
+                </a:solidFill>
+                <a:effectLst/>
+                <a:latin typeface="JetBrains Mono"/>
+              </a:rPr>
+              <a:t>scnr.nextInt</a:t>
+            </a:r>
+            <a:r>
+              <a:rPr kumimoji="0" lang="en-US" altLang="en-US" sz="1800" b="0" i="0" u="none" strike="noStrike" cap="none" normalizeH="0" baseline="0" dirty="0">
+                <a:ln>
+                  <a:noFill/>
+                </a:ln>
+                <a:solidFill>
+                  <a:srgbClr val="A9B7C6"/>
+                </a:solidFill>
+                <a:effectLst/>
+                <a:latin typeface="JetBrains Mono"/>
+              </a:rPr>
+              <a:t>()</a:t>
+            </a:r>
+            <a:r>
+              <a:rPr kumimoji="0" lang="en-US" altLang="en-US" sz="1800" b="0" i="0" u="none" strike="noStrike" cap="none" normalizeH="0" baseline="0" dirty="0">
+                <a:ln>
+                  <a:noFill/>
+                </a:ln>
+                <a:solidFill>
+                  <a:srgbClr val="CC7832"/>
+                </a:solidFill>
+                <a:effectLst/>
+                <a:latin typeface="JetBrains Mono"/>
+              </a:rPr>
+              <a:t>;</a:t>
+            </a:r>
+            <a:br>
+              <a:rPr kumimoji="0" lang="en-US" altLang="en-US" sz="1800" b="0" i="0" u="none" strike="noStrike" cap="none" normalizeH="0" baseline="0" dirty="0">
+                <a:ln>
+                  <a:noFill/>
+                </a:ln>
+                <a:solidFill>
+                  <a:srgbClr val="CC7832"/>
+                </a:solidFill>
+                <a:effectLst/>
+                <a:latin typeface="JetBrains Mono"/>
+              </a:rPr>
+            </a:br>
+            <a:r>
+              <a:rPr kumimoji="0" lang="en-US" altLang="en-US" sz="1800" b="0" i="0" u="none" strike="noStrike" cap="none" normalizeH="0" baseline="0" dirty="0">
+                <a:ln>
+                  <a:noFill/>
+                </a:ln>
+                <a:solidFill>
+                  <a:srgbClr val="CC7832"/>
+                </a:solidFill>
+                <a:effectLst/>
+                <a:latin typeface="JetBrains Mono"/>
+              </a:rPr>
+              <a:t>        </a:t>
+            </a:r>
+            <a:r>
+              <a:rPr kumimoji="0" lang="en-US" altLang="en-US" sz="1800" b="0" i="0" u="none" strike="noStrike" cap="none" normalizeH="0" baseline="0" dirty="0">
+                <a:ln>
+                  <a:noFill/>
+                </a:ln>
+                <a:solidFill>
+                  <a:srgbClr val="808080"/>
+                </a:solidFill>
+                <a:effectLst/>
+                <a:latin typeface="JetBrains Mono"/>
+              </a:rPr>
+              <a:t>// Error checking, non-negative weight</a:t>
+            </a:r>
+            <a:br>
+              <a:rPr kumimoji="0" lang="en-US" altLang="en-US" sz="1800" b="0" i="0" u="none" strike="noStrike" cap="none" normalizeH="0" baseline="0" dirty="0">
+                <a:ln>
+                  <a:noFill/>
+                </a:ln>
+                <a:solidFill>
+                  <a:srgbClr val="808080"/>
+                </a:solidFill>
+                <a:effectLst/>
+                <a:latin typeface="JetBrains Mono"/>
+              </a:rPr>
+            </a:br>
+            <a:r>
+              <a:rPr kumimoji="0" lang="en-US" altLang="en-US" sz="1800" b="0" i="0" u="none" strike="noStrike" cap="none" normalizeH="0" baseline="0" dirty="0">
+                <a:ln>
+                  <a:noFill/>
+                </a:ln>
+                <a:solidFill>
+                  <a:srgbClr val="808080"/>
+                </a:solidFill>
+                <a:effectLst/>
+                <a:latin typeface="JetBrains Mono"/>
+              </a:rPr>
+              <a:t>        </a:t>
+            </a:r>
+            <a:r>
+              <a:rPr kumimoji="0" lang="en-US" altLang="en-US" sz="1800" b="0" i="0" u="none" strike="noStrike" cap="none" normalizeH="0" baseline="0" dirty="0">
+                <a:ln>
+                  <a:noFill/>
+                </a:ln>
+                <a:solidFill>
+                  <a:srgbClr val="CC7832"/>
+                </a:solidFill>
+                <a:effectLst/>
+                <a:latin typeface="JetBrains Mono"/>
+              </a:rPr>
+              <a:t>if </a:t>
+            </a:r>
+            <a:r>
+              <a:rPr kumimoji="0" lang="en-US" altLang="en-US" sz="1800" b="0" i="0" u="none" strike="noStrike" cap="none" normalizeH="0" baseline="0" dirty="0">
+                <a:ln>
+                  <a:noFill/>
+                </a:ln>
+                <a:solidFill>
+                  <a:srgbClr val="A9B7C6"/>
+                </a:solidFill>
+                <a:effectLst/>
+                <a:latin typeface="JetBrains Mono"/>
+              </a:rPr>
+              <a:t>(</a:t>
+            </a:r>
+            <a:r>
+              <a:rPr kumimoji="0" lang="en-US" altLang="en-US" sz="1800" b="0" i="0" u="none" strike="noStrike" cap="none" normalizeH="0" baseline="0" dirty="0" err="1">
+                <a:ln>
+                  <a:noFill/>
+                </a:ln>
+                <a:solidFill>
+                  <a:srgbClr val="A9B7C6"/>
+                </a:solidFill>
+                <a:effectLst/>
+                <a:latin typeface="JetBrains Mono"/>
+              </a:rPr>
+              <a:t>weightParam</a:t>
+            </a:r>
+            <a:r>
+              <a:rPr kumimoji="0" lang="en-US" altLang="en-US" sz="1800" b="0" i="0" u="none" strike="noStrike" cap="none" normalizeH="0" baseline="0" dirty="0">
+                <a:ln>
+                  <a:noFill/>
+                </a:ln>
+                <a:solidFill>
+                  <a:srgbClr val="A9B7C6"/>
+                </a:solidFill>
+                <a:effectLst/>
+                <a:latin typeface="JetBrains Mono"/>
+              </a:rPr>
+              <a:t> &lt; </a:t>
+            </a:r>
+            <a:r>
+              <a:rPr kumimoji="0" lang="en-US" altLang="en-US" sz="1800" b="0" i="0" u="none" strike="noStrike" cap="none" normalizeH="0" baseline="0" dirty="0">
+                <a:ln>
+                  <a:noFill/>
+                </a:ln>
+                <a:solidFill>
+                  <a:srgbClr val="6897BB"/>
+                </a:solidFill>
+                <a:effectLst/>
+                <a:latin typeface="JetBrains Mono"/>
+              </a:rPr>
+              <a:t>0</a:t>
+            </a:r>
+            <a:r>
+              <a:rPr kumimoji="0" lang="en-US" altLang="en-US" sz="1800" b="0" i="0" u="none" strike="noStrike" cap="none" normalizeH="0" baseline="0" dirty="0">
+                <a:ln>
+                  <a:noFill/>
+                </a:ln>
+                <a:solidFill>
+                  <a:srgbClr val="A9B7C6"/>
+                </a:solidFill>
+                <a:effectLst/>
+                <a:latin typeface="JetBrains Mono"/>
+              </a:rPr>
+              <a:t>) {</a:t>
+            </a:r>
+            <a:br>
+              <a:rPr kumimoji="0" lang="en-US" altLang="en-US" sz="1800" b="0" i="0" u="none" strike="noStrike" cap="none" normalizeH="0" baseline="0" dirty="0">
+                <a:ln>
+                  <a:noFill/>
+                </a:ln>
+                <a:solidFill>
+                  <a:srgbClr val="A9B7C6"/>
+                </a:solidFill>
+                <a:effectLst/>
+                <a:latin typeface="JetBrains Mono"/>
+              </a:rPr>
+            </a:br>
+            <a:r>
+              <a:rPr kumimoji="0" lang="en-US" altLang="en-US" sz="1800" b="0" i="0" u="none" strike="noStrike" cap="none" normalizeH="0" baseline="0" dirty="0">
+                <a:ln>
+                  <a:noFill/>
+                </a:ln>
+                <a:solidFill>
+                  <a:srgbClr val="A9B7C6"/>
+                </a:solidFill>
+                <a:effectLst/>
+                <a:latin typeface="JetBrains Mono"/>
+              </a:rPr>
+              <a:t>            </a:t>
+            </a:r>
+            <a:r>
+              <a:rPr kumimoji="0" lang="en-US" altLang="en-US" sz="1800" b="0" i="0" u="none" strike="noStrike" cap="none" normalizeH="0" baseline="0" dirty="0">
+                <a:ln>
+                  <a:noFill/>
+                </a:ln>
+                <a:solidFill>
+                  <a:srgbClr val="CC7832"/>
+                </a:solidFill>
+                <a:effectLst/>
+                <a:latin typeface="JetBrains Mono"/>
+              </a:rPr>
+              <a:t>throw new </a:t>
+            </a:r>
+            <a:r>
+              <a:rPr kumimoji="0" lang="en-US" altLang="en-US" sz="1800" b="0" i="0" u="none" strike="noStrike" cap="none" normalizeH="0" baseline="0" dirty="0">
+                <a:ln>
+                  <a:noFill/>
+                </a:ln>
+                <a:solidFill>
+                  <a:srgbClr val="A9B7C6"/>
+                </a:solidFill>
+                <a:effectLst/>
+                <a:latin typeface="JetBrains Mono"/>
+              </a:rPr>
+              <a:t>Exception(</a:t>
+            </a:r>
+            <a:r>
+              <a:rPr kumimoji="0" lang="en-US" altLang="en-US" sz="1800" b="0" i="0" u="none" strike="noStrike" cap="none" normalizeH="0" baseline="0" dirty="0">
+                <a:ln>
+                  <a:noFill/>
+                </a:ln>
+                <a:solidFill>
+                  <a:srgbClr val="6A8759"/>
+                </a:solidFill>
+                <a:effectLst/>
+                <a:latin typeface="JetBrains Mono"/>
+              </a:rPr>
+              <a:t>"Invalid weight."</a:t>
+            </a:r>
+            <a:r>
+              <a:rPr kumimoji="0" lang="en-US" altLang="en-US" sz="1800" b="0" i="0" u="none" strike="noStrike" cap="none" normalizeH="0" baseline="0" dirty="0">
+                <a:ln>
+                  <a:noFill/>
+                </a:ln>
+                <a:solidFill>
+                  <a:srgbClr val="A9B7C6"/>
+                </a:solidFill>
+                <a:effectLst/>
+                <a:latin typeface="JetBrains Mono"/>
+              </a:rPr>
+              <a:t>)</a:t>
+            </a:r>
+            <a:r>
+              <a:rPr kumimoji="0" lang="en-US" altLang="en-US" sz="1800" b="0" i="0" u="none" strike="noStrike" cap="none" normalizeH="0" baseline="0" dirty="0">
+                <a:ln>
+                  <a:noFill/>
+                </a:ln>
+                <a:solidFill>
+                  <a:srgbClr val="CC7832"/>
+                </a:solidFill>
+                <a:effectLst/>
+                <a:latin typeface="JetBrains Mono"/>
+              </a:rPr>
+              <a:t>;</a:t>
+            </a:r>
+            <a:br>
+              <a:rPr kumimoji="0" lang="en-US" altLang="en-US" sz="1800" b="0" i="0" u="none" strike="noStrike" cap="none" normalizeH="0" baseline="0" dirty="0">
+                <a:ln>
+                  <a:noFill/>
+                </a:ln>
+                <a:solidFill>
+                  <a:srgbClr val="CC7832"/>
+                </a:solidFill>
+                <a:effectLst/>
+                <a:latin typeface="JetBrains Mono"/>
+              </a:rPr>
+            </a:br>
+            <a:r>
+              <a:rPr kumimoji="0" lang="en-US" altLang="en-US" sz="1800" b="0" i="0" u="none" strike="noStrike" cap="none" normalizeH="0" baseline="0" dirty="0">
+                <a:ln>
+                  <a:noFill/>
+                </a:ln>
+                <a:solidFill>
+                  <a:srgbClr val="CC7832"/>
+                </a:solidFill>
+                <a:effectLst/>
+                <a:latin typeface="JetBrains Mono"/>
+              </a:rPr>
+              <a:t>        </a:t>
+            </a:r>
+            <a:r>
+              <a:rPr kumimoji="0" lang="en-US" altLang="en-US" sz="1800" b="0" i="0" u="none" strike="noStrike" cap="none" normalizeH="0" baseline="0" dirty="0">
+                <a:ln>
+                  <a:noFill/>
+                </a:ln>
+                <a:solidFill>
+                  <a:srgbClr val="A9B7C6"/>
+                </a:solidFill>
+                <a:effectLst/>
+                <a:latin typeface="JetBrains Mono"/>
+              </a:rPr>
+              <a:t>}</a:t>
+            </a:r>
+            <a:br>
+              <a:rPr kumimoji="0" lang="en-US" altLang="en-US" sz="1800" b="0" i="0" u="none" strike="noStrike" cap="none" normalizeH="0" baseline="0" dirty="0">
+                <a:ln>
+                  <a:noFill/>
+                </a:ln>
+                <a:solidFill>
+                  <a:srgbClr val="A9B7C6"/>
+                </a:solidFill>
+                <a:effectLst/>
+                <a:latin typeface="JetBrains Mono"/>
+              </a:rPr>
+            </a:br>
+            <a:r>
+              <a:rPr kumimoji="0" lang="en-US" altLang="en-US" sz="1800" b="0" i="0" u="none" strike="noStrike" cap="none" normalizeH="0" baseline="0" dirty="0">
+                <a:ln>
+                  <a:noFill/>
+                </a:ln>
+                <a:solidFill>
+                  <a:srgbClr val="A9B7C6"/>
+                </a:solidFill>
+                <a:effectLst/>
+                <a:latin typeface="JetBrains Mono"/>
+              </a:rPr>
+              <a:t>        </a:t>
+            </a:r>
+            <a:r>
+              <a:rPr kumimoji="0" lang="en-US" altLang="en-US" sz="1800" b="0" i="0" u="none" strike="noStrike" cap="none" normalizeH="0" baseline="0" dirty="0">
+                <a:ln>
+                  <a:noFill/>
+                </a:ln>
+                <a:solidFill>
+                  <a:srgbClr val="CC7832"/>
+                </a:solidFill>
+                <a:effectLst/>
+                <a:latin typeface="JetBrains Mono"/>
+              </a:rPr>
+              <a:t>return </a:t>
+            </a:r>
+            <a:r>
+              <a:rPr kumimoji="0" lang="en-US" altLang="en-US" sz="1800" b="0" i="0" u="none" strike="noStrike" cap="none" normalizeH="0" baseline="0" dirty="0" err="1">
+                <a:ln>
+                  <a:noFill/>
+                </a:ln>
+                <a:solidFill>
+                  <a:srgbClr val="A9B7C6"/>
+                </a:solidFill>
+                <a:effectLst/>
+                <a:latin typeface="JetBrains Mono"/>
+              </a:rPr>
+              <a:t>weightParam</a:t>
+            </a:r>
+            <a:r>
+              <a:rPr kumimoji="0" lang="en-US" altLang="en-US" sz="1800" b="0" i="0" u="none" strike="noStrike" cap="none" normalizeH="0" baseline="0" dirty="0">
+                <a:ln>
+                  <a:noFill/>
+                </a:ln>
+                <a:solidFill>
+                  <a:srgbClr val="CC7832"/>
+                </a:solidFill>
+                <a:effectLst/>
+                <a:latin typeface="JetBrains Mono"/>
+              </a:rPr>
+              <a:t>;</a:t>
+            </a:r>
+            <a:br>
+              <a:rPr kumimoji="0" lang="en-US" altLang="en-US" sz="1800" b="0" i="0" u="none" strike="noStrike" cap="none" normalizeH="0" baseline="0" dirty="0">
+                <a:ln>
+                  <a:noFill/>
+                </a:ln>
+                <a:solidFill>
+                  <a:srgbClr val="CC7832"/>
+                </a:solidFill>
+                <a:effectLst/>
+                <a:latin typeface="JetBrains Mono"/>
+              </a:rPr>
+            </a:br>
+            <a:r>
+              <a:rPr kumimoji="0" lang="en-US" altLang="en-US" sz="1800" b="0" i="0" u="none" strike="noStrike" cap="none" normalizeH="0" baseline="0" dirty="0">
+                <a:ln>
+                  <a:noFill/>
+                </a:ln>
+                <a:solidFill>
+                  <a:srgbClr val="CC7832"/>
+                </a:solidFill>
+                <a:effectLst/>
+                <a:latin typeface="JetBrains Mono"/>
+              </a:rPr>
+              <a:t>    </a:t>
+            </a:r>
+            <a:r>
+              <a:rPr kumimoji="0" lang="en-US" altLang="en-US" sz="1800" b="0" i="0" u="none" strike="noStrike" cap="none" normalizeH="0" baseline="0" dirty="0">
+                <a:ln>
+                  <a:noFill/>
+                </a:ln>
+                <a:solidFill>
+                  <a:srgbClr val="A9B7C6"/>
+                </a:solidFill>
+                <a:effectLst/>
+                <a:latin typeface="JetBrains Mono"/>
+              </a:rPr>
+              <a:t>}</a:t>
+            </a:r>
+            <a:br>
+              <a:rPr kumimoji="0" lang="en-US" altLang="en-US" sz="1800" b="0" i="0" u="none" strike="noStrike" cap="none" normalizeH="0" baseline="0" dirty="0">
+                <a:ln>
+                  <a:noFill/>
+                </a:ln>
+                <a:solidFill>
+                  <a:srgbClr val="A9B7C6"/>
+                </a:solidFill>
+                <a:effectLst/>
+                <a:latin typeface="JetBrains Mono"/>
+              </a:rPr>
+            </a:br>
+            <a:br>
+              <a:rPr kumimoji="0" lang="en-US" altLang="en-US" sz="1800" b="0" i="0" u="none" strike="noStrike" cap="none" normalizeH="0" baseline="0" dirty="0">
+                <a:ln>
+                  <a:noFill/>
+                </a:ln>
+                <a:solidFill>
+                  <a:srgbClr val="A9B7C6"/>
+                </a:solidFill>
+                <a:effectLst/>
+                <a:latin typeface="JetBrains Mono"/>
+              </a:rPr>
+            </a:br>
+            <a:r>
+              <a:rPr kumimoji="0" lang="en-US" altLang="en-US" sz="1800" b="0" i="0" u="none" strike="noStrike" cap="none" normalizeH="0" baseline="0" dirty="0">
+                <a:ln>
+                  <a:noFill/>
+                </a:ln>
+                <a:solidFill>
+                  <a:srgbClr val="A9B7C6"/>
+                </a:solidFill>
+                <a:effectLst/>
+                <a:latin typeface="JetBrains Mono"/>
+              </a:rPr>
+              <a:t>    </a:t>
+            </a:r>
+            <a:r>
+              <a:rPr kumimoji="0" lang="en-US" altLang="en-US" sz="1800" b="0" i="0" u="none" strike="noStrike" cap="none" normalizeH="0" baseline="0" dirty="0">
+                <a:ln>
+                  <a:noFill/>
+                </a:ln>
+                <a:solidFill>
+                  <a:srgbClr val="CC7832"/>
+                </a:solidFill>
+                <a:effectLst/>
+                <a:latin typeface="JetBrains Mono"/>
+              </a:rPr>
+              <a:t>public static int </a:t>
+            </a:r>
+            <a:r>
+              <a:rPr kumimoji="0" lang="en-US" altLang="en-US" sz="1800" b="0" i="0" u="none" strike="noStrike" cap="none" normalizeH="0" baseline="0" dirty="0" err="1">
+                <a:ln>
+                  <a:noFill/>
+                </a:ln>
+                <a:solidFill>
+                  <a:srgbClr val="FFC66D"/>
+                </a:solidFill>
+                <a:effectLst/>
+                <a:latin typeface="JetBrains Mono"/>
+              </a:rPr>
+              <a:t>getHeight</a:t>
+            </a:r>
+            <a:r>
+              <a:rPr kumimoji="0" lang="en-US" altLang="en-US" sz="1800" b="0" i="0" u="none" strike="noStrike" cap="none" normalizeH="0" baseline="0" dirty="0">
+                <a:ln>
+                  <a:noFill/>
+                </a:ln>
+                <a:solidFill>
+                  <a:srgbClr val="A9B7C6"/>
+                </a:solidFill>
+                <a:effectLst/>
+                <a:latin typeface="JetBrains Mono"/>
+              </a:rPr>
+              <a:t>(Scanner </a:t>
+            </a:r>
+            <a:r>
+              <a:rPr kumimoji="0" lang="en-US" altLang="en-US" sz="1800" b="0" i="0" u="none" strike="noStrike" cap="none" normalizeH="0" baseline="0" dirty="0" err="1">
+                <a:ln>
+                  <a:noFill/>
+                </a:ln>
+                <a:solidFill>
+                  <a:srgbClr val="A9B7C6"/>
+                </a:solidFill>
+                <a:effectLst/>
+                <a:latin typeface="JetBrains Mono"/>
+              </a:rPr>
+              <a:t>scnr</a:t>
+            </a:r>
+            <a:r>
+              <a:rPr kumimoji="0" lang="en-US" altLang="en-US" sz="1800" b="0" i="0" u="none" strike="noStrike" cap="none" normalizeH="0" baseline="0" dirty="0">
+                <a:ln>
+                  <a:noFill/>
+                </a:ln>
+                <a:solidFill>
+                  <a:srgbClr val="A9B7C6"/>
+                </a:solidFill>
+                <a:effectLst/>
+                <a:latin typeface="JetBrains Mono"/>
+              </a:rPr>
+              <a:t>) </a:t>
+            </a:r>
+            <a:r>
+              <a:rPr kumimoji="0" lang="en-US" altLang="en-US" sz="1800" b="0" i="0" u="none" strike="noStrike" cap="none" normalizeH="0" baseline="0" dirty="0">
+                <a:ln>
+                  <a:noFill/>
+                </a:ln>
+                <a:solidFill>
+                  <a:srgbClr val="CC7832"/>
+                </a:solidFill>
+                <a:effectLst/>
+                <a:latin typeface="JetBrains Mono"/>
+              </a:rPr>
+              <a:t>throws </a:t>
+            </a:r>
+            <a:r>
+              <a:rPr kumimoji="0" lang="en-US" altLang="en-US" sz="1800" b="0" i="0" u="none" strike="noStrike" cap="none" normalizeH="0" baseline="0" dirty="0">
+                <a:ln>
+                  <a:noFill/>
+                </a:ln>
+                <a:solidFill>
+                  <a:srgbClr val="A9B7C6"/>
+                </a:solidFill>
+                <a:effectLst/>
+                <a:latin typeface="JetBrains Mono"/>
+              </a:rPr>
+              <a:t>Exception {</a:t>
+            </a:r>
+            <a:br>
+              <a:rPr kumimoji="0" lang="en-US" altLang="en-US" sz="1800" b="0" i="0" u="none" strike="noStrike" cap="none" normalizeH="0" baseline="0" dirty="0">
+                <a:ln>
+                  <a:noFill/>
+                </a:ln>
+                <a:solidFill>
+                  <a:srgbClr val="A9B7C6"/>
+                </a:solidFill>
+                <a:effectLst/>
+                <a:latin typeface="JetBrains Mono"/>
+              </a:rPr>
+            </a:br>
+            <a:r>
+              <a:rPr kumimoji="0" lang="en-US" altLang="en-US" sz="1800" b="0" i="0" u="none" strike="noStrike" cap="none" normalizeH="0" baseline="0" dirty="0">
+                <a:ln>
+                  <a:noFill/>
+                </a:ln>
+                <a:solidFill>
+                  <a:srgbClr val="A9B7C6"/>
+                </a:solidFill>
+                <a:effectLst/>
+                <a:latin typeface="JetBrains Mono"/>
+              </a:rPr>
+              <a:t>        </a:t>
+            </a:r>
+            <a:r>
+              <a:rPr kumimoji="0" lang="en-US" altLang="en-US" sz="1800" b="0" i="0" u="none" strike="noStrike" cap="none" normalizeH="0" baseline="0" dirty="0">
+                <a:ln>
+                  <a:noFill/>
+                </a:ln>
+                <a:solidFill>
+                  <a:srgbClr val="CC7832"/>
+                </a:solidFill>
+                <a:effectLst/>
+                <a:latin typeface="JetBrains Mono"/>
+              </a:rPr>
+              <a:t>int </a:t>
+            </a:r>
+            <a:r>
+              <a:rPr kumimoji="0" lang="en-US" altLang="en-US" sz="1800" b="0" i="0" u="none" strike="noStrike" cap="none" normalizeH="0" baseline="0" dirty="0" err="1">
+                <a:ln>
+                  <a:noFill/>
+                </a:ln>
+                <a:solidFill>
+                  <a:srgbClr val="A9B7C6"/>
+                </a:solidFill>
+                <a:effectLst/>
+                <a:latin typeface="JetBrains Mono"/>
+              </a:rPr>
+              <a:t>heightParam</a:t>
+            </a:r>
+            <a:r>
+              <a:rPr kumimoji="0" lang="en-US" altLang="en-US" sz="1800" b="0" i="0" u="none" strike="noStrike" cap="none" normalizeH="0" baseline="0" dirty="0">
+                <a:ln>
+                  <a:noFill/>
+                </a:ln>
+                <a:solidFill>
+                  <a:srgbClr val="CC7832"/>
+                </a:solidFill>
+                <a:effectLst/>
+                <a:latin typeface="JetBrains Mono"/>
+              </a:rPr>
+              <a:t>;      </a:t>
+            </a:r>
+            <a:r>
+              <a:rPr kumimoji="0" lang="en-US" altLang="en-US" sz="1800" b="0" i="0" u="none" strike="noStrike" cap="none" normalizeH="0" baseline="0" dirty="0">
+                <a:ln>
+                  <a:noFill/>
+                </a:ln>
+                <a:solidFill>
+                  <a:srgbClr val="808080"/>
+                </a:solidFill>
+                <a:effectLst/>
+                <a:latin typeface="JetBrains Mono"/>
+              </a:rPr>
+              <a:t>// User defined height (in)</a:t>
+            </a:r>
+            <a:br>
+              <a:rPr kumimoji="0" lang="en-US" altLang="en-US" sz="1800" b="0" i="0" u="none" strike="noStrike" cap="none" normalizeH="0" baseline="0" dirty="0">
+                <a:ln>
+                  <a:noFill/>
+                </a:ln>
+                <a:solidFill>
+                  <a:srgbClr val="808080"/>
+                </a:solidFill>
+                <a:effectLst/>
+                <a:latin typeface="JetBrains Mono"/>
+              </a:rPr>
+            </a:br>
+            <a:r>
+              <a:rPr kumimoji="0" lang="en-US" altLang="en-US" sz="1800" b="0" i="0" u="none" strike="noStrike" cap="none" normalizeH="0" baseline="0" dirty="0">
+                <a:ln>
+                  <a:noFill/>
+                </a:ln>
+                <a:solidFill>
+                  <a:srgbClr val="808080"/>
+                </a:solidFill>
+                <a:effectLst/>
+                <a:latin typeface="JetBrains Mono"/>
+              </a:rPr>
+              <a:t>        // Get user data</a:t>
+            </a:r>
+            <a:br>
+              <a:rPr kumimoji="0" lang="en-US" altLang="en-US" sz="1800" b="0" i="0" u="none" strike="noStrike" cap="none" normalizeH="0" baseline="0" dirty="0">
+                <a:ln>
+                  <a:noFill/>
+                </a:ln>
+                <a:solidFill>
+                  <a:srgbClr val="808080"/>
+                </a:solidFill>
+                <a:effectLst/>
+                <a:latin typeface="JetBrains Mono"/>
+              </a:rPr>
+            </a:br>
+            <a:r>
+              <a:rPr kumimoji="0" lang="en-US" altLang="en-US" sz="1800" b="0" i="0" u="none" strike="noStrike" cap="none" normalizeH="0" baseline="0" dirty="0">
+                <a:ln>
+                  <a:noFill/>
+                </a:ln>
+                <a:solidFill>
+                  <a:srgbClr val="808080"/>
+                </a:solidFill>
+                <a:effectLst/>
+                <a:latin typeface="JetBrains Mono"/>
+              </a:rPr>
+              <a:t>        </a:t>
+            </a:r>
+            <a:r>
+              <a:rPr kumimoji="0" lang="en-US" altLang="en-US" sz="1800" b="0" i="0" u="none" strike="noStrike" cap="none" normalizeH="0" baseline="0" dirty="0" err="1">
+                <a:ln>
+                  <a:noFill/>
+                </a:ln>
+                <a:solidFill>
+                  <a:srgbClr val="A9B7C6"/>
+                </a:solidFill>
+                <a:effectLst/>
+                <a:latin typeface="JetBrains Mono"/>
+              </a:rPr>
+              <a:t>System.</a:t>
+            </a:r>
+            <a:r>
+              <a:rPr kumimoji="0" lang="en-US" altLang="en-US" sz="1800" b="0" i="1" u="none" strike="noStrike" cap="none" normalizeH="0" baseline="0" dirty="0" err="1">
+                <a:ln>
+                  <a:noFill/>
+                </a:ln>
+                <a:solidFill>
+                  <a:srgbClr val="9876AA"/>
+                </a:solidFill>
+                <a:effectLst/>
+                <a:latin typeface="JetBrains Mono"/>
+              </a:rPr>
+              <a:t>out</a:t>
+            </a:r>
+            <a:r>
+              <a:rPr kumimoji="0" lang="en-US" altLang="en-US" sz="1800" b="0" i="0" u="none" strike="noStrike" cap="none" normalizeH="0" baseline="0" dirty="0" err="1">
+                <a:ln>
+                  <a:noFill/>
+                </a:ln>
+                <a:solidFill>
+                  <a:srgbClr val="A9B7C6"/>
+                </a:solidFill>
+                <a:effectLst/>
+                <a:latin typeface="JetBrains Mono"/>
+              </a:rPr>
+              <a:t>.print</a:t>
+            </a:r>
+            <a:r>
+              <a:rPr kumimoji="0" lang="en-US" altLang="en-US" sz="1800" b="0" i="0" u="none" strike="noStrike" cap="none" normalizeH="0" baseline="0" dirty="0">
+                <a:ln>
+                  <a:noFill/>
+                </a:ln>
+                <a:solidFill>
+                  <a:srgbClr val="A9B7C6"/>
+                </a:solidFill>
+                <a:effectLst/>
+                <a:latin typeface="JetBrains Mono"/>
+              </a:rPr>
+              <a:t>(</a:t>
+            </a:r>
+            <a:r>
+              <a:rPr kumimoji="0" lang="en-US" altLang="en-US" sz="1800" b="0" i="0" u="none" strike="noStrike" cap="none" normalizeH="0" baseline="0" dirty="0">
+                <a:ln>
+                  <a:noFill/>
+                </a:ln>
+                <a:solidFill>
+                  <a:srgbClr val="6A8759"/>
+                </a:solidFill>
+                <a:effectLst/>
+                <a:latin typeface="JetBrains Mono"/>
+              </a:rPr>
+              <a:t>"Enter height (in inches): "</a:t>
+            </a:r>
+            <a:r>
+              <a:rPr kumimoji="0" lang="en-US" altLang="en-US" sz="1800" b="0" i="0" u="none" strike="noStrike" cap="none" normalizeH="0" baseline="0" dirty="0">
+                <a:ln>
+                  <a:noFill/>
+                </a:ln>
+                <a:solidFill>
+                  <a:srgbClr val="A9B7C6"/>
+                </a:solidFill>
+                <a:effectLst/>
+                <a:latin typeface="JetBrains Mono"/>
+              </a:rPr>
+              <a:t>)</a:t>
+            </a:r>
+            <a:r>
+              <a:rPr kumimoji="0" lang="en-US" altLang="en-US" sz="1800" b="0" i="0" u="none" strike="noStrike" cap="none" normalizeH="0" baseline="0" dirty="0">
+                <a:ln>
+                  <a:noFill/>
+                </a:ln>
+                <a:solidFill>
+                  <a:srgbClr val="CC7832"/>
+                </a:solidFill>
+                <a:effectLst/>
+                <a:latin typeface="JetBrains Mono"/>
+              </a:rPr>
+              <a:t>;</a:t>
+            </a:r>
+            <a:br>
+              <a:rPr kumimoji="0" lang="en-US" altLang="en-US" sz="1800" b="0" i="0" u="none" strike="noStrike" cap="none" normalizeH="0" baseline="0" dirty="0">
+                <a:ln>
+                  <a:noFill/>
+                </a:ln>
+                <a:solidFill>
+                  <a:srgbClr val="CC7832"/>
+                </a:solidFill>
+                <a:effectLst/>
+                <a:latin typeface="JetBrains Mono"/>
+              </a:rPr>
+            </a:br>
+            <a:r>
+              <a:rPr kumimoji="0" lang="en-US" altLang="en-US" sz="1800" b="0" i="0" u="none" strike="noStrike" cap="none" normalizeH="0" baseline="0" dirty="0">
+                <a:ln>
+                  <a:noFill/>
+                </a:ln>
+                <a:solidFill>
+                  <a:srgbClr val="CC7832"/>
+                </a:solidFill>
+                <a:effectLst/>
+                <a:latin typeface="JetBrains Mono"/>
+              </a:rPr>
+              <a:t>        </a:t>
+            </a:r>
+            <a:r>
+              <a:rPr kumimoji="0" lang="en-US" altLang="en-US" sz="1800" b="0" i="0" u="none" strike="noStrike" cap="none" normalizeH="0" baseline="0" dirty="0" err="1">
+                <a:ln>
+                  <a:noFill/>
+                </a:ln>
+                <a:solidFill>
+                  <a:srgbClr val="A9B7C6"/>
+                </a:solidFill>
+                <a:effectLst/>
+                <a:latin typeface="JetBrains Mono"/>
+              </a:rPr>
+              <a:t>heightParam</a:t>
+            </a:r>
+            <a:r>
+              <a:rPr kumimoji="0" lang="en-US" altLang="en-US" sz="1800" b="0" i="0" u="none" strike="noStrike" cap="none" normalizeH="0" baseline="0" dirty="0">
+                <a:ln>
+                  <a:noFill/>
+                </a:ln>
+                <a:solidFill>
+                  <a:srgbClr val="A9B7C6"/>
+                </a:solidFill>
+                <a:effectLst/>
+                <a:latin typeface="JetBrains Mono"/>
+              </a:rPr>
+              <a:t> = </a:t>
+            </a:r>
+            <a:r>
+              <a:rPr kumimoji="0" lang="en-US" altLang="en-US" sz="1800" b="0" i="0" u="none" strike="noStrike" cap="none" normalizeH="0" baseline="0" dirty="0" err="1">
+                <a:ln>
+                  <a:noFill/>
+                </a:ln>
+                <a:solidFill>
+                  <a:srgbClr val="A9B7C6"/>
+                </a:solidFill>
+                <a:effectLst/>
+                <a:latin typeface="JetBrains Mono"/>
+              </a:rPr>
+              <a:t>scnr.nextInt</a:t>
+            </a:r>
+            <a:r>
+              <a:rPr kumimoji="0" lang="en-US" altLang="en-US" sz="1800" b="0" i="0" u="none" strike="noStrike" cap="none" normalizeH="0" baseline="0" dirty="0">
+                <a:ln>
+                  <a:noFill/>
+                </a:ln>
+                <a:solidFill>
+                  <a:srgbClr val="A9B7C6"/>
+                </a:solidFill>
+                <a:effectLst/>
+                <a:latin typeface="JetBrains Mono"/>
+              </a:rPr>
+              <a:t>()</a:t>
+            </a:r>
+            <a:r>
+              <a:rPr kumimoji="0" lang="en-US" altLang="en-US" sz="1800" b="0" i="0" u="none" strike="noStrike" cap="none" normalizeH="0" baseline="0" dirty="0">
+                <a:ln>
+                  <a:noFill/>
+                </a:ln>
+                <a:solidFill>
+                  <a:srgbClr val="CC7832"/>
+                </a:solidFill>
+                <a:effectLst/>
+                <a:latin typeface="JetBrains Mono"/>
+              </a:rPr>
+              <a:t>;</a:t>
+            </a:r>
+            <a:br>
+              <a:rPr kumimoji="0" lang="en-US" altLang="en-US" sz="1800" b="0" i="0" u="none" strike="noStrike" cap="none" normalizeH="0" baseline="0" dirty="0">
+                <a:ln>
+                  <a:noFill/>
+                </a:ln>
+                <a:solidFill>
+                  <a:srgbClr val="CC7832"/>
+                </a:solidFill>
+                <a:effectLst/>
+                <a:latin typeface="JetBrains Mono"/>
+              </a:rPr>
+            </a:br>
+            <a:r>
+              <a:rPr kumimoji="0" lang="en-US" altLang="en-US" sz="1800" b="0" i="0" u="none" strike="noStrike" cap="none" normalizeH="0" baseline="0" dirty="0">
+                <a:ln>
+                  <a:noFill/>
+                </a:ln>
+                <a:solidFill>
+                  <a:srgbClr val="CC7832"/>
+                </a:solidFill>
+                <a:effectLst/>
+                <a:latin typeface="JetBrains Mono"/>
+              </a:rPr>
+              <a:t>        </a:t>
+            </a:r>
+            <a:r>
+              <a:rPr kumimoji="0" lang="en-US" altLang="en-US" sz="1800" b="0" i="0" u="none" strike="noStrike" cap="none" normalizeH="0" baseline="0" dirty="0">
+                <a:ln>
+                  <a:noFill/>
+                </a:ln>
+                <a:solidFill>
+                  <a:srgbClr val="808080"/>
+                </a:solidFill>
+                <a:effectLst/>
+                <a:latin typeface="JetBrains Mono"/>
+              </a:rPr>
+              <a:t>// Error checking, non-negative height</a:t>
+            </a:r>
+            <a:br>
+              <a:rPr kumimoji="0" lang="en-US" altLang="en-US" sz="1800" b="0" i="0" u="none" strike="noStrike" cap="none" normalizeH="0" baseline="0" dirty="0">
+                <a:ln>
+                  <a:noFill/>
+                </a:ln>
+                <a:solidFill>
+                  <a:srgbClr val="808080"/>
+                </a:solidFill>
+                <a:effectLst/>
+                <a:latin typeface="JetBrains Mono"/>
+              </a:rPr>
+            </a:br>
+            <a:r>
+              <a:rPr kumimoji="0" lang="en-US" altLang="en-US" sz="1800" b="0" i="0" u="none" strike="noStrike" cap="none" normalizeH="0" baseline="0" dirty="0">
+                <a:ln>
+                  <a:noFill/>
+                </a:ln>
+                <a:solidFill>
+                  <a:srgbClr val="808080"/>
+                </a:solidFill>
+                <a:effectLst/>
+                <a:latin typeface="JetBrains Mono"/>
+              </a:rPr>
+              <a:t>        </a:t>
+            </a:r>
+            <a:r>
+              <a:rPr kumimoji="0" lang="en-US" altLang="en-US" sz="1800" b="0" i="0" u="none" strike="noStrike" cap="none" normalizeH="0" baseline="0" dirty="0">
+                <a:ln>
+                  <a:noFill/>
+                </a:ln>
+                <a:solidFill>
+                  <a:srgbClr val="CC7832"/>
+                </a:solidFill>
+                <a:effectLst/>
+                <a:latin typeface="JetBrains Mono"/>
+              </a:rPr>
+              <a:t>if </a:t>
+            </a:r>
+            <a:r>
+              <a:rPr kumimoji="0" lang="en-US" altLang="en-US" sz="1800" b="0" i="0" u="none" strike="noStrike" cap="none" normalizeH="0" baseline="0" dirty="0">
+                <a:ln>
+                  <a:noFill/>
+                </a:ln>
+                <a:solidFill>
+                  <a:srgbClr val="A9B7C6"/>
+                </a:solidFill>
+                <a:effectLst/>
+                <a:latin typeface="JetBrains Mono"/>
+              </a:rPr>
+              <a:t>(</a:t>
+            </a:r>
+            <a:r>
+              <a:rPr kumimoji="0" lang="en-US" altLang="en-US" sz="1800" b="0" i="0" u="none" strike="noStrike" cap="none" normalizeH="0" baseline="0" dirty="0" err="1">
+                <a:ln>
+                  <a:noFill/>
+                </a:ln>
+                <a:solidFill>
+                  <a:srgbClr val="A9B7C6"/>
+                </a:solidFill>
+                <a:effectLst/>
+                <a:latin typeface="JetBrains Mono"/>
+              </a:rPr>
+              <a:t>heightParam</a:t>
+            </a:r>
+            <a:r>
+              <a:rPr kumimoji="0" lang="en-US" altLang="en-US" sz="1800" b="0" i="0" u="none" strike="noStrike" cap="none" normalizeH="0" baseline="0" dirty="0">
+                <a:ln>
+                  <a:noFill/>
+                </a:ln>
+                <a:solidFill>
+                  <a:srgbClr val="A9B7C6"/>
+                </a:solidFill>
+                <a:effectLst/>
+                <a:latin typeface="JetBrains Mono"/>
+              </a:rPr>
+              <a:t> &lt; </a:t>
+            </a:r>
+            <a:r>
+              <a:rPr kumimoji="0" lang="en-US" altLang="en-US" sz="1800" b="0" i="0" u="none" strike="noStrike" cap="none" normalizeH="0" baseline="0" dirty="0">
+                <a:ln>
+                  <a:noFill/>
+                </a:ln>
+                <a:solidFill>
+                  <a:srgbClr val="6897BB"/>
+                </a:solidFill>
+                <a:effectLst/>
+                <a:latin typeface="JetBrains Mono"/>
+              </a:rPr>
+              <a:t>0</a:t>
+            </a:r>
+            <a:r>
+              <a:rPr kumimoji="0" lang="en-US" altLang="en-US" sz="1800" b="0" i="0" u="none" strike="noStrike" cap="none" normalizeH="0" baseline="0" dirty="0">
+                <a:ln>
+                  <a:noFill/>
+                </a:ln>
+                <a:solidFill>
+                  <a:srgbClr val="A9B7C6"/>
+                </a:solidFill>
+                <a:effectLst/>
+                <a:latin typeface="JetBrains Mono"/>
+              </a:rPr>
+              <a:t>) {</a:t>
+            </a:r>
+            <a:br>
+              <a:rPr kumimoji="0" lang="en-US" altLang="en-US" sz="1800" b="0" i="0" u="none" strike="noStrike" cap="none" normalizeH="0" baseline="0" dirty="0">
+                <a:ln>
+                  <a:noFill/>
+                </a:ln>
+                <a:solidFill>
+                  <a:srgbClr val="A9B7C6"/>
+                </a:solidFill>
+                <a:effectLst/>
+                <a:latin typeface="JetBrains Mono"/>
+              </a:rPr>
+            </a:br>
+            <a:r>
+              <a:rPr kumimoji="0" lang="en-US" altLang="en-US" sz="1800" b="0" i="0" u="none" strike="noStrike" cap="none" normalizeH="0" baseline="0" dirty="0">
+                <a:ln>
+                  <a:noFill/>
+                </a:ln>
+                <a:solidFill>
+                  <a:srgbClr val="A9B7C6"/>
+                </a:solidFill>
+                <a:effectLst/>
+                <a:latin typeface="JetBrains Mono"/>
+              </a:rPr>
+              <a:t>            </a:t>
+            </a:r>
+            <a:r>
+              <a:rPr kumimoji="0" lang="en-US" altLang="en-US" sz="1800" b="0" i="0" u="none" strike="noStrike" cap="none" normalizeH="0" baseline="0" dirty="0">
+                <a:ln>
+                  <a:noFill/>
+                </a:ln>
+                <a:solidFill>
+                  <a:srgbClr val="CC7832"/>
+                </a:solidFill>
+                <a:effectLst/>
+                <a:latin typeface="JetBrains Mono"/>
+              </a:rPr>
+              <a:t>throw new </a:t>
+            </a:r>
+            <a:r>
+              <a:rPr kumimoji="0" lang="en-US" altLang="en-US" sz="1800" b="0" i="0" u="none" strike="noStrike" cap="none" normalizeH="0" baseline="0" dirty="0">
+                <a:ln>
+                  <a:noFill/>
+                </a:ln>
+                <a:solidFill>
+                  <a:srgbClr val="A9B7C6"/>
+                </a:solidFill>
+                <a:effectLst/>
+                <a:latin typeface="JetBrains Mono"/>
+              </a:rPr>
+              <a:t>Exception(</a:t>
+            </a:r>
+            <a:r>
+              <a:rPr kumimoji="0" lang="en-US" altLang="en-US" sz="1800" b="0" i="0" u="none" strike="noStrike" cap="none" normalizeH="0" baseline="0" dirty="0">
+                <a:ln>
+                  <a:noFill/>
+                </a:ln>
+                <a:solidFill>
+                  <a:srgbClr val="6A8759"/>
+                </a:solidFill>
+                <a:effectLst/>
+                <a:latin typeface="JetBrains Mono"/>
+              </a:rPr>
+              <a:t>"Invalid height."</a:t>
+            </a:r>
+            <a:r>
+              <a:rPr kumimoji="0" lang="en-US" altLang="en-US" sz="1800" b="0" i="0" u="none" strike="noStrike" cap="none" normalizeH="0" baseline="0" dirty="0">
+                <a:ln>
+                  <a:noFill/>
+                </a:ln>
+                <a:solidFill>
+                  <a:srgbClr val="A9B7C6"/>
+                </a:solidFill>
+                <a:effectLst/>
+                <a:latin typeface="JetBrains Mono"/>
+              </a:rPr>
+              <a:t>)</a:t>
+            </a:r>
+            <a:r>
+              <a:rPr kumimoji="0" lang="en-US" altLang="en-US" sz="1800" b="0" i="0" u="none" strike="noStrike" cap="none" normalizeH="0" baseline="0" dirty="0">
+                <a:ln>
+                  <a:noFill/>
+                </a:ln>
+                <a:solidFill>
+                  <a:srgbClr val="CC7832"/>
+                </a:solidFill>
+                <a:effectLst/>
+                <a:latin typeface="JetBrains Mono"/>
+              </a:rPr>
+              <a:t>;</a:t>
+            </a:r>
+            <a:br>
+              <a:rPr kumimoji="0" lang="en-US" altLang="en-US" sz="1800" b="0" i="0" u="none" strike="noStrike" cap="none" normalizeH="0" baseline="0" dirty="0">
+                <a:ln>
+                  <a:noFill/>
+                </a:ln>
+                <a:solidFill>
+                  <a:srgbClr val="CC7832"/>
+                </a:solidFill>
+                <a:effectLst/>
+                <a:latin typeface="JetBrains Mono"/>
+              </a:rPr>
+            </a:br>
+            <a:r>
+              <a:rPr kumimoji="0" lang="en-US" altLang="en-US" sz="1800" b="0" i="0" u="none" strike="noStrike" cap="none" normalizeH="0" baseline="0" dirty="0">
+                <a:ln>
+                  <a:noFill/>
+                </a:ln>
+                <a:solidFill>
+                  <a:srgbClr val="CC7832"/>
+                </a:solidFill>
+                <a:effectLst/>
+                <a:latin typeface="JetBrains Mono"/>
+              </a:rPr>
+              <a:t>        </a:t>
+            </a:r>
+            <a:r>
+              <a:rPr kumimoji="0" lang="en-US" altLang="en-US" sz="1800" b="0" i="0" u="none" strike="noStrike" cap="none" normalizeH="0" baseline="0" dirty="0">
+                <a:ln>
+                  <a:noFill/>
+                </a:ln>
+                <a:solidFill>
+                  <a:srgbClr val="A9B7C6"/>
+                </a:solidFill>
+                <a:effectLst/>
+                <a:latin typeface="JetBrains Mono"/>
+              </a:rPr>
+              <a:t>}</a:t>
+            </a:r>
+            <a:br>
+              <a:rPr kumimoji="0" lang="en-US" altLang="en-US" sz="1800" b="0" i="0" u="none" strike="noStrike" cap="none" normalizeH="0" baseline="0" dirty="0">
+                <a:ln>
+                  <a:noFill/>
+                </a:ln>
+                <a:solidFill>
+                  <a:srgbClr val="A9B7C6"/>
+                </a:solidFill>
+                <a:effectLst/>
+                <a:latin typeface="JetBrains Mono"/>
+              </a:rPr>
+            </a:br>
+            <a:r>
+              <a:rPr kumimoji="0" lang="en-US" altLang="en-US" sz="1800" b="0" i="0" u="none" strike="noStrike" cap="none" normalizeH="0" baseline="0" dirty="0">
+                <a:ln>
+                  <a:noFill/>
+                </a:ln>
+                <a:solidFill>
+                  <a:srgbClr val="A9B7C6"/>
+                </a:solidFill>
+                <a:effectLst/>
+                <a:latin typeface="JetBrains Mono"/>
+              </a:rPr>
+              <a:t>        </a:t>
+            </a:r>
+            <a:r>
+              <a:rPr kumimoji="0" lang="en-US" altLang="en-US" sz="1800" b="0" i="0" u="none" strike="noStrike" cap="none" normalizeH="0" baseline="0" dirty="0">
+                <a:ln>
+                  <a:noFill/>
+                </a:ln>
+                <a:solidFill>
+                  <a:srgbClr val="CC7832"/>
+                </a:solidFill>
+                <a:effectLst/>
+                <a:latin typeface="JetBrains Mono"/>
+              </a:rPr>
+              <a:t>return </a:t>
+            </a:r>
+            <a:r>
+              <a:rPr kumimoji="0" lang="en-US" altLang="en-US" sz="1800" b="0" i="0" u="none" strike="noStrike" cap="none" normalizeH="0" baseline="0" dirty="0" err="1">
+                <a:ln>
+                  <a:noFill/>
+                </a:ln>
+                <a:solidFill>
+                  <a:srgbClr val="A9B7C6"/>
+                </a:solidFill>
+                <a:effectLst/>
+                <a:latin typeface="JetBrains Mono"/>
+              </a:rPr>
+              <a:t>heightParam</a:t>
+            </a:r>
+            <a:r>
+              <a:rPr kumimoji="0" lang="en-US" altLang="en-US" sz="1800" b="0" i="0" u="none" strike="noStrike" cap="none" normalizeH="0" baseline="0" dirty="0">
+                <a:ln>
+                  <a:noFill/>
+                </a:ln>
+                <a:solidFill>
+                  <a:srgbClr val="CC7832"/>
+                </a:solidFill>
+                <a:effectLst/>
+                <a:latin typeface="JetBrains Mono"/>
+              </a:rPr>
+              <a:t>;</a:t>
+            </a:r>
+            <a:br>
+              <a:rPr kumimoji="0" lang="en-US" altLang="en-US" sz="1800" b="0" i="0" u="none" strike="noStrike" cap="none" normalizeH="0" baseline="0" dirty="0">
+                <a:ln>
+                  <a:noFill/>
+                </a:ln>
+                <a:solidFill>
+                  <a:srgbClr val="CC7832"/>
+                </a:solidFill>
+                <a:effectLst/>
+                <a:latin typeface="JetBrains Mono"/>
+              </a:rPr>
+            </a:br>
+            <a:r>
+              <a:rPr kumimoji="0" lang="en-US" altLang="en-US" sz="1800" b="0" i="0" u="none" strike="noStrike" cap="none" normalizeH="0" baseline="0" dirty="0">
+                <a:ln>
+                  <a:noFill/>
+                </a:ln>
+                <a:solidFill>
+                  <a:srgbClr val="CC7832"/>
+                </a:solidFill>
+                <a:effectLst/>
+                <a:latin typeface="JetBrains Mono"/>
+              </a:rPr>
+              <a:t>    </a:t>
+            </a:r>
+            <a:r>
+              <a:rPr kumimoji="0" lang="en-US" altLang="en-US" sz="1800" b="0" i="0" u="none" strike="noStrike" cap="none" normalizeH="0" baseline="0" dirty="0">
+                <a:ln>
+                  <a:noFill/>
+                </a:ln>
+                <a:solidFill>
+                  <a:srgbClr val="A9B7C6"/>
+                </a:solidFill>
+                <a:effectLst/>
+                <a:latin typeface="JetBrains Mono"/>
+              </a:rPr>
+              <a:t>}</a:t>
+            </a:r>
+            <a:endParaRPr kumimoji="0" lang="en-US" altLang="en-US" sz="1800" b="0" i="0" u="none" strike="noStrike" cap="none" normalizeH="0" baseline="0" dirty="0">
+              <a:ln>
+                <a:noFill/>
+              </a:ln>
+              <a:solidFill>
+                <a:schemeClr val="tx1"/>
+              </a:solidFill>
+              <a:effectLst/>
+              <a:latin typeface="Arial" panose="020B0604020202020204" pitchFamily="34" charset="0"/>
+            </a:endParaRPr>
+          </a:p>
+        </p:txBody>
+      </p:sp>
+      <p:sp>
+        <p:nvSpPr>
+          <p:cNvPr id="11" name="Rectangle 3">
+            <a:extLst>
+              <a:ext uri="{FF2B5EF4-FFF2-40B4-BE49-F238E27FC236}">
+                <a16:creationId xmlns:a16="http://schemas.microsoft.com/office/drawing/2014/main" id="{C2D676CC-4307-40DF-81C0-F1476BB4A053}"/>
+              </a:ext>
+            </a:extLst>
+          </p:cNvPr>
+          <p:cNvSpPr>
+            <a:spLocks noChangeArrowheads="1"/>
+          </p:cNvSpPr>
+          <p:nvPr/>
+        </p:nvSpPr>
+        <p:spPr bwMode="auto">
+          <a:xfrm>
+            <a:off x="6908800" y="0"/>
+            <a:ext cx="6491767" cy="7848302"/>
+          </a:xfrm>
+          <a:prstGeom prst="rect">
+            <a:avLst/>
+          </a:prstGeom>
+          <a:solidFill>
+            <a:srgbClr val="2B2B2B"/>
+          </a:solidFill>
+          <a:ln>
+            <a:noFill/>
+          </a:ln>
+          <a:effectLst/>
+          <a:extLst>
+            <a:ext uri="{91240B29-F687-4F45-9708-019B960494DF}">
+              <a14:hiddenLine xmlns:a14="http://schemas.microsoft.com/office/drawing/2010/main" w="9525">
+                <a:solidFill>
+                  <a:schemeClr val="tx1"/>
+                </a:solidFill>
+                <a:miter lim="800000"/>
+                <a:headEnd/>
+                <a:tailEnd/>
+              </a14:hiddenLine>
+            </a:ext>
+            <a:ext uri="{AF507438-7753-43E0-B8FC-AC1667EBCBE1}">
+              <a14:hiddenEffects xmlns:a14="http://schemas.microsoft.com/office/drawing/2010/main">
+                <a:effectLst>
+                  <a:outerShdw dist="35921" dir="2700000" algn="ctr" rotWithShape="0">
+                    <a:schemeClr val="bg2"/>
+                  </a:outerShdw>
+                </a:effectLst>
+              </a14:hiddenEffects>
+            </a:ext>
+          </a:extLst>
+        </p:spPr>
+        <p:txBody>
+          <a:bodyPr vert="horz" wrap="square" lIns="91440" tIns="45720" rIns="91440" bIns="45720" numCol="1" anchor="ctr" anchorCtr="0" compatLnSpc="1">
+            <a:prstTxWarp prst="textNoShape">
+              <a:avLst/>
+            </a:prstTxWarp>
+            <a:spAutoFit/>
+          </a:bodyPr>
+          <a:lstStyle/>
+          <a:p>
+            <a:pPr marL="0" marR="0" lvl="0" indent="0" algn="l" defTabSz="914400" rtl="0" eaLnBrk="0" fontAlgn="base" latinLnBrk="0" hangingPunct="0">
+              <a:lnSpc>
+                <a:spcPct val="100000"/>
+              </a:lnSpc>
+              <a:spcBef>
+                <a:spcPct val="0"/>
+              </a:spcBef>
+              <a:spcAft>
+                <a:spcPct val="0"/>
+              </a:spcAft>
+              <a:buClrTx/>
+              <a:buSzTx/>
+              <a:buFontTx/>
+              <a:buNone/>
+              <a:tabLst/>
+            </a:pPr>
+            <a:r>
+              <a:rPr kumimoji="0" lang="en-US" altLang="en-US" sz="1800" b="0" i="0" u="none" strike="noStrike" cap="none" normalizeH="0" baseline="0" dirty="0">
+                <a:ln>
+                  <a:noFill/>
+                </a:ln>
+                <a:solidFill>
+                  <a:srgbClr val="CC7832"/>
+                </a:solidFill>
+                <a:effectLst/>
+                <a:latin typeface="JetBrains Mono"/>
+              </a:rPr>
+              <a:t>public static void </a:t>
+            </a:r>
+            <a:r>
+              <a:rPr kumimoji="0" lang="en-US" altLang="en-US" sz="1800" b="0" i="0" u="none" strike="noStrike" cap="none" normalizeH="0" baseline="0" dirty="0">
+                <a:ln>
+                  <a:noFill/>
+                </a:ln>
+                <a:solidFill>
+                  <a:srgbClr val="FFC66D"/>
+                </a:solidFill>
+                <a:effectLst/>
+                <a:latin typeface="JetBrains Mono"/>
+              </a:rPr>
+              <a:t>main</a:t>
+            </a:r>
+            <a:r>
+              <a:rPr kumimoji="0" lang="en-US" altLang="en-US" sz="1800" b="0" i="0" u="none" strike="noStrike" cap="none" normalizeH="0" baseline="0" dirty="0">
+                <a:ln>
+                  <a:noFill/>
+                </a:ln>
+                <a:solidFill>
+                  <a:srgbClr val="A9B7C6"/>
+                </a:solidFill>
+                <a:effectLst/>
+                <a:latin typeface="JetBrains Mono"/>
+              </a:rPr>
+              <a:t>(String[] </a:t>
+            </a:r>
+            <a:r>
+              <a:rPr kumimoji="0" lang="en-US" altLang="en-US" sz="1800" b="0" i="0" u="none" strike="noStrike" cap="none" normalizeH="0" baseline="0" dirty="0" err="1">
+                <a:ln>
+                  <a:noFill/>
+                </a:ln>
+                <a:solidFill>
+                  <a:srgbClr val="A9B7C6"/>
+                </a:solidFill>
+                <a:effectLst/>
+                <a:latin typeface="JetBrains Mono"/>
+              </a:rPr>
+              <a:t>args</a:t>
+            </a:r>
+            <a:r>
+              <a:rPr kumimoji="0" lang="en-US" altLang="en-US" sz="1800" b="0" i="0" u="none" strike="noStrike" cap="none" normalizeH="0" baseline="0" dirty="0">
+                <a:ln>
+                  <a:noFill/>
+                </a:ln>
+                <a:solidFill>
+                  <a:srgbClr val="A9B7C6"/>
+                </a:solidFill>
+                <a:effectLst/>
+                <a:latin typeface="JetBrains Mono"/>
+              </a:rPr>
+              <a:t>) {</a:t>
+            </a:r>
+            <a:br>
+              <a:rPr kumimoji="0" lang="en-US" altLang="en-US" sz="1800" b="0" i="0" u="none" strike="noStrike" cap="none" normalizeH="0" baseline="0" dirty="0">
+                <a:ln>
+                  <a:noFill/>
+                </a:ln>
+                <a:solidFill>
+                  <a:srgbClr val="A9B7C6"/>
+                </a:solidFill>
+                <a:effectLst/>
+                <a:latin typeface="JetBrains Mono"/>
+              </a:rPr>
+            </a:br>
+            <a:r>
+              <a:rPr kumimoji="0" lang="en-US" altLang="en-US" sz="1800" b="0" i="0" u="none" strike="noStrike" cap="none" normalizeH="0" baseline="0" dirty="0">
+                <a:ln>
+                  <a:noFill/>
+                </a:ln>
+                <a:solidFill>
+                  <a:srgbClr val="A9B7C6"/>
+                </a:solidFill>
+                <a:effectLst/>
+                <a:latin typeface="JetBrains Mono"/>
+              </a:rPr>
+              <a:t>        Scanner </a:t>
+            </a:r>
+            <a:r>
+              <a:rPr kumimoji="0" lang="en-US" altLang="en-US" sz="1800" b="0" i="0" u="none" strike="noStrike" cap="none" normalizeH="0" baseline="0" dirty="0" err="1">
+                <a:ln>
+                  <a:noFill/>
+                </a:ln>
+                <a:solidFill>
+                  <a:srgbClr val="A9B7C6"/>
+                </a:solidFill>
+                <a:effectLst/>
+                <a:latin typeface="JetBrains Mono"/>
+              </a:rPr>
+              <a:t>scnr</a:t>
+            </a:r>
+            <a:r>
+              <a:rPr kumimoji="0" lang="en-US" altLang="en-US" sz="1800" b="0" i="0" u="none" strike="noStrike" cap="none" normalizeH="0" baseline="0" dirty="0">
+                <a:ln>
+                  <a:noFill/>
+                </a:ln>
+                <a:solidFill>
+                  <a:srgbClr val="A9B7C6"/>
+                </a:solidFill>
+                <a:effectLst/>
+                <a:latin typeface="JetBrains Mono"/>
+              </a:rPr>
+              <a:t> = </a:t>
+            </a:r>
+            <a:r>
+              <a:rPr kumimoji="0" lang="en-US" altLang="en-US" sz="1800" b="0" i="0" u="none" strike="noStrike" cap="none" normalizeH="0" baseline="0" dirty="0">
+                <a:ln>
+                  <a:noFill/>
+                </a:ln>
+                <a:solidFill>
+                  <a:srgbClr val="CC7832"/>
+                </a:solidFill>
+                <a:effectLst/>
+                <a:latin typeface="JetBrains Mono"/>
+              </a:rPr>
+              <a:t>new </a:t>
+            </a:r>
+            <a:r>
+              <a:rPr kumimoji="0" lang="en-US" altLang="en-US" sz="1800" b="0" i="0" u="none" strike="noStrike" cap="none" normalizeH="0" baseline="0" dirty="0">
+                <a:ln>
+                  <a:noFill/>
+                </a:ln>
+                <a:solidFill>
+                  <a:srgbClr val="A9B7C6"/>
+                </a:solidFill>
+                <a:effectLst/>
+                <a:latin typeface="JetBrains Mono"/>
+              </a:rPr>
+              <a:t>Scanner(System.</a:t>
+            </a:r>
+            <a:r>
+              <a:rPr kumimoji="0" lang="en-US" altLang="en-US" sz="1800" b="0" i="1" u="none" strike="noStrike" cap="none" normalizeH="0" baseline="0" dirty="0">
+                <a:ln>
+                  <a:noFill/>
+                </a:ln>
+                <a:solidFill>
+                  <a:srgbClr val="9876AA"/>
+                </a:solidFill>
+                <a:effectLst/>
+                <a:latin typeface="JetBrains Mono"/>
+              </a:rPr>
+              <a:t>in</a:t>
+            </a:r>
+            <a:r>
+              <a:rPr kumimoji="0" lang="en-US" altLang="en-US" sz="1800" b="0" i="0" u="none" strike="noStrike" cap="none" normalizeH="0" baseline="0" dirty="0">
+                <a:ln>
+                  <a:noFill/>
+                </a:ln>
+                <a:solidFill>
+                  <a:srgbClr val="A9B7C6"/>
+                </a:solidFill>
+                <a:effectLst/>
+                <a:latin typeface="JetBrains Mono"/>
+              </a:rPr>
+              <a:t>)</a:t>
+            </a:r>
+            <a:r>
+              <a:rPr kumimoji="0" lang="en-US" altLang="en-US" sz="1800" b="0" i="0" u="none" strike="noStrike" cap="none" normalizeH="0" baseline="0" dirty="0">
+                <a:ln>
+                  <a:noFill/>
+                </a:ln>
+                <a:solidFill>
+                  <a:srgbClr val="CC7832"/>
+                </a:solidFill>
+                <a:effectLst/>
+                <a:latin typeface="JetBrains Mono"/>
+              </a:rPr>
+              <a:t>;</a:t>
+            </a:r>
+            <a:br>
+              <a:rPr kumimoji="0" lang="en-US" altLang="en-US" sz="1800" b="0" i="0" u="none" strike="noStrike" cap="none" normalizeH="0" baseline="0" dirty="0">
+                <a:ln>
+                  <a:noFill/>
+                </a:ln>
+                <a:solidFill>
+                  <a:srgbClr val="CC7832"/>
+                </a:solidFill>
+                <a:effectLst/>
+                <a:latin typeface="JetBrains Mono"/>
+              </a:rPr>
+            </a:br>
+            <a:r>
+              <a:rPr kumimoji="0" lang="en-US" altLang="en-US" sz="1800" b="0" i="0" u="none" strike="noStrike" cap="none" normalizeH="0" baseline="0" dirty="0">
+                <a:ln>
+                  <a:noFill/>
+                </a:ln>
+                <a:solidFill>
+                  <a:srgbClr val="CC7832"/>
+                </a:solidFill>
+                <a:effectLst/>
+                <a:latin typeface="JetBrains Mono"/>
+              </a:rPr>
+              <a:t>        int </a:t>
+            </a:r>
+            <a:r>
+              <a:rPr kumimoji="0" lang="en-US" altLang="en-US" sz="1800" b="0" i="0" u="none" strike="noStrike" cap="none" normalizeH="0" baseline="0" dirty="0" err="1">
+                <a:ln>
+                  <a:noFill/>
+                </a:ln>
+                <a:solidFill>
+                  <a:srgbClr val="A9B7C6"/>
+                </a:solidFill>
+                <a:effectLst/>
+                <a:latin typeface="JetBrains Mono"/>
+              </a:rPr>
+              <a:t>weightVal</a:t>
+            </a:r>
+            <a:r>
+              <a:rPr kumimoji="0" lang="en-US" altLang="en-US" sz="1800" b="0" i="0" u="none" strike="noStrike" cap="none" normalizeH="0" baseline="0" dirty="0">
+                <a:ln>
+                  <a:noFill/>
+                </a:ln>
+                <a:solidFill>
+                  <a:srgbClr val="CC7832"/>
+                </a:solidFill>
+                <a:effectLst/>
+                <a:latin typeface="JetBrains Mono"/>
+              </a:rPr>
+              <a:t>;   int </a:t>
+            </a:r>
+            <a:r>
+              <a:rPr kumimoji="0" lang="en-US" altLang="en-US" sz="1800" b="0" i="0" u="none" strike="noStrike" cap="none" normalizeH="0" baseline="0" dirty="0" err="1">
+                <a:ln>
+                  <a:noFill/>
+                </a:ln>
+                <a:solidFill>
+                  <a:srgbClr val="A9B7C6"/>
+                </a:solidFill>
+                <a:effectLst/>
+                <a:latin typeface="JetBrains Mono"/>
+              </a:rPr>
+              <a:t>heightVal</a:t>
+            </a:r>
+            <a:r>
+              <a:rPr kumimoji="0" lang="en-US" altLang="en-US" sz="1800" b="0" i="0" u="none" strike="noStrike" cap="none" normalizeH="0" baseline="0" dirty="0">
+                <a:ln>
+                  <a:noFill/>
+                </a:ln>
+                <a:solidFill>
+                  <a:srgbClr val="CC7832"/>
+                </a:solidFill>
+                <a:effectLst/>
+                <a:latin typeface="JetBrains Mono"/>
+              </a:rPr>
+              <a:t>;  float </a:t>
+            </a:r>
+            <a:r>
+              <a:rPr kumimoji="0" lang="en-US" altLang="en-US" sz="1800" b="0" i="0" u="none" strike="noStrike" cap="none" normalizeH="0" baseline="0" dirty="0" err="1">
+                <a:ln>
+                  <a:noFill/>
+                </a:ln>
+                <a:solidFill>
+                  <a:srgbClr val="A9B7C6"/>
+                </a:solidFill>
+                <a:effectLst/>
+                <a:latin typeface="JetBrains Mono"/>
+              </a:rPr>
+              <a:t>bmiCalc</a:t>
+            </a:r>
+            <a:r>
+              <a:rPr kumimoji="0" lang="en-US" altLang="en-US" sz="1800" b="0" i="0" u="none" strike="noStrike" cap="none" normalizeH="0" baseline="0" dirty="0">
+                <a:ln>
+                  <a:noFill/>
+                </a:ln>
+                <a:solidFill>
+                  <a:srgbClr val="CC7832"/>
+                </a:solidFill>
+                <a:effectLst/>
+                <a:latin typeface="JetBrains Mono"/>
+              </a:rPr>
+              <a:t>;        </a:t>
+            </a:r>
+            <a:br>
+              <a:rPr kumimoji="0" lang="en-US" altLang="en-US" sz="1800" b="0" i="0" u="none" strike="noStrike" cap="none" normalizeH="0" baseline="0" dirty="0">
+                <a:ln>
+                  <a:noFill/>
+                </a:ln>
+                <a:solidFill>
+                  <a:srgbClr val="808080"/>
+                </a:solidFill>
+                <a:effectLst/>
+                <a:latin typeface="JetBrains Mono"/>
+              </a:rPr>
+            </a:br>
+            <a:r>
+              <a:rPr kumimoji="0" lang="en-US" altLang="en-US" sz="1800" b="0" i="0" u="none" strike="noStrike" cap="none" normalizeH="0" baseline="0" dirty="0">
+                <a:ln>
+                  <a:noFill/>
+                </a:ln>
+                <a:solidFill>
+                  <a:srgbClr val="808080"/>
+                </a:solidFill>
+                <a:effectLst/>
+                <a:latin typeface="JetBrains Mono"/>
+              </a:rPr>
+              <a:t>        </a:t>
+            </a:r>
+            <a:r>
+              <a:rPr kumimoji="0" lang="en-US" altLang="en-US" sz="1800" b="0" i="0" u="none" strike="noStrike" cap="none" normalizeH="0" baseline="0" dirty="0">
+                <a:ln>
+                  <a:noFill/>
+                </a:ln>
+                <a:solidFill>
+                  <a:srgbClr val="CC7832"/>
+                </a:solidFill>
+                <a:effectLst/>
+                <a:latin typeface="JetBrains Mono"/>
+              </a:rPr>
+              <a:t>char </a:t>
+            </a:r>
+            <a:r>
+              <a:rPr kumimoji="0" lang="en-US" altLang="en-US" sz="1800" b="0" i="0" u="none" strike="noStrike" cap="none" normalizeH="0" baseline="0" dirty="0" err="1">
+                <a:ln>
+                  <a:noFill/>
+                </a:ln>
+                <a:solidFill>
+                  <a:srgbClr val="A9B7C6"/>
+                </a:solidFill>
+                <a:effectLst/>
+                <a:latin typeface="JetBrains Mono"/>
+              </a:rPr>
+              <a:t>quitCmd</a:t>
+            </a:r>
+            <a:r>
+              <a:rPr kumimoji="0" lang="en-US" altLang="en-US" sz="1800" b="0" i="0" u="none" strike="noStrike" cap="none" normalizeH="0" baseline="0" dirty="0">
+                <a:ln>
+                  <a:noFill/>
+                </a:ln>
+                <a:solidFill>
+                  <a:srgbClr val="CC7832"/>
+                </a:solidFill>
+                <a:effectLst/>
+                <a:latin typeface="JetBrains Mono"/>
+              </a:rPr>
+              <a:t>;         </a:t>
+            </a:r>
+            <a:br>
+              <a:rPr kumimoji="0" lang="en-US" altLang="en-US" sz="1800" b="0" i="0" u="none" strike="noStrike" cap="none" normalizeH="0" baseline="0" dirty="0">
+                <a:ln>
+                  <a:noFill/>
+                </a:ln>
+                <a:solidFill>
+                  <a:srgbClr val="808080"/>
+                </a:solidFill>
+                <a:effectLst/>
+                <a:latin typeface="JetBrains Mono"/>
+              </a:rPr>
+            </a:br>
+            <a:r>
+              <a:rPr kumimoji="0" lang="en-US" altLang="en-US" sz="1800" b="0" i="0" u="none" strike="noStrike" cap="none" normalizeH="0" baseline="0" dirty="0">
+                <a:ln>
+                  <a:noFill/>
+                </a:ln>
+                <a:solidFill>
+                  <a:srgbClr val="808080"/>
+                </a:solidFill>
+                <a:effectLst/>
+                <a:latin typeface="JetBrains Mono"/>
+              </a:rPr>
+              <a:t>        </a:t>
+            </a:r>
+            <a:r>
+              <a:rPr kumimoji="0" lang="en-US" altLang="en-US" sz="1800" b="0" i="0" u="none" strike="noStrike" cap="none" normalizeH="0" baseline="0" dirty="0" err="1">
+                <a:ln>
+                  <a:noFill/>
+                </a:ln>
+                <a:solidFill>
+                  <a:srgbClr val="A9B7C6"/>
+                </a:solidFill>
+                <a:effectLst/>
+                <a:latin typeface="JetBrains Mono"/>
+              </a:rPr>
+              <a:t>quitCmd</a:t>
+            </a:r>
+            <a:r>
+              <a:rPr kumimoji="0" lang="en-US" altLang="en-US" sz="1800" b="0" i="0" u="none" strike="noStrike" cap="none" normalizeH="0" baseline="0" dirty="0">
+                <a:ln>
+                  <a:noFill/>
+                </a:ln>
+                <a:solidFill>
+                  <a:srgbClr val="A9B7C6"/>
+                </a:solidFill>
+                <a:effectLst/>
+                <a:latin typeface="JetBrains Mono"/>
+              </a:rPr>
+              <a:t> = </a:t>
+            </a:r>
+            <a:r>
+              <a:rPr kumimoji="0" lang="en-US" altLang="en-US" sz="1800" b="0" i="0" u="none" strike="noStrike" cap="none" normalizeH="0" baseline="0" dirty="0">
+                <a:ln>
+                  <a:noFill/>
+                </a:ln>
+                <a:solidFill>
+                  <a:srgbClr val="6A8759"/>
+                </a:solidFill>
+                <a:effectLst/>
+                <a:latin typeface="JetBrains Mono"/>
+              </a:rPr>
+              <a:t>'a'</a:t>
+            </a:r>
+            <a:r>
+              <a:rPr kumimoji="0" lang="en-US" altLang="en-US" sz="1800" b="0" i="0" u="none" strike="noStrike" cap="none" normalizeH="0" baseline="0" dirty="0">
+                <a:ln>
+                  <a:noFill/>
+                </a:ln>
+                <a:solidFill>
+                  <a:srgbClr val="CC7832"/>
+                </a:solidFill>
+                <a:effectLst/>
+                <a:latin typeface="JetBrains Mono"/>
+              </a:rPr>
+              <a:t>;</a:t>
+            </a:r>
+            <a:br>
+              <a:rPr kumimoji="0" lang="en-US" altLang="en-US" sz="1800" b="0" i="0" u="none" strike="noStrike" cap="none" normalizeH="0" baseline="0" dirty="0">
+                <a:ln>
+                  <a:noFill/>
+                </a:ln>
+                <a:solidFill>
+                  <a:srgbClr val="CC7832"/>
+                </a:solidFill>
+                <a:effectLst/>
+                <a:latin typeface="JetBrains Mono"/>
+              </a:rPr>
+            </a:br>
+            <a:r>
+              <a:rPr kumimoji="0" lang="en-US" altLang="en-US" sz="1800" b="0" i="0" u="none" strike="noStrike" cap="none" normalizeH="0" baseline="0" dirty="0">
+                <a:ln>
+                  <a:noFill/>
+                </a:ln>
+                <a:solidFill>
+                  <a:srgbClr val="CC7832"/>
+                </a:solidFill>
+                <a:effectLst/>
+                <a:latin typeface="JetBrains Mono"/>
+              </a:rPr>
+              <a:t>        while </a:t>
+            </a:r>
+            <a:r>
+              <a:rPr kumimoji="0" lang="en-US" altLang="en-US" sz="1800" b="0" i="0" u="none" strike="noStrike" cap="none" normalizeH="0" baseline="0" dirty="0">
+                <a:ln>
+                  <a:noFill/>
+                </a:ln>
+                <a:solidFill>
+                  <a:srgbClr val="A9B7C6"/>
+                </a:solidFill>
+                <a:effectLst/>
+                <a:latin typeface="JetBrains Mono"/>
+              </a:rPr>
+              <a:t>(</a:t>
+            </a:r>
+            <a:r>
+              <a:rPr kumimoji="0" lang="en-US" altLang="en-US" sz="1800" b="0" i="0" u="none" strike="noStrike" cap="none" normalizeH="0" baseline="0" dirty="0" err="1">
+                <a:ln>
+                  <a:noFill/>
+                </a:ln>
+                <a:solidFill>
+                  <a:srgbClr val="A9B7C6"/>
+                </a:solidFill>
+                <a:effectLst/>
+                <a:latin typeface="JetBrains Mono"/>
+              </a:rPr>
+              <a:t>quitCmd</a:t>
+            </a:r>
+            <a:r>
+              <a:rPr kumimoji="0" lang="en-US" altLang="en-US" sz="1800" b="0" i="0" u="none" strike="noStrike" cap="none" normalizeH="0" baseline="0" dirty="0">
+                <a:ln>
+                  <a:noFill/>
+                </a:ln>
+                <a:solidFill>
+                  <a:srgbClr val="A9B7C6"/>
+                </a:solidFill>
+                <a:effectLst/>
+                <a:latin typeface="JetBrains Mono"/>
+              </a:rPr>
+              <a:t> != </a:t>
+            </a:r>
+            <a:r>
+              <a:rPr kumimoji="0" lang="en-US" altLang="en-US" sz="1800" b="0" i="0" u="none" strike="noStrike" cap="none" normalizeH="0" baseline="0" dirty="0">
+                <a:ln>
+                  <a:noFill/>
+                </a:ln>
+                <a:solidFill>
+                  <a:srgbClr val="6A8759"/>
+                </a:solidFill>
+                <a:effectLst/>
+                <a:latin typeface="JetBrains Mono"/>
+              </a:rPr>
+              <a:t>'q'</a:t>
+            </a:r>
+            <a:r>
+              <a:rPr kumimoji="0" lang="en-US" altLang="en-US" sz="1800" b="0" i="0" u="none" strike="noStrike" cap="none" normalizeH="0" baseline="0" dirty="0">
+                <a:ln>
+                  <a:noFill/>
+                </a:ln>
+                <a:solidFill>
+                  <a:srgbClr val="A9B7C6"/>
+                </a:solidFill>
+                <a:effectLst/>
+                <a:latin typeface="JetBrains Mono"/>
+              </a:rPr>
+              <a:t>) {</a:t>
+            </a:r>
+            <a:br>
+              <a:rPr kumimoji="0" lang="en-US" altLang="en-US" sz="1800" b="0" i="0" u="none" strike="noStrike" cap="none" normalizeH="0" baseline="0" dirty="0">
+                <a:ln>
+                  <a:noFill/>
+                </a:ln>
+                <a:solidFill>
+                  <a:srgbClr val="A9B7C6"/>
+                </a:solidFill>
+                <a:effectLst/>
+                <a:latin typeface="JetBrains Mono"/>
+              </a:rPr>
+            </a:br>
+            <a:r>
+              <a:rPr kumimoji="0" lang="en-US" altLang="en-US" sz="1800" b="0" i="0" u="none" strike="noStrike" cap="none" normalizeH="0" baseline="0" dirty="0">
+                <a:ln>
+                  <a:noFill/>
+                </a:ln>
+                <a:solidFill>
+                  <a:srgbClr val="A9B7C6"/>
+                </a:solidFill>
+                <a:effectLst/>
+                <a:latin typeface="JetBrains Mono"/>
+              </a:rPr>
+              <a:t>            </a:t>
+            </a:r>
+            <a:r>
+              <a:rPr kumimoji="0" lang="en-US" altLang="en-US" sz="1800" b="0" i="0" u="none" strike="noStrike" cap="none" normalizeH="0" baseline="0" dirty="0">
+                <a:ln>
+                  <a:noFill/>
+                </a:ln>
+                <a:solidFill>
+                  <a:srgbClr val="CC7832"/>
+                </a:solidFill>
+                <a:effectLst/>
+                <a:latin typeface="JetBrains Mono"/>
+              </a:rPr>
+              <a:t>try </a:t>
+            </a:r>
+            <a:r>
+              <a:rPr kumimoji="0" lang="en-US" altLang="en-US" sz="1800" b="0" i="0" u="none" strike="noStrike" cap="none" normalizeH="0" baseline="0" dirty="0">
+                <a:ln>
+                  <a:noFill/>
+                </a:ln>
+                <a:solidFill>
+                  <a:srgbClr val="A9B7C6"/>
+                </a:solidFill>
+                <a:effectLst/>
+                <a:latin typeface="JetBrains Mono"/>
+              </a:rPr>
+              <a:t>{</a:t>
+            </a:r>
+            <a:br>
+              <a:rPr kumimoji="0" lang="en-US" altLang="en-US" sz="1800" b="0" i="0" u="none" strike="noStrike" cap="none" normalizeH="0" baseline="0" dirty="0">
+                <a:ln>
+                  <a:noFill/>
+                </a:ln>
+                <a:solidFill>
+                  <a:srgbClr val="A9B7C6"/>
+                </a:solidFill>
+                <a:effectLst/>
+                <a:latin typeface="JetBrains Mono"/>
+              </a:rPr>
+            </a:br>
+            <a:r>
+              <a:rPr kumimoji="0" lang="en-US" altLang="en-US" sz="1800" b="0" i="0" u="none" strike="noStrike" cap="none" normalizeH="0" baseline="0" dirty="0">
+                <a:ln>
+                  <a:noFill/>
+                </a:ln>
+                <a:solidFill>
+                  <a:srgbClr val="A9B7C6"/>
+                </a:solidFill>
+                <a:effectLst/>
+                <a:latin typeface="JetBrains Mono"/>
+              </a:rPr>
+              <a:t>                </a:t>
+            </a:r>
+            <a:r>
+              <a:rPr kumimoji="0" lang="en-US" altLang="en-US" sz="1800" b="0" i="0" u="none" strike="noStrike" cap="none" normalizeH="0" baseline="0" dirty="0">
+                <a:ln>
+                  <a:noFill/>
+                </a:ln>
+                <a:solidFill>
+                  <a:srgbClr val="808080"/>
+                </a:solidFill>
+                <a:effectLst/>
+                <a:latin typeface="JetBrains Mono"/>
+              </a:rPr>
+              <a:t>//Get user data</a:t>
+            </a:r>
+            <a:br>
+              <a:rPr kumimoji="0" lang="en-US" altLang="en-US" sz="1800" b="0" i="0" u="none" strike="noStrike" cap="none" normalizeH="0" baseline="0" dirty="0">
+                <a:ln>
+                  <a:noFill/>
+                </a:ln>
+                <a:solidFill>
+                  <a:srgbClr val="808080"/>
+                </a:solidFill>
+                <a:effectLst/>
+                <a:latin typeface="JetBrains Mono"/>
+              </a:rPr>
+            </a:br>
+            <a:r>
+              <a:rPr kumimoji="0" lang="en-US" altLang="en-US" sz="1800" b="0" i="0" u="none" strike="noStrike" cap="none" normalizeH="0" baseline="0" dirty="0">
+                <a:ln>
+                  <a:noFill/>
+                </a:ln>
+                <a:solidFill>
+                  <a:srgbClr val="808080"/>
+                </a:solidFill>
+                <a:effectLst/>
+                <a:latin typeface="JetBrains Mono"/>
+              </a:rPr>
+              <a:t>                </a:t>
+            </a:r>
+            <a:r>
+              <a:rPr kumimoji="0" lang="en-US" altLang="en-US" sz="1800" b="0" i="0" u="none" strike="noStrike" cap="none" normalizeH="0" baseline="0" dirty="0" err="1">
+                <a:ln>
+                  <a:noFill/>
+                </a:ln>
+                <a:solidFill>
+                  <a:srgbClr val="A9B7C6"/>
+                </a:solidFill>
+                <a:effectLst/>
+                <a:latin typeface="JetBrains Mono"/>
+              </a:rPr>
+              <a:t>weightVal</a:t>
+            </a:r>
+            <a:r>
+              <a:rPr kumimoji="0" lang="en-US" altLang="en-US" sz="1800" b="0" i="0" u="none" strike="noStrike" cap="none" normalizeH="0" baseline="0" dirty="0">
+                <a:ln>
+                  <a:noFill/>
+                </a:ln>
+                <a:solidFill>
+                  <a:srgbClr val="A9B7C6"/>
+                </a:solidFill>
+                <a:effectLst/>
+                <a:latin typeface="JetBrains Mono"/>
+              </a:rPr>
+              <a:t> = </a:t>
+            </a:r>
+            <a:r>
+              <a:rPr kumimoji="0" lang="en-US" altLang="en-US" sz="1800" b="0" i="1" u="none" strike="noStrike" cap="none" normalizeH="0" baseline="0" dirty="0" err="1">
+                <a:ln>
+                  <a:noFill/>
+                </a:ln>
+                <a:solidFill>
+                  <a:srgbClr val="A9B7C6"/>
+                </a:solidFill>
+                <a:effectLst/>
+                <a:latin typeface="JetBrains Mono"/>
+              </a:rPr>
+              <a:t>getWeight</a:t>
+            </a:r>
+            <a:r>
+              <a:rPr kumimoji="0" lang="en-US" altLang="en-US" sz="1800" b="0" i="0" u="none" strike="noStrike" cap="none" normalizeH="0" baseline="0" dirty="0">
+                <a:ln>
+                  <a:noFill/>
+                </a:ln>
+                <a:solidFill>
+                  <a:srgbClr val="A9B7C6"/>
+                </a:solidFill>
+                <a:effectLst/>
+                <a:latin typeface="JetBrains Mono"/>
+              </a:rPr>
+              <a:t>(</a:t>
+            </a:r>
+            <a:r>
+              <a:rPr kumimoji="0" lang="en-US" altLang="en-US" sz="1800" b="0" i="0" u="none" strike="noStrike" cap="none" normalizeH="0" baseline="0" dirty="0" err="1">
+                <a:ln>
+                  <a:noFill/>
+                </a:ln>
+                <a:solidFill>
+                  <a:srgbClr val="A9B7C6"/>
+                </a:solidFill>
+                <a:effectLst/>
+                <a:latin typeface="JetBrains Mono"/>
+              </a:rPr>
+              <a:t>scnr</a:t>
+            </a:r>
+            <a:r>
+              <a:rPr kumimoji="0" lang="en-US" altLang="en-US" sz="1800" b="0" i="0" u="none" strike="noStrike" cap="none" normalizeH="0" baseline="0" dirty="0">
+                <a:ln>
+                  <a:noFill/>
+                </a:ln>
+                <a:solidFill>
+                  <a:srgbClr val="A9B7C6"/>
+                </a:solidFill>
+                <a:effectLst/>
+                <a:latin typeface="JetBrains Mono"/>
+              </a:rPr>
+              <a:t>)</a:t>
+            </a:r>
+            <a:r>
+              <a:rPr kumimoji="0" lang="en-US" altLang="en-US" sz="1800" b="0" i="0" u="none" strike="noStrike" cap="none" normalizeH="0" baseline="0" dirty="0">
+                <a:ln>
+                  <a:noFill/>
+                </a:ln>
+                <a:solidFill>
+                  <a:srgbClr val="CC7832"/>
+                </a:solidFill>
+                <a:effectLst/>
+                <a:latin typeface="JetBrains Mono"/>
+              </a:rPr>
+              <a:t>;</a:t>
+            </a:r>
+            <a:br>
+              <a:rPr kumimoji="0" lang="en-US" altLang="en-US" sz="1800" b="0" i="0" u="none" strike="noStrike" cap="none" normalizeH="0" baseline="0" dirty="0">
+                <a:ln>
+                  <a:noFill/>
+                </a:ln>
+                <a:solidFill>
+                  <a:srgbClr val="CC7832"/>
+                </a:solidFill>
+                <a:effectLst/>
+                <a:latin typeface="JetBrains Mono"/>
+              </a:rPr>
+            </a:br>
+            <a:r>
+              <a:rPr kumimoji="0" lang="en-US" altLang="en-US" sz="1800" b="0" i="0" u="none" strike="noStrike" cap="none" normalizeH="0" baseline="0" dirty="0">
+                <a:ln>
+                  <a:noFill/>
+                </a:ln>
+                <a:solidFill>
+                  <a:srgbClr val="CC7832"/>
+                </a:solidFill>
+                <a:effectLst/>
+                <a:latin typeface="JetBrains Mono"/>
+              </a:rPr>
+              <a:t>                </a:t>
+            </a:r>
+            <a:r>
+              <a:rPr kumimoji="0" lang="en-US" altLang="en-US" sz="1800" b="0" i="0" u="none" strike="noStrike" cap="none" normalizeH="0" baseline="0" dirty="0" err="1">
+                <a:ln>
+                  <a:noFill/>
+                </a:ln>
+                <a:solidFill>
+                  <a:srgbClr val="A9B7C6"/>
+                </a:solidFill>
+                <a:effectLst/>
+                <a:latin typeface="JetBrains Mono"/>
+              </a:rPr>
+              <a:t>heightVal</a:t>
+            </a:r>
+            <a:r>
+              <a:rPr kumimoji="0" lang="en-US" altLang="en-US" sz="1800" b="0" i="0" u="none" strike="noStrike" cap="none" normalizeH="0" baseline="0" dirty="0">
+                <a:ln>
+                  <a:noFill/>
+                </a:ln>
+                <a:solidFill>
+                  <a:srgbClr val="A9B7C6"/>
+                </a:solidFill>
+                <a:effectLst/>
+                <a:latin typeface="JetBrains Mono"/>
+              </a:rPr>
+              <a:t> = </a:t>
+            </a:r>
+            <a:r>
+              <a:rPr kumimoji="0" lang="en-US" altLang="en-US" sz="1800" b="0" i="1" u="none" strike="noStrike" cap="none" normalizeH="0" baseline="0" dirty="0" err="1">
+                <a:ln>
+                  <a:noFill/>
+                </a:ln>
+                <a:solidFill>
+                  <a:srgbClr val="A9B7C6"/>
+                </a:solidFill>
+                <a:effectLst/>
+                <a:latin typeface="JetBrains Mono"/>
+              </a:rPr>
+              <a:t>getHeight</a:t>
+            </a:r>
+            <a:r>
+              <a:rPr kumimoji="0" lang="en-US" altLang="en-US" sz="1800" b="0" i="0" u="none" strike="noStrike" cap="none" normalizeH="0" baseline="0" dirty="0">
+                <a:ln>
+                  <a:noFill/>
+                </a:ln>
+                <a:solidFill>
+                  <a:srgbClr val="A9B7C6"/>
+                </a:solidFill>
+                <a:effectLst/>
+                <a:latin typeface="JetBrains Mono"/>
+              </a:rPr>
+              <a:t>(</a:t>
+            </a:r>
+            <a:r>
+              <a:rPr kumimoji="0" lang="en-US" altLang="en-US" sz="1800" b="0" i="0" u="none" strike="noStrike" cap="none" normalizeH="0" baseline="0" dirty="0" err="1">
+                <a:ln>
+                  <a:noFill/>
+                </a:ln>
+                <a:solidFill>
+                  <a:srgbClr val="A9B7C6"/>
+                </a:solidFill>
+                <a:effectLst/>
+                <a:latin typeface="JetBrains Mono"/>
+              </a:rPr>
+              <a:t>scnr</a:t>
+            </a:r>
+            <a:r>
+              <a:rPr kumimoji="0" lang="en-US" altLang="en-US" sz="1800" b="0" i="0" u="none" strike="noStrike" cap="none" normalizeH="0" baseline="0" dirty="0">
+                <a:ln>
+                  <a:noFill/>
+                </a:ln>
+                <a:solidFill>
+                  <a:srgbClr val="A9B7C6"/>
+                </a:solidFill>
+                <a:effectLst/>
+                <a:latin typeface="JetBrains Mono"/>
+              </a:rPr>
+              <a:t>)</a:t>
+            </a:r>
+            <a:r>
+              <a:rPr kumimoji="0" lang="en-US" altLang="en-US" sz="1800" b="0" i="0" u="none" strike="noStrike" cap="none" normalizeH="0" baseline="0" dirty="0">
+                <a:ln>
+                  <a:noFill/>
+                </a:ln>
+                <a:solidFill>
+                  <a:srgbClr val="CC7832"/>
+                </a:solidFill>
+                <a:effectLst/>
+                <a:latin typeface="JetBrains Mono"/>
+              </a:rPr>
+              <a:t>;</a:t>
+            </a:r>
+            <a:br>
+              <a:rPr kumimoji="0" lang="en-US" altLang="en-US" sz="1800" b="0" i="0" u="none" strike="noStrike" cap="none" normalizeH="0" baseline="0" dirty="0">
+                <a:ln>
+                  <a:noFill/>
+                </a:ln>
+                <a:solidFill>
+                  <a:srgbClr val="CC7832"/>
+                </a:solidFill>
+                <a:effectLst/>
+                <a:latin typeface="JetBrains Mono"/>
+              </a:rPr>
+            </a:br>
+            <a:r>
+              <a:rPr kumimoji="0" lang="en-US" altLang="en-US" sz="1800" b="0" i="0" u="none" strike="noStrike" cap="none" normalizeH="0" baseline="0" dirty="0">
+                <a:ln>
+                  <a:noFill/>
+                </a:ln>
+                <a:solidFill>
+                  <a:srgbClr val="CC7832"/>
+                </a:solidFill>
+                <a:effectLst/>
+                <a:latin typeface="JetBrains Mono"/>
+              </a:rPr>
+              <a:t>                </a:t>
+            </a:r>
+            <a:r>
+              <a:rPr kumimoji="0" lang="en-US" altLang="en-US" sz="1800" b="0" i="0" u="none" strike="noStrike" cap="none" normalizeH="0" baseline="0" dirty="0">
+                <a:ln>
+                  <a:noFill/>
+                </a:ln>
+                <a:solidFill>
+                  <a:srgbClr val="808080"/>
+                </a:solidFill>
+                <a:effectLst/>
+                <a:latin typeface="JetBrains Mono"/>
+              </a:rPr>
+              <a:t>// Calculate BMI and print user health info if no input error</a:t>
+            </a:r>
+            <a:br>
+              <a:rPr kumimoji="0" lang="en-US" altLang="en-US" sz="1800" b="0" i="0" u="none" strike="noStrike" cap="none" normalizeH="0" baseline="0" dirty="0">
+                <a:ln>
+                  <a:noFill/>
+                </a:ln>
+                <a:solidFill>
+                  <a:srgbClr val="808080"/>
+                </a:solidFill>
+                <a:effectLst/>
+                <a:latin typeface="JetBrains Mono"/>
+              </a:rPr>
+            </a:br>
+            <a:r>
+              <a:rPr kumimoji="0" lang="en-US" altLang="en-US" sz="1800" b="0" i="0" u="none" strike="noStrike" cap="none" normalizeH="0" baseline="0" dirty="0">
+                <a:ln>
+                  <a:noFill/>
+                </a:ln>
+                <a:solidFill>
+                  <a:srgbClr val="808080"/>
+                </a:solidFill>
+                <a:effectLst/>
+                <a:latin typeface="JetBrains Mono"/>
+              </a:rPr>
+              <a:t>                // Source: http://www.cdc.gov/</a:t>
+            </a:r>
+            <a:br>
+              <a:rPr kumimoji="0" lang="en-US" altLang="en-US" sz="1800" b="0" i="0" u="none" strike="noStrike" cap="none" normalizeH="0" baseline="0" dirty="0">
+                <a:ln>
+                  <a:noFill/>
+                </a:ln>
+                <a:solidFill>
+                  <a:srgbClr val="808080"/>
+                </a:solidFill>
+                <a:effectLst/>
+                <a:latin typeface="JetBrains Mono"/>
+              </a:rPr>
+            </a:br>
+            <a:r>
+              <a:rPr kumimoji="0" lang="en-US" altLang="en-US" sz="1800" b="0" i="0" u="none" strike="noStrike" cap="none" normalizeH="0" baseline="0" dirty="0">
+                <a:ln>
+                  <a:noFill/>
+                </a:ln>
+                <a:solidFill>
+                  <a:srgbClr val="808080"/>
+                </a:solidFill>
+                <a:effectLst/>
+                <a:latin typeface="JetBrains Mono"/>
+              </a:rPr>
+              <a:t>                </a:t>
+            </a:r>
+            <a:r>
+              <a:rPr kumimoji="0" lang="en-US" altLang="en-US" sz="1800" b="0" i="0" u="none" strike="noStrike" cap="none" normalizeH="0" baseline="0" dirty="0" err="1">
+                <a:ln>
+                  <a:noFill/>
+                </a:ln>
+                <a:solidFill>
+                  <a:srgbClr val="A9B7C6"/>
+                </a:solidFill>
+                <a:effectLst/>
+                <a:latin typeface="JetBrains Mono"/>
+              </a:rPr>
+              <a:t>bmiCalc</a:t>
+            </a:r>
+            <a:r>
+              <a:rPr kumimoji="0" lang="en-US" altLang="en-US" sz="1800" b="0" i="0" u="none" strike="noStrike" cap="none" normalizeH="0" baseline="0" dirty="0">
+                <a:ln>
+                  <a:noFill/>
+                </a:ln>
+                <a:solidFill>
+                  <a:srgbClr val="A9B7C6"/>
+                </a:solidFill>
+                <a:effectLst/>
+                <a:latin typeface="JetBrains Mono"/>
+              </a:rPr>
+              <a:t> = ((</a:t>
+            </a:r>
+            <a:r>
+              <a:rPr kumimoji="0" lang="en-US" altLang="en-US" sz="1800" b="0" i="0" u="none" strike="noStrike" cap="none" normalizeH="0" baseline="0" dirty="0">
+                <a:ln>
+                  <a:noFill/>
+                </a:ln>
+                <a:solidFill>
+                  <a:srgbClr val="CC7832"/>
+                </a:solidFill>
+                <a:effectLst/>
+                <a:latin typeface="JetBrains Mono"/>
+              </a:rPr>
+              <a:t>float</a:t>
+            </a:r>
+            <a:r>
+              <a:rPr kumimoji="0" lang="en-US" altLang="en-US" sz="1800" b="0" i="0" u="none" strike="noStrike" cap="none" normalizeH="0" baseline="0" dirty="0">
+                <a:ln>
+                  <a:noFill/>
+                </a:ln>
+                <a:solidFill>
+                  <a:srgbClr val="A9B7C6"/>
+                </a:solidFill>
+                <a:effectLst/>
+                <a:latin typeface="JetBrains Mono"/>
+              </a:rPr>
+              <a:t>) </a:t>
+            </a:r>
+            <a:r>
+              <a:rPr kumimoji="0" lang="en-US" altLang="en-US" sz="1800" b="0" i="0" u="none" strike="noStrike" cap="none" normalizeH="0" baseline="0" dirty="0" err="1">
+                <a:ln>
+                  <a:noFill/>
+                </a:ln>
+                <a:solidFill>
+                  <a:srgbClr val="A9B7C6"/>
+                </a:solidFill>
+                <a:effectLst/>
+                <a:latin typeface="JetBrains Mono"/>
+              </a:rPr>
+              <a:t>weightVal</a:t>
+            </a:r>
+            <a:r>
+              <a:rPr kumimoji="0" lang="en-US" altLang="en-US" sz="1800" b="0" i="0" u="none" strike="noStrike" cap="none" normalizeH="0" baseline="0" dirty="0">
+                <a:ln>
+                  <a:noFill/>
+                </a:ln>
+                <a:solidFill>
+                  <a:srgbClr val="A9B7C6"/>
+                </a:solidFill>
+                <a:effectLst/>
+                <a:latin typeface="JetBrains Mono"/>
+              </a:rPr>
+              <a:t> /</a:t>
+            </a:r>
+            <a:br>
+              <a:rPr kumimoji="0" lang="en-US" altLang="en-US" sz="1800" b="0" i="0" u="none" strike="noStrike" cap="none" normalizeH="0" baseline="0" dirty="0">
+                <a:ln>
+                  <a:noFill/>
+                </a:ln>
+                <a:solidFill>
+                  <a:srgbClr val="A9B7C6"/>
+                </a:solidFill>
+                <a:effectLst/>
+                <a:latin typeface="JetBrains Mono"/>
+              </a:rPr>
+            </a:br>
+            <a:r>
+              <a:rPr kumimoji="0" lang="en-US" altLang="en-US" sz="1800" b="0" i="0" u="none" strike="noStrike" cap="none" normalizeH="0" baseline="0" dirty="0">
+                <a:ln>
+                  <a:noFill/>
+                </a:ln>
+                <a:solidFill>
+                  <a:srgbClr val="A9B7C6"/>
+                </a:solidFill>
+                <a:effectLst/>
+                <a:latin typeface="JetBrains Mono"/>
+              </a:rPr>
+              <a:t>                        (</a:t>
+            </a:r>
+            <a:r>
+              <a:rPr kumimoji="0" lang="en-US" altLang="en-US" sz="1800" b="0" i="0" u="none" strike="noStrike" cap="none" normalizeH="0" baseline="0" dirty="0">
+                <a:ln>
+                  <a:noFill/>
+                </a:ln>
+                <a:solidFill>
+                  <a:srgbClr val="CC7832"/>
+                </a:solidFill>
+                <a:effectLst/>
+                <a:latin typeface="JetBrains Mono"/>
+              </a:rPr>
+              <a:t>float</a:t>
+            </a:r>
+            <a:r>
+              <a:rPr kumimoji="0" lang="en-US" altLang="en-US" sz="1800" b="0" i="0" u="none" strike="noStrike" cap="none" normalizeH="0" baseline="0" dirty="0">
+                <a:ln>
+                  <a:noFill/>
+                </a:ln>
+                <a:solidFill>
+                  <a:srgbClr val="A9B7C6"/>
+                </a:solidFill>
+                <a:effectLst/>
+                <a:latin typeface="JetBrains Mono"/>
+              </a:rPr>
+              <a:t>) (</a:t>
+            </a:r>
+            <a:r>
+              <a:rPr kumimoji="0" lang="en-US" altLang="en-US" sz="1800" b="0" i="0" u="none" strike="noStrike" cap="none" normalizeH="0" baseline="0" dirty="0" err="1">
+                <a:ln>
+                  <a:noFill/>
+                </a:ln>
+                <a:solidFill>
+                  <a:srgbClr val="A9B7C6"/>
+                </a:solidFill>
+                <a:effectLst/>
+                <a:latin typeface="JetBrains Mono"/>
+              </a:rPr>
+              <a:t>heightVal</a:t>
+            </a:r>
+            <a:r>
+              <a:rPr kumimoji="0" lang="en-US" altLang="en-US" sz="1800" b="0" i="0" u="none" strike="noStrike" cap="none" normalizeH="0" baseline="0" dirty="0">
+                <a:ln>
+                  <a:noFill/>
+                </a:ln>
+                <a:solidFill>
+                  <a:srgbClr val="A9B7C6"/>
+                </a:solidFill>
+                <a:effectLst/>
+                <a:latin typeface="JetBrains Mono"/>
+              </a:rPr>
+              <a:t> * </a:t>
+            </a:r>
+            <a:r>
+              <a:rPr kumimoji="0" lang="en-US" altLang="en-US" sz="1800" b="0" i="0" u="none" strike="noStrike" cap="none" normalizeH="0" baseline="0" dirty="0" err="1">
+                <a:ln>
+                  <a:noFill/>
+                </a:ln>
+                <a:solidFill>
+                  <a:srgbClr val="A9B7C6"/>
+                </a:solidFill>
+                <a:effectLst/>
+                <a:latin typeface="JetBrains Mono"/>
+              </a:rPr>
+              <a:t>heightVal</a:t>
+            </a:r>
+            <a:r>
+              <a:rPr kumimoji="0" lang="en-US" altLang="en-US" sz="1800" b="0" i="0" u="none" strike="noStrike" cap="none" normalizeH="0" baseline="0" dirty="0">
+                <a:ln>
+                  <a:noFill/>
+                </a:ln>
+                <a:solidFill>
+                  <a:srgbClr val="A9B7C6"/>
+                </a:solidFill>
+                <a:effectLst/>
+                <a:latin typeface="JetBrains Mono"/>
+              </a:rPr>
+              <a:t>)) * </a:t>
+            </a:r>
+            <a:r>
+              <a:rPr kumimoji="0" lang="en-US" altLang="en-US" sz="1800" b="0" i="0" u="none" strike="noStrike" cap="none" normalizeH="0" baseline="0" dirty="0">
+                <a:ln>
+                  <a:noFill/>
+                </a:ln>
+                <a:solidFill>
+                  <a:srgbClr val="6897BB"/>
+                </a:solidFill>
+                <a:effectLst/>
+                <a:latin typeface="JetBrains Mono"/>
+              </a:rPr>
+              <a:t>703.0f</a:t>
+            </a:r>
+            <a:r>
+              <a:rPr kumimoji="0" lang="en-US" altLang="en-US" sz="1800" b="0" i="0" u="none" strike="noStrike" cap="none" normalizeH="0" baseline="0" dirty="0">
+                <a:ln>
+                  <a:noFill/>
+                </a:ln>
+                <a:solidFill>
+                  <a:srgbClr val="CC7832"/>
+                </a:solidFill>
+                <a:effectLst/>
+                <a:latin typeface="JetBrains Mono"/>
+              </a:rPr>
+              <a:t>;</a:t>
+            </a:r>
+            <a:br>
+              <a:rPr kumimoji="0" lang="en-US" altLang="en-US" sz="1800" b="0" i="0" u="none" strike="noStrike" cap="none" normalizeH="0" baseline="0" dirty="0">
+                <a:ln>
+                  <a:noFill/>
+                </a:ln>
+                <a:solidFill>
+                  <a:srgbClr val="CC7832"/>
+                </a:solidFill>
+                <a:effectLst/>
+                <a:latin typeface="JetBrains Mono"/>
+              </a:rPr>
+            </a:br>
+            <a:r>
+              <a:rPr kumimoji="0" lang="en-US" altLang="en-US" sz="1800" b="0" i="0" u="none" strike="noStrike" cap="none" normalizeH="0" baseline="0" dirty="0">
+                <a:ln>
+                  <a:noFill/>
+                </a:ln>
+                <a:solidFill>
+                  <a:srgbClr val="CC7832"/>
+                </a:solidFill>
+                <a:effectLst/>
+                <a:latin typeface="JetBrains Mono"/>
+              </a:rPr>
+              <a:t>                </a:t>
+            </a:r>
+            <a:r>
+              <a:rPr kumimoji="0" lang="en-US" altLang="en-US" sz="1800" b="0" i="0" u="none" strike="noStrike" cap="none" normalizeH="0" baseline="0" dirty="0" err="1">
+                <a:ln>
+                  <a:noFill/>
+                </a:ln>
+                <a:solidFill>
+                  <a:srgbClr val="A9B7C6"/>
+                </a:solidFill>
+                <a:effectLst/>
+                <a:latin typeface="JetBrains Mono"/>
+              </a:rPr>
+              <a:t>System.</a:t>
+            </a:r>
+            <a:r>
+              <a:rPr kumimoji="0" lang="en-US" altLang="en-US" sz="1800" b="0" i="1" u="none" strike="noStrike" cap="none" normalizeH="0" baseline="0" dirty="0" err="1">
+                <a:ln>
+                  <a:noFill/>
+                </a:ln>
+                <a:solidFill>
+                  <a:srgbClr val="9876AA"/>
+                </a:solidFill>
+                <a:effectLst/>
+                <a:latin typeface="JetBrains Mono"/>
+              </a:rPr>
+              <a:t>out</a:t>
+            </a:r>
+            <a:r>
+              <a:rPr kumimoji="0" lang="en-US" altLang="en-US" sz="1800" b="0" i="0" u="none" strike="noStrike" cap="none" normalizeH="0" baseline="0" dirty="0" err="1">
+                <a:ln>
+                  <a:noFill/>
+                </a:ln>
+                <a:solidFill>
+                  <a:srgbClr val="A9B7C6"/>
+                </a:solidFill>
+                <a:effectLst/>
+                <a:latin typeface="JetBrains Mono"/>
+              </a:rPr>
+              <a:t>.println</a:t>
+            </a:r>
+            <a:r>
+              <a:rPr kumimoji="0" lang="en-US" altLang="en-US" sz="1800" b="0" i="0" u="none" strike="noStrike" cap="none" normalizeH="0" baseline="0" dirty="0">
+                <a:ln>
+                  <a:noFill/>
+                </a:ln>
+                <a:solidFill>
+                  <a:srgbClr val="A9B7C6"/>
+                </a:solidFill>
+                <a:effectLst/>
+                <a:latin typeface="JetBrains Mono"/>
+              </a:rPr>
+              <a:t>(</a:t>
+            </a:r>
+            <a:r>
+              <a:rPr kumimoji="0" lang="en-US" altLang="en-US" sz="1800" b="0" i="0" u="none" strike="noStrike" cap="none" normalizeH="0" baseline="0" dirty="0">
+                <a:ln>
+                  <a:noFill/>
+                </a:ln>
+                <a:solidFill>
+                  <a:srgbClr val="6A8759"/>
+                </a:solidFill>
+                <a:effectLst/>
+                <a:latin typeface="JetBrains Mono"/>
+              </a:rPr>
+              <a:t>"BMI: " </a:t>
+            </a:r>
+            <a:r>
+              <a:rPr kumimoji="0" lang="en-US" altLang="en-US" sz="1800" b="0" i="0" u="none" strike="noStrike" cap="none" normalizeH="0" baseline="0" dirty="0">
+                <a:ln>
+                  <a:noFill/>
+                </a:ln>
+                <a:solidFill>
+                  <a:srgbClr val="A9B7C6"/>
+                </a:solidFill>
+                <a:effectLst/>
+                <a:latin typeface="JetBrains Mono"/>
+              </a:rPr>
+              <a:t>+ </a:t>
+            </a:r>
+            <a:r>
+              <a:rPr kumimoji="0" lang="en-US" altLang="en-US" sz="1800" b="0" i="0" u="none" strike="noStrike" cap="none" normalizeH="0" baseline="0" dirty="0" err="1">
+                <a:ln>
+                  <a:noFill/>
+                </a:ln>
+                <a:solidFill>
+                  <a:srgbClr val="A9B7C6"/>
+                </a:solidFill>
+                <a:effectLst/>
+                <a:latin typeface="JetBrains Mono"/>
+              </a:rPr>
+              <a:t>bmiCalc</a:t>
+            </a:r>
+            <a:r>
+              <a:rPr kumimoji="0" lang="en-US" altLang="en-US" sz="1800" b="0" i="0" u="none" strike="noStrike" cap="none" normalizeH="0" baseline="0" dirty="0">
+                <a:ln>
+                  <a:noFill/>
+                </a:ln>
+                <a:solidFill>
+                  <a:srgbClr val="A9B7C6"/>
+                </a:solidFill>
+                <a:effectLst/>
+                <a:latin typeface="JetBrains Mono"/>
+              </a:rPr>
+              <a:t>)</a:t>
+            </a:r>
+            <a:r>
+              <a:rPr kumimoji="0" lang="en-US" altLang="en-US" sz="1800" b="0" i="0" u="none" strike="noStrike" cap="none" normalizeH="0" baseline="0" dirty="0">
+                <a:ln>
+                  <a:noFill/>
+                </a:ln>
+                <a:solidFill>
+                  <a:srgbClr val="CC7832"/>
+                </a:solidFill>
+                <a:effectLst/>
+                <a:latin typeface="JetBrains Mono"/>
+              </a:rPr>
+              <a:t>;</a:t>
+            </a:r>
+            <a:br>
+              <a:rPr kumimoji="0" lang="en-US" altLang="en-US" sz="1800" b="0" i="0" u="none" strike="noStrike" cap="none" normalizeH="0" baseline="0" dirty="0">
+                <a:ln>
+                  <a:noFill/>
+                </a:ln>
+                <a:solidFill>
+                  <a:srgbClr val="CC7832"/>
+                </a:solidFill>
+                <a:effectLst/>
+                <a:latin typeface="JetBrains Mono"/>
+              </a:rPr>
+            </a:br>
+            <a:r>
+              <a:rPr kumimoji="0" lang="en-US" altLang="en-US" sz="1800" b="0" i="0" u="none" strike="noStrike" cap="none" normalizeH="0" baseline="0" dirty="0">
+                <a:ln>
+                  <a:noFill/>
+                </a:ln>
+                <a:solidFill>
+                  <a:srgbClr val="CC7832"/>
+                </a:solidFill>
+                <a:effectLst/>
+                <a:latin typeface="JetBrains Mono"/>
+              </a:rPr>
+              <a:t>                </a:t>
+            </a:r>
+            <a:r>
+              <a:rPr kumimoji="0" lang="en-US" altLang="en-US" sz="1800" b="0" i="0" u="none" strike="noStrike" cap="none" normalizeH="0" baseline="0" dirty="0" err="1">
+                <a:ln>
+                  <a:noFill/>
+                </a:ln>
+                <a:solidFill>
+                  <a:srgbClr val="A9B7C6"/>
+                </a:solidFill>
+                <a:effectLst/>
+                <a:latin typeface="JetBrains Mono"/>
+              </a:rPr>
+              <a:t>System.</a:t>
+            </a:r>
+            <a:r>
+              <a:rPr kumimoji="0" lang="en-US" altLang="en-US" sz="1800" b="0" i="1" u="none" strike="noStrike" cap="none" normalizeH="0" baseline="0" dirty="0" err="1">
+                <a:ln>
+                  <a:noFill/>
+                </a:ln>
+                <a:solidFill>
+                  <a:srgbClr val="9876AA"/>
+                </a:solidFill>
+                <a:effectLst/>
+                <a:latin typeface="JetBrains Mono"/>
+              </a:rPr>
+              <a:t>out</a:t>
+            </a:r>
+            <a:r>
+              <a:rPr kumimoji="0" lang="en-US" altLang="en-US" sz="1800" b="0" i="0" u="none" strike="noStrike" cap="none" normalizeH="0" baseline="0" dirty="0" err="1">
+                <a:ln>
+                  <a:noFill/>
+                </a:ln>
+                <a:solidFill>
+                  <a:srgbClr val="A9B7C6"/>
+                </a:solidFill>
+                <a:effectLst/>
+                <a:latin typeface="JetBrains Mono"/>
+              </a:rPr>
+              <a:t>.println</a:t>
+            </a:r>
+            <a:r>
+              <a:rPr kumimoji="0" lang="en-US" altLang="en-US" sz="1800" b="0" i="0" u="none" strike="noStrike" cap="none" normalizeH="0" baseline="0" dirty="0">
+                <a:ln>
+                  <a:noFill/>
+                </a:ln>
+                <a:solidFill>
+                  <a:srgbClr val="A9B7C6"/>
+                </a:solidFill>
+                <a:effectLst/>
+                <a:latin typeface="JetBrains Mono"/>
+              </a:rPr>
+              <a:t>(</a:t>
+            </a:r>
+            <a:r>
+              <a:rPr kumimoji="0" lang="en-US" altLang="en-US" sz="1800" b="0" i="0" u="none" strike="noStrike" cap="none" normalizeH="0" baseline="0" dirty="0">
+                <a:ln>
+                  <a:noFill/>
+                </a:ln>
+                <a:solidFill>
+                  <a:srgbClr val="6A8759"/>
+                </a:solidFill>
+                <a:effectLst/>
+                <a:latin typeface="JetBrains Mono"/>
+              </a:rPr>
+              <a:t>"(CDC: 18.6-24.9 normal)"</a:t>
+            </a:r>
+            <a:r>
+              <a:rPr kumimoji="0" lang="en-US" altLang="en-US" sz="1800" b="0" i="0" u="none" strike="noStrike" cap="none" normalizeH="0" baseline="0" dirty="0">
+                <a:ln>
+                  <a:noFill/>
+                </a:ln>
+                <a:solidFill>
+                  <a:srgbClr val="A9B7C6"/>
+                </a:solidFill>
+                <a:effectLst/>
+                <a:latin typeface="JetBrains Mono"/>
+              </a:rPr>
+              <a:t>)</a:t>
+            </a:r>
+            <a:r>
+              <a:rPr kumimoji="0" lang="en-US" altLang="en-US" sz="1800" b="0" i="0" u="none" strike="noStrike" cap="none" normalizeH="0" baseline="0" dirty="0">
+                <a:ln>
+                  <a:noFill/>
+                </a:ln>
+                <a:solidFill>
+                  <a:srgbClr val="CC7832"/>
+                </a:solidFill>
+                <a:effectLst/>
+                <a:latin typeface="JetBrains Mono"/>
+              </a:rPr>
+              <a:t>;</a:t>
+            </a:r>
+            <a:br>
+              <a:rPr kumimoji="0" lang="en-US" altLang="en-US" sz="1800" b="0" i="0" u="none" strike="noStrike" cap="none" normalizeH="0" baseline="0" dirty="0">
+                <a:ln>
+                  <a:noFill/>
+                </a:ln>
+                <a:solidFill>
+                  <a:srgbClr val="CC7832"/>
+                </a:solidFill>
+                <a:effectLst/>
+                <a:latin typeface="JetBrains Mono"/>
+              </a:rPr>
+            </a:br>
+            <a:r>
+              <a:rPr kumimoji="0" lang="en-US" altLang="en-US" sz="1800" b="0" i="0" u="none" strike="noStrike" cap="none" normalizeH="0" baseline="0" dirty="0">
+                <a:ln>
+                  <a:noFill/>
+                </a:ln>
+                <a:solidFill>
+                  <a:srgbClr val="CC7832"/>
+                </a:solidFill>
+                <a:effectLst/>
+                <a:latin typeface="JetBrains Mono"/>
+              </a:rPr>
+              <a:t>            </a:t>
+            </a:r>
+            <a:r>
+              <a:rPr kumimoji="0" lang="en-US" altLang="en-US" sz="1800" b="0" i="0" u="none" strike="noStrike" cap="none" normalizeH="0" baseline="0" dirty="0">
+                <a:ln>
+                  <a:noFill/>
+                </a:ln>
+                <a:solidFill>
+                  <a:srgbClr val="A9B7C6"/>
+                </a:solidFill>
+                <a:effectLst/>
+                <a:latin typeface="JetBrains Mono"/>
+              </a:rPr>
+              <a:t>} </a:t>
+            </a:r>
+            <a:r>
+              <a:rPr kumimoji="0" lang="en-US" altLang="en-US" sz="1800" b="0" i="0" u="none" strike="noStrike" cap="none" normalizeH="0" baseline="0" dirty="0">
+                <a:ln>
+                  <a:noFill/>
+                </a:ln>
+                <a:solidFill>
+                  <a:srgbClr val="CC7832"/>
+                </a:solidFill>
+                <a:effectLst/>
+                <a:latin typeface="JetBrains Mono"/>
+              </a:rPr>
+              <a:t>catch </a:t>
+            </a:r>
+            <a:r>
+              <a:rPr kumimoji="0" lang="en-US" altLang="en-US" sz="1800" b="0" i="0" u="none" strike="noStrike" cap="none" normalizeH="0" baseline="0" dirty="0">
+                <a:ln>
+                  <a:noFill/>
+                </a:ln>
+                <a:solidFill>
+                  <a:srgbClr val="A9B7C6"/>
+                </a:solidFill>
+                <a:effectLst/>
+                <a:latin typeface="JetBrains Mono"/>
+              </a:rPr>
+              <a:t>(Exception </a:t>
+            </a:r>
+            <a:r>
+              <a:rPr kumimoji="0" lang="en-US" altLang="en-US" sz="1800" b="0" i="0" u="none" strike="noStrike" cap="none" normalizeH="0" baseline="0" dirty="0" err="1">
+                <a:ln>
+                  <a:noFill/>
+                </a:ln>
+                <a:solidFill>
+                  <a:srgbClr val="A9B7C6"/>
+                </a:solidFill>
+                <a:effectLst/>
+                <a:latin typeface="JetBrains Mono"/>
+              </a:rPr>
+              <a:t>excpt</a:t>
+            </a:r>
+            <a:r>
+              <a:rPr kumimoji="0" lang="en-US" altLang="en-US" sz="1800" b="0" i="0" u="none" strike="noStrike" cap="none" normalizeH="0" baseline="0" dirty="0">
+                <a:ln>
+                  <a:noFill/>
+                </a:ln>
+                <a:solidFill>
+                  <a:srgbClr val="A9B7C6"/>
+                </a:solidFill>
+                <a:effectLst/>
+                <a:latin typeface="JetBrains Mono"/>
+              </a:rPr>
+              <a:t>) {</a:t>
+            </a:r>
+            <a:br>
+              <a:rPr kumimoji="0" lang="en-US" altLang="en-US" sz="1800" b="0" i="0" u="none" strike="noStrike" cap="none" normalizeH="0" baseline="0" dirty="0">
+                <a:ln>
+                  <a:noFill/>
+                </a:ln>
+                <a:solidFill>
+                  <a:srgbClr val="A9B7C6"/>
+                </a:solidFill>
+                <a:effectLst/>
+                <a:latin typeface="JetBrains Mono"/>
+              </a:rPr>
+            </a:br>
+            <a:r>
+              <a:rPr kumimoji="0" lang="en-US" altLang="en-US" sz="1800" b="0" i="0" u="none" strike="noStrike" cap="none" normalizeH="0" baseline="0" dirty="0">
+                <a:ln>
+                  <a:noFill/>
+                </a:ln>
+                <a:solidFill>
+                  <a:srgbClr val="A9B7C6"/>
+                </a:solidFill>
+                <a:effectLst/>
+                <a:latin typeface="JetBrains Mono"/>
+              </a:rPr>
+              <a:t>                </a:t>
+            </a:r>
+            <a:r>
+              <a:rPr kumimoji="0" lang="en-US" altLang="en-US" sz="1800" b="0" i="0" u="none" strike="noStrike" cap="none" normalizeH="0" baseline="0" dirty="0">
+                <a:ln>
+                  <a:noFill/>
+                </a:ln>
+                <a:solidFill>
+                  <a:srgbClr val="808080"/>
+                </a:solidFill>
+                <a:effectLst/>
+                <a:latin typeface="JetBrains Mono"/>
+              </a:rPr>
+              <a:t>// Prints the error message passed by throw statement</a:t>
+            </a:r>
+            <a:br>
+              <a:rPr kumimoji="0" lang="en-US" altLang="en-US" sz="1800" b="0" i="0" u="none" strike="noStrike" cap="none" normalizeH="0" baseline="0" dirty="0">
+                <a:ln>
+                  <a:noFill/>
+                </a:ln>
+                <a:solidFill>
+                  <a:srgbClr val="808080"/>
+                </a:solidFill>
+                <a:effectLst/>
+                <a:latin typeface="JetBrains Mono"/>
+              </a:rPr>
+            </a:br>
+            <a:r>
+              <a:rPr kumimoji="0" lang="en-US" altLang="en-US" sz="1800" b="0" i="0" u="none" strike="noStrike" cap="none" normalizeH="0" baseline="0" dirty="0">
+                <a:ln>
+                  <a:noFill/>
+                </a:ln>
+                <a:solidFill>
+                  <a:srgbClr val="808080"/>
+                </a:solidFill>
+                <a:effectLst/>
+                <a:latin typeface="JetBrains Mono"/>
+              </a:rPr>
+              <a:t>                </a:t>
+            </a:r>
+            <a:r>
+              <a:rPr kumimoji="0" lang="en-US" altLang="en-US" sz="1800" b="0" i="0" u="none" strike="noStrike" cap="none" normalizeH="0" baseline="0" dirty="0" err="1">
+                <a:ln>
+                  <a:noFill/>
+                </a:ln>
+                <a:solidFill>
+                  <a:srgbClr val="A9B7C6"/>
+                </a:solidFill>
+                <a:effectLst/>
+                <a:latin typeface="JetBrains Mono"/>
+              </a:rPr>
+              <a:t>System.</a:t>
+            </a:r>
+            <a:r>
+              <a:rPr kumimoji="0" lang="en-US" altLang="en-US" sz="1800" b="0" i="1" u="none" strike="noStrike" cap="none" normalizeH="0" baseline="0" dirty="0" err="1">
+                <a:ln>
+                  <a:noFill/>
+                </a:ln>
+                <a:solidFill>
+                  <a:srgbClr val="9876AA"/>
+                </a:solidFill>
+                <a:effectLst/>
+                <a:latin typeface="JetBrains Mono"/>
+              </a:rPr>
+              <a:t>out</a:t>
+            </a:r>
+            <a:r>
+              <a:rPr kumimoji="0" lang="en-US" altLang="en-US" sz="1800" b="0" i="0" u="none" strike="noStrike" cap="none" normalizeH="0" baseline="0" dirty="0" err="1">
+                <a:ln>
+                  <a:noFill/>
+                </a:ln>
+                <a:solidFill>
+                  <a:srgbClr val="A9B7C6"/>
+                </a:solidFill>
+                <a:effectLst/>
+                <a:latin typeface="JetBrains Mono"/>
+              </a:rPr>
+              <a:t>.println</a:t>
+            </a:r>
+            <a:r>
+              <a:rPr kumimoji="0" lang="en-US" altLang="en-US" sz="1800" b="0" i="0" u="none" strike="noStrike" cap="none" normalizeH="0" baseline="0" dirty="0">
+                <a:ln>
+                  <a:noFill/>
+                </a:ln>
+                <a:solidFill>
+                  <a:srgbClr val="A9B7C6"/>
+                </a:solidFill>
+                <a:effectLst/>
+                <a:latin typeface="JetBrains Mono"/>
+              </a:rPr>
+              <a:t>(</a:t>
+            </a:r>
+            <a:r>
+              <a:rPr kumimoji="0" lang="en-US" altLang="en-US" sz="1800" b="0" i="0" u="none" strike="noStrike" cap="none" normalizeH="0" baseline="0" dirty="0" err="1">
+                <a:ln>
+                  <a:noFill/>
+                </a:ln>
+                <a:solidFill>
+                  <a:srgbClr val="A9B7C6"/>
+                </a:solidFill>
+                <a:effectLst/>
+                <a:latin typeface="JetBrains Mono"/>
+              </a:rPr>
+              <a:t>excpt.getMessage</a:t>
+            </a:r>
+            <a:r>
+              <a:rPr kumimoji="0" lang="en-US" altLang="en-US" sz="1800" b="0" i="0" u="none" strike="noStrike" cap="none" normalizeH="0" baseline="0" dirty="0">
+                <a:ln>
+                  <a:noFill/>
+                </a:ln>
+                <a:solidFill>
+                  <a:srgbClr val="A9B7C6"/>
+                </a:solidFill>
+                <a:effectLst/>
+                <a:latin typeface="JetBrains Mono"/>
+              </a:rPr>
+              <a:t>())</a:t>
+            </a:r>
+            <a:r>
+              <a:rPr kumimoji="0" lang="en-US" altLang="en-US" sz="1800" b="0" i="0" u="none" strike="noStrike" cap="none" normalizeH="0" baseline="0" dirty="0">
+                <a:ln>
+                  <a:noFill/>
+                </a:ln>
+                <a:solidFill>
+                  <a:srgbClr val="CC7832"/>
+                </a:solidFill>
+                <a:effectLst/>
+                <a:latin typeface="JetBrains Mono"/>
+              </a:rPr>
+              <a:t>;</a:t>
+            </a:r>
+            <a:br>
+              <a:rPr kumimoji="0" lang="en-US" altLang="en-US" sz="1800" b="0" i="0" u="none" strike="noStrike" cap="none" normalizeH="0" baseline="0" dirty="0">
+                <a:ln>
+                  <a:noFill/>
+                </a:ln>
+                <a:solidFill>
+                  <a:srgbClr val="CC7832"/>
+                </a:solidFill>
+                <a:effectLst/>
+                <a:latin typeface="JetBrains Mono"/>
+              </a:rPr>
+            </a:br>
+            <a:r>
+              <a:rPr kumimoji="0" lang="en-US" altLang="en-US" sz="1800" b="0" i="0" u="none" strike="noStrike" cap="none" normalizeH="0" baseline="0" dirty="0">
+                <a:ln>
+                  <a:noFill/>
+                </a:ln>
+                <a:solidFill>
+                  <a:srgbClr val="CC7832"/>
+                </a:solidFill>
+                <a:effectLst/>
+                <a:latin typeface="JetBrains Mono"/>
+              </a:rPr>
+              <a:t>                </a:t>
+            </a:r>
+            <a:r>
+              <a:rPr kumimoji="0" lang="en-US" altLang="en-US" sz="1800" b="0" i="0" u="none" strike="noStrike" cap="none" normalizeH="0" baseline="0" dirty="0" err="1">
+                <a:ln>
+                  <a:noFill/>
+                </a:ln>
+                <a:solidFill>
+                  <a:srgbClr val="A9B7C6"/>
+                </a:solidFill>
+                <a:effectLst/>
+                <a:latin typeface="JetBrains Mono"/>
+              </a:rPr>
+              <a:t>System.</a:t>
+            </a:r>
+            <a:r>
+              <a:rPr kumimoji="0" lang="en-US" altLang="en-US" sz="1800" b="0" i="1" u="none" strike="noStrike" cap="none" normalizeH="0" baseline="0" dirty="0" err="1">
+                <a:ln>
+                  <a:noFill/>
+                </a:ln>
+                <a:solidFill>
+                  <a:srgbClr val="9876AA"/>
+                </a:solidFill>
+                <a:effectLst/>
+                <a:latin typeface="JetBrains Mono"/>
+              </a:rPr>
+              <a:t>out</a:t>
+            </a:r>
+            <a:r>
+              <a:rPr kumimoji="0" lang="en-US" altLang="en-US" sz="1800" b="0" i="0" u="none" strike="noStrike" cap="none" normalizeH="0" baseline="0" dirty="0" err="1">
+                <a:ln>
+                  <a:noFill/>
+                </a:ln>
+                <a:solidFill>
+                  <a:srgbClr val="A9B7C6"/>
+                </a:solidFill>
+                <a:effectLst/>
+                <a:latin typeface="JetBrains Mono"/>
+              </a:rPr>
+              <a:t>.println</a:t>
+            </a:r>
+            <a:r>
+              <a:rPr kumimoji="0" lang="en-US" altLang="en-US" sz="1800" b="0" i="0" u="none" strike="noStrike" cap="none" normalizeH="0" baseline="0" dirty="0">
+                <a:ln>
+                  <a:noFill/>
+                </a:ln>
+                <a:solidFill>
+                  <a:srgbClr val="A9B7C6"/>
+                </a:solidFill>
+                <a:effectLst/>
+                <a:latin typeface="JetBrains Mono"/>
+              </a:rPr>
+              <a:t>(</a:t>
+            </a:r>
+            <a:r>
+              <a:rPr kumimoji="0" lang="en-US" altLang="en-US" sz="1800" b="0" i="0" u="none" strike="noStrike" cap="none" normalizeH="0" baseline="0" dirty="0">
+                <a:ln>
+                  <a:noFill/>
+                </a:ln>
+                <a:solidFill>
+                  <a:srgbClr val="6A8759"/>
+                </a:solidFill>
+                <a:effectLst/>
+                <a:latin typeface="JetBrains Mono"/>
+              </a:rPr>
+              <a:t>"Cannot compute health info"</a:t>
+            </a:r>
+            <a:r>
+              <a:rPr kumimoji="0" lang="en-US" altLang="en-US" sz="1800" b="0" i="0" u="none" strike="noStrike" cap="none" normalizeH="0" baseline="0" dirty="0">
+                <a:ln>
+                  <a:noFill/>
+                </a:ln>
+                <a:solidFill>
+                  <a:srgbClr val="A9B7C6"/>
+                </a:solidFill>
+                <a:effectLst/>
+                <a:latin typeface="JetBrains Mono"/>
+              </a:rPr>
+              <a:t>)</a:t>
+            </a:r>
+            <a:r>
+              <a:rPr kumimoji="0" lang="en-US" altLang="en-US" sz="1800" b="0" i="0" u="none" strike="noStrike" cap="none" normalizeH="0" baseline="0" dirty="0">
+                <a:ln>
+                  <a:noFill/>
+                </a:ln>
+                <a:solidFill>
+                  <a:srgbClr val="CC7832"/>
+                </a:solidFill>
+                <a:effectLst/>
+                <a:latin typeface="JetBrains Mono"/>
+              </a:rPr>
+              <a:t>;</a:t>
+            </a:r>
+            <a:br>
+              <a:rPr kumimoji="0" lang="en-US" altLang="en-US" sz="1800" b="0" i="0" u="none" strike="noStrike" cap="none" normalizeH="0" baseline="0" dirty="0">
+                <a:ln>
+                  <a:noFill/>
+                </a:ln>
+                <a:solidFill>
+                  <a:srgbClr val="CC7832"/>
+                </a:solidFill>
+                <a:effectLst/>
+                <a:latin typeface="JetBrains Mono"/>
+              </a:rPr>
+            </a:br>
+            <a:r>
+              <a:rPr kumimoji="0" lang="en-US" altLang="en-US" sz="1800" b="0" i="0" u="none" strike="noStrike" cap="none" normalizeH="0" baseline="0" dirty="0">
+                <a:ln>
+                  <a:noFill/>
+                </a:ln>
+                <a:solidFill>
+                  <a:srgbClr val="CC7832"/>
+                </a:solidFill>
+                <a:effectLst/>
+                <a:latin typeface="JetBrains Mono"/>
+              </a:rPr>
+              <a:t>            </a:t>
+            </a:r>
+            <a:r>
+              <a:rPr kumimoji="0" lang="en-US" altLang="en-US" sz="1800" b="0" i="0" u="none" strike="noStrike" cap="none" normalizeH="0" baseline="0" dirty="0">
+                <a:ln>
+                  <a:noFill/>
+                </a:ln>
+                <a:solidFill>
+                  <a:srgbClr val="A9B7C6"/>
+                </a:solidFill>
+                <a:effectLst/>
+                <a:latin typeface="JetBrains Mono"/>
+              </a:rPr>
+              <a:t>}</a:t>
+            </a:r>
+            <a:br>
+              <a:rPr kumimoji="0" lang="en-US" altLang="en-US" sz="1800" b="0" i="0" u="none" strike="noStrike" cap="none" normalizeH="0" baseline="0" dirty="0">
+                <a:ln>
+                  <a:noFill/>
+                </a:ln>
+                <a:solidFill>
+                  <a:srgbClr val="A9B7C6"/>
+                </a:solidFill>
+                <a:effectLst/>
+                <a:latin typeface="JetBrains Mono"/>
+              </a:rPr>
+            </a:br>
+            <a:r>
+              <a:rPr kumimoji="0" lang="en-US" altLang="en-US" sz="1800" b="0" i="0" u="none" strike="noStrike" cap="none" normalizeH="0" baseline="0" dirty="0">
+                <a:ln>
+                  <a:noFill/>
+                </a:ln>
+                <a:solidFill>
+                  <a:srgbClr val="A9B7C6"/>
+                </a:solidFill>
+                <a:effectLst/>
+                <a:latin typeface="JetBrains Mono"/>
+              </a:rPr>
+              <a:t>            </a:t>
+            </a:r>
+            <a:r>
+              <a:rPr kumimoji="0" lang="en-US" altLang="en-US" sz="1800" b="0" i="0" u="none" strike="noStrike" cap="none" normalizeH="0" baseline="0" dirty="0">
+                <a:ln>
+                  <a:noFill/>
+                </a:ln>
+                <a:solidFill>
+                  <a:srgbClr val="808080"/>
+                </a:solidFill>
+                <a:effectLst/>
+                <a:latin typeface="JetBrains Mono"/>
+              </a:rPr>
+              <a:t>// Prompt user to continue/quit</a:t>
+            </a:r>
+            <a:br>
+              <a:rPr kumimoji="0" lang="en-US" altLang="en-US" sz="1800" b="0" i="0" u="none" strike="noStrike" cap="none" normalizeH="0" baseline="0" dirty="0">
+                <a:ln>
+                  <a:noFill/>
+                </a:ln>
+                <a:solidFill>
+                  <a:srgbClr val="808080"/>
+                </a:solidFill>
+                <a:effectLst/>
+                <a:latin typeface="JetBrains Mono"/>
+              </a:rPr>
+            </a:br>
+            <a:r>
+              <a:rPr kumimoji="0" lang="en-US" altLang="en-US" sz="1800" b="0" i="0" u="none" strike="noStrike" cap="none" normalizeH="0" baseline="0" dirty="0">
+                <a:ln>
+                  <a:noFill/>
+                </a:ln>
+                <a:solidFill>
+                  <a:srgbClr val="808080"/>
+                </a:solidFill>
+                <a:effectLst/>
+                <a:latin typeface="JetBrains Mono"/>
+              </a:rPr>
+              <a:t>            </a:t>
+            </a:r>
+            <a:r>
+              <a:rPr kumimoji="0" lang="en-US" altLang="en-US" sz="1800" b="0" i="0" u="none" strike="noStrike" cap="none" normalizeH="0" baseline="0" dirty="0" err="1">
+                <a:ln>
+                  <a:noFill/>
+                </a:ln>
+                <a:solidFill>
+                  <a:srgbClr val="A9B7C6"/>
+                </a:solidFill>
+                <a:effectLst/>
+                <a:latin typeface="JetBrains Mono"/>
+              </a:rPr>
+              <a:t>System.</a:t>
+            </a:r>
+            <a:r>
+              <a:rPr kumimoji="0" lang="en-US" altLang="en-US" sz="1800" b="0" i="1" u="none" strike="noStrike" cap="none" normalizeH="0" baseline="0" dirty="0" err="1">
+                <a:ln>
+                  <a:noFill/>
+                </a:ln>
+                <a:solidFill>
+                  <a:srgbClr val="9876AA"/>
+                </a:solidFill>
+                <a:effectLst/>
+                <a:latin typeface="JetBrains Mono"/>
+              </a:rPr>
+              <a:t>out</a:t>
+            </a:r>
+            <a:r>
+              <a:rPr kumimoji="0" lang="en-US" altLang="en-US" sz="1800" b="0" i="0" u="none" strike="noStrike" cap="none" normalizeH="0" baseline="0" dirty="0" err="1">
+                <a:ln>
+                  <a:noFill/>
+                </a:ln>
+                <a:solidFill>
+                  <a:srgbClr val="A9B7C6"/>
+                </a:solidFill>
+                <a:effectLst/>
+                <a:latin typeface="JetBrains Mono"/>
+              </a:rPr>
+              <a:t>.print</a:t>
+            </a:r>
+            <a:r>
+              <a:rPr kumimoji="0" lang="en-US" altLang="en-US" sz="1800" b="0" i="0" u="none" strike="noStrike" cap="none" normalizeH="0" baseline="0" dirty="0">
+                <a:ln>
+                  <a:noFill/>
+                </a:ln>
+                <a:solidFill>
+                  <a:srgbClr val="A9B7C6"/>
+                </a:solidFill>
+                <a:effectLst/>
+                <a:latin typeface="JetBrains Mono"/>
+              </a:rPr>
+              <a:t>(</a:t>
+            </a:r>
+            <a:r>
+              <a:rPr kumimoji="0" lang="en-US" altLang="en-US" sz="1800" b="0" i="0" u="none" strike="noStrike" cap="none" normalizeH="0" baseline="0" dirty="0">
+                <a:ln>
+                  <a:noFill/>
+                </a:ln>
+                <a:solidFill>
+                  <a:srgbClr val="6A8759"/>
+                </a:solidFill>
+                <a:effectLst/>
+                <a:latin typeface="JetBrains Mono"/>
+              </a:rPr>
+              <a:t>"</a:t>
+            </a:r>
+            <a:r>
+              <a:rPr kumimoji="0" lang="en-US" altLang="en-US" sz="1800" b="0" i="0" u="none" strike="noStrike" cap="none" normalizeH="0" baseline="0" dirty="0">
+                <a:ln>
+                  <a:noFill/>
+                </a:ln>
+                <a:solidFill>
+                  <a:srgbClr val="CC7832"/>
+                </a:solidFill>
+                <a:effectLst/>
+                <a:latin typeface="JetBrains Mono"/>
+              </a:rPr>
+              <a:t>\</a:t>
+            </a:r>
+            <a:r>
+              <a:rPr kumimoji="0" lang="en-US" altLang="en-US" sz="1800" b="0" i="0" u="none" strike="noStrike" cap="none" normalizeH="0" baseline="0" dirty="0" err="1">
+                <a:ln>
+                  <a:noFill/>
+                </a:ln>
+                <a:solidFill>
+                  <a:srgbClr val="CC7832"/>
+                </a:solidFill>
+                <a:effectLst/>
+                <a:latin typeface="JetBrains Mono"/>
+              </a:rPr>
+              <a:t>n</a:t>
+            </a:r>
+            <a:r>
+              <a:rPr kumimoji="0" lang="en-US" altLang="en-US" sz="1800" b="0" i="0" u="none" strike="noStrike" cap="none" normalizeH="0" baseline="0" dirty="0" err="1">
+                <a:ln>
+                  <a:noFill/>
+                </a:ln>
+                <a:solidFill>
+                  <a:srgbClr val="6A8759"/>
+                </a:solidFill>
+                <a:effectLst/>
+                <a:latin typeface="JetBrains Mono"/>
+              </a:rPr>
+              <a:t>Enter</a:t>
+            </a:r>
+            <a:r>
+              <a:rPr kumimoji="0" lang="en-US" altLang="en-US" sz="1800" b="0" i="0" u="none" strike="noStrike" cap="none" normalizeH="0" baseline="0" dirty="0">
+                <a:ln>
+                  <a:noFill/>
+                </a:ln>
+                <a:solidFill>
+                  <a:srgbClr val="6A8759"/>
+                </a:solidFill>
+                <a:effectLst/>
+                <a:latin typeface="JetBrains Mono"/>
+              </a:rPr>
+              <a:t> any key ('q' to quit): "</a:t>
+            </a:r>
+            <a:r>
+              <a:rPr kumimoji="0" lang="en-US" altLang="en-US" sz="1800" b="0" i="0" u="none" strike="noStrike" cap="none" normalizeH="0" baseline="0" dirty="0">
+                <a:ln>
+                  <a:noFill/>
+                </a:ln>
+                <a:solidFill>
+                  <a:srgbClr val="A9B7C6"/>
+                </a:solidFill>
+                <a:effectLst/>
+                <a:latin typeface="JetBrains Mono"/>
+              </a:rPr>
+              <a:t>)</a:t>
+            </a:r>
+            <a:r>
+              <a:rPr kumimoji="0" lang="en-US" altLang="en-US" sz="1800" b="0" i="0" u="none" strike="noStrike" cap="none" normalizeH="0" baseline="0" dirty="0">
+                <a:ln>
+                  <a:noFill/>
+                </a:ln>
+                <a:solidFill>
+                  <a:srgbClr val="CC7832"/>
+                </a:solidFill>
+                <a:effectLst/>
+                <a:latin typeface="JetBrains Mono"/>
+              </a:rPr>
+              <a:t>;</a:t>
+            </a:r>
+            <a:br>
+              <a:rPr kumimoji="0" lang="en-US" altLang="en-US" sz="1800" b="0" i="0" u="none" strike="noStrike" cap="none" normalizeH="0" baseline="0" dirty="0">
+                <a:ln>
+                  <a:noFill/>
+                </a:ln>
+                <a:solidFill>
+                  <a:srgbClr val="CC7832"/>
+                </a:solidFill>
+                <a:effectLst/>
+                <a:latin typeface="JetBrains Mono"/>
+              </a:rPr>
+            </a:br>
+            <a:r>
+              <a:rPr kumimoji="0" lang="en-US" altLang="en-US" sz="1800" b="0" i="0" u="none" strike="noStrike" cap="none" normalizeH="0" baseline="0" dirty="0">
+                <a:ln>
+                  <a:noFill/>
+                </a:ln>
+                <a:solidFill>
+                  <a:srgbClr val="CC7832"/>
+                </a:solidFill>
+                <a:effectLst/>
+                <a:latin typeface="JetBrains Mono"/>
+              </a:rPr>
+              <a:t>            </a:t>
+            </a:r>
+            <a:r>
+              <a:rPr kumimoji="0" lang="en-US" altLang="en-US" sz="1800" b="0" i="0" u="none" strike="noStrike" cap="none" normalizeH="0" baseline="0" dirty="0" err="1">
+                <a:ln>
+                  <a:noFill/>
+                </a:ln>
+                <a:solidFill>
+                  <a:srgbClr val="A9B7C6"/>
+                </a:solidFill>
+                <a:effectLst/>
+                <a:latin typeface="JetBrains Mono"/>
+              </a:rPr>
+              <a:t>quitCmd</a:t>
+            </a:r>
+            <a:r>
+              <a:rPr kumimoji="0" lang="en-US" altLang="en-US" sz="1800" b="0" i="0" u="none" strike="noStrike" cap="none" normalizeH="0" baseline="0" dirty="0">
+                <a:ln>
+                  <a:noFill/>
+                </a:ln>
+                <a:solidFill>
+                  <a:srgbClr val="A9B7C6"/>
+                </a:solidFill>
+                <a:effectLst/>
+                <a:latin typeface="JetBrains Mono"/>
+              </a:rPr>
+              <a:t> = </a:t>
+            </a:r>
+            <a:r>
+              <a:rPr kumimoji="0" lang="en-US" altLang="en-US" sz="1800" b="0" i="0" u="none" strike="noStrike" cap="none" normalizeH="0" baseline="0" dirty="0" err="1">
+                <a:ln>
+                  <a:noFill/>
+                </a:ln>
+                <a:solidFill>
+                  <a:srgbClr val="A9B7C6"/>
+                </a:solidFill>
+                <a:effectLst/>
+                <a:latin typeface="JetBrains Mono"/>
+              </a:rPr>
+              <a:t>scnr.next</a:t>
+            </a:r>
+            <a:r>
+              <a:rPr kumimoji="0" lang="en-US" altLang="en-US" sz="1800" b="0" i="0" u="none" strike="noStrike" cap="none" normalizeH="0" baseline="0" dirty="0">
+                <a:ln>
+                  <a:noFill/>
+                </a:ln>
+                <a:solidFill>
+                  <a:srgbClr val="A9B7C6"/>
+                </a:solidFill>
+                <a:effectLst/>
+                <a:latin typeface="JetBrains Mono"/>
+              </a:rPr>
+              <a:t>().</a:t>
+            </a:r>
+            <a:r>
+              <a:rPr kumimoji="0" lang="en-US" altLang="en-US" sz="1800" b="0" i="0" u="none" strike="noStrike" cap="none" normalizeH="0" baseline="0" dirty="0" err="1">
+                <a:ln>
+                  <a:noFill/>
+                </a:ln>
+                <a:solidFill>
+                  <a:srgbClr val="A9B7C6"/>
+                </a:solidFill>
+                <a:effectLst/>
+                <a:latin typeface="JetBrains Mono"/>
+              </a:rPr>
+              <a:t>charAt</a:t>
+            </a:r>
+            <a:r>
+              <a:rPr kumimoji="0" lang="en-US" altLang="en-US" sz="1800" b="0" i="0" u="none" strike="noStrike" cap="none" normalizeH="0" baseline="0" dirty="0">
+                <a:ln>
+                  <a:noFill/>
+                </a:ln>
+                <a:solidFill>
+                  <a:srgbClr val="A9B7C6"/>
+                </a:solidFill>
+                <a:effectLst/>
+                <a:latin typeface="JetBrains Mono"/>
+              </a:rPr>
+              <a:t>(</a:t>
+            </a:r>
+            <a:r>
+              <a:rPr kumimoji="0" lang="en-US" altLang="en-US" sz="1800" b="0" i="0" u="none" strike="noStrike" cap="none" normalizeH="0" baseline="0" dirty="0">
+                <a:ln>
+                  <a:noFill/>
+                </a:ln>
+                <a:solidFill>
+                  <a:srgbClr val="6897BB"/>
+                </a:solidFill>
+                <a:effectLst/>
+                <a:latin typeface="JetBrains Mono"/>
+              </a:rPr>
+              <a:t>0</a:t>
+            </a:r>
+            <a:r>
+              <a:rPr kumimoji="0" lang="en-US" altLang="en-US" sz="1800" b="0" i="0" u="none" strike="noStrike" cap="none" normalizeH="0" baseline="0" dirty="0">
+                <a:ln>
+                  <a:noFill/>
+                </a:ln>
+                <a:solidFill>
+                  <a:srgbClr val="A9B7C6"/>
+                </a:solidFill>
+                <a:effectLst/>
+                <a:latin typeface="JetBrains Mono"/>
+              </a:rPr>
+              <a:t>)</a:t>
+            </a:r>
+            <a:r>
+              <a:rPr kumimoji="0" lang="en-US" altLang="en-US" sz="1800" b="0" i="0" u="none" strike="noStrike" cap="none" normalizeH="0" baseline="0" dirty="0">
+                <a:ln>
+                  <a:noFill/>
+                </a:ln>
+                <a:solidFill>
+                  <a:srgbClr val="CC7832"/>
+                </a:solidFill>
+                <a:effectLst/>
+                <a:latin typeface="JetBrains Mono"/>
+              </a:rPr>
+              <a:t>;</a:t>
+            </a:r>
+            <a:br>
+              <a:rPr kumimoji="0" lang="en-US" altLang="en-US" sz="1800" b="0" i="0" u="none" strike="noStrike" cap="none" normalizeH="0" baseline="0" dirty="0">
+                <a:ln>
+                  <a:noFill/>
+                </a:ln>
+                <a:solidFill>
+                  <a:srgbClr val="CC7832"/>
+                </a:solidFill>
+                <a:effectLst/>
+                <a:latin typeface="JetBrains Mono"/>
+              </a:rPr>
+            </a:br>
+            <a:r>
+              <a:rPr kumimoji="0" lang="en-US" altLang="en-US" sz="1800" b="0" i="0" u="none" strike="noStrike" cap="none" normalizeH="0" baseline="0" dirty="0">
+                <a:ln>
+                  <a:noFill/>
+                </a:ln>
+                <a:solidFill>
+                  <a:srgbClr val="CC7832"/>
+                </a:solidFill>
+                <a:effectLst/>
+                <a:latin typeface="JetBrains Mono"/>
+              </a:rPr>
+              <a:t>        </a:t>
+            </a:r>
+            <a:r>
+              <a:rPr kumimoji="0" lang="en-US" altLang="en-US" sz="1800" b="0" i="0" u="none" strike="noStrike" cap="none" normalizeH="0" baseline="0" dirty="0">
+                <a:ln>
+                  <a:noFill/>
+                </a:ln>
+                <a:solidFill>
+                  <a:srgbClr val="A9B7C6"/>
+                </a:solidFill>
+                <a:effectLst/>
+                <a:latin typeface="JetBrains Mono"/>
+              </a:rPr>
+              <a:t>}</a:t>
+            </a:r>
+            <a:br>
+              <a:rPr kumimoji="0" lang="en-US" altLang="en-US" sz="1800" b="0" i="0" u="none" strike="noStrike" cap="none" normalizeH="0" baseline="0" dirty="0">
+                <a:ln>
+                  <a:noFill/>
+                </a:ln>
+                <a:solidFill>
+                  <a:srgbClr val="A9B7C6"/>
+                </a:solidFill>
+                <a:effectLst/>
+                <a:latin typeface="JetBrains Mono"/>
+              </a:rPr>
+            </a:br>
+            <a:r>
+              <a:rPr kumimoji="0" lang="en-US" altLang="en-US" sz="1800" b="0" i="0" u="none" strike="noStrike" cap="none" normalizeH="0" baseline="0" dirty="0">
+                <a:ln>
+                  <a:noFill/>
+                </a:ln>
+                <a:solidFill>
+                  <a:srgbClr val="A9B7C6"/>
+                </a:solidFill>
+                <a:effectLst/>
+                <a:latin typeface="JetBrains Mono"/>
+              </a:rPr>
+              <a:t>    }</a:t>
+            </a:r>
+            <a:br>
+              <a:rPr kumimoji="0" lang="en-US" altLang="en-US" sz="1800" b="0" i="0" u="none" strike="noStrike" cap="none" normalizeH="0" baseline="0" dirty="0">
+                <a:ln>
+                  <a:noFill/>
+                </a:ln>
+                <a:solidFill>
+                  <a:srgbClr val="A9B7C6"/>
+                </a:solidFill>
+                <a:effectLst/>
+                <a:latin typeface="JetBrains Mono"/>
+              </a:rPr>
+            </a:br>
+            <a:r>
+              <a:rPr kumimoji="0" lang="en-US" altLang="en-US" sz="1800" b="0" i="0" u="none" strike="noStrike" cap="none" normalizeH="0" baseline="0" dirty="0">
+                <a:ln>
+                  <a:noFill/>
+                </a:ln>
+                <a:solidFill>
+                  <a:srgbClr val="A9B7C6"/>
+                </a:solidFill>
+                <a:effectLst/>
+                <a:latin typeface="JetBrains Mono"/>
+              </a:rPr>
+              <a:t>}</a:t>
+            </a:r>
+            <a:endParaRPr kumimoji="0" lang="en-US" altLang="en-US" sz="1800" b="0" i="0" u="none" strike="noStrike" cap="none" normalizeH="0" baseline="0" dirty="0">
+              <a:ln>
+                <a:noFill/>
+              </a:ln>
+              <a:solidFill>
+                <a:schemeClr val="tx1"/>
+              </a:solidFill>
+              <a:effectLst/>
+              <a:latin typeface="Arial" panose="020B0604020202020204" pitchFamily="34" charset="0"/>
+            </a:endParaRPr>
+          </a:p>
+        </p:txBody>
+      </p:sp>
+    </p:spTree>
+    <p:extLst>
+      <p:ext uri="{BB962C8B-B14F-4D97-AF65-F5344CB8AC3E}">
+        <p14:creationId xmlns:p14="http://schemas.microsoft.com/office/powerpoint/2010/main" val="1451061376"/>
+      </p:ext>
+    </p:extLst>
+  </p:cSld>
+  <p:clrMapOvr>
+    <a:masterClrMapping/>
+  </p:clrMapOvr>
+  <mc:AlternateContent xmlns:mc="http://schemas.openxmlformats.org/markup-compatibility/2006" xmlns:p14="http://schemas.microsoft.com/office/powerpoint/2010/main">
+    <mc:Choice Requires="p14">
+      <p:transition p14:dur="300">
+        <p:fade/>
+      </p:transition>
+    </mc:Choice>
+    <mc:Fallback xmlns="">
+      <p:transition>
+        <p:fade/>
+      </p:transition>
+    </mc:Fallback>
+  </mc:AlternateContent>
+</p:sld>
+</file>
+
+<file path=ppt/slides/slide8.xml><?xml version="1.0" encoding="utf-8"?>
+<p:sld xmlns:a="http://schemas.openxmlformats.org/drawingml/2006/main" xmlns:r="http://schemas.openxmlformats.org/officeDocument/2006/relationships" xmlns:p="http://schemas.openxmlformats.org/presentationml/2006/main">
+  <p:cSld>
+    <p:spTree>
+      <p:nvGrpSpPr>
+        <p:cNvPr id="1" name=""/>
+        <p:cNvGrpSpPr/>
+        <p:nvPr/>
+      </p:nvGrpSpPr>
+      <p:grpSpPr>
+        <a:xfrm>
+          <a:off x="0" y="0"/>
+          <a:ext cx="0" cy="0"/>
+          <a:chOff x="0" y="0"/>
+          <a:chExt cx="0" cy="0"/>
+        </a:xfrm>
+      </p:grpSpPr>
+      <p:sp>
+        <p:nvSpPr>
+          <p:cNvPr id="2" name="Title 1">
+            <a:extLst>
+              <a:ext uri="{FF2B5EF4-FFF2-40B4-BE49-F238E27FC236}">
+                <a16:creationId xmlns:a16="http://schemas.microsoft.com/office/drawing/2014/main" id="{776903C6-1E21-FF4E-BF23-334B721CE6A3}"/>
+              </a:ext>
+            </a:extLst>
+          </p:cNvPr>
+          <p:cNvSpPr>
+            <a:spLocks noGrp="1"/>
+          </p:cNvSpPr>
+          <p:nvPr>
+            <p:ph type="title"/>
+          </p:nvPr>
+        </p:nvSpPr>
+        <p:spPr/>
+        <p:txBody>
+          <a:bodyPr/>
+          <a:lstStyle/>
+          <a:p>
+            <a:r>
+              <a:rPr lang="en-US" dirty="0"/>
+              <a:t>Multiple Handlers</a:t>
+            </a:r>
+          </a:p>
+        </p:txBody>
+      </p:sp>
+      <p:pic>
+        <p:nvPicPr>
+          <p:cNvPr id="4" name="Picture 3">
+            <a:extLst>
+              <a:ext uri="{FF2B5EF4-FFF2-40B4-BE49-F238E27FC236}">
+                <a16:creationId xmlns:a16="http://schemas.microsoft.com/office/drawing/2014/main" id="{A2CD9BA1-8B4E-4AC0-9A7F-11883C19FE74}"/>
+              </a:ext>
+            </a:extLst>
+          </p:cNvPr>
+          <p:cNvPicPr>
+            <a:picLocks noChangeAspect="1"/>
+          </p:cNvPicPr>
+          <p:nvPr/>
+        </p:nvPicPr>
+        <p:blipFill>
+          <a:blip r:embed="rId2"/>
+          <a:stretch>
+            <a:fillRect/>
+          </a:stretch>
+        </p:blipFill>
+        <p:spPr>
+          <a:xfrm>
+            <a:off x="919236" y="1463722"/>
+            <a:ext cx="4238625" cy="5476875"/>
+          </a:xfrm>
+          <a:prstGeom prst="rect">
+            <a:avLst/>
+          </a:prstGeom>
+        </p:spPr>
+      </p:pic>
+      <p:sp>
+        <p:nvSpPr>
+          <p:cNvPr id="8" name="Right Brace 7">
+            <a:extLst>
+              <a:ext uri="{FF2B5EF4-FFF2-40B4-BE49-F238E27FC236}">
+                <a16:creationId xmlns:a16="http://schemas.microsoft.com/office/drawing/2014/main" id="{56940FC7-E476-44A6-A096-A4FF8894B943}"/>
+              </a:ext>
+            </a:extLst>
+          </p:cNvPr>
+          <p:cNvSpPr/>
+          <p:nvPr/>
+        </p:nvSpPr>
+        <p:spPr>
+          <a:xfrm>
+            <a:off x="5316279" y="2349795"/>
+            <a:ext cx="701749" cy="1637414"/>
+          </a:xfrm>
+          <a:prstGeom prst="rightBrace">
+            <a:avLst/>
+          </a:prstGeom>
+        </p:spPr>
+        <p:style>
+          <a:lnRef idx="2">
+            <a:schemeClr val="accent1"/>
+          </a:lnRef>
+          <a:fillRef idx="0">
+            <a:schemeClr val="accent1"/>
+          </a:fillRef>
+          <a:effectRef idx="1">
+            <a:schemeClr val="accent1"/>
+          </a:effectRef>
+          <a:fontRef idx="minor">
+            <a:schemeClr val="tx1"/>
+          </a:fontRef>
+        </p:style>
+        <p:txBody>
+          <a:bodyPr rtlCol="0" anchor="ctr"/>
+          <a:lstStyle/>
+          <a:p>
+            <a:pPr algn="ctr"/>
+            <a:endParaRPr lang="en-US"/>
+          </a:p>
+        </p:txBody>
+      </p:sp>
+      <p:sp>
+        <p:nvSpPr>
+          <p:cNvPr id="9" name="TextBox 8">
+            <a:extLst>
+              <a:ext uri="{FF2B5EF4-FFF2-40B4-BE49-F238E27FC236}">
+                <a16:creationId xmlns:a16="http://schemas.microsoft.com/office/drawing/2014/main" id="{D6BBB74D-437F-455D-A310-C3ABA3FCDACF}"/>
+              </a:ext>
+            </a:extLst>
+          </p:cNvPr>
+          <p:cNvSpPr txBox="1"/>
+          <p:nvPr/>
+        </p:nvSpPr>
+        <p:spPr>
+          <a:xfrm>
+            <a:off x="6337005" y="2968447"/>
+            <a:ext cx="3776996" cy="400110"/>
+          </a:xfrm>
+          <a:prstGeom prst="rect">
+            <a:avLst/>
+          </a:prstGeom>
+          <a:noFill/>
+        </p:spPr>
+        <p:txBody>
+          <a:bodyPr wrap="none" rtlCol="0">
+            <a:spAutoFit/>
+          </a:bodyPr>
+          <a:lstStyle/>
+          <a:p>
+            <a:r>
+              <a:rPr lang="en-US" dirty="0"/>
+              <a:t>Multiple exceptions can happen</a:t>
+            </a:r>
+          </a:p>
+        </p:txBody>
+      </p:sp>
+      <p:sp>
+        <p:nvSpPr>
+          <p:cNvPr id="10" name="Right Brace 9">
+            <a:extLst>
+              <a:ext uri="{FF2B5EF4-FFF2-40B4-BE49-F238E27FC236}">
+                <a16:creationId xmlns:a16="http://schemas.microsoft.com/office/drawing/2014/main" id="{00359D79-1FA9-4B4C-8B8C-30DE3571D978}"/>
+              </a:ext>
+            </a:extLst>
+          </p:cNvPr>
+          <p:cNvSpPr/>
+          <p:nvPr/>
+        </p:nvSpPr>
+        <p:spPr>
+          <a:xfrm>
+            <a:off x="5316279" y="4437320"/>
+            <a:ext cx="701749" cy="1637414"/>
+          </a:xfrm>
+          <a:prstGeom prst="rightBrace">
+            <a:avLst/>
+          </a:prstGeom>
+        </p:spPr>
+        <p:style>
+          <a:lnRef idx="2">
+            <a:schemeClr val="accent1"/>
+          </a:lnRef>
+          <a:fillRef idx="0">
+            <a:schemeClr val="accent1"/>
+          </a:fillRef>
+          <a:effectRef idx="1">
+            <a:schemeClr val="accent1"/>
+          </a:effectRef>
+          <a:fontRef idx="minor">
+            <a:schemeClr val="tx1"/>
+          </a:fontRef>
+        </p:style>
+        <p:txBody>
+          <a:bodyPr rtlCol="0" anchor="ctr"/>
+          <a:lstStyle/>
+          <a:p>
+            <a:pPr algn="ctr"/>
+            <a:endParaRPr lang="en-US"/>
+          </a:p>
+        </p:txBody>
+      </p:sp>
+      <p:sp>
+        <p:nvSpPr>
+          <p:cNvPr id="12" name="TextBox 11">
+            <a:extLst>
+              <a:ext uri="{FF2B5EF4-FFF2-40B4-BE49-F238E27FC236}">
+                <a16:creationId xmlns:a16="http://schemas.microsoft.com/office/drawing/2014/main" id="{D80517DE-03E8-4C47-B3D4-B841D7B7DE99}"/>
+              </a:ext>
+            </a:extLst>
+          </p:cNvPr>
+          <p:cNvSpPr txBox="1"/>
+          <p:nvPr/>
+        </p:nvSpPr>
+        <p:spPr>
+          <a:xfrm>
+            <a:off x="6337005" y="5055972"/>
+            <a:ext cx="7231467" cy="400110"/>
+          </a:xfrm>
+          <a:prstGeom prst="rect">
+            <a:avLst/>
+          </a:prstGeom>
+          <a:noFill/>
+        </p:spPr>
+        <p:txBody>
+          <a:bodyPr wrap="none" rtlCol="0">
+            <a:spAutoFit/>
+          </a:bodyPr>
+          <a:lstStyle/>
+          <a:p>
+            <a:r>
+              <a:rPr lang="en-US" dirty="0"/>
+              <a:t>Needs to handle the more specifics first than the more generic</a:t>
+            </a:r>
+          </a:p>
+        </p:txBody>
+      </p:sp>
+    </p:spTree>
+    <p:extLst>
+      <p:ext uri="{BB962C8B-B14F-4D97-AF65-F5344CB8AC3E}">
+        <p14:creationId xmlns:p14="http://schemas.microsoft.com/office/powerpoint/2010/main" val="1953586090"/>
+      </p:ext>
+    </p:extLst>
+  </p:cSld>
+  <p:clrMapOvr>
+    <a:masterClrMapping/>
+  </p:clrMapOvr>
+  <mc:AlternateContent xmlns:mc="http://schemas.openxmlformats.org/markup-compatibility/2006" xmlns:p14="http://schemas.microsoft.com/office/powerpoint/2010/main">
+    <mc:Choice Requires="p14">
+      <p:transition p14:dur="300">
+        <p:fade/>
+      </p:transition>
+    </mc:Choice>
+    <mc:Fallback xmlns="">
+      <p:transition>
+        <p:fade/>
+      </p:transition>
+    </mc:Fallback>
+  </mc:AlternateContent>
+</p:sld>
+</file>
+
+<file path=ppt/slides/slide9.xml><?xml version="1.0" encoding="utf-8"?>
+<p:sld xmlns:a="http://schemas.openxmlformats.org/drawingml/2006/main" xmlns:r="http://schemas.openxmlformats.org/officeDocument/2006/relationships" xmlns:p="http://schemas.openxmlformats.org/presentationml/2006/main">
+  <p:cSld>
+    <p:spTree>
+      <p:nvGrpSpPr>
+        <p:cNvPr id="1" name=""/>
+        <p:cNvGrpSpPr/>
+        <p:nvPr/>
+      </p:nvGrpSpPr>
+      <p:grpSpPr>
+        <a:xfrm>
+          <a:off x="0" y="0"/>
+          <a:ext cx="0" cy="0"/>
+          <a:chOff x="0" y="0"/>
+          <a:chExt cx="0" cy="0"/>
+        </a:xfrm>
+      </p:grpSpPr>
+      <p:sp>
+        <p:nvSpPr>
+          <p:cNvPr id="2" name="Title 1">
+            <a:extLst>
+              <a:ext uri="{FF2B5EF4-FFF2-40B4-BE49-F238E27FC236}">
+                <a16:creationId xmlns:a16="http://schemas.microsoft.com/office/drawing/2014/main" id="{776903C6-1E21-FF4E-BF23-334B721CE6A3}"/>
+              </a:ext>
+            </a:extLst>
+          </p:cNvPr>
+          <p:cNvSpPr>
+            <a:spLocks noGrp="1"/>
+          </p:cNvSpPr>
+          <p:nvPr>
+            <p:ph type="title"/>
+          </p:nvPr>
+        </p:nvSpPr>
+        <p:spPr/>
+        <p:txBody>
+          <a:bodyPr/>
+          <a:lstStyle/>
+          <a:p>
+            <a:r>
+              <a:rPr lang="en-US" dirty="0"/>
+              <a:t>Finally Block</a:t>
+            </a:r>
+          </a:p>
+        </p:txBody>
+      </p:sp>
+      <p:sp>
+        <p:nvSpPr>
+          <p:cNvPr id="8" name="Right Brace 7">
+            <a:extLst>
+              <a:ext uri="{FF2B5EF4-FFF2-40B4-BE49-F238E27FC236}">
+                <a16:creationId xmlns:a16="http://schemas.microsoft.com/office/drawing/2014/main" id="{56940FC7-E476-44A6-A096-A4FF8894B943}"/>
+              </a:ext>
+            </a:extLst>
+          </p:cNvPr>
+          <p:cNvSpPr/>
+          <p:nvPr/>
+        </p:nvSpPr>
+        <p:spPr>
+          <a:xfrm>
+            <a:off x="5635256" y="2785730"/>
+            <a:ext cx="701749" cy="1184114"/>
+          </a:xfrm>
+          <a:prstGeom prst="rightBrace">
+            <a:avLst>
+              <a:gd name="adj1" fmla="val 41666"/>
+              <a:gd name="adj2" fmla="val 50000"/>
+            </a:avLst>
+          </a:prstGeom>
+        </p:spPr>
+        <p:style>
+          <a:lnRef idx="2">
+            <a:schemeClr val="accent1"/>
+          </a:lnRef>
+          <a:fillRef idx="0">
+            <a:schemeClr val="accent1"/>
+          </a:fillRef>
+          <a:effectRef idx="1">
+            <a:schemeClr val="accent1"/>
+          </a:effectRef>
+          <a:fontRef idx="minor">
+            <a:schemeClr val="tx1"/>
+          </a:fontRef>
+        </p:style>
+        <p:txBody>
+          <a:bodyPr rtlCol="0" anchor="ctr"/>
+          <a:lstStyle/>
+          <a:p>
+            <a:pPr algn="ctr"/>
+            <a:endParaRPr lang="en-US"/>
+          </a:p>
+        </p:txBody>
+      </p:sp>
+      <p:sp>
+        <p:nvSpPr>
+          <p:cNvPr id="9" name="TextBox 8">
+            <a:extLst>
+              <a:ext uri="{FF2B5EF4-FFF2-40B4-BE49-F238E27FC236}">
+                <a16:creationId xmlns:a16="http://schemas.microsoft.com/office/drawing/2014/main" id="{D6BBB74D-437F-455D-A310-C3ABA3FCDACF}"/>
+              </a:ext>
+            </a:extLst>
+          </p:cNvPr>
+          <p:cNvSpPr txBox="1"/>
+          <p:nvPr/>
+        </p:nvSpPr>
+        <p:spPr>
+          <a:xfrm>
+            <a:off x="6464596" y="3168502"/>
+            <a:ext cx="2722220" cy="400110"/>
+          </a:xfrm>
+          <a:prstGeom prst="rect">
+            <a:avLst/>
+          </a:prstGeom>
+          <a:noFill/>
+        </p:spPr>
+        <p:txBody>
+          <a:bodyPr wrap="none" rtlCol="0">
+            <a:spAutoFit/>
+          </a:bodyPr>
+          <a:lstStyle/>
+          <a:p>
+            <a:r>
+              <a:rPr lang="en-US" dirty="0"/>
+              <a:t>Exception can happen</a:t>
+            </a:r>
+          </a:p>
+        </p:txBody>
+      </p:sp>
+      <p:sp>
+        <p:nvSpPr>
+          <p:cNvPr id="12" name="TextBox 11">
+            <a:extLst>
+              <a:ext uri="{FF2B5EF4-FFF2-40B4-BE49-F238E27FC236}">
+                <a16:creationId xmlns:a16="http://schemas.microsoft.com/office/drawing/2014/main" id="{D80517DE-03E8-4C47-B3D4-B841D7B7DE99}"/>
+              </a:ext>
+            </a:extLst>
+          </p:cNvPr>
+          <p:cNvSpPr txBox="1"/>
+          <p:nvPr/>
+        </p:nvSpPr>
+        <p:spPr>
+          <a:xfrm>
+            <a:off x="6464596" y="4474932"/>
+            <a:ext cx="2593980" cy="400110"/>
+          </a:xfrm>
+          <a:prstGeom prst="rect">
+            <a:avLst/>
+          </a:prstGeom>
+          <a:noFill/>
+        </p:spPr>
+        <p:txBody>
+          <a:bodyPr wrap="none" rtlCol="0">
+            <a:spAutoFit/>
+          </a:bodyPr>
+          <a:lstStyle/>
+          <a:p>
+            <a:r>
+              <a:rPr lang="en-US" dirty="0"/>
+              <a:t>Handle the exception</a:t>
+            </a:r>
+          </a:p>
+        </p:txBody>
+      </p:sp>
+      <p:pic>
+        <p:nvPicPr>
+          <p:cNvPr id="3" name="Picture 2">
+            <a:extLst>
+              <a:ext uri="{FF2B5EF4-FFF2-40B4-BE49-F238E27FC236}">
+                <a16:creationId xmlns:a16="http://schemas.microsoft.com/office/drawing/2014/main" id="{74E49D49-462C-4B4D-9E0F-889652579AC1}"/>
+              </a:ext>
+            </a:extLst>
+          </p:cNvPr>
+          <p:cNvPicPr>
+            <a:picLocks noChangeAspect="1"/>
+          </p:cNvPicPr>
+          <p:nvPr/>
+        </p:nvPicPr>
+        <p:blipFill>
+          <a:blip r:embed="rId2"/>
+          <a:stretch>
+            <a:fillRect/>
+          </a:stretch>
+        </p:blipFill>
+        <p:spPr>
+          <a:xfrm>
+            <a:off x="249128" y="2174137"/>
+            <a:ext cx="5505450" cy="4019550"/>
+          </a:xfrm>
+          <a:prstGeom prst="rect">
+            <a:avLst/>
+          </a:prstGeom>
+        </p:spPr>
+      </p:pic>
+      <p:sp>
+        <p:nvSpPr>
+          <p:cNvPr id="11" name="Right Brace 10">
+            <a:extLst>
+              <a:ext uri="{FF2B5EF4-FFF2-40B4-BE49-F238E27FC236}">
+                <a16:creationId xmlns:a16="http://schemas.microsoft.com/office/drawing/2014/main" id="{DF6766D9-3B85-427C-AD8B-22D42489F777}"/>
+              </a:ext>
+            </a:extLst>
+          </p:cNvPr>
+          <p:cNvSpPr/>
+          <p:nvPr/>
+        </p:nvSpPr>
+        <p:spPr>
+          <a:xfrm>
+            <a:off x="5694918" y="4282985"/>
+            <a:ext cx="642088" cy="746215"/>
+          </a:xfrm>
+          <a:prstGeom prst="rightBrace">
+            <a:avLst>
+              <a:gd name="adj1" fmla="val 41666"/>
+              <a:gd name="adj2" fmla="val 50000"/>
+            </a:avLst>
+          </a:prstGeom>
+        </p:spPr>
+        <p:style>
+          <a:lnRef idx="2">
+            <a:schemeClr val="accent1"/>
+          </a:lnRef>
+          <a:fillRef idx="0">
+            <a:schemeClr val="accent1"/>
+          </a:fillRef>
+          <a:effectRef idx="1">
+            <a:schemeClr val="accent1"/>
+          </a:effectRef>
+          <a:fontRef idx="minor">
+            <a:schemeClr val="tx1"/>
+          </a:fontRef>
+        </p:style>
+        <p:txBody>
+          <a:bodyPr rtlCol="0" anchor="ctr"/>
+          <a:lstStyle/>
+          <a:p>
+            <a:pPr algn="ctr"/>
+            <a:endParaRPr lang="en-US"/>
+          </a:p>
+        </p:txBody>
+      </p:sp>
+      <p:sp>
+        <p:nvSpPr>
+          <p:cNvPr id="13" name="Right Brace 12">
+            <a:extLst>
+              <a:ext uri="{FF2B5EF4-FFF2-40B4-BE49-F238E27FC236}">
+                <a16:creationId xmlns:a16="http://schemas.microsoft.com/office/drawing/2014/main" id="{736DB970-17A9-4B47-AEAF-4FD1566FFA9B}"/>
+              </a:ext>
+            </a:extLst>
+          </p:cNvPr>
+          <p:cNvSpPr/>
+          <p:nvPr/>
+        </p:nvSpPr>
+        <p:spPr>
+          <a:xfrm>
+            <a:off x="5756646" y="5181600"/>
+            <a:ext cx="642088" cy="746215"/>
+          </a:xfrm>
+          <a:prstGeom prst="rightBrace">
+            <a:avLst>
+              <a:gd name="adj1" fmla="val 41666"/>
+              <a:gd name="adj2" fmla="val 50000"/>
+            </a:avLst>
+          </a:prstGeom>
+        </p:spPr>
+        <p:style>
+          <a:lnRef idx="2">
+            <a:schemeClr val="accent1"/>
+          </a:lnRef>
+          <a:fillRef idx="0">
+            <a:schemeClr val="accent1"/>
+          </a:fillRef>
+          <a:effectRef idx="1">
+            <a:schemeClr val="accent1"/>
+          </a:effectRef>
+          <a:fontRef idx="minor">
+            <a:schemeClr val="tx1"/>
+          </a:fontRef>
+        </p:style>
+        <p:txBody>
+          <a:bodyPr rtlCol="0" anchor="ctr"/>
+          <a:lstStyle/>
+          <a:p>
+            <a:pPr algn="ctr"/>
+            <a:endParaRPr lang="en-US"/>
+          </a:p>
+        </p:txBody>
+      </p:sp>
+      <p:sp>
+        <p:nvSpPr>
+          <p:cNvPr id="14" name="TextBox 13">
+            <a:extLst>
+              <a:ext uri="{FF2B5EF4-FFF2-40B4-BE49-F238E27FC236}">
+                <a16:creationId xmlns:a16="http://schemas.microsoft.com/office/drawing/2014/main" id="{00D2C33F-0FB8-4A0B-84A9-FF66CBCA60C6}"/>
+              </a:ext>
+            </a:extLst>
+          </p:cNvPr>
+          <p:cNvSpPr txBox="1"/>
+          <p:nvPr/>
+        </p:nvSpPr>
+        <p:spPr>
+          <a:xfrm>
+            <a:off x="6464596" y="5269235"/>
+            <a:ext cx="7103876" cy="707886"/>
+          </a:xfrm>
+          <a:prstGeom prst="rect">
+            <a:avLst/>
+          </a:prstGeom>
+          <a:noFill/>
+        </p:spPr>
+        <p:txBody>
+          <a:bodyPr wrap="square" rtlCol="0">
+            <a:spAutoFit/>
+          </a:bodyPr>
+          <a:lstStyle/>
+          <a:p>
+            <a:r>
+              <a:rPr lang="en-US" dirty="0"/>
+              <a:t>Block of commands that executes after the program exits the corresponding try or catch blocks. It is always executed!</a:t>
+            </a:r>
+          </a:p>
+        </p:txBody>
+      </p:sp>
+    </p:spTree>
+    <p:extLst>
+      <p:ext uri="{BB962C8B-B14F-4D97-AF65-F5344CB8AC3E}">
+        <p14:creationId xmlns:p14="http://schemas.microsoft.com/office/powerpoint/2010/main" val="2498223820"/>
+      </p:ext>
+    </p:extLst>
+  </p:cSld>
+  <p:clrMapOvr>
+    <a:masterClrMapping/>
+  </p:clrMapOvr>
+  <mc:AlternateContent xmlns:mc="http://schemas.openxmlformats.org/markup-compatibility/2006" xmlns:p14="http://schemas.microsoft.com/office/powerpoint/2010/main">
+    <mc:Choice Requires="p14">
+      <p:transition p14:dur="300">
+        <p:fade/>
+      </p:transition>
+    </mc:Choice>
+    <mc:Fallback xmlns="">
+      <p:transition>
+        <p:fade/>
+      </p:transition>
+    </mc:Fallback>
+  </mc:AlternateContent>
 </p:sld>
 </file>
 

--- a/slides/On-Campus/09_02_Exceptions.pptx
+++ b/slides/On-Campus/09_02_Exceptions.pptx
@@ -151,6 +151,30 @@
 <file path=ppt/changesInfos/changesInfo1.xml><?xml version="1.0" encoding="utf-8"?>
 <pc:chgInfo xmlns:a="http://schemas.openxmlformats.org/drawingml/2006/main" xmlns:r="http://schemas.openxmlformats.org/officeDocument/2006/relationships" xmlns:ac="http://schemas.microsoft.com/office/drawing/2013/main/command" xmlns:pc="http://schemas.microsoft.com/office/powerpoint/2013/main/command">
   <pc:docChgLst>
+    <pc:chgData name="Marcia Moraes" userId="c9c67e8a-58e2-4733-9a1c-5d44fec4775b" providerId="ADAL" clId="{12389547-4DDF-4102-B659-17DB227C9AF2}"/>
+    <pc:docChg chg="modSld">
+      <pc:chgData name="Marcia Moraes" userId="c9c67e8a-58e2-4733-9a1c-5d44fec4775b" providerId="ADAL" clId="{12389547-4DDF-4102-B659-17DB227C9AF2}" dt="2024-03-06T15:34:19.300" v="2" actId="20577"/>
+      <pc:docMkLst>
+        <pc:docMk/>
+      </pc:docMkLst>
+      <pc:sldChg chg="modSp">
+        <pc:chgData name="Marcia Moraes" userId="c9c67e8a-58e2-4733-9a1c-5d44fec4775b" providerId="ADAL" clId="{12389547-4DDF-4102-B659-17DB227C9AF2}" dt="2024-03-06T15:34:19.300" v="2" actId="20577"/>
+        <pc:sldMkLst>
+          <pc:docMk/>
+          <pc:sldMk cId="2571368551" sldId="272"/>
+        </pc:sldMkLst>
+        <pc:graphicFrameChg chg="modGraphic">
+          <ac:chgData name="Marcia Moraes" userId="c9c67e8a-58e2-4733-9a1c-5d44fec4775b" providerId="ADAL" clId="{12389547-4DDF-4102-B659-17DB227C9AF2}" dt="2024-03-06T15:34:19.300" v="2" actId="20577"/>
+          <ac:graphicFrameMkLst>
+            <pc:docMk/>
+            <pc:sldMk cId="2571368551" sldId="272"/>
+            <ac:graphicFrameMk id="7" creationId="{9B410987-44AC-47BB-A8EC-818EE1B0A06C}"/>
+          </ac:graphicFrameMkLst>
+        </pc:graphicFrameChg>
+      </pc:sldChg>
+    </pc:docChg>
+  </pc:docChgLst>
+  <pc:docChgLst>
     <pc:chgData name="Moraes,Marcia" userId="c9c67e8a-58e2-4733-9a1c-5d44fec4775b" providerId="ADAL" clId="{059E7016-62AC-4BEE-AFC5-BBAF8A187100}"/>
   </pc:docChgLst>
   <pc:docChgLst>
@@ -158,97 +182,6 @@
   </pc:docChgLst>
   <pc:docChgLst>
     <pc:chgData name="Marcia Moraes" userId="c9c67e8a-58e2-4733-9a1c-5d44fec4775b" providerId="ADAL" clId="{633E1713-1820-4C8D-BC41-9FCDADECAA40}"/>
-    <pc:docChg chg="custSel addSld delSld modSld sldOrd">
-      <pc:chgData name="Marcia Moraes" userId="c9c67e8a-58e2-4733-9a1c-5d44fec4775b" providerId="ADAL" clId="{633E1713-1820-4C8D-BC41-9FCDADECAA40}" dt="2023-10-11T00:29:33.332" v="12"/>
-      <pc:docMkLst>
-        <pc:docMk/>
-      </pc:docMkLst>
-      <pc:sldChg chg="addSp delSp modSp">
-        <pc:chgData name="Marcia Moraes" userId="c9c67e8a-58e2-4733-9a1c-5d44fec4775b" providerId="ADAL" clId="{633E1713-1820-4C8D-BC41-9FCDADECAA40}" dt="2023-10-11T00:29:02.379" v="5"/>
-        <pc:sldMkLst>
-          <pc:docMk/>
-          <pc:sldMk cId="2571368551" sldId="272"/>
-        </pc:sldMkLst>
-        <pc:spChg chg="add">
-          <ac:chgData name="Marcia Moraes" userId="c9c67e8a-58e2-4733-9a1c-5d44fec4775b" providerId="ADAL" clId="{633E1713-1820-4C8D-BC41-9FCDADECAA40}" dt="2023-10-11T00:29:02.379" v="5"/>
-          <ac:spMkLst>
-            <pc:docMk/>
-            <pc:sldMk cId="2571368551" sldId="272"/>
-            <ac:spMk id="6" creationId="{520B4A45-6C4F-48DC-8957-6A33C421851F}"/>
-          </ac:spMkLst>
-        </pc:spChg>
-        <pc:graphicFrameChg chg="add">
-          <ac:chgData name="Marcia Moraes" userId="c9c67e8a-58e2-4733-9a1c-5d44fec4775b" providerId="ADAL" clId="{633E1713-1820-4C8D-BC41-9FCDADECAA40}" dt="2023-10-11T00:29:02.379" v="5"/>
-          <ac:graphicFrameMkLst>
-            <pc:docMk/>
-            <pc:sldMk cId="2571368551" sldId="272"/>
-            <ac:graphicFrameMk id="7" creationId="{9B410987-44AC-47BB-A8EC-818EE1B0A06C}"/>
-          </ac:graphicFrameMkLst>
-        </pc:graphicFrameChg>
-        <pc:picChg chg="del mod">
-          <ac:chgData name="Marcia Moraes" userId="c9c67e8a-58e2-4733-9a1c-5d44fec4775b" providerId="ADAL" clId="{633E1713-1820-4C8D-BC41-9FCDADECAA40}" dt="2023-10-11T00:28:59.356" v="4" actId="478"/>
-          <ac:picMkLst>
-            <pc:docMk/>
-            <pc:sldMk cId="2571368551" sldId="272"/>
-            <ac:picMk id="1026" creationId="{FAA94CC7-39DC-490E-87D2-27F1157EAB7B}"/>
-          </ac:picMkLst>
-        </pc:picChg>
-      </pc:sldChg>
-      <pc:sldChg chg="add del">
-        <pc:chgData name="Marcia Moraes" userId="c9c67e8a-58e2-4733-9a1c-5d44fec4775b" providerId="ADAL" clId="{633E1713-1820-4C8D-BC41-9FCDADECAA40}" dt="2023-10-11T00:28:49.194" v="1"/>
-        <pc:sldMkLst>
-          <pc:docMk/>
-          <pc:sldMk cId="967945617" sldId="279"/>
-        </pc:sldMkLst>
-      </pc:sldChg>
-      <pc:sldChg chg="addSp delSp modSp add ord">
-        <pc:chgData name="Marcia Moraes" userId="c9c67e8a-58e2-4733-9a1c-5d44fec4775b" providerId="ADAL" clId="{633E1713-1820-4C8D-BC41-9FCDADECAA40}" dt="2023-10-11T00:29:33.332" v="12"/>
-        <pc:sldMkLst>
-          <pc:docMk/>
-          <pc:sldMk cId="3883210581" sldId="279"/>
-        </pc:sldMkLst>
-        <pc:spChg chg="mod">
-          <ac:chgData name="Marcia Moraes" userId="c9c67e8a-58e2-4733-9a1c-5d44fec4775b" providerId="ADAL" clId="{633E1713-1820-4C8D-BC41-9FCDADECAA40}" dt="2023-10-11T00:29:30.581" v="11" actId="1076"/>
-          <ac:spMkLst>
-            <pc:docMk/>
-            <pc:sldMk cId="3883210581" sldId="279"/>
-            <ac:spMk id="2" creationId="{84CD52E7-9878-46B0-B322-12FDC9581986}"/>
-          </ac:spMkLst>
-        </pc:spChg>
-        <pc:spChg chg="del">
-          <ac:chgData name="Marcia Moraes" userId="c9c67e8a-58e2-4733-9a1c-5d44fec4775b" providerId="ADAL" clId="{633E1713-1820-4C8D-BC41-9FCDADECAA40}" dt="2023-10-11T00:29:18.956" v="7" actId="478"/>
-          <ac:spMkLst>
-            <pc:docMk/>
-            <pc:sldMk cId="3883210581" sldId="279"/>
-            <ac:spMk id="4" creationId="{119AD8F2-D5DB-A84B-A5B3-F7935E3E6D1D}"/>
-          </ac:spMkLst>
-        </pc:spChg>
-        <pc:spChg chg="add del mod">
-          <ac:chgData name="Marcia Moraes" userId="c9c67e8a-58e2-4733-9a1c-5d44fec4775b" providerId="ADAL" clId="{633E1713-1820-4C8D-BC41-9FCDADECAA40}" dt="2023-10-11T00:29:23" v="8" actId="478"/>
-          <ac:spMkLst>
-            <pc:docMk/>
-            <pc:sldMk cId="3883210581" sldId="279"/>
-            <ac:spMk id="5" creationId="{AF1FDE87-7C07-4F66-8DCC-8153A0E638A7}"/>
-          </ac:spMkLst>
-        </pc:spChg>
-        <pc:spChg chg="del">
-          <ac:chgData name="Marcia Moraes" userId="c9c67e8a-58e2-4733-9a1c-5d44fec4775b" providerId="ADAL" clId="{633E1713-1820-4C8D-BC41-9FCDADECAA40}" dt="2023-10-11T00:29:15.987" v="6" actId="478"/>
-          <ac:spMkLst>
-            <pc:docMk/>
-            <pc:sldMk cId="3883210581" sldId="279"/>
-            <ac:spMk id="11" creationId="{BDA0DBC1-29A7-4498-B9AA-9B174D0FEC3E}"/>
-          </ac:spMkLst>
-        </pc:spChg>
-        <pc:picChg chg="mod">
-          <ac:chgData name="Marcia Moraes" userId="c9c67e8a-58e2-4733-9a1c-5d44fec4775b" providerId="ADAL" clId="{633E1713-1820-4C8D-BC41-9FCDADECAA40}" dt="2023-10-11T00:29:26.466" v="9" actId="1076"/>
-          <ac:picMkLst>
-            <pc:docMk/>
-            <pc:sldMk cId="3883210581" sldId="279"/>
-            <ac:picMk id="1026" creationId="{FAA94CC7-39DC-490E-87D2-27F1157EAB7B}"/>
-          </ac:picMkLst>
-        </pc:picChg>
-      </pc:sldChg>
-    </pc:docChg>
   </pc:docChgLst>
   <pc:docChgLst>
     <pc:chgData name="Moraes,Marcia" userId="c9c67e8a-58e2-4733-9a1c-5d44fec4775b" providerId="ADAL" clId="{4356BC4C-E2BB-4A77-8BF2-2569A52BB921}"/>
@@ -338,7 +271,7 @@
           <a:p>
             <a:fld id="{4D7E51A5-B478-1E40-8CBB-0DAA8831E99D}" type="datetimeFigureOut">
               <a:rPr lang="en-US" smtClean="0"/>
-              <a:t>10/11/2023</a:t>
+              <a:t>3/6/2024</a:t>
             </a:fld>
             <a:endParaRPr lang="en-US"/>
           </a:p>
@@ -503,7 +436,7 @@
           <a:p>
             <a:fld id="{D0ED587F-861E-6740-9643-E3DDAE89B8D6}" type="datetimeFigureOut">
               <a:rPr lang="en-US" smtClean="0"/>
-              <a:t>10/11/2023</a:t>
+              <a:t>3/6/2024</a:t>
             </a:fld>
             <a:endParaRPr lang="en-US"/>
           </a:p>
@@ -19709,7 +19642,7 @@
           <p:nvPr>
             <p:extLst>
               <p:ext uri="{D42A27DB-BD31-4B8C-83A1-F6EECF244321}">
-                <p14:modId xmlns:p14="http://schemas.microsoft.com/office/powerpoint/2010/main" val="2184373793"/>
+                <p14:modId xmlns:p14="http://schemas.microsoft.com/office/powerpoint/2010/main" val="2570869893"/>
               </p:ext>
             </p:extLst>
           </p:nvPr>
@@ -20020,7 +19953,7 @@
                         <a:rPr lang="en-US" sz="1600" dirty="0">
                           <a:effectLst/>
                         </a:rPr>
-                        <a:t>12 PM - 2 PM : CSB 120</a:t>
+                        <a:t>3 PM - 5 PM : CSB 120</a:t>
                       </a:r>
                       <a:endParaRPr lang="en-US" sz="1600" dirty="0">
                         <a:effectLst/>
